--- a/데이터베이스설계 과제 4.pptx
+++ b/데이터베이스설계 과제 4.pptx
@@ -13,10 +13,23 @@
     <p:sldId id="267" r:id="rId7"/>
     <p:sldId id="274" r:id="rId8"/>
     <p:sldId id="275" r:id="rId9"/>
-    <p:sldId id="268" r:id="rId10"/>
-    <p:sldId id="269" r:id="rId11"/>
-    <p:sldId id="270" r:id="rId12"/>
-    <p:sldId id="271" r:id="rId13"/>
+    <p:sldId id="276" r:id="rId10"/>
+    <p:sldId id="277" r:id="rId11"/>
+    <p:sldId id="278" r:id="rId12"/>
+    <p:sldId id="268" r:id="rId13"/>
+    <p:sldId id="279" r:id="rId14"/>
+    <p:sldId id="285" r:id="rId15"/>
+    <p:sldId id="286" r:id="rId16"/>
+    <p:sldId id="287" r:id="rId17"/>
+    <p:sldId id="288" r:id="rId18"/>
+    <p:sldId id="280" r:id="rId19"/>
+    <p:sldId id="269" r:id="rId20"/>
+    <p:sldId id="281" r:id="rId21"/>
+    <p:sldId id="282" r:id="rId22"/>
+    <p:sldId id="283" r:id="rId23"/>
+    <p:sldId id="284" r:id="rId24"/>
+    <p:sldId id="270" r:id="rId25"/>
+    <p:sldId id="271" r:id="rId26"/>
   </p:sldIdLst>
   <p:sldSz cx="12192000" cy="6858000"/>
   <p:notesSz cx="6858000" cy="9144000"/>
@@ -3528,7 +3541,7 @@
         <p:spPr>
           <a:xfrm>
             <a:off x="593355" y="647448"/>
-            <a:ext cx="7236276" cy="523220"/>
+            <a:ext cx="4994894" cy="523220"/>
           </a:xfrm>
           <a:prstGeom prst="rect">
             <a:avLst/>
@@ -3573,7 +3586,7 @@
                 <a:ea typeface="Noto Sans KR" panose="020B0500000000000000" pitchFamily="34" charset="-127"/>
                 <a:cs typeface="+mn-cs"/>
               </a:rPr>
-              <a:t>(5) </a:t>
+              <a:t>(3) RDB</a:t>
             </a:r>
             <a:r>
               <a:rPr kumimoji="0" lang="ko-KR" altLang="en-US" sz="2800" b="1" i="0" u="none" strike="noStrike" kern="1200" cap="none" spc="0" normalizeH="0" baseline="0" noProof="0">
@@ -3590,7 +3603,7 @@
                 <a:ea typeface="Noto Sans KR" panose="020B0500000000000000" pitchFamily="34" charset="-127"/>
                 <a:cs typeface="+mn-cs"/>
               </a:rPr>
-              <a:t>대화식 </a:t>
+              <a:t> 테이블</a:t>
             </a:r>
             <a:r>
               <a:rPr kumimoji="0" lang="en-US" altLang="ko-KR" sz="2800" b="1" i="0" u="none" strike="noStrike" kern="1200" cap="none" spc="0" normalizeH="0" baseline="0" noProof="0">
@@ -3607,7 +3620,7 @@
                 <a:ea typeface="Noto Sans KR" panose="020B0500000000000000" pitchFamily="34" charset="-127"/>
                 <a:cs typeface="+mn-cs"/>
               </a:rPr>
-              <a:t>SQL  </a:t>
+              <a:t> </a:t>
             </a:r>
             <a:r>
               <a:rPr kumimoji="0" lang="ko-KR" altLang="en-US" sz="2800" b="1" i="0" u="none" strike="noStrike" kern="1200" cap="none" spc="0" normalizeH="0" baseline="0" noProof="0">
@@ -3624,7 +3637,7 @@
                 <a:ea typeface="Noto Sans KR" panose="020B0500000000000000" pitchFamily="34" charset="-127"/>
                 <a:cs typeface="+mn-cs"/>
               </a:rPr>
-              <a:t>도구로 </a:t>
+              <a:t>스키마 </a:t>
             </a:r>
             <a:r>
               <a:rPr kumimoji="0" lang="en-US" altLang="ko-KR" sz="2800" b="1" i="0" u="none" strike="noStrike" kern="1200" cap="none" spc="0" normalizeH="0" baseline="0" noProof="0">
@@ -3641,32 +3654,995 @@
                 <a:ea typeface="Noto Sans KR" panose="020B0500000000000000" pitchFamily="34" charset="-127"/>
                 <a:cs typeface="+mn-cs"/>
               </a:rPr>
-              <a:t>DB </a:t>
-            </a:r>
-            <a:r>
-              <a:rPr kumimoji="0" lang="ko-KR" altLang="en-US" sz="2800" b="1" i="0" u="none" strike="noStrike" kern="1200" cap="none" spc="0" normalizeH="0" baseline="0" noProof="0">
-                <a:ln>
-                  <a:noFill/>
-                </a:ln>
-                <a:solidFill>
-                  <a:srgbClr val="43474A"/>
-                </a:solidFill>
-                <a:effectLst/>
-                <a:uLnTx/>
-                <a:uFillTx/>
-                <a:latin typeface="Noto Sans KR" panose="020B0500000000000000" pitchFamily="34" charset="-127"/>
-                <a:ea typeface="Noto Sans KR" panose="020B0500000000000000" pitchFamily="34" charset="-127"/>
-                <a:cs typeface="+mn-cs"/>
-              </a:rPr>
-              <a:t>생성 및 데이터 적재</a:t>
-            </a:r>
+              <a:t>– n to n</a:t>
+            </a:r>
+            <a:endParaRPr kumimoji="0" lang="ko-KR" altLang="en-US" sz="2800" b="1" i="0" u="none" strike="noStrike" kern="1200" cap="none" spc="0" normalizeH="0" baseline="0" noProof="0">
+              <a:ln>
+                <a:noFill/>
+              </a:ln>
+              <a:solidFill>
+                <a:srgbClr val="43474A"/>
+              </a:solidFill>
+              <a:effectLst/>
+              <a:uLnTx/>
+              <a:uFillTx/>
+              <a:latin typeface="Noto Sans KR" panose="020B0500000000000000" pitchFamily="34" charset="-127"/>
+              <a:ea typeface="Noto Sans KR" panose="020B0500000000000000" pitchFamily="34" charset="-127"/>
+              <a:cs typeface="+mn-cs"/>
+            </a:endParaRPr>
           </a:p>
         </p:txBody>
       </p:sp>
+      <p:sp>
+        <p:nvSpPr>
+          <p:cNvPr id="2" name="TextBox 1">
+            <a:extLst>
+              <a:ext uri="{FF2B5EF4-FFF2-40B4-BE49-F238E27FC236}">
+                <a16:creationId xmlns:a16="http://schemas.microsoft.com/office/drawing/2014/main" id="{1BEC9D21-F82A-641B-FE11-B1998F2BD2D8}"/>
+              </a:ext>
+            </a:extLst>
+          </p:cNvPr>
+          <p:cNvSpPr txBox="1"/>
+          <p:nvPr/>
+        </p:nvSpPr>
+        <p:spPr>
+          <a:xfrm>
+            <a:off x="797693" y="4884742"/>
+            <a:ext cx="7561878" cy="961482"/>
+          </a:xfrm>
+          <a:prstGeom prst="rect">
+            <a:avLst/>
+          </a:prstGeom>
+          <a:noFill/>
+        </p:spPr>
+        <p:txBody>
+          <a:bodyPr wrap="none" rtlCol="0">
+            <a:spAutoFit/>
+          </a:bodyPr>
+          <a:lstStyle/>
+          <a:p>
+            <a:pPr marL="0" marR="0" lvl="0" indent="0" algn="l" defTabSz="914400" rtl="0" eaLnBrk="1" fontAlgn="auto" latinLnBrk="1" hangingPunct="1">
+              <a:lnSpc>
+                <a:spcPct val="150000"/>
+              </a:lnSpc>
+              <a:spcBef>
+                <a:spcPts val="0"/>
+              </a:spcBef>
+              <a:spcAft>
+                <a:spcPts val="0"/>
+              </a:spcAft>
+              <a:buClrTx/>
+              <a:buSzTx/>
+              <a:buFontTx/>
+              <a:buNone/>
+              <a:tabLst/>
+              <a:defRPr/>
+            </a:pPr>
+            <a:r>
+              <a:rPr kumimoji="0" lang="en-US" altLang="ko-KR" sz="2000" b="0" i="0" u="none" strike="noStrike" kern="1200" cap="none" spc="0" normalizeH="0" baseline="0" noProof="0">
+                <a:ln>
+                  <a:noFill/>
+                </a:ln>
+                <a:solidFill>
+                  <a:srgbClr val="43474A"/>
+                </a:solidFill>
+                <a:effectLst/>
+                <a:uLnTx/>
+                <a:uFillTx/>
+                <a:latin typeface="Noto Sans KR Medium" panose="020B0600000000000000" pitchFamily="34" charset="-127"/>
+                <a:ea typeface="Noto Sans KR Medium" panose="020B0600000000000000" pitchFamily="34" charset="-127"/>
+                <a:cs typeface="+mn-cs"/>
+              </a:rPr>
+              <a:t>supply </a:t>
+            </a:r>
+            <a:r>
+              <a:rPr kumimoji="0" lang="ko-KR" altLang="en-US" sz="2000" b="0" i="0" u="none" strike="noStrike" kern="1200" cap="none" spc="0" normalizeH="0" baseline="0" noProof="0">
+                <a:ln>
+                  <a:noFill/>
+                </a:ln>
+                <a:solidFill>
+                  <a:srgbClr val="43474A"/>
+                </a:solidFill>
+                <a:effectLst/>
+                <a:uLnTx/>
+                <a:uFillTx/>
+                <a:latin typeface="Noto Sans KR Medium" panose="020B0600000000000000" pitchFamily="34" charset="-127"/>
+                <a:ea typeface="Noto Sans KR Medium" panose="020B0600000000000000" pitchFamily="34" charset="-127"/>
+                <a:cs typeface="+mn-cs"/>
+              </a:rPr>
+              <a:t>테이블 </a:t>
+            </a:r>
+            <a:r>
+              <a:rPr lang="ko-KR" altLang="en-US" sz="2000">
+                <a:solidFill>
+                  <a:srgbClr val="43474A"/>
+                </a:solidFill>
+                <a:latin typeface="Noto Sans KR Medium" panose="020B0600000000000000" pitchFamily="34" charset="-127"/>
+                <a:ea typeface="Noto Sans KR Medium" panose="020B0600000000000000" pitchFamily="34" charset="-127"/>
+              </a:rPr>
+              <a:t>생성</a:t>
+            </a:r>
+            <a:endParaRPr kumimoji="0" lang="en-US" altLang="ko-KR" sz="2000" b="0" i="0" u="none" strike="noStrike" kern="1200" cap="none" spc="0" normalizeH="0" baseline="0" noProof="0">
+              <a:ln>
+                <a:noFill/>
+              </a:ln>
+              <a:solidFill>
+                <a:srgbClr val="43474A"/>
+              </a:solidFill>
+              <a:effectLst/>
+              <a:uLnTx/>
+              <a:uFillTx/>
+              <a:latin typeface="Noto Sans KR Medium" panose="020B0600000000000000" pitchFamily="34" charset="-127"/>
+              <a:ea typeface="Noto Sans KR Medium" panose="020B0600000000000000" pitchFamily="34" charset="-127"/>
+              <a:cs typeface="+mn-cs"/>
+            </a:endParaRPr>
+          </a:p>
+          <a:p>
+            <a:pPr marL="0" marR="0" lvl="0" indent="0" algn="l" defTabSz="914400" rtl="0" eaLnBrk="1" fontAlgn="auto" latinLnBrk="1" hangingPunct="1">
+              <a:lnSpc>
+                <a:spcPct val="150000"/>
+              </a:lnSpc>
+              <a:spcBef>
+                <a:spcPts val="0"/>
+              </a:spcBef>
+              <a:spcAft>
+                <a:spcPts val="0"/>
+              </a:spcAft>
+              <a:buClrTx/>
+              <a:buSzTx/>
+              <a:buFontTx/>
+              <a:buNone/>
+              <a:tabLst/>
+              <a:defRPr/>
+            </a:pPr>
+            <a:r>
+              <a:rPr kumimoji="0" lang="en-US" altLang="ko-KR" sz="2000" b="0" i="0" u="none" strike="noStrike" kern="1200" cap="none" spc="0" normalizeH="0" baseline="0" noProof="0">
+                <a:ln>
+                  <a:noFill/>
+                </a:ln>
+                <a:solidFill>
+                  <a:srgbClr val="43474A"/>
+                </a:solidFill>
+                <a:effectLst/>
+                <a:uLnTx/>
+                <a:uFillTx/>
+                <a:latin typeface="Noto Sans KR Medium" panose="020B0600000000000000" pitchFamily="34" charset="-127"/>
+                <a:ea typeface="Noto Sans KR Medium" panose="020B0600000000000000" pitchFamily="34" charset="-127"/>
+                <a:cs typeface="+mn-cs"/>
+              </a:rPr>
+              <a:t>supply(</a:t>
+            </a:r>
+            <a:r>
+              <a:rPr kumimoji="0" lang="en-US" altLang="ko-KR" sz="2000" b="1" i="0" u="none" strike="noStrike" kern="1200" cap="none" spc="0" normalizeH="0" baseline="0" noProof="0">
+                <a:ln>
+                  <a:noFill/>
+                </a:ln>
+                <a:solidFill>
+                  <a:srgbClr val="43474A"/>
+                </a:solidFill>
+                <a:effectLst/>
+                <a:uLnTx/>
+                <a:uFillTx/>
+                <a:latin typeface="Noto Sans KR Medium" panose="020B0600000000000000" pitchFamily="34" charset="-127"/>
+                <a:ea typeface="Noto Sans KR Medium" panose="020B0600000000000000" pitchFamily="34" charset="-127"/>
+                <a:cs typeface="+mn-cs"/>
+              </a:rPr>
+              <a:t>supply_id</a:t>
+            </a:r>
+            <a:r>
+              <a:rPr kumimoji="0" lang="en-US" altLang="ko-KR" sz="2000" b="0" i="0" u="none" strike="noStrike" kern="1200" cap="none" spc="0" normalizeH="0" baseline="0" noProof="0">
+                <a:ln>
+                  <a:noFill/>
+                </a:ln>
+                <a:solidFill>
+                  <a:srgbClr val="43474A"/>
+                </a:solidFill>
+                <a:effectLst/>
+                <a:uLnTx/>
+                <a:uFillTx/>
+                <a:latin typeface="Noto Sans KR Medium" panose="020B0600000000000000" pitchFamily="34" charset="-127"/>
+                <a:ea typeface="Noto Sans KR Medium" panose="020B0600000000000000" pitchFamily="34" charset="-127"/>
+                <a:cs typeface="+mn-cs"/>
+              </a:rPr>
+              <a:t>, manufacturer_id, item_id, quantity, </a:t>
+            </a:r>
+            <a:r>
+              <a:rPr lang="en-US" altLang="ko-KR" sz="2000">
+                <a:solidFill>
+                  <a:srgbClr val="43474A"/>
+                </a:solidFill>
+                <a:latin typeface="Noto Sans KR Medium" panose="020B0600000000000000" pitchFamily="34" charset="-127"/>
+                <a:ea typeface="Noto Sans KR Medium" panose="020B0600000000000000" pitchFamily="34" charset="-127"/>
+              </a:rPr>
+              <a:t>date</a:t>
+            </a:r>
+            <a:r>
+              <a:rPr kumimoji="0" lang="en-US" altLang="ko-KR" sz="2000" b="0" i="0" u="none" strike="noStrike" kern="1200" cap="none" spc="0" normalizeH="0" baseline="0" noProof="0">
+                <a:ln>
+                  <a:noFill/>
+                </a:ln>
+                <a:solidFill>
+                  <a:srgbClr val="43474A"/>
+                </a:solidFill>
+                <a:effectLst/>
+                <a:uLnTx/>
+                <a:uFillTx/>
+                <a:latin typeface="Noto Sans KR Medium" panose="020B0600000000000000" pitchFamily="34" charset="-127"/>
+                <a:ea typeface="Noto Sans KR Medium" panose="020B0600000000000000" pitchFamily="34" charset="-127"/>
+                <a:cs typeface="+mn-cs"/>
+              </a:rPr>
+              <a:t>)</a:t>
+            </a:r>
+          </a:p>
+        </p:txBody>
+      </p:sp>
+      <p:sp>
+        <p:nvSpPr>
+          <p:cNvPr id="6" name="다이아몬드 5">
+            <a:extLst>
+              <a:ext uri="{FF2B5EF4-FFF2-40B4-BE49-F238E27FC236}">
+                <a16:creationId xmlns:a16="http://schemas.microsoft.com/office/drawing/2014/main" id="{A42FF766-A13B-E314-CC00-5090D5983AA6}"/>
+              </a:ext>
+            </a:extLst>
+          </p:cNvPr>
+          <p:cNvSpPr/>
+          <p:nvPr/>
+        </p:nvSpPr>
+        <p:spPr>
+          <a:xfrm>
+            <a:off x="4709162" y="1919278"/>
+            <a:ext cx="2773676" cy="818444"/>
+          </a:xfrm>
+          <a:prstGeom prst="diamond">
+            <a:avLst/>
+          </a:prstGeom>
+          <a:solidFill>
+            <a:schemeClr val="bg1">
+              <a:lumMod val="95000"/>
+            </a:schemeClr>
+          </a:solidFill>
+          <a:ln w="19050">
+            <a:solidFill>
+              <a:srgbClr val="43474A"/>
+            </a:solidFill>
+          </a:ln>
+        </p:spPr>
+        <p:style>
+          <a:lnRef idx="2">
+            <a:schemeClr val="accent1">
+              <a:shade val="50000"/>
+            </a:schemeClr>
+          </a:lnRef>
+          <a:fillRef idx="1">
+            <a:schemeClr val="accent1"/>
+          </a:fillRef>
+          <a:effectRef idx="0">
+            <a:schemeClr val="accent1"/>
+          </a:effectRef>
+          <a:fontRef idx="minor">
+            <a:schemeClr val="lt1"/>
+          </a:fontRef>
+        </p:style>
+        <p:txBody>
+          <a:bodyPr rtlCol="0" anchor="ctr"/>
+          <a:lstStyle/>
+          <a:p>
+            <a:pPr marL="0" marR="0" lvl="0" indent="0" algn="ctr" defTabSz="914400" rtl="0" eaLnBrk="1" fontAlgn="auto" latinLnBrk="1" hangingPunct="1">
+              <a:lnSpc>
+                <a:spcPct val="100000"/>
+              </a:lnSpc>
+              <a:spcBef>
+                <a:spcPts val="0"/>
+              </a:spcBef>
+              <a:spcAft>
+                <a:spcPts val="0"/>
+              </a:spcAft>
+              <a:buClrTx/>
+              <a:buSzTx/>
+              <a:buFontTx/>
+              <a:buNone/>
+              <a:tabLst/>
+              <a:defRPr/>
+            </a:pPr>
+            <a:r>
+              <a:rPr lang="en-US" altLang="ko-KR" sz="1600" b="1">
+                <a:solidFill>
+                  <a:srgbClr val="43474A"/>
+                </a:solidFill>
+                <a:latin typeface="Noto Sans KR" panose="020B0500000000000000" pitchFamily="34" charset="-127"/>
+                <a:ea typeface="Noto Sans KR" panose="020B0500000000000000" pitchFamily="34" charset="-127"/>
+              </a:rPr>
+              <a:t>supply</a:t>
+            </a:r>
+            <a:endParaRPr kumimoji="0" lang="ko-KR" altLang="en-US" sz="1600" b="1" i="0" u="none" strike="noStrike" kern="1200" cap="none" spc="0" normalizeH="0" baseline="0" noProof="0">
+              <a:ln>
+                <a:noFill/>
+              </a:ln>
+              <a:solidFill>
+                <a:srgbClr val="43474A"/>
+              </a:solidFill>
+              <a:effectLst/>
+              <a:uLnTx/>
+              <a:uFillTx/>
+              <a:latin typeface="Noto Sans KR" panose="020B0500000000000000" pitchFamily="34" charset="-127"/>
+              <a:ea typeface="Noto Sans KR" panose="020B0500000000000000" pitchFamily="34" charset="-127"/>
+              <a:cs typeface="+mn-cs"/>
+            </a:endParaRPr>
+          </a:p>
+        </p:txBody>
+      </p:sp>
+      <p:cxnSp>
+        <p:nvCxnSpPr>
+          <p:cNvPr id="7" name="직선 연결선 6">
+            <a:extLst>
+              <a:ext uri="{FF2B5EF4-FFF2-40B4-BE49-F238E27FC236}">
+                <a16:creationId xmlns:a16="http://schemas.microsoft.com/office/drawing/2014/main" id="{4457FB81-6667-86E3-D41F-B99AB84D806D}"/>
+              </a:ext>
+            </a:extLst>
+          </p:cNvPr>
+          <p:cNvCxnSpPr>
+            <a:cxnSpLocks/>
+            <a:stCxn id="6" idx="1"/>
+            <a:endCxn id="30" idx="3"/>
+          </p:cNvCxnSpPr>
+          <p:nvPr/>
+        </p:nvCxnSpPr>
+        <p:spPr>
+          <a:xfrm flipH="1">
+            <a:off x="3090802" y="2328500"/>
+            <a:ext cx="1618360" cy="25478"/>
+          </a:xfrm>
+          <a:prstGeom prst="line">
+            <a:avLst/>
+          </a:prstGeom>
+          <a:ln w="19050">
+            <a:solidFill>
+              <a:srgbClr val="43474A"/>
+            </a:solidFill>
+          </a:ln>
+        </p:spPr>
+        <p:style>
+          <a:lnRef idx="1">
+            <a:schemeClr val="accent1"/>
+          </a:lnRef>
+          <a:fillRef idx="0">
+            <a:schemeClr val="accent1"/>
+          </a:fillRef>
+          <a:effectRef idx="0">
+            <a:schemeClr val="accent1"/>
+          </a:effectRef>
+          <a:fontRef idx="minor">
+            <a:schemeClr val="tx1"/>
+          </a:fontRef>
+        </p:style>
+      </p:cxnSp>
+      <p:sp>
+        <p:nvSpPr>
+          <p:cNvPr id="15" name="TextBox 14">
+            <a:extLst>
+              <a:ext uri="{FF2B5EF4-FFF2-40B4-BE49-F238E27FC236}">
+                <a16:creationId xmlns:a16="http://schemas.microsoft.com/office/drawing/2014/main" id="{9A9F74DF-3CC0-2A7C-DF2F-344B2802459E}"/>
+              </a:ext>
+            </a:extLst>
+          </p:cNvPr>
+          <p:cNvSpPr txBox="1"/>
+          <p:nvPr/>
+        </p:nvSpPr>
+        <p:spPr>
+          <a:xfrm>
+            <a:off x="3906965" y="1889924"/>
+            <a:ext cx="332142" cy="369332"/>
+          </a:xfrm>
+          <a:prstGeom prst="rect">
+            <a:avLst/>
+          </a:prstGeom>
+          <a:noFill/>
+        </p:spPr>
+        <p:txBody>
+          <a:bodyPr wrap="none" rtlCol="0">
+            <a:spAutoFit/>
+          </a:bodyPr>
+          <a:lstStyle/>
+          <a:p>
+            <a:pPr marL="0" marR="0" lvl="0" indent="0" algn="l" defTabSz="914400" rtl="0" eaLnBrk="1" fontAlgn="auto" latinLnBrk="1" hangingPunct="1">
+              <a:lnSpc>
+                <a:spcPct val="100000"/>
+              </a:lnSpc>
+              <a:spcBef>
+                <a:spcPts val="0"/>
+              </a:spcBef>
+              <a:spcAft>
+                <a:spcPts val="0"/>
+              </a:spcAft>
+              <a:buClrTx/>
+              <a:buSzTx/>
+              <a:buFontTx/>
+              <a:buNone/>
+              <a:tabLst/>
+              <a:defRPr/>
+            </a:pPr>
+            <a:r>
+              <a:rPr kumimoji="0" lang="en-US" altLang="ko-KR" sz="1800" b="1" i="0" u="none" strike="noStrike" kern="1200" cap="none" spc="0" normalizeH="0" baseline="0" noProof="0">
+                <a:ln>
+                  <a:noFill/>
+                </a:ln>
+                <a:solidFill>
+                  <a:srgbClr val="43474A"/>
+                </a:solidFill>
+                <a:effectLst/>
+                <a:uLnTx/>
+                <a:uFillTx/>
+                <a:latin typeface="Noto Sans KR" panose="020B0500000000000000" pitchFamily="34" charset="-127"/>
+                <a:ea typeface="Noto Sans KR" panose="020B0500000000000000" pitchFamily="34" charset="-127"/>
+                <a:cs typeface="+mn-cs"/>
+              </a:rPr>
+              <a:t>n</a:t>
+            </a:r>
+            <a:endParaRPr kumimoji="0" lang="ko-KR" altLang="en-US" sz="1800" b="1" i="0" u="none" strike="noStrike" kern="1200" cap="none" spc="0" normalizeH="0" baseline="0" noProof="0">
+              <a:ln>
+                <a:noFill/>
+              </a:ln>
+              <a:solidFill>
+                <a:srgbClr val="43474A"/>
+              </a:solidFill>
+              <a:effectLst/>
+              <a:uLnTx/>
+              <a:uFillTx/>
+              <a:latin typeface="Noto Sans KR" panose="020B0500000000000000" pitchFamily="34" charset="-127"/>
+              <a:ea typeface="Noto Sans KR" panose="020B0500000000000000" pitchFamily="34" charset="-127"/>
+              <a:cs typeface="+mn-cs"/>
+            </a:endParaRPr>
+          </a:p>
+        </p:txBody>
+      </p:sp>
+      <p:sp>
+        <p:nvSpPr>
+          <p:cNvPr id="16" name="TextBox 15">
+            <a:extLst>
+              <a:ext uri="{FF2B5EF4-FFF2-40B4-BE49-F238E27FC236}">
+                <a16:creationId xmlns:a16="http://schemas.microsoft.com/office/drawing/2014/main" id="{3663DD5D-A9AE-F019-20D1-A7A9C73C711C}"/>
+              </a:ext>
+            </a:extLst>
+          </p:cNvPr>
+          <p:cNvSpPr txBox="1"/>
+          <p:nvPr/>
+        </p:nvSpPr>
+        <p:spPr>
+          <a:xfrm>
+            <a:off x="7929566" y="1907692"/>
+            <a:ext cx="332142" cy="369332"/>
+          </a:xfrm>
+          <a:prstGeom prst="rect">
+            <a:avLst/>
+          </a:prstGeom>
+          <a:noFill/>
+        </p:spPr>
+        <p:txBody>
+          <a:bodyPr wrap="square" rtlCol="0">
+            <a:spAutoFit/>
+          </a:bodyPr>
+          <a:lstStyle/>
+          <a:p>
+            <a:pPr marL="0" marR="0" lvl="0" indent="0" algn="l" defTabSz="914400" rtl="0" eaLnBrk="1" fontAlgn="auto" latinLnBrk="1" hangingPunct="1">
+              <a:lnSpc>
+                <a:spcPct val="100000"/>
+              </a:lnSpc>
+              <a:spcBef>
+                <a:spcPts val="0"/>
+              </a:spcBef>
+              <a:spcAft>
+                <a:spcPts val="0"/>
+              </a:spcAft>
+              <a:buClrTx/>
+              <a:buSzTx/>
+              <a:buFontTx/>
+              <a:buNone/>
+              <a:tabLst/>
+              <a:defRPr/>
+            </a:pPr>
+            <a:r>
+              <a:rPr lang="en-US" altLang="ko-KR" b="1">
+                <a:solidFill>
+                  <a:srgbClr val="43474A"/>
+                </a:solidFill>
+                <a:latin typeface="Noto Sans KR" panose="020B0500000000000000" pitchFamily="34" charset="-127"/>
+                <a:ea typeface="Noto Sans KR" panose="020B0500000000000000" pitchFamily="34" charset="-127"/>
+              </a:rPr>
+              <a:t>n</a:t>
+            </a:r>
+            <a:endParaRPr kumimoji="0" lang="ko-KR" altLang="en-US" sz="1800" b="1" i="0" u="none" strike="noStrike" kern="1200" cap="none" spc="0" normalizeH="0" baseline="0" noProof="0">
+              <a:ln>
+                <a:noFill/>
+              </a:ln>
+              <a:solidFill>
+                <a:srgbClr val="43474A"/>
+              </a:solidFill>
+              <a:effectLst/>
+              <a:uLnTx/>
+              <a:uFillTx/>
+              <a:latin typeface="Noto Sans KR" panose="020B0500000000000000" pitchFamily="34" charset="-127"/>
+              <a:ea typeface="Noto Sans KR" panose="020B0500000000000000" pitchFamily="34" charset="-127"/>
+              <a:cs typeface="+mn-cs"/>
+            </a:endParaRPr>
+          </a:p>
+        </p:txBody>
+      </p:sp>
+      <p:grpSp>
+        <p:nvGrpSpPr>
+          <p:cNvPr id="17" name="그룹 16">
+            <a:extLst>
+              <a:ext uri="{FF2B5EF4-FFF2-40B4-BE49-F238E27FC236}">
+                <a16:creationId xmlns:a16="http://schemas.microsoft.com/office/drawing/2014/main" id="{97B3536D-0221-380E-FD4A-87F368770E12}"/>
+              </a:ext>
+            </a:extLst>
+          </p:cNvPr>
+          <p:cNvGrpSpPr/>
+          <p:nvPr/>
+        </p:nvGrpSpPr>
+        <p:grpSpPr>
+          <a:xfrm>
+            <a:off x="8869677" y="2074590"/>
+            <a:ext cx="1950980" cy="2428241"/>
+            <a:chOff x="5358713" y="1645899"/>
+            <a:chExt cx="1401527" cy="2428241"/>
+          </a:xfrm>
+        </p:grpSpPr>
+        <p:sp>
+          <p:nvSpPr>
+            <p:cNvPr id="18" name="직사각형 17">
+              <a:extLst>
+                <a:ext uri="{FF2B5EF4-FFF2-40B4-BE49-F238E27FC236}">
+                  <a16:creationId xmlns:a16="http://schemas.microsoft.com/office/drawing/2014/main" id="{9E88471C-2869-0DC0-2AFF-DD4B30707799}"/>
+                </a:ext>
+              </a:extLst>
+            </p:cNvPr>
+            <p:cNvSpPr/>
+            <p:nvPr/>
+          </p:nvSpPr>
+          <p:spPr>
+            <a:xfrm>
+              <a:off x="5358714" y="1645899"/>
+              <a:ext cx="1401526" cy="523220"/>
+            </a:xfrm>
+            <a:prstGeom prst="rect">
+              <a:avLst/>
+            </a:prstGeom>
+            <a:solidFill>
+              <a:schemeClr val="bg1">
+                <a:lumMod val="95000"/>
+              </a:schemeClr>
+            </a:solidFill>
+            <a:ln w="19050">
+              <a:solidFill>
+                <a:srgbClr val="43474A"/>
+              </a:solidFill>
+            </a:ln>
+          </p:spPr>
+          <p:style>
+            <a:lnRef idx="2">
+              <a:schemeClr val="accent1">
+                <a:shade val="50000"/>
+              </a:schemeClr>
+            </a:lnRef>
+            <a:fillRef idx="1">
+              <a:schemeClr val="accent1"/>
+            </a:fillRef>
+            <a:effectRef idx="0">
+              <a:schemeClr val="accent1"/>
+            </a:effectRef>
+            <a:fontRef idx="minor">
+              <a:schemeClr val="lt1"/>
+            </a:fontRef>
+          </p:style>
+          <p:txBody>
+            <a:bodyPr rtlCol="0" anchor="ctr"/>
+            <a:lstStyle/>
+            <a:p>
+              <a:pPr algn="ctr"/>
+              <a:r>
+                <a:rPr lang="en-US" altLang="ko-KR" sz="1600" b="1">
+                  <a:solidFill>
+                    <a:srgbClr val="43474A"/>
+                  </a:solidFill>
+                  <a:latin typeface="Noto Sans KR" panose="020B0500000000000000" pitchFamily="34" charset="-127"/>
+                  <a:ea typeface="Noto Sans KR" panose="020B0500000000000000" pitchFamily="34" charset="-127"/>
+                </a:rPr>
+                <a:t>item</a:t>
+              </a:r>
+              <a:endParaRPr lang="ko-KR" altLang="en-US" sz="1600" b="1">
+                <a:solidFill>
+                  <a:srgbClr val="43474A"/>
+                </a:solidFill>
+                <a:latin typeface="Noto Sans KR" panose="020B0500000000000000" pitchFamily="34" charset="-127"/>
+                <a:ea typeface="Noto Sans KR" panose="020B0500000000000000" pitchFamily="34" charset="-127"/>
+              </a:endParaRPr>
+            </a:p>
+          </p:txBody>
+        </p:sp>
+        <p:sp>
+          <p:nvSpPr>
+            <p:cNvPr id="19" name="직사각형 18">
+              <a:extLst>
+                <a:ext uri="{FF2B5EF4-FFF2-40B4-BE49-F238E27FC236}">
+                  <a16:creationId xmlns:a16="http://schemas.microsoft.com/office/drawing/2014/main" id="{F0D2A0B9-AC82-D8AB-F64E-21EE457146D6}"/>
+                </a:ext>
+              </a:extLst>
+            </p:cNvPr>
+            <p:cNvSpPr/>
+            <p:nvPr/>
+          </p:nvSpPr>
+          <p:spPr>
+            <a:xfrm>
+              <a:off x="5358713" y="2168092"/>
+              <a:ext cx="1401526" cy="1906048"/>
+            </a:xfrm>
+            <a:prstGeom prst="rect">
+              <a:avLst/>
+            </a:prstGeom>
+            <a:solidFill>
+              <a:schemeClr val="bg1">
+                <a:lumMod val="95000"/>
+              </a:schemeClr>
+            </a:solidFill>
+            <a:ln w="19050">
+              <a:solidFill>
+                <a:srgbClr val="43474A"/>
+              </a:solidFill>
+            </a:ln>
+          </p:spPr>
+          <p:style>
+            <a:lnRef idx="2">
+              <a:schemeClr val="accent1">
+                <a:shade val="50000"/>
+              </a:schemeClr>
+            </a:lnRef>
+            <a:fillRef idx="1">
+              <a:schemeClr val="accent1"/>
+            </a:fillRef>
+            <a:effectRef idx="0">
+              <a:schemeClr val="accent1"/>
+            </a:effectRef>
+            <a:fontRef idx="minor">
+              <a:schemeClr val="lt1"/>
+            </a:fontRef>
+          </p:style>
+          <p:txBody>
+            <a:bodyPr rtlCol="0" anchor="ctr"/>
+            <a:lstStyle/>
+            <a:p>
+              <a:pPr algn="just"/>
+              <a:r>
+                <a:rPr lang="en-US" altLang="ko-KR" sz="1600">
+                  <a:solidFill>
+                    <a:srgbClr val="43474A"/>
+                  </a:solidFill>
+                  <a:latin typeface="Noto Sans KR" panose="020B0500000000000000" pitchFamily="34" charset="-127"/>
+                  <a:ea typeface="Noto Sans KR" panose="020B0500000000000000" pitchFamily="34" charset="-127"/>
+                </a:rPr>
+                <a:t>item_id</a:t>
+              </a:r>
+            </a:p>
+            <a:p>
+              <a:pPr algn="just"/>
+              <a:r>
+                <a:rPr lang="en-US" altLang="ko-KR" sz="1600">
+                  <a:solidFill>
+                    <a:srgbClr val="43474A"/>
+                  </a:solidFill>
+                  <a:latin typeface="Noto Sans KR" panose="020B0500000000000000" pitchFamily="34" charset="-127"/>
+                  <a:ea typeface="Noto Sans KR" panose="020B0500000000000000" pitchFamily="34" charset="-127"/>
+                </a:rPr>
+                <a:t>item_name</a:t>
+              </a:r>
+            </a:p>
+            <a:p>
+              <a:pPr algn="just"/>
+              <a:r>
+                <a:rPr lang="en-US" altLang="ko-KR" sz="1600">
+                  <a:solidFill>
+                    <a:srgbClr val="43474A"/>
+                  </a:solidFill>
+                  <a:latin typeface="Noto Sans KR" panose="020B0500000000000000" pitchFamily="34" charset="-127"/>
+                  <a:ea typeface="Noto Sans KR" panose="020B0500000000000000" pitchFamily="34" charset="-127"/>
+                </a:rPr>
+                <a:t>category</a:t>
+              </a:r>
+            </a:p>
+            <a:p>
+              <a:pPr algn="just"/>
+              <a:r>
+                <a:rPr lang="en-US" altLang="ko-KR" sz="1600">
+                  <a:solidFill>
+                    <a:srgbClr val="43474A"/>
+                  </a:solidFill>
+                  <a:latin typeface="Noto Sans KR" panose="020B0500000000000000" pitchFamily="34" charset="-127"/>
+                  <a:ea typeface="Noto Sans KR" panose="020B0500000000000000" pitchFamily="34" charset="-127"/>
+                </a:rPr>
+                <a:t>unit_price</a:t>
+              </a:r>
+            </a:p>
+            <a:p>
+              <a:pPr algn="just"/>
+              <a:r>
+                <a:rPr lang="en-US" altLang="ko-KR" sz="1600">
+                  <a:solidFill>
+                    <a:srgbClr val="43474A"/>
+                  </a:solidFill>
+                  <a:latin typeface="Noto Sans KR" panose="020B0500000000000000" pitchFamily="34" charset="-127"/>
+                  <a:ea typeface="Noto Sans KR" panose="020B0500000000000000" pitchFamily="34" charset="-127"/>
+                </a:rPr>
+                <a:t>discount_rate</a:t>
+              </a:r>
+            </a:p>
+            <a:p>
+              <a:pPr algn="just"/>
+              <a:r>
+                <a:rPr lang="en-US" altLang="ko-KR" sz="1600">
+                  <a:solidFill>
+                    <a:srgbClr val="43474A"/>
+                  </a:solidFill>
+                  <a:latin typeface="Noto Sans KR" panose="020B0500000000000000" pitchFamily="34" charset="-127"/>
+                  <a:ea typeface="Noto Sans KR" panose="020B0500000000000000" pitchFamily="34" charset="-127"/>
+                </a:rPr>
+                <a:t>stock</a:t>
+              </a:r>
+            </a:p>
+            <a:p>
+              <a:pPr algn="just"/>
+              <a:r>
+                <a:rPr lang="en-US" altLang="ko-KR" sz="1600">
+                  <a:solidFill>
+                    <a:srgbClr val="43474A"/>
+                  </a:solidFill>
+                  <a:latin typeface="Noto Sans KR" panose="020B0500000000000000" pitchFamily="34" charset="-127"/>
+                  <a:ea typeface="Noto Sans KR" panose="020B0500000000000000" pitchFamily="34" charset="-127"/>
+                </a:rPr>
+                <a:t>manufacturer_id</a:t>
+              </a:r>
+            </a:p>
+          </p:txBody>
+        </p:sp>
+      </p:grpSp>
+      <p:cxnSp>
+        <p:nvCxnSpPr>
+          <p:cNvPr id="26" name="직선 연결선 25">
+            <a:extLst>
+              <a:ext uri="{FF2B5EF4-FFF2-40B4-BE49-F238E27FC236}">
+                <a16:creationId xmlns:a16="http://schemas.microsoft.com/office/drawing/2014/main" id="{903CB81F-58F1-DF1F-2E3E-83C6869A4CE8}"/>
+              </a:ext>
+            </a:extLst>
+          </p:cNvPr>
+          <p:cNvCxnSpPr>
+            <a:cxnSpLocks/>
+            <a:stCxn id="18" idx="1"/>
+            <a:endCxn id="6" idx="3"/>
+          </p:cNvCxnSpPr>
+          <p:nvPr/>
+        </p:nvCxnSpPr>
+        <p:spPr>
+          <a:xfrm flipH="1" flipV="1">
+            <a:off x="7482838" y="2328500"/>
+            <a:ext cx="1386840" cy="7700"/>
+          </a:xfrm>
+          <a:prstGeom prst="line">
+            <a:avLst/>
+          </a:prstGeom>
+          <a:ln w="19050">
+            <a:solidFill>
+              <a:srgbClr val="43474A"/>
+            </a:solidFill>
+          </a:ln>
+        </p:spPr>
+        <p:style>
+          <a:lnRef idx="1">
+            <a:schemeClr val="accent1"/>
+          </a:lnRef>
+          <a:fillRef idx="0">
+            <a:schemeClr val="accent1"/>
+          </a:fillRef>
+          <a:effectRef idx="0">
+            <a:schemeClr val="accent1"/>
+          </a:effectRef>
+          <a:fontRef idx="minor">
+            <a:schemeClr val="tx1"/>
+          </a:fontRef>
+        </p:style>
+      </p:cxnSp>
+      <p:grpSp>
+        <p:nvGrpSpPr>
+          <p:cNvPr id="29" name="그룹 28">
+            <a:extLst>
+              <a:ext uri="{FF2B5EF4-FFF2-40B4-BE49-F238E27FC236}">
+                <a16:creationId xmlns:a16="http://schemas.microsoft.com/office/drawing/2014/main" id="{6774CC75-A148-AFF5-CBF5-954F3B8C8F20}"/>
+              </a:ext>
+            </a:extLst>
+          </p:cNvPr>
+          <p:cNvGrpSpPr/>
+          <p:nvPr/>
+        </p:nvGrpSpPr>
+        <p:grpSpPr>
+          <a:xfrm>
+            <a:off x="912985" y="2092358"/>
+            <a:ext cx="2177817" cy="1536936"/>
+            <a:chOff x="593355" y="1645910"/>
+            <a:chExt cx="1920240" cy="1536936"/>
+          </a:xfrm>
+        </p:grpSpPr>
+        <p:sp>
+          <p:nvSpPr>
+            <p:cNvPr id="30" name="직사각형 29">
+              <a:extLst>
+                <a:ext uri="{FF2B5EF4-FFF2-40B4-BE49-F238E27FC236}">
+                  <a16:creationId xmlns:a16="http://schemas.microsoft.com/office/drawing/2014/main" id="{C8018169-42EF-70A1-8AEC-CF410F0D65CE}"/>
+                </a:ext>
+              </a:extLst>
+            </p:cNvPr>
+            <p:cNvSpPr/>
+            <p:nvPr/>
+          </p:nvSpPr>
+          <p:spPr>
+            <a:xfrm>
+              <a:off x="593355" y="1645910"/>
+              <a:ext cx="1920240" cy="523240"/>
+            </a:xfrm>
+            <a:prstGeom prst="rect">
+              <a:avLst/>
+            </a:prstGeom>
+            <a:solidFill>
+              <a:schemeClr val="bg1">
+                <a:lumMod val="95000"/>
+              </a:schemeClr>
+            </a:solidFill>
+            <a:ln w="19050">
+              <a:solidFill>
+                <a:srgbClr val="43474A"/>
+              </a:solidFill>
+            </a:ln>
+          </p:spPr>
+          <p:style>
+            <a:lnRef idx="2">
+              <a:schemeClr val="accent1">
+                <a:shade val="50000"/>
+              </a:schemeClr>
+            </a:lnRef>
+            <a:fillRef idx="1">
+              <a:schemeClr val="accent1"/>
+            </a:fillRef>
+            <a:effectRef idx="0">
+              <a:schemeClr val="accent1"/>
+            </a:effectRef>
+            <a:fontRef idx="minor">
+              <a:schemeClr val="lt1"/>
+            </a:fontRef>
+          </p:style>
+          <p:txBody>
+            <a:bodyPr rtlCol="0" anchor="ctr"/>
+            <a:lstStyle/>
+            <a:p>
+              <a:pPr algn="ctr"/>
+              <a:r>
+                <a:rPr lang="en-US" altLang="ko-KR" sz="1600" b="1">
+                  <a:solidFill>
+                    <a:srgbClr val="43474A"/>
+                  </a:solidFill>
+                  <a:latin typeface="Noto Sans KR" panose="020B0500000000000000" pitchFamily="34" charset="-127"/>
+                  <a:ea typeface="Noto Sans KR" panose="020B0500000000000000" pitchFamily="34" charset="-127"/>
+                </a:rPr>
+                <a:t>manufacturer</a:t>
+              </a:r>
+              <a:endParaRPr lang="ko-KR" altLang="en-US" sz="1600" b="1">
+                <a:solidFill>
+                  <a:srgbClr val="43474A"/>
+                </a:solidFill>
+                <a:latin typeface="Noto Sans KR" panose="020B0500000000000000" pitchFamily="34" charset="-127"/>
+                <a:ea typeface="Noto Sans KR" panose="020B0500000000000000" pitchFamily="34" charset="-127"/>
+              </a:endParaRPr>
+            </a:p>
+          </p:txBody>
+        </p:sp>
+        <p:sp>
+          <p:nvSpPr>
+            <p:cNvPr id="31" name="직사각형 30">
+              <a:extLst>
+                <a:ext uri="{FF2B5EF4-FFF2-40B4-BE49-F238E27FC236}">
+                  <a16:creationId xmlns:a16="http://schemas.microsoft.com/office/drawing/2014/main" id="{8D50F56A-9561-F147-B87F-95ADB69BC2AE}"/>
+                </a:ext>
+              </a:extLst>
+            </p:cNvPr>
+            <p:cNvSpPr/>
+            <p:nvPr/>
+          </p:nvSpPr>
+          <p:spPr>
+            <a:xfrm>
+              <a:off x="593355" y="2170767"/>
+              <a:ext cx="1920240" cy="1012079"/>
+            </a:xfrm>
+            <a:prstGeom prst="rect">
+              <a:avLst/>
+            </a:prstGeom>
+            <a:solidFill>
+              <a:schemeClr val="bg1">
+                <a:lumMod val="95000"/>
+              </a:schemeClr>
+            </a:solidFill>
+            <a:ln w="19050">
+              <a:solidFill>
+                <a:srgbClr val="43474A"/>
+              </a:solidFill>
+            </a:ln>
+          </p:spPr>
+          <p:style>
+            <a:lnRef idx="2">
+              <a:schemeClr val="accent1">
+                <a:shade val="50000"/>
+              </a:schemeClr>
+            </a:lnRef>
+            <a:fillRef idx="1">
+              <a:schemeClr val="accent1"/>
+            </a:fillRef>
+            <a:effectRef idx="0">
+              <a:schemeClr val="accent1"/>
+            </a:effectRef>
+            <a:fontRef idx="minor">
+              <a:schemeClr val="lt1"/>
+            </a:fontRef>
+          </p:style>
+          <p:txBody>
+            <a:bodyPr rtlCol="0" anchor="ctr"/>
+            <a:lstStyle/>
+            <a:p>
+              <a:pPr algn="just"/>
+              <a:r>
+                <a:rPr lang="en-US" altLang="ko-KR" sz="1600">
+                  <a:solidFill>
+                    <a:srgbClr val="43474A"/>
+                  </a:solidFill>
+                  <a:latin typeface="Noto Sans KR" panose="020B0500000000000000" pitchFamily="34" charset="-127"/>
+                  <a:ea typeface="Noto Sans KR" panose="020B0500000000000000" pitchFamily="34" charset="-127"/>
+                </a:rPr>
+                <a:t>manufacturer_id</a:t>
+              </a:r>
+            </a:p>
+            <a:p>
+              <a:pPr algn="just"/>
+              <a:r>
+                <a:rPr lang="en-US" altLang="ko-KR" sz="1600">
+                  <a:solidFill>
+                    <a:srgbClr val="43474A"/>
+                  </a:solidFill>
+                  <a:latin typeface="Noto Sans KR" panose="020B0500000000000000" pitchFamily="34" charset="-127"/>
+                  <a:ea typeface="Noto Sans KR" panose="020B0500000000000000" pitchFamily="34" charset="-127"/>
+                </a:rPr>
+                <a:t>manufacturer_name</a:t>
+              </a:r>
+            </a:p>
+            <a:p>
+              <a:pPr algn="just"/>
+              <a:r>
+                <a:rPr lang="en-US" altLang="ko-KR" sz="1600">
+                  <a:solidFill>
+                    <a:srgbClr val="43474A"/>
+                  </a:solidFill>
+                  <a:latin typeface="Noto Sans KR" panose="020B0500000000000000" pitchFamily="34" charset="-127"/>
+                  <a:ea typeface="Noto Sans KR" panose="020B0500000000000000" pitchFamily="34" charset="-127"/>
+                </a:rPr>
+                <a:t>manufacturer_tel</a:t>
+              </a:r>
+              <a:endParaRPr lang="ko-KR" altLang="en-US" sz="1600">
+                <a:solidFill>
+                  <a:srgbClr val="43474A"/>
+                </a:solidFill>
+                <a:latin typeface="Noto Sans KR" panose="020B0500000000000000" pitchFamily="34" charset="-127"/>
+                <a:ea typeface="Noto Sans KR" panose="020B0500000000000000" pitchFamily="34" charset="-127"/>
+              </a:endParaRPr>
+            </a:p>
+          </p:txBody>
+        </p:sp>
+      </p:grpSp>
     </p:spTree>
     <p:extLst>
       <p:ext uri="{BB962C8B-B14F-4D97-AF65-F5344CB8AC3E}">
-        <p14:creationId xmlns:p14="http://schemas.microsoft.com/office/powerpoint/2010/main" val="2840276121"/>
+        <p14:creationId xmlns:p14="http://schemas.microsoft.com/office/powerpoint/2010/main" val="1742849357"/>
       </p:ext>
     </p:extLst>
   </p:cSld>
@@ -3716,7 +4692,7 @@
         <p:spPr>
           <a:xfrm>
             <a:off x="593355" y="647448"/>
-            <a:ext cx="4453463" cy="523220"/>
+            <a:ext cx="4661854" cy="523220"/>
           </a:xfrm>
           <a:prstGeom prst="rect">
             <a:avLst/>
@@ -3761,7 +4737,7 @@
                 <a:ea typeface="Noto Sans KR" panose="020B0500000000000000" pitchFamily="34" charset="-127"/>
                 <a:cs typeface="+mn-cs"/>
               </a:rPr>
-              <a:t>(6) JDBC/MySQL </a:t>
+              <a:t>(3) RDB</a:t>
             </a:r>
             <a:r>
               <a:rPr kumimoji="0" lang="ko-KR" altLang="en-US" sz="2800" b="1" i="0" u="none" strike="noStrike" kern="1200" cap="none" spc="0" normalizeH="0" baseline="0" noProof="0">
@@ -3778,7 +4754,679 @@
                 <a:ea typeface="Noto Sans KR" panose="020B0500000000000000" pitchFamily="34" charset="-127"/>
                 <a:cs typeface="+mn-cs"/>
               </a:rPr>
-              <a:t>프로그램</a:t>
+              <a:t> 테이블</a:t>
+            </a:r>
+            <a:r>
+              <a:rPr kumimoji="0" lang="en-US" altLang="ko-KR" sz="2800" b="1" i="0" u="none" strike="noStrike" kern="1200" cap="none" spc="0" normalizeH="0" baseline="0" noProof="0">
+                <a:ln>
+                  <a:noFill/>
+                </a:ln>
+                <a:solidFill>
+                  <a:srgbClr val="43474A"/>
+                </a:solidFill>
+                <a:effectLst/>
+                <a:uLnTx/>
+                <a:uFillTx/>
+                <a:latin typeface="Noto Sans KR" panose="020B0500000000000000" pitchFamily="34" charset="-127"/>
+                <a:ea typeface="Noto Sans KR" panose="020B0500000000000000" pitchFamily="34" charset="-127"/>
+                <a:cs typeface="+mn-cs"/>
+              </a:rPr>
+              <a:t> </a:t>
+            </a:r>
+            <a:r>
+              <a:rPr kumimoji="0" lang="ko-KR" altLang="en-US" sz="2800" b="1" i="0" u="none" strike="noStrike" kern="1200" cap="none" spc="0" normalizeH="0" baseline="0" noProof="0">
+                <a:ln>
+                  <a:noFill/>
+                </a:ln>
+                <a:solidFill>
+                  <a:srgbClr val="43474A"/>
+                </a:solidFill>
+                <a:effectLst/>
+                <a:uLnTx/>
+                <a:uFillTx/>
+                <a:latin typeface="Noto Sans KR" panose="020B0500000000000000" pitchFamily="34" charset="-127"/>
+                <a:ea typeface="Noto Sans KR" panose="020B0500000000000000" pitchFamily="34" charset="-127"/>
+                <a:cs typeface="+mn-cs"/>
+              </a:rPr>
+              <a:t>스키마 </a:t>
+            </a:r>
+            <a:r>
+              <a:rPr kumimoji="0" lang="en-US" altLang="ko-KR" sz="2800" b="1" i="0" u="none" strike="noStrike" kern="1200" cap="none" spc="0" normalizeH="0" baseline="0" noProof="0">
+                <a:ln>
+                  <a:noFill/>
+                </a:ln>
+                <a:solidFill>
+                  <a:srgbClr val="43474A"/>
+                </a:solidFill>
+                <a:effectLst/>
+                <a:uLnTx/>
+                <a:uFillTx/>
+                <a:latin typeface="Noto Sans KR" panose="020B0500000000000000" pitchFamily="34" charset="-127"/>
+                <a:ea typeface="Noto Sans KR" panose="020B0500000000000000" pitchFamily="34" charset="-127"/>
+                <a:cs typeface="+mn-cs"/>
+              </a:rPr>
+              <a:t>– </a:t>
+            </a:r>
+            <a:r>
+              <a:rPr lang="ko-KR" altLang="en-US" sz="2800" b="1">
+                <a:solidFill>
+                  <a:srgbClr val="43474A"/>
+                </a:solidFill>
+                <a:latin typeface="Noto Sans KR" panose="020B0500000000000000" pitchFamily="34" charset="-127"/>
+                <a:ea typeface="Noto Sans KR" panose="020B0500000000000000" pitchFamily="34" charset="-127"/>
+              </a:rPr>
+              <a:t>결과</a:t>
+            </a:r>
+            <a:endParaRPr kumimoji="0" lang="ko-KR" altLang="en-US" sz="2800" b="1" i="0" u="none" strike="noStrike" kern="1200" cap="none" spc="0" normalizeH="0" baseline="0" noProof="0">
+              <a:ln>
+                <a:noFill/>
+              </a:ln>
+              <a:solidFill>
+                <a:srgbClr val="43474A"/>
+              </a:solidFill>
+              <a:effectLst/>
+              <a:uLnTx/>
+              <a:uFillTx/>
+              <a:latin typeface="Noto Sans KR" panose="020B0500000000000000" pitchFamily="34" charset="-127"/>
+              <a:ea typeface="Noto Sans KR" panose="020B0500000000000000" pitchFamily="34" charset="-127"/>
+              <a:cs typeface="+mn-cs"/>
+            </a:endParaRPr>
+          </a:p>
+        </p:txBody>
+      </p:sp>
+      <p:sp>
+        <p:nvSpPr>
+          <p:cNvPr id="2" name="TextBox 1">
+            <a:extLst>
+              <a:ext uri="{FF2B5EF4-FFF2-40B4-BE49-F238E27FC236}">
+                <a16:creationId xmlns:a16="http://schemas.microsoft.com/office/drawing/2014/main" id="{1BEC9D21-F82A-641B-FE11-B1998F2BD2D8}"/>
+              </a:ext>
+            </a:extLst>
+          </p:cNvPr>
+          <p:cNvSpPr txBox="1"/>
+          <p:nvPr/>
+        </p:nvSpPr>
+        <p:spPr>
+          <a:xfrm>
+            <a:off x="691123" y="2024929"/>
+            <a:ext cx="10809754" cy="2808141"/>
+          </a:xfrm>
+          <a:prstGeom prst="rect">
+            <a:avLst/>
+          </a:prstGeom>
+          <a:noFill/>
+        </p:spPr>
+        <p:txBody>
+          <a:bodyPr wrap="none" rtlCol="0">
+            <a:spAutoFit/>
+          </a:bodyPr>
+          <a:lstStyle/>
+          <a:p>
+            <a:pPr>
+              <a:lnSpc>
+                <a:spcPct val="150000"/>
+              </a:lnSpc>
+              <a:defRPr/>
+            </a:pPr>
+            <a:r>
+              <a:rPr kumimoji="0" lang="en-US" altLang="ko-KR" sz="2000" b="0" i="0" u="none" strike="noStrike" kern="1200" cap="none" spc="0" normalizeH="0" baseline="0" noProof="0">
+                <a:ln>
+                  <a:noFill/>
+                </a:ln>
+                <a:solidFill>
+                  <a:srgbClr val="43474A"/>
+                </a:solidFill>
+                <a:effectLst/>
+                <a:uLnTx/>
+                <a:uFillTx/>
+                <a:latin typeface="Noto Sans KR Medium" panose="020B0600000000000000" pitchFamily="34" charset="-127"/>
+                <a:ea typeface="Noto Sans KR Medium" panose="020B0600000000000000" pitchFamily="34" charset="-127"/>
+                <a:cs typeface="+mn-cs"/>
+              </a:rPr>
+              <a:t>user(</a:t>
+            </a:r>
+            <a:r>
+              <a:rPr kumimoji="0" lang="en-US" altLang="ko-KR" sz="2000" b="1" i="0" u="sng" strike="noStrike" kern="1200" cap="none" spc="0" normalizeH="0" baseline="0" noProof="0">
+                <a:ln>
+                  <a:noFill/>
+                </a:ln>
+                <a:solidFill>
+                  <a:srgbClr val="FF0000"/>
+                </a:solidFill>
+                <a:effectLst/>
+                <a:uLnTx/>
+                <a:uFillTx/>
+                <a:latin typeface="Noto Sans KR Medium" panose="020B0600000000000000" pitchFamily="34" charset="-127"/>
+                <a:ea typeface="Noto Sans KR Medium" panose="020B0600000000000000" pitchFamily="34" charset="-127"/>
+                <a:cs typeface="+mn-cs"/>
+              </a:rPr>
+              <a:t>user_id</a:t>
+            </a:r>
+            <a:r>
+              <a:rPr kumimoji="0" lang="en-US" altLang="ko-KR" sz="2000" b="0" i="0" u="none" strike="noStrike" kern="1200" cap="none" spc="0" normalizeH="0" baseline="0" noProof="0">
+                <a:ln>
+                  <a:noFill/>
+                </a:ln>
+                <a:solidFill>
+                  <a:srgbClr val="43474A"/>
+                </a:solidFill>
+                <a:effectLst/>
+                <a:uLnTx/>
+                <a:uFillTx/>
+                <a:latin typeface="Noto Sans KR Medium" panose="020B0600000000000000" pitchFamily="34" charset="-127"/>
+                <a:ea typeface="Noto Sans KR Medium" panose="020B0600000000000000" pitchFamily="34" charset="-127"/>
+                <a:cs typeface="+mn-cs"/>
+              </a:rPr>
+              <a:t>, user_name, user_sex, user_age, user_address, user_tel)</a:t>
+            </a:r>
+            <a:endParaRPr lang="en-US" altLang="ko-KR" sz="2000">
+              <a:solidFill>
+                <a:srgbClr val="43474A"/>
+              </a:solidFill>
+              <a:latin typeface="Noto Sans KR Medium" panose="020B0600000000000000" pitchFamily="34" charset="-127"/>
+              <a:ea typeface="Noto Sans KR Medium" panose="020B0600000000000000" pitchFamily="34" charset="-127"/>
+            </a:endParaRPr>
+          </a:p>
+          <a:p>
+            <a:pPr>
+              <a:lnSpc>
+                <a:spcPct val="150000"/>
+              </a:lnSpc>
+              <a:defRPr/>
+            </a:pPr>
+            <a:r>
+              <a:rPr lang="en-US" altLang="ko-KR" sz="2000">
+                <a:solidFill>
+                  <a:srgbClr val="43474A"/>
+                </a:solidFill>
+                <a:latin typeface="Noto Sans KR Medium" panose="020B0600000000000000" pitchFamily="34" charset="-127"/>
+                <a:ea typeface="Noto Sans KR Medium" panose="020B0600000000000000" pitchFamily="34" charset="-127"/>
+              </a:rPr>
+              <a:t>item(</a:t>
+            </a:r>
+            <a:r>
+              <a:rPr lang="en-US" altLang="ko-KR" sz="2000" b="1" u="sng">
+                <a:solidFill>
+                  <a:srgbClr val="FF0000"/>
+                </a:solidFill>
+                <a:latin typeface="Noto Sans KR Medium" panose="020B0600000000000000" pitchFamily="34" charset="-127"/>
+                <a:ea typeface="Noto Sans KR Medium" panose="020B0600000000000000" pitchFamily="34" charset="-127"/>
+              </a:rPr>
+              <a:t>item_id</a:t>
+            </a:r>
+            <a:r>
+              <a:rPr lang="en-US" altLang="ko-KR" sz="2000">
+                <a:solidFill>
+                  <a:srgbClr val="43474A"/>
+                </a:solidFill>
+                <a:latin typeface="Noto Sans KR Medium" panose="020B0600000000000000" pitchFamily="34" charset="-127"/>
+                <a:ea typeface="Noto Sans KR Medium" panose="020B0600000000000000" pitchFamily="34" charset="-127"/>
+              </a:rPr>
+              <a:t>, item_name, category, unit_price, discount_rate, stock, manufacturer_id)</a:t>
+            </a:r>
+            <a:endParaRPr kumimoji="0" lang="en-US" altLang="ko-KR" sz="2000" b="0" i="0" u="none" strike="noStrike" kern="1200" cap="none" spc="0" normalizeH="0" baseline="0" noProof="0">
+              <a:ln>
+                <a:noFill/>
+              </a:ln>
+              <a:solidFill>
+                <a:srgbClr val="43474A"/>
+              </a:solidFill>
+              <a:effectLst/>
+              <a:uLnTx/>
+              <a:uFillTx/>
+              <a:latin typeface="Noto Sans KR Medium" panose="020B0600000000000000" pitchFamily="34" charset="-127"/>
+              <a:ea typeface="Noto Sans KR Medium" panose="020B0600000000000000" pitchFamily="34" charset="-127"/>
+              <a:cs typeface="+mn-cs"/>
+            </a:endParaRPr>
+          </a:p>
+          <a:p>
+            <a:pPr marL="0" marR="0" lvl="0" indent="0" algn="l" defTabSz="914400" rtl="0" eaLnBrk="1" fontAlgn="auto" latinLnBrk="1" hangingPunct="1">
+              <a:lnSpc>
+                <a:spcPct val="150000"/>
+              </a:lnSpc>
+              <a:spcBef>
+                <a:spcPts val="0"/>
+              </a:spcBef>
+              <a:spcAft>
+                <a:spcPts val="0"/>
+              </a:spcAft>
+              <a:buClrTx/>
+              <a:buSzTx/>
+              <a:buFontTx/>
+              <a:buNone/>
+              <a:tabLst/>
+              <a:defRPr/>
+            </a:pPr>
+            <a:r>
+              <a:rPr kumimoji="0" lang="en-US" altLang="ko-KR" sz="2000" b="0" i="0" u="none" strike="noStrike" kern="1200" cap="none" spc="0" normalizeH="0" baseline="0" noProof="0">
+                <a:ln>
+                  <a:noFill/>
+                </a:ln>
+                <a:solidFill>
+                  <a:srgbClr val="43474A"/>
+                </a:solidFill>
+                <a:effectLst/>
+                <a:uLnTx/>
+                <a:uFillTx/>
+                <a:latin typeface="Noto Sans KR Medium" panose="020B0600000000000000" pitchFamily="34" charset="-127"/>
+                <a:ea typeface="Noto Sans KR Medium" panose="020B0600000000000000" pitchFamily="34" charset="-127"/>
+                <a:cs typeface="+mn-cs"/>
+              </a:rPr>
+              <a:t>courier(</a:t>
+            </a:r>
+            <a:r>
+              <a:rPr kumimoji="0" lang="en-US" altLang="ko-KR" sz="2000" b="1" i="0" u="sng" strike="noStrike" kern="1200" cap="none" spc="0" normalizeH="0" baseline="0" noProof="0">
+                <a:ln>
+                  <a:noFill/>
+                </a:ln>
+                <a:solidFill>
+                  <a:srgbClr val="43474A"/>
+                </a:solidFill>
+                <a:effectLst/>
+                <a:uLnTx/>
+                <a:uFillTx/>
+                <a:latin typeface="Noto Sans KR Medium" panose="020B0600000000000000" pitchFamily="34" charset="-127"/>
+                <a:ea typeface="Noto Sans KR Medium" panose="020B0600000000000000" pitchFamily="34" charset="-127"/>
+                <a:cs typeface="+mn-cs"/>
+              </a:rPr>
+              <a:t>courier_id</a:t>
+            </a:r>
+            <a:r>
+              <a:rPr kumimoji="0" lang="en-US" altLang="ko-KR" sz="2000" b="0" i="0" u="none" strike="noStrike" kern="1200" cap="none" spc="0" normalizeH="0" baseline="0" noProof="0">
+                <a:ln>
+                  <a:noFill/>
+                </a:ln>
+                <a:solidFill>
+                  <a:srgbClr val="43474A"/>
+                </a:solidFill>
+                <a:effectLst/>
+                <a:uLnTx/>
+                <a:uFillTx/>
+                <a:latin typeface="Noto Sans KR Medium" panose="020B0600000000000000" pitchFamily="34" charset="-127"/>
+                <a:ea typeface="Noto Sans KR Medium" panose="020B0600000000000000" pitchFamily="34" charset="-127"/>
+                <a:cs typeface="+mn-cs"/>
+              </a:rPr>
+              <a:t>, courier_tel, </a:t>
+            </a:r>
+            <a:r>
+              <a:rPr kumimoji="0" lang="en-US" altLang="ko-KR" sz="2000" b="1" i="0" u="none" strike="noStrike" kern="1200" cap="none" spc="0" normalizeH="0" baseline="0" noProof="0">
+                <a:ln>
+                  <a:noFill/>
+                </a:ln>
+                <a:solidFill>
+                  <a:schemeClr val="accent1"/>
+                </a:solidFill>
+                <a:effectLst/>
+                <a:uLnTx/>
+                <a:uFillTx/>
+                <a:latin typeface="Noto Sans KR Medium" panose="020B0600000000000000" pitchFamily="34" charset="-127"/>
+                <a:ea typeface="Noto Sans KR Medium" panose="020B0600000000000000" pitchFamily="34" charset="-127"/>
+                <a:cs typeface="+mn-cs"/>
+              </a:rPr>
+              <a:t>order_id</a:t>
+            </a:r>
+            <a:r>
+              <a:rPr kumimoji="0" lang="en-US" altLang="ko-KR" sz="2000" b="0" i="0" u="none" strike="noStrike" kern="1200" cap="none" spc="0" normalizeH="0" baseline="0" noProof="0">
+                <a:ln>
+                  <a:noFill/>
+                </a:ln>
+                <a:solidFill>
+                  <a:srgbClr val="43474A"/>
+                </a:solidFill>
+                <a:effectLst/>
+                <a:uLnTx/>
+                <a:uFillTx/>
+                <a:latin typeface="Noto Sans KR Medium" panose="020B0600000000000000" pitchFamily="34" charset="-127"/>
+                <a:ea typeface="Noto Sans KR Medium" panose="020B0600000000000000" pitchFamily="34" charset="-127"/>
+                <a:cs typeface="+mn-cs"/>
+              </a:rPr>
+              <a:t>)</a:t>
+            </a:r>
+          </a:p>
+          <a:p>
+            <a:pPr marL="0" marR="0" lvl="0" indent="0" algn="l" defTabSz="914400" rtl="0" eaLnBrk="1" fontAlgn="auto" latinLnBrk="1" hangingPunct="1">
+              <a:lnSpc>
+                <a:spcPct val="150000"/>
+              </a:lnSpc>
+              <a:spcBef>
+                <a:spcPts val="0"/>
+              </a:spcBef>
+              <a:spcAft>
+                <a:spcPts val="0"/>
+              </a:spcAft>
+              <a:buClrTx/>
+              <a:buSzTx/>
+              <a:buFontTx/>
+              <a:buNone/>
+              <a:tabLst/>
+              <a:defRPr/>
+            </a:pPr>
+            <a:r>
+              <a:rPr kumimoji="0" lang="en-US" altLang="ko-KR" sz="2000" b="0" i="0" u="none" strike="noStrike" kern="1200" cap="none" spc="0" normalizeH="0" baseline="0" noProof="0">
+                <a:ln>
+                  <a:noFill/>
+                </a:ln>
+                <a:solidFill>
+                  <a:srgbClr val="43474A"/>
+                </a:solidFill>
+                <a:effectLst/>
+                <a:uLnTx/>
+                <a:uFillTx/>
+                <a:latin typeface="Noto Sans KR Medium" panose="020B0600000000000000" pitchFamily="34" charset="-127"/>
+                <a:ea typeface="Noto Sans KR Medium" panose="020B0600000000000000" pitchFamily="34" charset="-127"/>
+                <a:cs typeface="+mn-cs"/>
+              </a:rPr>
+              <a:t>order(</a:t>
+            </a:r>
+            <a:r>
+              <a:rPr kumimoji="0" lang="en-US" altLang="ko-KR" sz="2000" b="1" i="0" u="sng" strike="noStrike" kern="1200" cap="none" spc="0" normalizeH="0" baseline="0" noProof="0">
+                <a:ln>
+                  <a:noFill/>
+                </a:ln>
+                <a:solidFill>
+                  <a:srgbClr val="FF0000"/>
+                </a:solidFill>
+                <a:effectLst/>
+                <a:uLnTx/>
+                <a:uFillTx/>
+                <a:latin typeface="Noto Sans KR Medium" panose="020B0600000000000000" pitchFamily="34" charset="-127"/>
+                <a:ea typeface="Noto Sans KR Medium" panose="020B0600000000000000" pitchFamily="34" charset="-127"/>
+                <a:cs typeface="+mn-cs"/>
+              </a:rPr>
+              <a:t>order_id</a:t>
+            </a:r>
+            <a:r>
+              <a:rPr kumimoji="0" lang="en-US" altLang="ko-KR" sz="2000" b="0" i="0" u="none" strike="noStrike" kern="1200" cap="none" spc="0" normalizeH="0" baseline="0" noProof="0">
+                <a:ln>
+                  <a:noFill/>
+                </a:ln>
+                <a:solidFill>
+                  <a:srgbClr val="43474A"/>
+                </a:solidFill>
+                <a:effectLst/>
+                <a:uLnTx/>
+                <a:uFillTx/>
+                <a:latin typeface="Noto Sans KR Medium" panose="020B0600000000000000" pitchFamily="34" charset="-127"/>
+                <a:ea typeface="Noto Sans KR Medium" panose="020B0600000000000000" pitchFamily="34" charset="-127"/>
+                <a:cs typeface="+mn-cs"/>
+              </a:rPr>
+              <a:t>, </a:t>
+            </a:r>
+            <a:r>
+              <a:rPr kumimoji="0" lang="en-US" altLang="ko-KR" sz="2000" b="1" i="0" u="none" strike="noStrike" kern="1200" cap="none" spc="0" normalizeH="0" baseline="0" noProof="0">
+                <a:ln>
+                  <a:noFill/>
+                </a:ln>
+                <a:solidFill>
+                  <a:schemeClr val="accent1"/>
+                </a:solidFill>
+                <a:effectLst/>
+                <a:uLnTx/>
+                <a:uFillTx/>
+                <a:latin typeface="Noto Sans KR Medium" panose="020B0600000000000000" pitchFamily="34" charset="-127"/>
+                <a:ea typeface="Noto Sans KR Medium" panose="020B0600000000000000" pitchFamily="34" charset="-127"/>
+                <a:cs typeface="+mn-cs"/>
+              </a:rPr>
+              <a:t>user_id</a:t>
+            </a:r>
+            <a:r>
+              <a:rPr kumimoji="0" lang="en-US" altLang="ko-KR" sz="2000" b="0" i="0" u="none" strike="noStrike" kern="1200" cap="none" spc="0" normalizeH="0" baseline="0" noProof="0">
+                <a:ln>
+                  <a:noFill/>
+                </a:ln>
+                <a:solidFill>
+                  <a:srgbClr val="43474A"/>
+                </a:solidFill>
+                <a:effectLst/>
+                <a:uLnTx/>
+                <a:uFillTx/>
+                <a:latin typeface="Noto Sans KR Medium" panose="020B0600000000000000" pitchFamily="34" charset="-127"/>
+                <a:ea typeface="Noto Sans KR Medium" panose="020B0600000000000000" pitchFamily="34" charset="-127"/>
+                <a:cs typeface="+mn-cs"/>
+              </a:rPr>
+              <a:t>, </a:t>
+            </a:r>
+            <a:r>
+              <a:rPr kumimoji="0" lang="en-US" altLang="ko-KR" sz="2000" b="1" i="0" u="none" strike="noStrike" kern="1200" cap="none" spc="0" normalizeH="0" baseline="0" noProof="0">
+                <a:ln>
+                  <a:noFill/>
+                </a:ln>
+                <a:solidFill>
+                  <a:schemeClr val="accent1"/>
+                </a:solidFill>
+                <a:effectLst/>
+                <a:uLnTx/>
+                <a:uFillTx/>
+                <a:latin typeface="Noto Sans KR Medium" panose="020B0600000000000000" pitchFamily="34" charset="-127"/>
+                <a:ea typeface="Noto Sans KR Medium" panose="020B0600000000000000" pitchFamily="34" charset="-127"/>
+                <a:cs typeface="+mn-cs"/>
+              </a:rPr>
+              <a:t>item_id</a:t>
+            </a:r>
+            <a:r>
+              <a:rPr kumimoji="0" lang="en-US" altLang="ko-KR" sz="2000" b="0" i="0" u="none" strike="noStrike" kern="1200" cap="none" spc="0" normalizeH="0" baseline="0" noProof="0">
+                <a:ln>
+                  <a:noFill/>
+                </a:ln>
+                <a:solidFill>
+                  <a:srgbClr val="43474A"/>
+                </a:solidFill>
+                <a:effectLst/>
+                <a:uLnTx/>
+                <a:uFillTx/>
+                <a:latin typeface="Noto Sans KR Medium" panose="020B0600000000000000" pitchFamily="34" charset="-127"/>
+                <a:ea typeface="Noto Sans KR Medium" panose="020B0600000000000000" pitchFamily="34" charset="-127"/>
+                <a:cs typeface="+mn-cs"/>
+              </a:rPr>
+              <a:t>, order_date, num_of_item, total_price)</a:t>
+            </a:r>
+          </a:p>
+          <a:p>
+            <a:pPr marL="0" marR="0" lvl="0" indent="0" algn="l" defTabSz="914400" rtl="0" eaLnBrk="1" fontAlgn="auto" latinLnBrk="1" hangingPunct="1">
+              <a:lnSpc>
+                <a:spcPct val="150000"/>
+              </a:lnSpc>
+              <a:spcBef>
+                <a:spcPts val="0"/>
+              </a:spcBef>
+              <a:spcAft>
+                <a:spcPts val="0"/>
+              </a:spcAft>
+              <a:buClrTx/>
+              <a:buSzTx/>
+              <a:buFontTx/>
+              <a:buNone/>
+              <a:tabLst/>
+              <a:defRPr/>
+            </a:pPr>
+            <a:r>
+              <a:rPr kumimoji="0" lang="en-US" altLang="ko-KR" sz="2000" b="0" i="0" u="none" strike="noStrike" kern="1200" cap="none" spc="0" normalizeH="0" baseline="0" noProof="0">
+                <a:ln>
+                  <a:noFill/>
+                </a:ln>
+                <a:solidFill>
+                  <a:srgbClr val="43474A"/>
+                </a:solidFill>
+                <a:effectLst/>
+                <a:uLnTx/>
+                <a:uFillTx/>
+                <a:latin typeface="Noto Sans KR Medium" panose="020B0600000000000000" pitchFamily="34" charset="-127"/>
+                <a:ea typeface="Noto Sans KR Medium" panose="020B0600000000000000" pitchFamily="34" charset="-127"/>
+                <a:cs typeface="+mn-cs"/>
+              </a:rPr>
+              <a:t>manufacturer(</a:t>
+            </a:r>
+            <a:r>
+              <a:rPr kumimoji="0" lang="en-US" altLang="ko-KR" sz="2000" b="1" i="0" u="sng" strike="noStrike" kern="1200" cap="none" spc="0" normalizeH="0" baseline="0" noProof="0">
+                <a:ln>
+                  <a:noFill/>
+                </a:ln>
+                <a:solidFill>
+                  <a:srgbClr val="FF0000"/>
+                </a:solidFill>
+                <a:effectLst/>
+                <a:uLnTx/>
+                <a:uFillTx/>
+                <a:latin typeface="Noto Sans KR Medium" panose="020B0600000000000000" pitchFamily="34" charset="-127"/>
+                <a:ea typeface="Noto Sans KR Medium" panose="020B0600000000000000" pitchFamily="34" charset="-127"/>
+                <a:cs typeface="+mn-cs"/>
+              </a:rPr>
+              <a:t>manufacturer_id</a:t>
+            </a:r>
+            <a:r>
+              <a:rPr kumimoji="0" lang="en-US" altLang="ko-KR" sz="2000" b="0" i="0" u="none" strike="noStrike" kern="1200" cap="none" spc="0" normalizeH="0" baseline="0" noProof="0">
+                <a:ln>
+                  <a:noFill/>
+                </a:ln>
+                <a:solidFill>
+                  <a:srgbClr val="43474A"/>
+                </a:solidFill>
+                <a:effectLst/>
+                <a:uLnTx/>
+                <a:uFillTx/>
+                <a:latin typeface="Noto Sans KR Medium" panose="020B0600000000000000" pitchFamily="34" charset="-127"/>
+                <a:ea typeface="Noto Sans KR Medium" panose="020B0600000000000000" pitchFamily="34" charset="-127"/>
+                <a:cs typeface="+mn-cs"/>
+              </a:rPr>
+              <a:t>, manufacturer_name, manufacturer_tel)</a:t>
+            </a:r>
+          </a:p>
+          <a:p>
+            <a:pPr marL="0" marR="0" lvl="0" indent="0" algn="l" defTabSz="914400" rtl="0" eaLnBrk="1" fontAlgn="auto" latinLnBrk="1" hangingPunct="1">
+              <a:lnSpc>
+                <a:spcPct val="150000"/>
+              </a:lnSpc>
+              <a:spcBef>
+                <a:spcPts val="0"/>
+              </a:spcBef>
+              <a:spcAft>
+                <a:spcPts val="0"/>
+              </a:spcAft>
+              <a:buClrTx/>
+              <a:buSzTx/>
+              <a:buFontTx/>
+              <a:buNone/>
+              <a:tabLst/>
+              <a:defRPr/>
+            </a:pPr>
+            <a:r>
+              <a:rPr kumimoji="0" lang="en-US" altLang="ko-KR" sz="2000" b="0" i="0" u="none" strike="noStrike" kern="1200" cap="none" spc="0" normalizeH="0" baseline="0" noProof="0">
+                <a:ln>
+                  <a:noFill/>
+                </a:ln>
+                <a:solidFill>
+                  <a:srgbClr val="43474A"/>
+                </a:solidFill>
+                <a:effectLst/>
+                <a:uLnTx/>
+                <a:uFillTx/>
+                <a:latin typeface="Noto Sans KR Medium" panose="020B0600000000000000" pitchFamily="34" charset="-127"/>
+                <a:ea typeface="Noto Sans KR Medium" panose="020B0600000000000000" pitchFamily="34" charset="-127"/>
+                <a:cs typeface="+mn-cs"/>
+              </a:rPr>
+              <a:t>supply(</a:t>
+            </a:r>
+            <a:r>
+              <a:rPr kumimoji="0" lang="en-US" altLang="ko-KR" sz="2000" b="1" i="0" u="none" strike="noStrike" kern="1200" cap="none" spc="0" normalizeH="0" baseline="0" noProof="0">
+                <a:ln>
+                  <a:noFill/>
+                </a:ln>
+                <a:solidFill>
+                  <a:srgbClr val="43474A"/>
+                </a:solidFill>
+                <a:effectLst/>
+                <a:uLnTx/>
+                <a:uFillTx/>
+                <a:latin typeface="Noto Sans KR Medium" panose="020B0600000000000000" pitchFamily="34" charset="-127"/>
+                <a:ea typeface="Noto Sans KR Medium" panose="020B0600000000000000" pitchFamily="34" charset="-127"/>
+                <a:cs typeface="+mn-cs"/>
+              </a:rPr>
+              <a:t>supply_id</a:t>
+            </a:r>
+            <a:r>
+              <a:rPr kumimoji="0" lang="en-US" altLang="ko-KR" sz="2000" b="0" i="0" u="none" strike="noStrike" kern="1200" cap="none" spc="0" normalizeH="0" baseline="0" noProof="0">
+                <a:ln>
+                  <a:noFill/>
+                </a:ln>
+                <a:solidFill>
+                  <a:srgbClr val="43474A"/>
+                </a:solidFill>
+                <a:effectLst/>
+                <a:uLnTx/>
+                <a:uFillTx/>
+                <a:latin typeface="Noto Sans KR Medium" panose="020B0600000000000000" pitchFamily="34" charset="-127"/>
+                <a:ea typeface="Noto Sans KR Medium" panose="020B0600000000000000" pitchFamily="34" charset="-127"/>
+                <a:cs typeface="+mn-cs"/>
+              </a:rPr>
+              <a:t>, </a:t>
+            </a:r>
+            <a:r>
+              <a:rPr kumimoji="0" lang="en-US" altLang="ko-KR" sz="2000" b="1" i="0" u="none" strike="noStrike" kern="1200" cap="none" spc="0" normalizeH="0" baseline="0" noProof="0">
+                <a:ln>
+                  <a:noFill/>
+                </a:ln>
+                <a:solidFill>
+                  <a:schemeClr val="accent1"/>
+                </a:solidFill>
+                <a:effectLst/>
+                <a:uLnTx/>
+                <a:uFillTx/>
+                <a:latin typeface="Noto Sans KR Medium" panose="020B0600000000000000" pitchFamily="34" charset="-127"/>
+                <a:ea typeface="Noto Sans KR Medium" panose="020B0600000000000000" pitchFamily="34" charset="-127"/>
+                <a:cs typeface="+mn-cs"/>
+              </a:rPr>
+              <a:t>manufacturer_id</a:t>
+            </a:r>
+            <a:r>
+              <a:rPr kumimoji="0" lang="en-US" altLang="ko-KR" sz="2000" b="0" i="0" u="none" strike="noStrike" kern="1200" cap="none" spc="0" normalizeH="0" baseline="0" noProof="0">
+                <a:ln>
+                  <a:noFill/>
+                </a:ln>
+                <a:solidFill>
+                  <a:srgbClr val="43474A"/>
+                </a:solidFill>
+                <a:effectLst/>
+                <a:uLnTx/>
+                <a:uFillTx/>
+                <a:latin typeface="Noto Sans KR Medium" panose="020B0600000000000000" pitchFamily="34" charset="-127"/>
+                <a:ea typeface="Noto Sans KR Medium" panose="020B0600000000000000" pitchFamily="34" charset="-127"/>
+                <a:cs typeface="+mn-cs"/>
+              </a:rPr>
+              <a:t>, </a:t>
+            </a:r>
+            <a:r>
+              <a:rPr kumimoji="0" lang="en-US" altLang="ko-KR" sz="2000" b="1" i="0" u="none" strike="noStrike" kern="1200" cap="none" spc="0" normalizeH="0" baseline="0" noProof="0">
+                <a:ln>
+                  <a:noFill/>
+                </a:ln>
+                <a:solidFill>
+                  <a:schemeClr val="accent1"/>
+                </a:solidFill>
+                <a:effectLst/>
+                <a:uLnTx/>
+                <a:uFillTx/>
+                <a:latin typeface="Noto Sans KR Medium" panose="020B0600000000000000" pitchFamily="34" charset="-127"/>
+                <a:ea typeface="Noto Sans KR Medium" panose="020B0600000000000000" pitchFamily="34" charset="-127"/>
+                <a:cs typeface="+mn-cs"/>
+              </a:rPr>
+              <a:t>item_id</a:t>
+            </a:r>
+            <a:r>
+              <a:rPr kumimoji="0" lang="en-US" altLang="ko-KR" sz="2000" b="0" i="0" u="none" strike="noStrike" kern="1200" cap="none" spc="0" normalizeH="0" baseline="0" noProof="0">
+                <a:ln>
+                  <a:noFill/>
+                </a:ln>
+                <a:solidFill>
+                  <a:srgbClr val="43474A"/>
+                </a:solidFill>
+                <a:effectLst/>
+                <a:uLnTx/>
+                <a:uFillTx/>
+                <a:latin typeface="Noto Sans KR Medium" panose="020B0600000000000000" pitchFamily="34" charset="-127"/>
+                <a:ea typeface="Noto Sans KR Medium" panose="020B0600000000000000" pitchFamily="34" charset="-127"/>
+                <a:cs typeface="+mn-cs"/>
+              </a:rPr>
+              <a:t>, quantity, date)</a:t>
             </a:r>
           </a:p>
         </p:txBody>
@@ -3786,7 +5434,7 @@
     </p:spTree>
     <p:extLst>
       <p:ext uri="{BB962C8B-B14F-4D97-AF65-F5344CB8AC3E}">
-        <p14:creationId xmlns:p14="http://schemas.microsoft.com/office/powerpoint/2010/main" val="609709821"/>
+        <p14:creationId xmlns:p14="http://schemas.microsoft.com/office/powerpoint/2010/main" val="3729613484"/>
       </p:ext>
     </p:extLst>
   </p:cSld>
@@ -3836,7 +5484,7 @@
         <p:spPr>
           <a:xfrm>
             <a:off x="593355" y="647448"/>
-            <a:ext cx="5009705" cy="523220"/>
+            <a:ext cx="5168403" cy="523220"/>
           </a:xfrm>
           <a:prstGeom prst="rect">
             <a:avLst/>
@@ -3867,46 +5515,3421 @@
               <a:defRPr/>
             </a:pPr>
             <a:r>
-              <a:rPr kumimoji="0" lang="en-US" altLang="ko-KR" sz="2800" b="1" i="0" u="none" strike="noStrike" kern="1200" cap="none" spc="0" normalizeH="0" baseline="0" noProof="0">
-                <a:ln>
-                  <a:noFill/>
-                </a:ln>
-                <a:solidFill>
-                  <a:srgbClr val="43474A"/>
-                </a:solidFill>
-                <a:effectLst/>
-                <a:uLnTx/>
-                <a:uFillTx/>
-                <a:latin typeface="Noto Sans KR" panose="020B0500000000000000" pitchFamily="34" charset="-127"/>
-                <a:ea typeface="Noto Sans KR" panose="020B0500000000000000" pitchFamily="34" charset="-127"/>
-                <a:cs typeface="+mn-cs"/>
-              </a:rPr>
-              <a:t>(7) BCNF </a:t>
-            </a:r>
-            <a:r>
-              <a:rPr kumimoji="0" lang="ko-KR" altLang="en-US" sz="2800" b="1" i="0" u="none" strike="noStrike" kern="1200" cap="none" spc="0" normalizeH="0" baseline="0" noProof="0">
-                <a:ln>
-                  <a:noFill/>
-                </a:ln>
-                <a:solidFill>
-                  <a:srgbClr val="43474A"/>
-                </a:solidFill>
-                <a:effectLst/>
-                <a:uLnTx/>
-                <a:uFillTx/>
-                <a:latin typeface="Noto Sans KR" panose="020B0500000000000000" pitchFamily="34" charset="-127"/>
-                <a:ea typeface="Noto Sans KR" panose="020B0500000000000000" pitchFamily="34" charset="-127"/>
-                <a:cs typeface="+mn-cs"/>
-              </a:rPr>
-              <a:t>정규화 및 스키마 정제</a:t>
-            </a:r>
+              <a:rPr lang="en-US" altLang="ko-KR" sz="2800" b="1">
+                <a:solidFill>
+                  <a:srgbClr val="43474A"/>
+                </a:solidFill>
+                <a:latin typeface="Noto Sans KR" panose="020B0500000000000000" pitchFamily="34" charset="-127"/>
+                <a:ea typeface="Noto Sans KR" panose="020B0500000000000000" pitchFamily="34" charset="-127"/>
+              </a:rPr>
+              <a:t>(4) </a:t>
+            </a:r>
+            <a:r>
+              <a:rPr lang="ko-KR" altLang="en-US" sz="2800" b="1">
+                <a:solidFill>
+                  <a:srgbClr val="43474A"/>
+                </a:solidFill>
+                <a:latin typeface="Noto Sans KR" panose="020B0500000000000000" pitchFamily="34" charset="-127"/>
+                <a:ea typeface="Noto Sans KR" panose="020B0500000000000000" pitchFamily="34" charset="-127"/>
+              </a:rPr>
+              <a:t>자연어 질의 리스트 및 </a:t>
+            </a:r>
+            <a:r>
+              <a:rPr lang="en-US" altLang="ko-KR" sz="2800" b="1">
+                <a:solidFill>
+                  <a:srgbClr val="43474A"/>
+                </a:solidFill>
+                <a:latin typeface="Noto Sans KR" panose="020B0500000000000000" pitchFamily="34" charset="-127"/>
+                <a:ea typeface="Noto Sans KR" panose="020B0500000000000000" pitchFamily="34" charset="-127"/>
+              </a:rPr>
+              <a:t>SQL </a:t>
+            </a:r>
+            <a:r>
+              <a:rPr lang="ko-KR" altLang="en-US" sz="2800" b="1">
+                <a:solidFill>
+                  <a:srgbClr val="43474A"/>
+                </a:solidFill>
+                <a:latin typeface="Noto Sans KR" panose="020B0500000000000000" pitchFamily="34" charset="-127"/>
+                <a:ea typeface="Noto Sans KR" panose="020B0500000000000000" pitchFamily="34" charset="-127"/>
+              </a:rPr>
+              <a:t>문</a:t>
+            </a:r>
+            <a:endParaRPr kumimoji="0" lang="ko-KR" altLang="en-US" sz="2800" b="1" i="0" u="none" strike="noStrike" kern="1200" cap="none" spc="0" normalizeH="0" baseline="0" noProof="0">
+              <a:ln>
+                <a:noFill/>
+              </a:ln>
+              <a:solidFill>
+                <a:srgbClr val="43474A"/>
+              </a:solidFill>
+              <a:effectLst/>
+              <a:uLnTx/>
+              <a:uFillTx/>
+              <a:latin typeface="Noto Sans KR" panose="020B0500000000000000" pitchFamily="34" charset="-127"/>
+              <a:ea typeface="Noto Sans KR" panose="020B0500000000000000" pitchFamily="34" charset="-127"/>
+              <a:cs typeface="+mn-cs"/>
+            </a:endParaRPr>
+          </a:p>
+        </p:txBody>
+      </p:sp>
+      <p:sp>
+        <p:nvSpPr>
+          <p:cNvPr id="2" name="TextBox 1">
+            <a:extLst>
+              <a:ext uri="{FF2B5EF4-FFF2-40B4-BE49-F238E27FC236}">
+                <a16:creationId xmlns:a16="http://schemas.microsoft.com/office/drawing/2014/main" id="{2D787434-F8F4-130F-8A3E-6A89993E1166}"/>
+              </a:ext>
+            </a:extLst>
+          </p:cNvPr>
+          <p:cNvSpPr txBox="1"/>
+          <p:nvPr/>
+        </p:nvSpPr>
+        <p:spPr>
+          <a:xfrm>
+            <a:off x="691123" y="2255762"/>
+            <a:ext cx="9655592" cy="2346476"/>
+          </a:xfrm>
+          <a:prstGeom prst="rect">
+            <a:avLst/>
+          </a:prstGeom>
+          <a:noFill/>
+        </p:spPr>
+        <p:txBody>
+          <a:bodyPr wrap="none" rtlCol="0">
+            <a:spAutoFit/>
+          </a:bodyPr>
+          <a:lstStyle/>
+          <a:p>
+            <a:pPr>
+              <a:lnSpc>
+                <a:spcPct val="150000"/>
+              </a:lnSpc>
+              <a:defRPr/>
+            </a:pPr>
+            <a:r>
+              <a:rPr kumimoji="0" lang="en-US" altLang="ko-KR" sz="2000" i="0" u="none" strike="noStrike" kern="1200" cap="none" spc="0" normalizeH="0" baseline="0" noProof="0">
+                <a:ln>
+                  <a:noFill/>
+                </a:ln>
+                <a:solidFill>
+                  <a:srgbClr val="43474A"/>
+                </a:solidFill>
+                <a:effectLst/>
+                <a:uLnTx/>
+                <a:uFillTx/>
+                <a:latin typeface="Noto Sans KR" panose="020B0500000000000000" pitchFamily="34" charset="-127"/>
+                <a:ea typeface="Noto Sans KR" panose="020B0500000000000000" pitchFamily="34" charset="-127"/>
+              </a:rPr>
+              <a:t>① </a:t>
+            </a:r>
+            <a:r>
+              <a:rPr kumimoji="0" lang="ko-KR" altLang="en-US" sz="2000" i="0" u="none" strike="noStrike" kern="1200" cap="none" spc="0" normalizeH="0" baseline="0" noProof="0">
+                <a:ln>
+                  <a:noFill/>
+                </a:ln>
+                <a:solidFill>
+                  <a:srgbClr val="43474A"/>
+                </a:solidFill>
+                <a:effectLst/>
+                <a:uLnTx/>
+                <a:uFillTx/>
+                <a:latin typeface="Noto Sans KR" panose="020B0500000000000000" pitchFamily="34" charset="-127"/>
+                <a:ea typeface="Noto Sans KR" panose="020B0500000000000000" pitchFamily="34" charset="-127"/>
+              </a:rPr>
+              <a:t>이번 달에 내가 쿠팡에 지출한 내역을 보여주기</a:t>
+            </a:r>
+            <a:endParaRPr kumimoji="0" lang="en-US" altLang="ko-KR" sz="2000" i="0" u="none" strike="noStrike" kern="1200" cap="none" spc="0" normalizeH="0" baseline="0" noProof="0">
+              <a:ln>
+                <a:noFill/>
+              </a:ln>
+              <a:solidFill>
+                <a:srgbClr val="43474A"/>
+              </a:solidFill>
+              <a:effectLst/>
+              <a:uLnTx/>
+              <a:uFillTx/>
+              <a:latin typeface="Noto Sans KR" panose="020B0500000000000000" pitchFamily="34" charset="-127"/>
+              <a:ea typeface="Noto Sans KR" panose="020B0500000000000000" pitchFamily="34" charset="-127"/>
+            </a:endParaRPr>
+          </a:p>
+          <a:p>
+            <a:pPr>
+              <a:lnSpc>
+                <a:spcPct val="150000"/>
+              </a:lnSpc>
+              <a:defRPr/>
+            </a:pPr>
+            <a:r>
+              <a:rPr kumimoji="0" lang="en-US" altLang="ko-KR" sz="2000" i="0" u="none" strike="noStrike" kern="1200" cap="none" spc="0" normalizeH="0" baseline="0" noProof="0">
+                <a:ln>
+                  <a:noFill/>
+                </a:ln>
+                <a:solidFill>
+                  <a:srgbClr val="43474A"/>
+                </a:solidFill>
+                <a:effectLst/>
+                <a:uLnTx/>
+                <a:uFillTx/>
+                <a:latin typeface="Noto Sans KR" panose="020B0500000000000000" pitchFamily="34" charset="-127"/>
+                <a:ea typeface="Noto Sans KR" panose="020B0500000000000000" pitchFamily="34" charset="-127"/>
+              </a:rPr>
+              <a:t>② ‘clothe</a:t>
+            </a:r>
+            <a:r>
+              <a:rPr lang="en-US" altLang="ko-KR" sz="2000">
+                <a:solidFill>
+                  <a:srgbClr val="43474A"/>
+                </a:solidFill>
+                <a:latin typeface="Noto Sans KR" panose="020B0500000000000000" pitchFamily="34" charset="-127"/>
+                <a:ea typeface="Noto Sans KR" panose="020B0500000000000000" pitchFamily="34" charset="-127"/>
+              </a:rPr>
+              <a:t>s</a:t>
+            </a:r>
+            <a:r>
+              <a:rPr kumimoji="0" lang="en-US" altLang="ko-KR" sz="2000" i="0" u="none" strike="noStrike" kern="1200" cap="none" spc="0" normalizeH="0" baseline="0" noProof="0">
+                <a:ln>
+                  <a:noFill/>
+                </a:ln>
+                <a:solidFill>
+                  <a:srgbClr val="43474A"/>
+                </a:solidFill>
+                <a:effectLst/>
+                <a:uLnTx/>
+                <a:uFillTx/>
+                <a:latin typeface="Noto Sans KR" panose="020B0500000000000000" pitchFamily="34" charset="-127"/>
+                <a:ea typeface="Noto Sans KR" panose="020B0500000000000000" pitchFamily="34" charset="-127"/>
+              </a:rPr>
+              <a:t>’ </a:t>
+            </a:r>
+            <a:r>
+              <a:rPr kumimoji="0" lang="ko-KR" altLang="en-US" sz="2000" i="0" u="none" strike="noStrike" kern="1200" cap="none" spc="0" normalizeH="0" baseline="0" noProof="0">
+                <a:ln>
+                  <a:noFill/>
+                </a:ln>
+                <a:solidFill>
+                  <a:srgbClr val="43474A"/>
+                </a:solidFill>
+                <a:effectLst/>
+                <a:uLnTx/>
+                <a:uFillTx/>
+                <a:latin typeface="Noto Sans KR" panose="020B0500000000000000" pitchFamily="34" charset="-127"/>
+                <a:ea typeface="Noto Sans KR" panose="020B0500000000000000" pitchFamily="34" charset="-127"/>
+              </a:rPr>
+              <a:t>카테고리에서 판매량이 가장 많은 아이템 보여주기</a:t>
+            </a:r>
+            <a:endParaRPr kumimoji="0" lang="en-US" altLang="ko-KR" sz="2000" i="0" u="none" strike="noStrike" kern="1200" cap="none" spc="0" normalizeH="0" baseline="0" noProof="0">
+              <a:ln>
+                <a:noFill/>
+              </a:ln>
+              <a:solidFill>
+                <a:srgbClr val="43474A"/>
+              </a:solidFill>
+              <a:effectLst/>
+              <a:uLnTx/>
+              <a:uFillTx/>
+              <a:latin typeface="Noto Sans KR" panose="020B0500000000000000" pitchFamily="34" charset="-127"/>
+              <a:ea typeface="Noto Sans KR" panose="020B0500000000000000" pitchFamily="34" charset="-127"/>
+            </a:endParaRPr>
+          </a:p>
+          <a:p>
+            <a:pPr>
+              <a:lnSpc>
+                <a:spcPct val="150000"/>
+              </a:lnSpc>
+              <a:defRPr/>
+            </a:pPr>
+            <a:r>
+              <a:rPr kumimoji="0" lang="en-US" altLang="ko-KR" sz="2000" i="0" u="none" strike="noStrike" kern="1200" cap="none" spc="0" normalizeH="0" baseline="0" noProof="0">
+                <a:ln>
+                  <a:noFill/>
+                </a:ln>
+                <a:solidFill>
+                  <a:srgbClr val="43474A"/>
+                </a:solidFill>
+                <a:effectLst/>
+                <a:uLnTx/>
+                <a:uFillTx/>
+                <a:latin typeface="Noto Sans KR" panose="020B0500000000000000" pitchFamily="34" charset="-127"/>
+                <a:ea typeface="Noto Sans KR" panose="020B0500000000000000" pitchFamily="34" charset="-127"/>
+              </a:rPr>
+              <a:t>③ ‘IT’ </a:t>
+            </a:r>
+            <a:r>
+              <a:rPr kumimoji="0" lang="ko-KR" altLang="en-US" sz="2000" i="0" u="none" strike="noStrike" kern="1200" cap="none" spc="0" normalizeH="0" baseline="0" noProof="0">
+                <a:ln>
+                  <a:noFill/>
+                </a:ln>
+                <a:solidFill>
+                  <a:srgbClr val="43474A"/>
+                </a:solidFill>
+                <a:effectLst/>
+                <a:uLnTx/>
+                <a:uFillTx/>
+                <a:latin typeface="Noto Sans KR" panose="020B0500000000000000" pitchFamily="34" charset="-127"/>
+                <a:ea typeface="Noto Sans KR" panose="020B0500000000000000" pitchFamily="34" charset="-127"/>
+              </a:rPr>
+              <a:t>카테고리에서 </a:t>
+            </a:r>
+            <a:r>
+              <a:rPr kumimoji="0" lang="en-US" altLang="ko-KR" sz="2000" i="0" u="none" strike="noStrike" kern="1200" cap="none" spc="0" normalizeH="0" baseline="0" noProof="0">
+                <a:ln>
+                  <a:noFill/>
+                </a:ln>
+                <a:solidFill>
+                  <a:srgbClr val="43474A"/>
+                </a:solidFill>
+                <a:effectLst/>
+                <a:uLnTx/>
+                <a:uFillTx/>
+                <a:latin typeface="Noto Sans KR" panose="020B0500000000000000" pitchFamily="34" charset="-127"/>
+                <a:ea typeface="Noto Sans KR" panose="020B0500000000000000" pitchFamily="34" charset="-127"/>
+              </a:rPr>
+              <a:t>‘apple’ </a:t>
+            </a:r>
+            <a:r>
+              <a:rPr kumimoji="0" lang="ko-KR" altLang="en-US" sz="2000" i="0" u="none" strike="noStrike" kern="1200" cap="none" spc="0" normalizeH="0" baseline="0" noProof="0">
+                <a:ln>
+                  <a:noFill/>
+                </a:ln>
+                <a:solidFill>
+                  <a:srgbClr val="43474A"/>
+                </a:solidFill>
+                <a:effectLst/>
+                <a:uLnTx/>
+                <a:uFillTx/>
+                <a:latin typeface="Noto Sans KR" panose="020B0500000000000000" pitchFamily="34" charset="-127"/>
+                <a:ea typeface="Noto Sans KR" panose="020B0500000000000000" pitchFamily="34" charset="-127"/>
+              </a:rPr>
+              <a:t>제조사만 해당하는 아이템 보여주기</a:t>
+            </a:r>
+            <a:endParaRPr kumimoji="0" lang="en-US" altLang="ko-KR" sz="2000" i="0" u="none" strike="noStrike" kern="1200" cap="none" spc="0" normalizeH="0" baseline="0" noProof="0">
+              <a:ln>
+                <a:noFill/>
+              </a:ln>
+              <a:solidFill>
+                <a:srgbClr val="43474A"/>
+              </a:solidFill>
+              <a:effectLst/>
+              <a:uLnTx/>
+              <a:uFillTx/>
+              <a:latin typeface="Noto Sans KR" panose="020B0500000000000000" pitchFamily="34" charset="-127"/>
+              <a:ea typeface="Noto Sans KR" panose="020B0500000000000000" pitchFamily="34" charset="-127"/>
+            </a:endParaRPr>
+          </a:p>
+          <a:p>
+            <a:pPr>
+              <a:lnSpc>
+                <a:spcPct val="150000"/>
+              </a:lnSpc>
+              <a:defRPr/>
+            </a:pPr>
+            <a:r>
+              <a:rPr kumimoji="0" lang="en-US" altLang="ko-KR" sz="2000" i="0" u="none" strike="noStrike" kern="1200" cap="none" spc="0" normalizeH="0" baseline="0" noProof="0">
+                <a:ln>
+                  <a:noFill/>
+                </a:ln>
+                <a:solidFill>
+                  <a:srgbClr val="43474A"/>
+                </a:solidFill>
+                <a:effectLst/>
+                <a:uLnTx/>
+                <a:uFillTx/>
+                <a:latin typeface="Noto Sans KR" panose="020B0500000000000000" pitchFamily="34" charset="-127"/>
+                <a:ea typeface="Noto Sans KR" panose="020B0500000000000000" pitchFamily="34" charset="-127"/>
+              </a:rPr>
+              <a:t>④ ‘s</a:t>
+            </a:r>
+            <a:r>
+              <a:rPr lang="en-US" altLang="ko-KR" sz="2000">
+                <a:solidFill>
+                  <a:srgbClr val="43474A"/>
+                </a:solidFill>
+                <a:latin typeface="Noto Sans KR" panose="020B0500000000000000" pitchFamily="34" charset="-127"/>
+                <a:ea typeface="Noto Sans KR" panose="020B0500000000000000" pitchFamily="34" charset="-127"/>
+              </a:rPr>
+              <a:t>amsung’ </a:t>
+            </a:r>
+            <a:r>
+              <a:rPr lang="ko-KR" altLang="en-US" sz="2000">
+                <a:solidFill>
+                  <a:srgbClr val="43474A"/>
+                </a:solidFill>
+                <a:latin typeface="Noto Sans KR" panose="020B0500000000000000" pitchFamily="34" charset="-127"/>
+                <a:ea typeface="Noto Sans KR" panose="020B0500000000000000" pitchFamily="34" charset="-127"/>
+              </a:rPr>
+              <a:t>제조사가 쿠팡을 통해 벌어들인 총 수익 중 최대치를 경신한 아이템 보여주기</a:t>
+            </a:r>
+            <a:endParaRPr kumimoji="0" lang="en-US" altLang="ko-KR" sz="2000" i="0" u="none" strike="noStrike" kern="1200" cap="none" spc="0" normalizeH="0" baseline="0" noProof="0">
+              <a:ln>
+                <a:noFill/>
+              </a:ln>
+              <a:solidFill>
+                <a:srgbClr val="43474A"/>
+              </a:solidFill>
+              <a:effectLst/>
+              <a:uLnTx/>
+              <a:uFillTx/>
+              <a:latin typeface="Noto Sans KR" panose="020B0500000000000000" pitchFamily="34" charset="-127"/>
+              <a:ea typeface="Noto Sans KR" panose="020B0500000000000000" pitchFamily="34" charset="-127"/>
+            </a:endParaRPr>
+          </a:p>
+          <a:p>
+            <a:pPr>
+              <a:lnSpc>
+                <a:spcPct val="150000"/>
+              </a:lnSpc>
+              <a:defRPr/>
+            </a:pPr>
+            <a:r>
+              <a:rPr kumimoji="0" lang="en-US" altLang="ko-KR" sz="2000" i="0" u="none" strike="noStrike" kern="1200" cap="none" spc="0" normalizeH="0" baseline="0" noProof="0">
+                <a:ln>
+                  <a:noFill/>
+                </a:ln>
+                <a:solidFill>
+                  <a:srgbClr val="43474A"/>
+                </a:solidFill>
+                <a:effectLst/>
+                <a:uLnTx/>
+                <a:uFillTx/>
+                <a:latin typeface="Noto Sans KR" panose="020B0500000000000000" pitchFamily="34" charset="-127"/>
+                <a:ea typeface="Noto Sans KR" panose="020B0500000000000000" pitchFamily="34" charset="-127"/>
+              </a:rPr>
+              <a:t>⑤ </a:t>
+            </a:r>
+            <a:r>
+              <a:rPr kumimoji="0" lang="ko-KR" altLang="en-US" sz="2000" i="0" u="none" strike="noStrike" kern="1200" cap="none" spc="0" normalizeH="0" baseline="0" noProof="0">
+                <a:ln>
+                  <a:noFill/>
+                </a:ln>
+                <a:solidFill>
+                  <a:srgbClr val="43474A"/>
+                </a:solidFill>
+                <a:effectLst/>
+                <a:uLnTx/>
+                <a:uFillTx/>
+                <a:latin typeface="Noto Sans KR" panose="020B0500000000000000" pitchFamily="34" charset="-127"/>
+                <a:ea typeface="Noto Sans KR" panose="020B0500000000000000" pitchFamily="34" charset="-127"/>
+              </a:rPr>
+              <a:t>특정 날짜에 공급받은 아이템과 수량 보여주기</a:t>
+            </a:r>
+            <a:endParaRPr kumimoji="0" lang="en-US" altLang="ko-KR" sz="2000" i="0" u="none" strike="noStrike" kern="1200" cap="none" spc="0" normalizeH="0" baseline="0" noProof="0">
+              <a:ln>
+                <a:noFill/>
+              </a:ln>
+              <a:solidFill>
+                <a:srgbClr val="43474A"/>
+              </a:solidFill>
+              <a:effectLst/>
+              <a:uLnTx/>
+              <a:uFillTx/>
+              <a:latin typeface="Noto Sans KR" panose="020B0500000000000000" pitchFamily="34" charset="-127"/>
+              <a:ea typeface="Noto Sans KR" panose="020B0500000000000000" pitchFamily="34" charset="-127"/>
+            </a:endParaRPr>
           </a:p>
         </p:txBody>
       </p:sp>
     </p:spTree>
     <p:extLst>
       <p:ext uri="{BB962C8B-B14F-4D97-AF65-F5344CB8AC3E}">
-        <p14:creationId xmlns:p14="http://schemas.microsoft.com/office/powerpoint/2010/main" val="1565931988"/>
+        <p14:creationId xmlns:p14="http://schemas.microsoft.com/office/powerpoint/2010/main" val="596292026"/>
+      </p:ext>
+    </p:extLst>
+  </p:cSld>
+  <p:clrMapOvr>
+    <a:masterClrMapping/>
+  </p:clrMapOvr>
+</p:sld>
+</file>
+
+<file path=ppt/slides/slide13.xml><?xml version="1.0" encoding="utf-8"?>
+<p:sld xmlns:a="http://schemas.openxmlformats.org/drawingml/2006/main" xmlns:r="http://schemas.openxmlformats.org/officeDocument/2006/relationships" xmlns:p="http://schemas.openxmlformats.org/presentationml/2006/main">
+  <p:cSld>
+    <p:bg>
+      <p:bgPr>
+        <a:solidFill>
+          <a:srgbClr val="F0F0F0"/>
+        </a:solidFill>
+        <a:effectLst/>
+      </p:bgPr>
+    </p:bg>
+    <p:spTree>
+      <p:nvGrpSpPr>
+        <p:cNvPr id="1" name=""/>
+        <p:cNvGrpSpPr/>
+        <p:nvPr/>
+      </p:nvGrpSpPr>
+      <p:grpSpPr>
+        <a:xfrm>
+          <a:off x="0" y="0"/>
+          <a:ext cx="0" cy="0"/>
+          <a:chOff x="0" y="0"/>
+          <a:chExt cx="0" cy="0"/>
+        </a:xfrm>
+      </p:grpSpPr>
+      <p:sp>
+        <p:nvSpPr>
+          <p:cNvPr id="12" name="TextBox 11">
+            <a:extLst>
+              <a:ext uri="{FF2B5EF4-FFF2-40B4-BE49-F238E27FC236}">
+                <a16:creationId xmlns:a16="http://schemas.microsoft.com/office/drawing/2014/main" id="{BCF126B8-5634-47FB-B8A4-465D640D394B}"/>
+              </a:ext>
+            </a:extLst>
+          </p:cNvPr>
+          <p:cNvSpPr txBox="1"/>
+          <p:nvPr/>
+        </p:nvSpPr>
+        <p:spPr>
+          <a:xfrm>
+            <a:off x="593355" y="647448"/>
+            <a:ext cx="5168403" cy="523220"/>
+          </a:xfrm>
+          <a:prstGeom prst="rect">
+            <a:avLst/>
+          </a:prstGeom>
+          <a:noFill/>
+        </p:spPr>
+        <p:txBody>
+          <a:bodyPr wrap="none" rtlCol="0">
+            <a:spAutoFit/>
+          </a:bodyPr>
+          <a:lstStyle/>
+          <a:p>
+            <a:pPr marL="0" marR="0" lvl="0" indent="0" algn="l" defTabSz="914400" rtl="0" eaLnBrk="1" fontAlgn="auto" latinLnBrk="1" hangingPunct="1">
+              <a:lnSpc>
+                <a:spcPct val="100000"/>
+              </a:lnSpc>
+              <a:spcBef>
+                <a:spcPts val="0"/>
+              </a:spcBef>
+              <a:spcAft>
+                <a:spcPts val="0"/>
+              </a:spcAft>
+              <a:buClrTx/>
+              <a:buSzTx/>
+              <a:buFontTx/>
+              <a:buNone/>
+              <a:tabLst/>
+              <a:defRPr/>
+            </a:pPr>
+            <a:r>
+              <a:rPr kumimoji="0" lang="en-US" altLang="ko-KR" sz="2800" b="1" i="0" u="none" strike="noStrike" kern="1200" cap="none" spc="0" normalizeH="0" baseline="0" noProof="0">
+                <a:ln>
+                  <a:noFill/>
+                </a:ln>
+                <a:solidFill>
+                  <a:srgbClr val="43474A"/>
+                </a:solidFill>
+                <a:effectLst/>
+                <a:uLnTx/>
+                <a:uFillTx/>
+                <a:latin typeface="Noto Sans KR" panose="020B0500000000000000" pitchFamily="34" charset="-127"/>
+                <a:ea typeface="Noto Sans KR" panose="020B0500000000000000" pitchFamily="34" charset="-127"/>
+                <a:cs typeface="+mn-cs"/>
+              </a:rPr>
+              <a:t>(4) </a:t>
+            </a:r>
+            <a:r>
+              <a:rPr kumimoji="0" lang="ko-KR" altLang="en-US" sz="2800" b="1" i="0" u="none" strike="noStrike" kern="1200" cap="none" spc="0" normalizeH="0" baseline="0" noProof="0">
+                <a:ln>
+                  <a:noFill/>
+                </a:ln>
+                <a:solidFill>
+                  <a:srgbClr val="43474A"/>
+                </a:solidFill>
+                <a:effectLst/>
+                <a:uLnTx/>
+                <a:uFillTx/>
+                <a:latin typeface="Noto Sans KR" panose="020B0500000000000000" pitchFamily="34" charset="-127"/>
+                <a:ea typeface="Noto Sans KR" panose="020B0500000000000000" pitchFamily="34" charset="-127"/>
+                <a:cs typeface="+mn-cs"/>
+              </a:rPr>
+              <a:t>자연어 질의 리스트 및 </a:t>
+            </a:r>
+            <a:r>
+              <a:rPr kumimoji="0" lang="en-US" altLang="ko-KR" sz="2800" b="1" i="0" u="none" strike="noStrike" kern="1200" cap="none" spc="0" normalizeH="0" baseline="0" noProof="0">
+                <a:ln>
+                  <a:noFill/>
+                </a:ln>
+                <a:solidFill>
+                  <a:srgbClr val="43474A"/>
+                </a:solidFill>
+                <a:effectLst/>
+                <a:uLnTx/>
+                <a:uFillTx/>
+                <a:latin typeface="Noto Sans KR" panose="020B0500000000000000" pitchFamily="34" charset="-127"/>
+                <a:ea typeface="Noto Sans KR" panose="020B0500000000000000" pitchFamily="34" charset="-127"/>
+                <a:cs typeface="+mn-cs"/>
+              </a:rPr>
+              <a:t>SQL </a:t>
+            </a:r>
+            <a:r>
+              <a:rPr kumimoji="0" lang="ko-KR" altLang="en-US" sz="2800" b="1" i="0" u="none" strike="noStrike" kern="1200" cap="none" spc="0" normalizeH="0" baseline="0" noProof="0">
+                <a:ln>
+                  <a:noFill/>
+                </a:ln>
+                <a:solidFill>
+                  <a:srgbClr val="43474A"/>
+                </a:solidFill>
+                <a:effectLst/>
+                <a:uLnTx/>
+                <a:uFillTx/>
+                <a:latin typeface="Noto Sans KR" panose="020B0500000000000000" pitchFamily="34" charset="-127"/>
+                <a:ea typeface="Noto Sans KR" panose="020B0500000000000000" pitchFamily="34" charset="-127"/>
+                <a:cs typeface="+mn-cs"/>
+              </a:rPr>
+              <a:t>문</a:t>
+            </a:r>
+          </a:p>
+        </p:txBody>
+      </p:sp>
+      <p:sp>
+        <p:nvSpPr>
+          <p:cNvPr id="2" name="TextBox 1">
+            <a:extLst>
+              <a:ext uri="{FF2B5EF4-FFF2-40B4-BE49-F238E27FC236}">
+                <a16:creationId xmlns:a16="http://schemas.microsoft.com/office/drawing/2014/main" id="{2D787434-F8F4-130F-8A3E-6A89993E1166}"/>
+              </a:ext>
+            </a:extLst>
+          </p:cNvPr>
+          <p:cNvSpPr txBox="1"/>
+          <p:nvPr/>
+        </p:nvSpPr>
+        <p:spPr>
+          <a:xfrm>
+            <a:off x="691123" y="2040607"/>
+            <a:ext cx="7425431" cy="2808141"/>
+          </a:xfrm>
+          <a:prstGeom prst="rect">
+            <a:avLst/>
+          </a:prstGeom>
+          <a:noFill/>
+        </p:spPr>
+        <p:txBody>
+          <a:bodyPr wrap="none" rtlCol="0">
+            <a:spAutoFit/>
+          </a:bodyPr>
+          <a:lstStyle/>
+          <a:p>
+            <a:pPr marL="0" marR="0" lvl="0" indent="0" algn="l" defTabSz="914400" rtl="0" eaLnBrk="1" fontAlgn="auto" latinLnBrk="1" hangingPunct="1">
+              <a:lnSpc>
+                <a:spcPct val="150000"/>
+              </a:lnSpc>
+              <a:spcBef>
+                <a:spcPts val="0"/>
+              </a:spcBef>
+              <a:spcAft>
+                <a:spcPts val="0"/>
+              </a:spcAft>
+              <a:buClrTx/>
+              <a:buSzTx/>
+              <a:buFontTx/>
+              <a:buNone/>
+              <a:tabLst/>
+              <a:defRPr/>
+            </a:pPr>
+            <a:r>
+              <a:rPr kumimoji="0" lang="en-US" altLang="ko-KR" sz="2000" b="0" i="0" u="none" strike="noStrike" kern="1200" cap="none" spc="0" normalizeH="0" baseline="0" noProof="0">
+                <a:ln>
+                  <a:noFill/>
+                </a:ln>
+                <a:solidFill>
+                  <a:srgbClr val="43474A"/>
+                </a:solidFill>
+                <a:effectLst/>
+                <a:uLnTx/>
+                <a:uFillTx/>
+                <a:latin typeface="Noto Sans KR" panose="020B0500000000000000" pitchFamily="34" charset="-127"/>
+                <a:ea typeface="Noto Sans KR" panose="020B0500000000000000" pitchFamily="34" charset="-127"/>
+                <a:cs typeface="+mn-cs"/>
+              </a:rPr>
+              <a:t>① </a:t>
+            </a:r>
+            <a:r>
+              <a:rPr kumimoji="0" lang="ko-KR" altLang="en-US" sz="2000" b="0" i="0" u="none" strike="noStrike" kern="1200" cap="none" spc="0" normalizeH="0" baseline="0" noProof="0">
+                <a:ln>
+                  <a:noFill/>
+                </a:ln>
+                <a:solidFill>
+                  <a:srgbClr val="43474A"/>
+                </a:solidFill>
+                <a:effectLst/>
+                <a:uLnTx/>
+                <a:uFillTx/>
+                <a:latin typeface="Noto Sans KR" panose="020B0500000000000000" pitchFamily="34" charset="-127"/>
+                <a:ea typeface="Noto Sans KR" panose="020B0500000000000000" pitchFamily="34" charset="-127"/>
+                <a:cs typeface="+mn-cs"/>
+              </a:rPr>
+              <a:t>이번 달에 내가 쿠팡에 지출한 내역을 보여주기 </a:t>
+            </a:r>
+            <a:r>
+              <a:rPr kumimoji="0" lang="en-US" altLang="ko-KR" sz="2000" b="0" i="0" u="none" strike="noStrike" kern="1200" cap="none" spc="0" normalizeH="0" baseline="0" noProof="0">
+                <a:ln>
+                  <a:noFill/>
+                </a:ln>
+                <a:solidFill>
+                  <a:srgbClr val="43474A"/>
+                </a:solidFill>
+                <a:effectLst/>
+                <a:uLnTx/>
+                <a:uFillTx/>
+                <a:latin typeface="Noto Sans KR" panose="020B0500000000000000" pitchFamily="34" charset="-127"/>
+                <a:ea typeface="Noto Sans KR" panose="020B0500000000000000" pitchFamily="34" charset="-127"/>
+                <a:cs typeface="+mn-cs"/>
+              </a:rPr>
+              <a:t>(</a:t>
+            </a:r>
+            <a:r>
+              <a:rPr kumimoji="0" lang="ko-KR" altLang="en-US" sz="2000" b="0" i="0" u="none" strike="noStrike" kern="1200" cap="none" spc="0" normalizeH="0" baseline="0" noProof="0">
+                <a:ln>
+                  <a:noFill/>
+                </a:ln>
+                <a:solidFill>
+                  <a:srgbClr val="43474A"/>
+                </a:solidFill>
+                <a:effectLst/>
+                <a:uLnTx/>
+                <a:uFillTx/>
+                <a:latin typeface="Noto Sans KR" panose="020B0500000000000000" pitchFamily="34" charset="-127"/>
+                <a:ea typeface="Noto Sans KR" panose="020B0500000000000000" pitchFamily="34" charset="-127"/>
+                <a:cs typeface="+mn-cs"/>
+              </a:rPr>
+              <a:t>내 회원아이디 </a:t>
+            </a:r>
+            <a:r>
+              <a:rPr kumimoji="0" lang="en-US" altLang="ko-KR" sz="2000" b="0" i="0" u="none" strike="noStrike" kern="1200" cap="none" spc="0" normalizeH="0" baseline="0" noProof="0">
+                <a:ln>
+                  <a:noFill/>
+                </a:ln>
+                <a:solidFill>
+                  <a:srgbClr val="43474A"/>
+                </a:solidFill>
+                <a:effectLst/>
+                <a:uLnTx/>
+                <a:uFillTx/>
+                <a:latin typeface="Noto Sans KR" panose="020B0500000000000000" pitchFamily="34" charset="-127"/>
+                <a:ea typeface="Noto Sans KR" panose="020B0500000000000000" pitchFamily="34" charset="-127"/>
+                <a:cs typeface="+mn-cs"/>
+              </a:rPr>
+              <a:t>= 1)</a:t>
+            </a:r>
+          </a:p>
+          <a:p>
+            <a:pPr marL="0" marR="0" lvl="0" indent="0" algn="l" defTabSz="914400" rtl="0" eaLnBrk="1" fontAlgn="auto" latinLnBrk="1" hangingPunct="1">
+              <a:lnSpc>
+                <a:spcPct val="150000"/>
+              </a:lnSpc>
+              <a:spcBef>
+                <a:spcPts val="0"/>
+              </a:spcBef>
+              <a:spcAft>
+                <a:spcPts val="0"/>
+              </a:spcAft>
+              <a:buClrTx/>
+              <a:buSzTx/>
+              <a:buFontTx/>
+              <a:buNone/>
+              <a:tabLst/>
+              <a:defRPr/>
+            </a:pPr>
+            <a:endParaRPr kumimoji="0" lang="en-US" altLang="ko-KR" sz="2000" b="0" i="0" u="none" strike="noStrike" kern="1200" cap="none" spc="0" normalizeH="0" baseline="0" noProof="0">
+              <a:ln>
+                <a:noFill/>
+              </a:ln>
+              <a:solidFill>
+                <a:srgbClr val="43474A"/>
+              </a:solidFill>
+              <a:effectLst/>
+              <a:uLnTx/>
+              <a:uFillTx/>
+              <a:latin typeface="Noto Sans KR" panose="020B0500000000000000" pitchFamily="34" charset="-127"/>
+              <a:ea typeface="Noto Sans KR" panose="020B0500000000000000" pitchFamily="34" charset="-127"/>
+              <a:cs typeface="+mn-cs"/>
+            </a:endParaRPr>
+          </a:p>
+          <a:p>
+            <a:pPr marL="0" marR="0" lvl="0" indent="0" algn="l" defTabSz="914400" rtl="0" eaLnBrk="1" fontAlgn="auto" latinLnBrk="1" hangingPunct="1">
+              <a:lnSpc>
+                <a:spcPct val="150000"/>
+              </a:lnSpc>
+              <a:spcBef>
+                <a:spcPts val="0"/>
+              </a:spcBef>
+              <a:spcAft>
+                <a:spcPts val="0"/>
+              </a:spcAft>
+              <a:buClrTx/>
+              <a:buSzTx/>
+              <a:buFontTx/>
+              <a:buNone/>
+              <a:tabLst/>
+              <a:defRPr/>
+            </a:pPr>
+            <a:r>
+              <a:rPr kumimoji="0" lang="en-US" altLang="ko-KR" sz="2000" b="0" i="0" u="none" strike="noStrike" kern="1200" cap="none" spc="0" normalizeH="0" baseline="0" noProof="0">
+                <a:ln>
+                  <a:noFill/>
+                </a:ln>
+                <a:solidFill>
+                  <a:srgbClr val="43474A"/>
+                </a:solidFill>
+                <a:effectLst/>
+                <a:uLnTx/>
+                <a:uFillTx/>
+                <a:latin typeface="Noto Sans KR" panose="020B0500000000000000" pitchFamily="34" charset="-127"/>
+                <a:ea typeface="Noto Sans KR" panose="020B0500000000000000" pitchFamily="34" charset="-127"/>
+                <a:cs typeface="+mn-cs"/>
+              </a:rPr>
+              <a:t>SELECT sum(total_price)</a:t>
+            </a:r>
+          </a:p>
+          <a:p>
+            <a:pPr marL="0" marR="0" lvl="0" indent="0" algn="l" defTabSz="914400" rtl="0" eaLnBrk="1" fontAlgn="auto" latinLnBrk="1" hangingPunct="1">
+              <a:lnSpc>
+                <a:spcPct val="150000"/>
+              </a:lnSpc>
+              <a:spcBef>
+                <a:spcPts val="0"/>
+              </a:spcBef>
+              <a:spcAft>
+                <a:spcPts val="0"/>
+              </a:spcAft>
+              <a:buClrTx/>
+              <a:buSzTx/>
+              <a:buFontTx/>
+              <a:buNone/>
+              <a:tabLst/>
+              <a:defRPr/>
+            </a:pPr>
+            <a:r>
+              <a:rPr lang="en-US" altLang="ko-KR" sz="2000">
+                <a:solidFill>
+                  <a:srgbClr val="43474A"/>
+                </a:solidFill>
+                <a:latin typeface="Noto Sans KR" panose="020B0500000000000000" pitchFamily="34" charset="-127"/>
+                <a:ea typeface="Noto Sans KR" panose="020B0500000000000000" pitchFamily="34" charset="-127"/>
+              </a:rPr>
+              <a:t>FROM order</a:t>
+            </a:r>
+          </a:p>
+          <a:p>
+            <a:pPr marL="0" marR="0" lvl="0" indent="0" algn="l" defTabSz="914400" rtl="0" eaLnBrk="1" fontAlgn="auto" latinLnBrk="1" hangingPunct="1">
+              <a:lnSpc>
+                <a:spcPct val="150000"/>
+              </a:lnSpc>
+              <a:spcBef>
+                <a:spcPts val="0"/>
+              </a:spcBef>
+              <a:spcAft>
+                <a:spcPts val="0"/>
+              </a:spcAft>
+              <a:buClrTx/>
+              <a:buSzTx/>
+              <a:buFontTx/>
+              <a:buNone/>
+              <a:tabLst/>
+              <a:defRPr/>
+            </a:pPr>
+            <a:r>
+              <a:rPr kumimoji="0" lang="en-US" altLang="ko-KR" sz="2000" b="0" i="0" u="none" strike="noStrike" kern="1200" cap="none" spc="0" normalizeH="0" baseline="0" noProof="0">
+                <a:ln>
+                  <a:noFill/>
+                </a:ln>
+                <a:solidFill>
+                  <a:srgbClr val="43474A"/>
+                </a:solidFill>
+                <a:effectLst/>
+                <a:uLnTx/>
+                <a:uFillTx/>
+                <a:latin typeface="Noto Sans KR" panose="020B0500000000000000" pitchFamily="34" charset="-127"/>
+                <a:ea typeface="Noto Sans KR" panose="020B0500000000000000" pitchFamily="34" charset="-127"/>
+                <a:cs typeface="+mn-cs"/>
+              </a:rPr>
+              <a:t>WHERE order_id = 1 </a:t>
+            </a:r>
+            <a:r>
+              <a:rPr lang="en-US" altLang="ko-KR" sz="2000">
+                <a:solidFill>
+                  <a:srgbClr val="43474A"/>
+                </a:solidFill>
+                <a:latin typeface="Noto Sans KR" panose="020B0500000000000000" pitchFamily="34" charset="-127"/>
+                <a:ea typeface="Noto Sans KR" panose="020B0500000000000000" pitchFamily="34" charset="-127"/>
+              </a:rPr>
+              <a:t>and</a:t>
+            </a:r>
+            <a:r>
+              <a:rPr lang="ko-KR" altLang="en-US" sz="2000">
+                <a:solidFill>
+                  <a:srgbClr val="43474A"/>
+                </a:solidFill>
+                <a:latin typeface="Noto Sans KR" panose="020B0500000000000000" pitchFamily="34" charset="-127"/>
+                <a:ea typeface="Noto Sans KR" panose="020B0500000000000000" pitchFamily="34" charset="-127"/>
+              </a:rPr>
+              <a:t> </a:t>
+            </a:r>
+            <a:r>
+              <a:rPr lang="en-US" altLang="ko-KR" sz="2000">
+                <a:solidFill>
+                  <a:srgbClr val="43474A"/>
+                </a:solidFill>
+                <a:latin typeface="Noto Sans KR" panose="020B0500000000000000" pitchFamily="34" charset="-127"/>
+                <a:ea typeface="Noto Sans KR" panose="020B0500000000000000" pitchFamily="34" charset="-127"/>
+              </a:rPr>
+              <a:t>order_date &gt;= date (2022-11-01) </a:t>
+            </a:r>
+          </a:p>
+          <a:p>
+            <a:pPr marL="0" marR="0" lvl="0" indent="0" algn="l" defTabSz="914400" rtl="0" eaLnBrk="1" fontAlgn="auto" latinLnBrk="1" hangingPunct="1">
+              <a:lnSpc>
+                <a:spcPct val="150000"/>
+              </a:lnSpc>
+              <a:spcBef>
+                <a:spcPts val="0"/>
+              </a:spcBef>
+              <a:spcAft>
+                <a:spcPts val="0"/>
+              </a:spcAft>
+              <a:buClrTx/>
+              <a:buSzTx/>
+              <a:buFontTx/>
+              <a:buNone/>
+              <a:tabLst/>
+              <a:defRPr/>
+            </a:pPr>
+            <a:r>
+              <a:rPr lang="en-US" altLang="ko-KR" sz="2000">
+                <a:solidFill>
+                  <a:srgbClr val="43474A"/>
+                </a:solidFill>
+                <a:latin typeface="Noto Sans KR" panose="020B0500000000000000" pitchFamily="34" charset="-127"/>
+                <a:ea typeface="Noto Sans KR" panose="020B0500000000000000" pitchFamily="34" charset="-127"/>
+              </a:rPr>
+              <a:t>	and order_date &lt;= date (2022-11-30) ;</a:t>
+            </a:r>
+            <a:endParaRPr kumimoji="0" lang="en-US" altLang="ko-KR" sz="2000" b="0" i="0" u="none" strike="noStrike" kern="1200" cap="none" spc="0" normalizeH="0" baseline="0" noProof="0">
+              <a:ln>
+                <a:noFill/>
+              </a:ln>
+              <a:solidFill>
+                <a:srgbClr val="43474A"/>
+              </a:solidFill>
+              <a:effectLst/>
+              <a:uLnTx/>
+              <a:uFillTx/>
+              <a:latin typeface="Noto Sans KR" panose="020B0500000000000000" pitchFamily="34" charset="-127"/>
+              <a:ea typeface="Noto Sans KR" panose="020B0500000000000000" pitchFamily="34" charset="-127"/>
+              <a:cs typeface="+mn-cs"/>
+            </a:endParaRPr>
+          </a:p>
+        </p:txBody>
+      </p:sp>
+    </p:spTree>
+    <p:extLst>
+      <p:ext uri="{BB962C8B-B14F-4D97-AF65-F5344CB8AC3E}">
+        <p14:creationId xmlns:p14="http://schemas.microsoft.com/office/powerpoint/2010/main" val="2765823057"/>
+      </p:ext>
+    </p:extLst>
+  </p:cSld>
+  <p:clrMapOvr>
+    <a:masterClrMapping/>
+  </p:clrMapOvr>
+</p:sld>
+</file>
+
+<file path=ppt/slides/slide14.xml><?xml version="1.0" encoding="utf-8"?>
+<p:sld xmlns:a="http://schemas.openxmlformats.org/drawingml/2006/main" xmlns:r="http://schemas.openxmlformats.org/officeDocument/2006/relationships" xmlns:p="http://schemas.openxmlformats.org/presentationml/2006/main">
+  <p:cSld>
+    <p:bg>
+      <p:bgPr>
+        <a:solidFill>
+          <a:srgbClr val="F0F0F0"/>
+        </a:solidFill>
+        <a:effectLst/>
+      </p:bgPr>
+    </p:bg>
+    <p:spTree>
+      <p:nvGrpSpPr>
+        <p:cNvPr id="1" name=""/>
+        <p:cNvGrpSpPr/>
+        <p:nvPr/>
+      </p:nvGrpSpPr>
+      <p:grpSpPr>
+        <a:xfrm>
+          <a:off x="0" y="0"/>
+          <a:ext cx="0" cy="0"/>
+          <a:chOff x="0" y="0"/>
+          <a:chExt cx="0" cy="0"/>
+        </a:xfrm>
+      </p:grpSpPr>
+      <p:sp>
+        <p:nvSpPr>
+          <p:cNvPr id="12" name="TextBox 11">
+            <a:extLst>
+              <a:ext uri="{FF2B5EF4-FFF2-40B4-BE49-F238E27FC236}">
+                <a16:creationId xmlns:a16="http://schemas.microsoft.com/office/drawing/2014/main" id="{BCF126B8-5634-47FB-B8A4-465D640D394B}"/>
+              </a:ext>
+            </a:extLst>
+          </p:cNvPr>
+          <p:cNvSpPr txBox="1"/>
+          <p:nvPr/>
+        </p:nvSpPr>
+        <p:spPr>
+          <a:xfrm>
+            <a:off x="593355" y="647448"/>
+            <a:ext cx="5168403" cy="523220"/>
+          </a:xfrm>
+          <a:prstGeom prst="rect">
+            <a:avLst/>
+          </a:prstGeom>
+          <a:noFill/>
+        </p:spPr>
+        <p:txBody>
+          <a:bodyPr wrap="none" rtlCol="0">
+            <a:spAutoFit/>
+          </a:bodyPr>
+          <a:lstStyle/>
+          <a:p>
+            <a:pPr marL="0" marR="0" lvl="0" indent="0" algn="l" defTabSz="914400" rtl="0" eaLnBrk="1" fontAlgn="auto" latinLnBrk="1" hangingPunct="1">
+              <a:lnSpc>
+                <a:spcPct val="100000"/>
+              </a:lnSpc>
+              <a:spcBef>
+                <a:spcPts val="0"/>
+              </a:spcBef>
+              <a:spcAft>
+                <a:spcPts val="0"/>
+              </a:spcAft>
+              <a:buClrTx/>
+              <a:buSzTx/>
+              <a:buFontTx/>
+              <a:buNone/>
+              <a:tabLst/>
+              <a:defRPr/>
+            </a:pPr>
+            <a:r>
+              <a:rPr kumimoji="0" lang="en-US" altLang="ko-KR" sz="2800" b="1" i="0" u="none" strike="noStrike" kern="1200" cap="none" spc="0" normalizeH="0" baseline="0" noProof="0">
+                <a:ln>
+                  <a:noFill/>
+                </a:ln>
+                <a:solidFill>
+                  <a:srgbClr val="43474A"/>
+                </a:solidFill>
+                <a:effectLst/>
+                <a:uLnTx/>
+                <a:uFillTx/>
+                <a:latin typeface="Noto Sans KR" panose="020B0500000000000000" pitchFamily="34" charset="-127"/>
+                <a:ea typeface="Noto Sans KR" panose="020B0500000000000000" pitchFamily="34" charset="-127"/>
+                <a:cs typeface="+mn-cs"/>
+              </a:rPr>
+              <a:t>(4) </a:t>
+            </a:r>
+            <a:r>
+              <a:rPr kumimoji="0" lang="ko-KR" altLang="en-US" sz="2800" b="1" i="0" u="none" strike="noStrike" kern="1200" cap="none" spc="0" normalizeH="0" baseline="0" noProof="0">
+                <a:ln>
+                  <a:noFill/>
+                </a:ln>
+                <a:solidFill>
+                  <a:srgbClr val="43474A"/>
+                </a:solidFill>
+                <a:effectLst/>
+                <a:uLnTx/>
+                <a:uFillTx/>
+                <a:latin typeface="Noto Sans KR" panose="020B0500000000000000" pitchFamily="34" charset="-127"/>
+                <a:ea typeface="Noto Sans KR" panose="020B0500000000000000" pitchFamily="34" charset="-127"/>
+                <a:cs typeface="+mn-cs"/>
+              </a:rPr>
+              <a:t>자연어 질의 리스트 및 </a:t>
+            </a:r>
+            <a:r>
+              <a:rPr kumimoji="0" lang="en-US" altLang="ko-KR" sz="2800" b="1" i="0" u="none" strike="noStrike" kern="1200" cap="none" spc="0" normalizeH="0" baseline="0" noProof="0">
+                <a:ln>
+                  <a:noFill/>
+                </a:ln>
+                <a:solidFill>
+                  <a:srgbClr val="43474A"/>
+                </a:solidFill>
+                <a:effectLst/>
+                <a:uLnTx/>
+                <a:uFillTx/>
+                <a:latin typeface="Noto Sans KR" panose="020B0500000000000000" pitchFamily="34" charset="-127"/>
+                <a:ea typeface="Noto Sans KR" panose="020B0500000000000000" pitchFamily="34" charset="-127"/>
+                <a:cs typeface="+mn-cs"/>
+              </a:rPr>
+              <a:t>SQL </a:t>
+            </a:r>
+            <a:r>
+              <a:rPr kumimoji="0" lang="ko-KR" altLang="en-US" sz="2800" b="1" i="0" u="none" strike="noStrike" kern="1200" cap="none" spc="0" normalizeH="0" baseline="0" noProof="0">
+                <a:ln>
+                  <a:noFill/>
+                </a:ln>
+                <a:solidFill>
+                  <a:srgbClr val="43474A"/>
+                </a:solidFill>
+                <a:effectLst/>
+                <a:uLnTx/>
+                <a:uFillTx/>
+                <a:latin typeface="Noto Sans KR" panose="020B0500000000000000" pitchFamily="34" charset="-127"/>
+                <a:ea typeface="Noto Sans KR" panose="020B0500000000000000" pitchFamily="34" charset="-127"/>
+                <a:cs typeface="+mn-cs"/>
+              </a:rPr>
+              <a:t>문</a:t>
+            </a:r>
+          </a:p>
+        </p:txBody>
+      </p:sp>
+      <p:sp>
+        <p:nvSpPr>
+          <p:cNvPr id="2" name="TextBox 1">
+            <a:extLst>
+              <a:ext uri="{FF2B5EF4-FFF2-40B4-BE49-F238E27FC236}">
+                <a16:creationId xmlns:a16="http://schemas.microsoft.com/office/drawing/2014/main" id="{2D787434-F8F4-130F-8A3E-6A89993E1166}"/>
+              </a:ext>
+            </a:extLst>
+          </p:cNvPr>
+          <p:cNvSpPr txBox="1"/>
+          <p:nvPr/>
+        </p:nvSpPr>
+        <p:spPr>
+          <a:xfrm>
+            <a:off x="691123" y="2040607"/>
+            <a:ext cx="8382038" cy="3269806"/>
+          </a:xfrm>
+          <a:prstGeom prst="rect">
+            <a:avLst/>
+          </a:prstGeom>
+          <a:noFill/>
+        </p:spPr>
+        <p:txBody>
+          <a:bodyPr wrap="none" rtlCol="0">
+            <a:spAutoFit/>
+          </a:bodyPr>
+          <a:lstStyle/>
+          <a:p>
+            <a:pPr>
+              <a:lnSpc>
+                <a:spcPct val="150000"/>
+              </a:lnSpc>
+              <a:defRPr/>
+            </a:pPr>
+            <a:r>
+              <a:rPr kumimoji="0" lang="en-US" altLang="ko-KR" sz="2000" i="0" u="none" strike="noStrike" kern="1200" cap="none" spc="0" normalizeH="0" baseline="0" noProof="0">
+                <a:ln>
+                  <a:noFill/>
+                </a:ln>
+                <a:solidFill>
+                  <a:srgbClr val="43474A"/>
+                </a:solidFill>
+                <a:effectLst/>
+                <a:uLnTx/>
+                <a:uFillTx/>
+                <a:latin typeface="Noto Sans KR" panose="020B0500000000000000" pitchFamily="34" charset="-127"/>
+                <a:ea typeface="Noto Sans KR" panose="020B0500000000000000" pitchFamily="34" charset="-127"/>
+              </a:rPr>
+              <a:t>② ‘clothe</a:t>
+            </a:r>
+            <a:r>
+              <a:rPr lang="en-US" altLang="ko-KR" sz="2000">
+                <a:solidFill>
+                  <a:srgbClr val="43474A"/>
+                </a:solidFill>
+                <a:latin typeface="Noto Sans KR" panose="020B0500000000000000" pitchFamily="34" charset="-127"/>
+                <a:ea typeface="Noto Sans KR" panose="020B0500000000000000" pitchFamily="34" charset="-127"/>
+              </a:rPr>
+              <a:t>s</a:t>
+            </a:r>
+            <a:r>
+              <a:rPr kumimoji="0" lang="en-US" altLang="ko-KR" sz="2000" i="0" u="none" strike="noStrike" kern="1200" cap="none" spc="0" normalizeH="0" baseline="0" noProof="0">
+                <a:ln>
+                  <a:noFill/>
+                </a:ln>
+                <a:solidFill>
+                  <a:srgbClr val="43474A"/>
+                </a:solidFill>
+                <a:effectLst/>
+                <a:uLnTx/>
+                <a:uFillTx/>
+                <a:latin typeface="Noto Sans KR" panose="020B0500000000000000" pitchFamily="34" charset="-127"/>
+                <a:ea typeface="Noto Sans KR" panose="020B0500000000000000" pitchFamily="34" charset="-127"/>
+              </a:rPr>
+              <a:t>’ </a:t>
+            </a:r>
+            <a:r>
+              <a:rPr kumimoji="0" lang="ko-KR" altLang="en-US" sz="2000" i="0" u="none" strike="noStrike" kern="1200" cap="none" spc="0" normalizeH="0" baseline="0" noProof="0">
+                <a:ln>
+                  <a:noFill/>
+                </a:ln>
+                <a:solidFill>
+                  <a:srgbClr val="43474A"/>
+                </a:solidFill>
+                <a:effectLst/>
+                <a:uLnTx/>
+                <a:uFillTx/>
+                <a:latin typeface="Noto Sans KR" panose="020B0500000000000000" pitchFamily="34" charset="-127"/>
+                <a:ea typeface="Noto Sans KR" panose="020B0500000000000000" pitchFamily="34" charset="-127"/>
+              </a:rPr>
+              <a:t>카테고리에서 판매량이 가장 많은 아이템 보여주기</a:t>
+            </a:r>
+            <a:endParaRPr kumimoji="0" lang="en-US" altLang="ko-KR" sz="2000" i="0" u="none" strike="noStrike" kern="1200" cap="none" spc="0" normalizeH="0" baseline="0" noProof="0">
+              <a:ln>
+                <a:noFill/>
+              </a:ln>
+              <a:solidFill>
+                <a:srgbClr val="43474A"/>
+              </a:solidFill>
+              <a:effectLst/>
+              <a:uLnTx/>
+              <a:uFillTx/>
+              <a:latin typeface="Noto Sans KR" panose="020B0500000000000000" pitchFamily="34" charset="-127"/>
+              <a:ea typeface="Noto Sans KR" panose="020B0500000000000000" pitchFamily="34" charset="-127"/>
+            </a:endParaRPr>
+          </a:p>
+          <a:p>
+            <a:pPr marL="0" marR="0" lvl="0" indent="0" algn="l" defTabSz="914400" rtl="0" eaLnBrk="1" fontAlgn="auto" latinLnBrk="1" hangingPunct="1">
+              <a:lnSpc>
+                <a:spcPct val="150000"/>
+              </a:lnSpc>
+              <a:spcBef>
+                <a:spcPts val="0"/>
+              </a:spcBef>
+              <a:spcAft>
+                <a:spcPts val="0"/>
+              </a:spcAft>
+              <a:buClrTx/>
+              <a:buSzTx/>
+              <a:buFontTx/>
+              <a:buNone/>
+              <a:tabLst/>
+              <a:defRPr/>
+            </a:pPr>
+            <a:endParaRPr kumimoji="0" lang="en-US" altLang="ko-KR" sz="2000" b="0" i="0" u="none" strike="noStrike" kern="1200" cap="none" spc="0" normalizeH="0" baseline="0" noProof="0">
+              <a:ln>
+                <a:noFill/>
+              </a:ln>
+              <a:solidFill>
+                <a:srgbClr val="43474A"/>
+              </a:solidFill>
+              <a:effectLst/>
+              <a:uLnTx/>
+              <a:uFillTx/>
+              <a:latin typeface="Noto Sans KR" panose="020B0500000000000000" pitchFamily="34" charset="-127"/>
+              <a:ea typeface="Noto Sans KR" panose="020B0500000000000000" pitchFamily="34" charset="-127"/>
+              <a:cs typeface="+mn-cs"/>
+            </a:endParaRPr>
+          </a:p>
+          <a:p>
+            <a:pPr marL="0" marR="0" lvl="0" indent="0" algn="l" defTabSz="914400" rtl="0" eaLnBrk="1" fontAlgn="auto" latinLnBrk="1" hangingPunct="1">
+              <a:lnSpc>
+                <a:spcPct val="150000"/>
+              </a:lnSpc>
+              <a:spcBef>
+                <a:spcPts val="0"/>
+              </a:spcBef>
+              <a:spcAft>
+                <a:spcPts val="0"/>
+              </a:spcAft>
+              <a:buClrTx/>
+              <a:buSzTx/>
+              <a:buFontTx/>
+              <a:buNone/>
+              <a:tabLst/>
+              <a:defRPr/>
+            </a:pPr>
+            <a:r>
+              <a:rPr lang="en-US" altLang="ko-KR" sz="2000">
+                <a:solidFill>
+                  <a:srgbClr val="43474A"/>
+                </a:solidFill>
+                <a:latin typeface="Noto Sans KR" panose="020B0500000000000000" pitchFamily="34" charset="-127"/>
+                <a:ea typeface="Noto Sans KR" panose="020B0500000000000000" pitchFamily="34" charset="-127"/>
+              </a:rPr>
+              <a:t>SELECT item.item_name</a:t>
+            </a:r>
+          </a:p>
+          <a:p>
+            <a:pPr marL="0" marR="0" lvl="0" indent="0" algn="l" defTabSz="914400" rtl="0" eaLnBrk="1" fontAlgn="auto" latinLnBrk="1" hangingPunct="1">
+              <a:lnSpc>
+                <a:spcPct val="150000"/>
+              </a:lnSpc>
+              <a:spcBef>
+                <a:spcPts val="0"/>
+              </a:spcBef>
+              <a:spcAft>
+                <a:spcPts val="0"/>
+              </a:spcAft>
+              <a:buClrTx/>
+              <a:buSzTx/>
+              <a:buFontTx/>
+              <a:buNone/>
+              <a:tabLst/>
+              <a:defRPr/>
+            </a:pPr>
+            <a:r>
+              <a:rPr kumimoji="0" lang="en-US" altLang="ko-KR" sz="2000" b="0" i="0" u="none" strike="noStrike" kern="1200" cap="none" spc="0" normalizeH="0" baseline="0" noProof="0">
+                <a:ln>
+                  <a:noFill/>
+                </a:ln>
+                <a:solidFill>
+                  <a:srgbClr val="43474A"/>
+                </a:solidFill>
+                <a:effectLst/>
+                <a:uLnTx/>
+                <a:uFillTx/>
+                <a:latin typeface="Noto Sans KR" panose="020B0500000000000000" pitchFamily="34" charset="-127"/>
+                <a:ea typeface="Noto Sans KR" panose="020B0500000000000000" pitchFamily="34" charset="-127"/>
+                <a:cs typeface="+mn-cs"/>
+              </a:rPr>
+              <a:t>FROM order, item</a:t>
+            </a:r>
+          </a:p>
+          <a:p>
+            <a:pPr marL="0" marR="0" lvl="0" indent="0" algn="l" defTabSz="914400" rtl="0" eaLnBrk="1" fontAlgn="auto" latinLnBrk="1" hangingPunct="1">
+              <a:lnSpc>
+                <a:spcPct val="150000"/>
+              </a:lnSpc>
+              <a:spcBef>
+                <a:spcPts val="0"/>
+              </a:spcBef>
+              <a:spcAft>
+                <a:spcPts val="0"/>
+              </a:spcAft>
+              <a:buClrTx/>
+              <a:buSzTx/>
+              <a:buFontTx/>
+              <a:buNone/>
+              <a:tabLst/>
+              <a:defRPr/>
+            </a:pPr>
+            <a:r>
+              <a:rPr lang="en-US" altLang="ko-KR" sz="2000">
+                <a:solidFill>
+                  <a:srgbClr val="43474A"/>
+                </a:solidFill>
+                <a:latin typeface="Noto Sans KR" panose="020B0500000000000000" pitchFamily="34" charset="-127"/>
+                <a:ea typeface="Noto Sans KR" panose="020B0500000000000000" pitchFamily="34" charset="-127"/>
+              </a:rPr>
+              <a:t>WHERE item.item_category = ‘clothes’</a:t>
+            </a:r>
+          </a:p>
+          <a:p>
+            <a:pPr marL="0" marR="0" lvl="0" indent="0" algn="l" defTabSz="914400" rtl="0" eaLnBrk="1" fontAlgn="auto" latinLnBrk="1" hangingPunct="1">
+              <a:lnSpc>
+                <a:spcPct val="150000"/>
+              </a:lnSpc>
+              <a:spcBef>
+                <a:spcPts val="0"/>
+              </a:spcBef>
+              <a:spcAft>
+                <a:spcPts val="0"/>
+              </a:spcAft>
+              <a:buClrTx/>
+              <a:buSzTx/>
+              <a:buFontTx/>
+              <a:buNone/>
+              <a:tabLst/>
+              <a:defRPr/>
+            </a:pPr>
+            <a:r>
+              <a:rPr kumimoji="0" lang="en-US" altLang="ko-KR" sz="2000" b="0" i="0" u="none" strike="noStrike" kern="1200" cap="none" spc="0" normalizeH="0" baseline="0" noProof="0">
+                <a:ln>
+                  <a:noFill/>
+                </a:ln>
+                <a:solidFill>
+                  <a:srgbClr val="43474A"/>
+                </a:solidFill>
+                <a:effectLst/>
+                <a:uLnTx/>
+                <a:uFillTx/>
+                <a:latin typeface="Noto Sans KR" panose="020B0500000000000000" pitchFamily="34" charset="-127"/>
+                <a:ea typeface="Noto Sans KR" panose="020B0500000000000000" pitchFamily="34" charset="-127"/>
+                <a:cs typeface="+mn-cs"/>
+              </a:rPr>
+              <a:t>GROUP BY order.item_id</a:t>
+            </a:r>
+          </a:p>
+          <a:p>
+            <a:pPr marL="0" marR="0" lvl="0" indent="0" algn="l" defTabSz="914400" rtl="0" eaLnBrk="1" fontAlgn="auto" latinLnBrk="1" hangingPunct="1">
+              <a:lnSpc>
+                <a:spcPct val="150000"/>
+              </a:lnSpc>
+              <a:spcBef>
+                <a:spcPts val="0"/>
+              </a:spcBef>
+              <a:spcAft>
+                <a:spcPts val="0"/>
+              </a:spcAft>
+              <a:buClrTx/>
+              <a:buSzTx/>
+              <a:buFontTx/>
+              <a:buNone/>
+              <a:tabLst/>
+              <a:defRPr/>
+            </a:pPr>
+            <a:r>
+              <a:rPr kumimoji="0" lang="en-US" altLang="ko-KR" sz="2000" b="0" i="0" u="none" strike="noStrike" kern="1200" cap="none" spc="0" normalizeH="0" baseline="0" noProof="0">
+                <a:ln>
+                  <a:noFill/>
+                </a:ln>
+                <a:solidFill>
+                  <a:srgbClr val="43474A"/>
+                </a:solidFill>
+                <a:effectLst/>
+                <a:uLnTx/>
+                <a:uFillTx/>
+                <a:latin typeface="Noto Sans KR" panose="020B0500000000000000" pitchFamily="34" charset="-127"/>
+                <a:ea typeface="Noto Sans KR" panose="020B0500000000000000" pitchFamily="34" charset="-127"/>
+                <a:cs typeface="+mn-cs"/>
+              </a:rPr>
+              <a:t>HAVING SUM(order.num_of_item) = MAX(SUM(order.num_of_item) ) ;</a:t>
+            </a:r>
+          </a:p>
+        </p:txBody>
+      </p:sp>
+    </p:spTree>
+    <p:extLst>
+      <p:ext uri="{BB962C8B-B14F-4D97-AF65-F5344CB8AC3E}">
+        <p14:creationId xmlns:p14="http://schemas.microsoft.com/office/powerpoint/2010/main" val="405829287"/>
+      </p:ext>
+    </p:extLst>
+  </p:cSld>
+  <p:clrMapOvr>
+    <a:masterClrMapping/>
+  </p:clrMapOvr>
+</p:sld>
+</file>
+
+<file path=ppt/slides/slide15.xml><?xml version="1.0" encoding="utf-8"?>
+<p:sld xmlns:a="http://schemas.openxmlformats.org/drawingml/2006/main" xmlns:r="http://schemas.openxmlformats.org/officeDocument/2006/relationships" xmlns:p="http://schemas.openxmlformats.org/presentationml/2006/main">
+  <p:cSld>
+    <p:bg>
+      <p:bgPr>
+        <a:solidFill>
+          <a:srgbClr val="F0F0F0"/>
+        </a:solidFill>
+        <a:effectLst/>
+      </p:bgPr>
+    </p:bg>
+    <p:spTree>
+      <p:nvGrpSpPr>
+        <p:cNvPr id="1" name=""/>
+        <p:cNvGrpSpPr/>
+        <p:nvPr/>
+      </p:nvGrpSpPr>
+      <p:grpSpPr>
+        <a:xfrm>
+          <a:off x="0" y="0"/>
+          <a:ext cx="0" cy="0"/>
+          <a:chOff x="0" y="0"/>
+          <a:chExt cx="0" cy="0"/>
+        </a:xfrm>
+      </p:grpSpPr>
+      <p:sp>
+        <p:nvSpPr>
+          <p:cNvPr id="12" name="TextBox 11">
+            <a:extLst>
+              <a:ext uri="{FF2B5EF4-FFF2-40B4-BE49-F238E27FC236}">
+                <a16:creationId xmlns:a16="http://schemas.microsoft.com/office/drawing/2014/main" id="{BCF126B8-5634-47FB-B8A4-465D640D394B}"/>
+              </a:ext>
+            </a:extLst>
+          </p:cNvPr>
+          <p:cNvSpPr txBox="1"/>
+          <p:nvPr/>
+        </p:nvSpPr>
+        <p:spPr>
+          <a:xfrm>
+            <a:off x="593355" y="647448"/>
+            <a:ext cx="5168403" cy="523220"/>
+          </a:xfrm>
+          <a:prstGeom prst="rect">
+            <a:avLst/>
+          </a:prstGeom>
+          <a:noFill/>
+        </p:spPr>
+        <p:txBody>
+          <a:bodyPr wrap="none" rtlCol="0">
+            <a:spAutoFit/>
+          </a:bodyPr>
+          <a:lstStyle/>
+          <a:p>
+            <a:pPr marL="0" marR="0" lvl="0" indent="0" algn="l" defTabSz="914400" rtl="0" eaLnBrk="1" fontAlgn="auto" latinLnBrk="1" hangingPunct="1">
+              <a:lnSpc>
+                <a:spcPct val="100000"/>
+              </a:lnSpc>
+              <a:spcBef>
+                <a:spcPts val="0"/>
+              </a:spcBef>
+              <a:spcAft>
+                <a:spcPts val="0"/>
+              </a:spcAft>
+              <a:buClrTx/>
+              <a:buSzTx/>
+              <a:buFontTx/>
+              <a:buNone/>
+              <a:tabLst/>
+              <a:defRPr/>
+            </a:pPr>
+            <a:r>
+              <a:rPr kumimoji="0" lang="en-US" altLang="ko-KR" sz="2800" b="1" i="0" u="none" strike="noStrike" kern="1200" cap="none" spc="0" normalizeH="0" baseline="0" noProof="0">
+                <a:ln>
+                  <a:noFill/>
+                </a:ln>
+                <a:solidFill>
+                  <a:srgbClr val="43474A"/>
+                </a:solidFill>
+                <a:effectLst/>
+                <a:uLnTx/>
+                <a:uFillTx/>
+                <a:latin typeface="Noto Sans KR" panose="020B0500000000000000" pitchFamily="34" charset="-127"/>
+                <a:ea typeface="Noto Sans KR" panose="020B0500000000000000" pitchFamily="34" charset="-127"/>
+                <a:cs typeface="+mn-cs"/>
+              </a:rPr>
+              <a:t>(4) </a:t>
+            </a:r>
+            <a:r>
+              <a:rPr kumimoji="0" lang="ko-KR" altLang="en-US" sz="2800" b="1" i="0" u="none" strike="noStrike" kern="1200" cap="none" spc="0" normalizeH="0" baseline="0" noProof="0">
+                <a:ln>
+                  <a:noFill/>
+                </a:ln>
+                <a:solidFill>
+                  <a:srgbClr val="43474A"/>
+                </a:solidFill>
+                <a:effectLst/>
+                <a:uLnTx/>
+                <a:uFillTx/>
+                <a:latin typeface="Noto Sans KR" panose="020B0500000000000000" pitchFamily="34" charset="-127"/>
+                <a:ea typeface="Noto Sans KR" panose="020B0500000000000000" pitchFamily="34" charset="-127"/>
+                <a:cs typeface="+mn-cs"/>
+              </a:rPr>
+              <a:t>자연어 질의 리스트 및 </a:t>
+            </a:r>
+            <a:r>
+              <a:rPr kumimoji="0" lang="en-US" altLang="ko-KR" sz="2800" b="1" i="0" u="none" strike="noStrike" kern="1200" cap="none" spc="0" normalizeH="0" baseline="0" noProof="0">
+                <a:ln>
+                  <a:noFill/>
+                </a:ln>
+                <a:solidFill>
+                  <a:srgbClr val="43474A"/>
+                </a:solidFill>
+                <a:effectLst/>
+                <a:uLnTx/>
+                <a:uFillTx/>
+                <a:latin typeface="Noto Sans KR" panose="020B0500000000000000" pitchFamily="34" charset="-127"/>
+                <a:ea typeface="Noto Sans KR" panose="020B0500000000000000" pitchFamily="34" charset="-127"/>
+                <a:cs typeface="+mn-cs"/>
+              </a:rPr>
+              <a:t>SQL </a:t>
+            </a:r>
+            <a:r>
+              <a:rPr kumimoji="0" lang="ko-KR" altLang="en-US" sz="2800" b="1" i="0" u="none" strike="noStrike" kern="1200" cap="none" spc="0" normalizeH="0" baseline="0" noProof="0">
+                <a:ln>
+                  <a:noFill/>
+                </a:ln>
+                <a:solidFill>
+                  <a:srgbClr val="43474A"/>
+                </a:solidFill>
+                <a:effectLst/>
+                <a:uLnTx/>
+                <a:uFillTx/>
+                <a:latin typeface="Noto Sans KR" panose="020B0500000000000000" pitchFamily="34" charset="-127"/>
+                <a:ea typeface="Noto Sans KR" panose="020B0500000000000000" pitchFamily="34" charset="-127"/>
+                <a:cs typeface="+mn-cs"/>
+              </a:rPr>
+              <a:t>문</a:t>
+            </a:r>
+          </a:p>
+        </p:txBody>
+      </p:sp>
+      <p:sp>
+        <p:nvSpPr>
+          <p:cNvPr id="2" name="TextBox 1">
+            <a:extLst>
+              <a:ext uri="{FF2B5EF4-FFF2-40B4-BE49-F238E27FC236}">
+                <a16:creationId xmlns:a16="http://schemas.microsoft.com/office/drawing/2014/main" id="{2D787434-F8F4-130F-8A3E-6A89993E1166}"/>
+              </a:ext>
+            </a:extLst>
+          </p:cNvPr>
+          <p:cNvSpPr txBox="1"/>
+          <p:nvPr/>
+        </p:nvSpPr>
+        <p:spPr>
+          <a:xfrm>
+            <a:off x="691123" y="2040607"/>
+            <a:ext cx="8879354" cy="2808141"/>
+          </a:xfrm>
+          <a:prstGeom prst="rect">
+            <a:avLst/>
+          </a:prstGeom>
+          <a:noFill/>
+        </p:spPr>
+        <p:txBody>
+          <a:bodyPr wrap="none" rtlCol="0">
+            <a:spAutoFit/>
+          </a:bodyPr>
+          <a:lstStyle/>
+          <a:p>
+            <a:pPr>
+              <a:lnSpc>
+                <a:spcPct val="150000"/>
+              </a:lnSpc>
+              <a:defRPr/>
+            </a:pPr>
+            <a:r>
+              <a:rPr kumimoji="0" lang="en-US" altLang="ko-KR" sz="2000" i="0" u="none" strike="noStrike" kern="1200" cap="none" spc="0" normalizeH="0" baseline="0" noProof="0">
+                <a:ln>
+                  <a:noFill/>
+                </a:ln>
+                <a:solidFill>
+                  <a:srgbClr val="43474A"/>
+                </a:solidFill>
+                <a:effectLst/>
+                <a:uLnTx/>
+                <a:uFillTx/>
+                <a:latin typeface="Noto Sans KR" panose="020B0500000000000000" pitchFamily="34" charset="-127"/>
+                <a:ea typeface="Noto Sans KR" panose="020B0500000000000000" pitchFamily="34" charset="-127"/>
+              </a:rPr>
+              <a:t>③ ‘IT’ </a:t>
+            </a:r>
+            <a:r>
+              <a:rPr kumimoji="0" lang="ko-KR" altLang="en-US" sz="2000" i="0" u="none" strike="noStrike" kern="1200" cap="none" spc="0" normalizeH="0" baseline="0" noProof="0">
+                <a:ln>
+                  <a:noFill/>
+                </a:ln>
+                <a:solidFill>
+                  <a:srgbClr val="43474A"/>
+                </a:solidFill>
+                <a:effectLst/>
+                <a:uLnTx/>
+                <a:uFillTx/>
+                <a:latin typeface="Noto Sans KR" panose="020B0500000000000000" pitchFamily="34" charset="-127"/>
+                <a:ea typeface="Noto Sans KR" panose="020B0500000000000000" pitchFamily="34" charset="-127"/>
+              </a:rPr>
+              <a:t>카테고리에서 </a:t>
+            </a:r>
+            <a:r>
+              <a:rPr kumimoji="0" lang="en-US" altLang="ko-KR" sz="2000" i="0" u="none" strike="noStrike" kern="1200" cap="none" spc="0" normalizeH="0" baseline="0" noProof="0">
+                <a:ln>
+                  <a:noFill/>
+                </a:ln>
+                <a:solidFill>
+                  <a:srgbClr val="43474A"/>
+                </a:solidFill>
+                <a:effectLst/>
+                <a:uLnTx/>
+                <a:uFillTx/>
+                <a:latin typeface="Noto Sans KR" panose="020B0500000000000000" pitchFamily="34" charset="-127"/>
+                <a:ea typeface="Noto Sans KR" panose="020B0500000000000000" pitchFamily="34" charset="-127"/>
+              </a:rPr>
+              <a:t>‘apple’ </a:t>
+            </a:r>
+            <a:r>
+              <a:rPr kumimoji="0" lang="ko-KR" altLang="en-US" sz="2000" i="0" u="none" strike="noStrike" kern="1200" cap="none" spc="0" normalizeH="0" baseline="0" noProof="0">
+                <a:ln>
+                  <a:noFill/>
+                </a:ln>
+                <a:solidFill>
+                  <a:srgbClr val="43474A"/>
+                </a:solidFill>
+                <a:effectLst/>
+                <a:uLnTx/>
+                <a:uFillTx/>
+                <a:latin typeface="Noto Sans KR" panose="020B0500000000000000" pitchFamily="34" charset="-127"/>
+                <a:ea typeface="Noto Sans KR" panose="020B0500000000000000" pitchFamily="34" charset="-127"/>
+              </a:rPr>
+              <a:t>제조사만 해당하는 아이템 보여주기</a:t>
+            </a:r>
+            <a:endParaRPr kumimoji="0" lang="en-US" altLang="ko-KR" sz="2000" i="0" u="none" strike="noStrike" kern="1200" cap="none" spc="0" normalizeH="0" baseline="0" noProof="0">
+              <a:ln>
+                <a:noFill/>
+              </a:ln>
+              <a:solidFill>
+                <a:srgbClr val="43474A"/>
+              </a:solidFill>
+              <a:effectLst/>
+              <a:uLnTx/>
+              <a:uFillTx/>
+              <a:latin typeface="Noto Sans KR" panose="020B0500000000000000" pitchFamily="34" charset="-127"/>
+              <a:ea typeface="Noto Sans KR" panose="020B0500000000000000" pitchFamily="34" charset="-127"/>
+            </a:endParaRPr>
+          </a:p>
+          <a:p>
+            <a:pPr marL="0" marR="0" lvl="0" indent="0" algn="l" defTabSz="914400" rtl="0" eaLnBrk="1" fontAlgn="auto" latinLnBrk="1" hangingPunct="1">
+              <a:lnSpc>
+                <a:spcPct val="150000"/>
+              </a:lnSpc>
+              <a:spcBef>
+                <a:spcPts val="0"/>
+              </a:spcBef>
+              <a:spcAft>
+                <a:spcPts val="0"/>
+              </a:spcAft>
+              <a:buClrTx/>
+              <a:buSzTx/>
+              <a:buFontTx/>
+              <a:buNone/>
+              <a:tabLst/>
+              <a:defRPr/>
+            </a:pPr>
+            <a:endParaRPr kumimoji="0" lang="en-US" altLang="ko-KR" sz="2000" b="0" i="0" u="none" strike="noStrike" kern="1200" cap="none" spc="0" normalizeH="0" baseline="0" noProof="0">
+              <a:ln>
+                <a:noFill/>
+              </a:ln>
+              <a:solidFill>
+                <a:srgbClr val="43474A"/>
+              </a:solidFill>
+              <a:effectLst/>
+              <a:uLnTx/>
+              <a:uFillTx/>
+              <a:latin typeface="Noto Sans KR" panose="020B0500000000000000" pitchFamily="34" charset="-127"/>
+              <a:ea typeface="Noto Sans KR" panose="020B0500000000000000" pitchFamily="34" charset="-127"/>
+              <a:cs typeface="+mn-cs"/>
+            </a:endParaRPr>
+          </a:p>
+          <a:p>
+            <a:pPr marL="0" marR="0" lvl="0" indent="0" algn="l" defTabSz="914400" rtl="0" eaLnBrk="1" fontAlgn="auto" latinLnBrk="1" hangingPunct="1">
+              <a:lnSpc>
+                <a:spcPct val="150000"/>
+              </a:lnSpc>
+              <a:spcBef>
+                <a:spcPts val="0"/>
+              </a:spcBef>
+              <a:spcAft>
+                <a:spcPts val="0"/>
+              </a:spcAft>
+              <a:buClrTx/>
+              <a:buSzTx/>
+              <a:buFontTx/>
+              <a:buNone/>
+              <a:tabLst/>
+              <a:defRPr/>
+            </a:pPr>
+            <a:r>
+              <a:rPr lang="en-US" altLang="ko-KR" sz="2000">
+                <a:solidFill>
+                  <a:srgbClr val="43474A"/>
+                </a:solidFill>
+                <a:latin typeface="Noto Sans KR" panose="020B0500000000000000" pitchFamily="34" charset="-127"/>
+                <a:ea typeface="Noto Sans KR" panose="020B0500000000000000" pitchFamily="34" charset="-127"/>
+              </a:rPr>
+              <a:t>SELECT item_name</a:t>
+            </a:r>
+          </a:p>
+          <a:p>
+            <a:pPr marL="0" marR="0" lvl="0" indent="0" algn="l" defTabSz="914400" rtl="0" eaLnBrk="1" fontAlgn="auto" latinLnBrk="1" hangingPunct="1">
+              <a:lnSpc>
+                <a:spcPct val="150000"/>
+              </a:lnSpc>
+              <a:spcBef>
+                <a:spcPts val="0"/>
+              </a:spcBef>
+              <a:spcAft>
+                <a:spcPts val="0"/>
+              </a:spcAft>
+              <a:buClrTx/>
+              <a:buSzTx/>
+              <a:buFontTx/>
+              <a:buNone/>
+              <a:tabLst/>
+              <a:defRPr/>
+            </a:pPr>
+            <a:r>
+              <a:rPr kumimoji="0" lang="en-US" altLang="ko-KR" sz="2000" b="0" i="0" u="none" strike="noStrike" kern="1200" cap="none" spc="0" normalizeH="0" baseline="0" noProof="0">
+                <a:ln>
+                  <a:noFill/>
+                </a:ln>
+                <a:solidFill>
+                  <a:srgbClr val="43474A"/>
+                </a:solidFill>
+                <a:effectLst/>
+                <a:uLnTx/>
+                <a:uFillTx/>
+                <a:latin typeface="Noto Sans KR" panose="020B0500000000000000" pitchFamily="34" charset="-127"/>
+                <a:ea typeface="Noto Sans KR" panose="020B0500000000000000" pitchFamily="34" charset="-127"/>
+                <a:cs typeface="+mn-cs"/>
+              </a:rPr>
+              <a:t>FROM item, manufacturer</a:t>
+            </a:r>
+          </a:p>
+          <a:p>
+            <a:pPr lvl="0">
+              <a:lnSpc>
+                <a:spcPct val="150000"/>
+              </a:lnSpc>
+              <a:defRPr/>
+            </a:pPr>
+            <a:r>
+              <a:rPr lang="en-US" altLang="ko-KR" sz="2000">
+                <a:solidFill>
+                  <a:srgbClr val="43474A"/>
+                </a:solidFill>
+                <a:latin typeface="Noto Sans KR" panose="020B0500000000000000" pitchFamily="34" charset="-127"/>
+                <a:ea typeface="Noto Sans KR" panose="020B0500000000000000" pitchFamily="34" charset="-127"/>
+              </a:rPr>
+              <a:t>WHERE manufacturer.manufacturer_name = ‘apple’</a:t>
+            </a:r>
+          </a:p>
+          <a:p>
+            <a:pPr lvl="0">
+              <a:lnSpc>
+                <a:spcPct val="150000"/>
+              </a:lnSpc>
+              <a:defRPr/>
+            </a:pPr>
+            <a:r>
+              <a:rPr lang="en-US" altLang="ko-KR" sz="2000">
+                <a:solidFill>
+                  <a:srgbClr val="43474A"/>
+                </a:solidFill>
+                <a:latin typeface="Noto Sans KR" panose="020B0500000000000000" pitchFamily="34" charset="-127"/>
+                <a:ea typeface="Noto Sans KR" panose="020B0500000000000000" pitchFamily="34" charset="-127"/>
+              </a:rPr>
+              <a:t>	and manufacturer.manufacturer_id = item.item.manufacturer_id ;</a:t>
+            </a:r>
+          </a:p>
+        </p:txBody>
+      </p:sp>
+    </p:spTree>
+    <p:extLst>
+      <p:ext uri="{BB962C8B-B14F-4D97-AF65-F5344CB8AC3E}">
+        <p14:creationId xmlns:p14="http://schemas.microsoft.com/office/powerpoint/2010/main" val="220154217"/>
+      </p:ext>
+    </p:extLst>
+  </p:cSld>
+  <p:clrMapOvr>
+    <a:masterClrMapping/>
+  </p:clrMapOvr>
+</p:sld>
+</file>
+
+<file path=ppt/slides/slide16.xml><?xml version="1.0" encoding="utf-8"?>
+<p:sld xmlns:a="http://schemas.openxmlformats.org/drawingml/2006/main" xmlns:r="http://schemas.openxmlformats.org/officeDocument/2006/relationships" xmlns:p="http://schemas.openxmlformats.org/presentationml/2006/main">
+  <p:cSld>
+    <p:bg>
+      <p:bgPr>
+        <a:solidFill>
+          <a:srgbClr val="F0F0F0"/>
+        </a:solidFill>
+        <a:effectLst/>
+      </p:bgPr>
+    </p:bg>
+    <p:spTree>
+      <p:nvGrpSpPr>
+        <p:cNvPr id="1" name=""/>
+        <p:cNvGrpSpPr/>
+        <p:nvPr/>
+      </p:nvGrpSpPr>
+      <p:grpSpPr>
+        <a:xfrm>
+          <a:off x="0" y="0"/>
+          <a:ext cx="0" cy="0"/>
+          <a:chOff x="0" y="0"/>
+          <a:chExt cx="0" cy="0"/>
+        </a:xfrm>
+      </p:grpSpPr>
+      <p:sp>
+        <p:nvSpPr>
+          <p:cNvPr id="12" name="TextBox 11">
+            <a:extLst>
+              <a:ext uri="{FF2B5EF4-FFF2-40B4-BE49-F238E27FC236}">
+                <a16:creationId xmlns:a16="http://schemas.microsoft.com/office/drawing/2014/main" id="{BCF126B8-5634-47FB-B8A4-465D640D394B}"/>
+              </a:ext>
+            </a:extLst>
+          </p:cNvPr>
+          <p:cNvSpPr txBox="1"/>
+          <p:nvPr/>
+        </p:nvSpPr>
+        <p:spPr>
+          <a:xfrm>
+            <a:off x="593355" y="647448"/>
+            <a:ext cx="5168403" cy="523220"/>
+          </a:xfrm>
+          <a:prstGeom prst="rect">
+            <a:avLst/>
+          </a:prstGeom>
+          <a:noFill/>
+        </p:spPr>
+        <p:txBody>
+          <a:bodyPr wrap="none" rtlCol="0">
+            <a:spAutoFit/>
+          </a:bodyPr>
+          <a:lstStyle/>
+          <a:p>
+            <a:pPr marL="0" marR="0" lvl="0" indent="0" algn="l" defTabSz="914400" rtl="0" eaLnBrk="1" fontAlgn="auto" latinLnBrk="1" hangingPunct="1">
+              <a:lnSpc>
+                <a:spcPct val="100000"/>
+              </a:lnSpc>
+              <a:spcBef>
+                <a:spcPts val="0"/>
+              </a:spcBef>
+              <a:spcAft>
+                <a:spcPts val="0"/>
+              </a:spcAft>
+              <a:buClrTx/>
+              <a:buSzTx/>
+              <a:buFontTx/>
+              <a:buNone/>
+              <a:tabLst/>
+              <a:defRPr/>
+            </a:pPr>
+            <a:r>
+              <a:rPr kumimoji="0" lang="en-US" altLang="ko-KR" sz="2800" b="1" i="0" u="none" strike="noStrike" kern="1200" cap="none" spc="0" normalizeH="0" baseline="0" noProof="0">
+                <a:ln>
+                  <a:noFill/>
+                </a:ln>
+                <a:solidFill>
+                  <a:srgbClr val="43474A"/>
+                </a:solidFill>
+                <a:effectLst/>
+                <a:uLnTx/>
+                <a:uFillTx/>
+                <a:latin typeface="Noto Sans KR" panose="020B0500000000000000" pitchFamily="34" charset="-127"/>
+                <a:ea typeface="Noto Sans KR" panose="020B0500000000000000" pitchFamily="34" charset="-127"/>
+                <a:cs typeface="+mn-cs"/>
+              </a:rPr>
+              <a:t>(4) </a:t>
+            </a:r>
+            <a:r>
+              <a:rPr kumimoji="0" lang="ko-KR" altLang="en-US" sz="2800" b="1" i="0" u="none" strike="noStrike" kern="1200" cap="none" spc="0" normalizeH="0" baseline="0" noProof="0">
+                <a:ln>
+                  <a:noFill/>
+                </a:ln>
+                <a:solidFill>
+                  <a:srgbClr val="43474A"/>
+                </a:solidFill>
+                <a:effectLst/>
+                <a:uLnTx/>
+                <a:uFillTx/>
+                <a:latin typeface="Noto Sans KR" panose="020B0500000000000000" pitchFamily="34" charset="-127"/>
+                <a:ea typeface="Noto Sans KR" panose="020B0500000000000000" pitchFamily="34" charset="-127"/>
+                <a:cs typeface="+mn-cs"/>
+              </a:rPr>
+              <a:t>자연어 질의 리스트 및 </a:t>
+            </a:r>
+            <a:r>
+              <a:rPr kumimoji="0" lang="en-US" altLang="ko-KR" sz="2800" b="1" i="0" u="none" strike="noStrike" kern="1200" cap="none" spc="0" normalizeH="0" baseline="0" noProof="0">
+                <a:ln>
+                  <a:noFill/>
+                </a:ln>
+                <a:solidFill>
+                  <a:srgbClr val="43474A"/>
+                </a:solidFill>
+                <a:effectLst/>
+                <a:uLnTx/>
+                <a:uFillTx/>
+                <a:latin typeface="Noto Sans KR" panose="020B0500000000000000" pitchFamily="34" charset="-127"/>
+                <a:ea typeface="Noto Sans KR" panose="020B0500000000000000" pitchFamily="34" charset="-127"/>
+                <a:cs typeface="+mn-cs"/>
+              </a:rPr>
+              <a:t>SQL </a:t>
+            </a:r>
+            <a:r>
+              <a:rPr kumimoji="0" lang="ko-KR" altLang="en-US" sz="2800" b="1" i="0" u="none" strike="noStrike" kern="1200" cap="none" spc="0" normalizeH="0" baseline="0" noProof="0">
+                <a:ln>
+                  <a:noFill/>
+                </a:ln>
+                <a:solidFill>
+                  <a:srgbClr val="43474A"/>
+                </a:solidFill>
+                <a:effectLst/>
+                <a:uLnTx/>
+                <a:uFillTx/>
+                <a:latin typeface="Noto Sans KR" panose="020B0500000000000000" pitchFamily="34" charset="-127"/>
+                <a:ea typeface="Noto Sans KR" panose="020B0500000000000000" pitchFamily="34" charset="-127"/>
+                <a:cs typeface="+mn-cs"/>
+              </a:rPr>
+              <a:t>문</a:t>
+            </a:r>
+          </a:p>
+        </p:txBody>
+      </p:sp>
+      <p:sp>
+        <p:nvSpPr>
+          <p:cNvPr id="2" name="TextBox 1">
+            <a:extLst>
+              <a:ext uri="{FF2B5EF4-FFF2-40B4-BE49-F238E27FC236}">
+                <a16:creationId xmlns:a16="http://schemas.microsoft.com/office/drawing/2014/main" id="{2D787434-F8F4-130F-8A3E-6A89993E1166}"/>
+              </a:ext>
+            </a:extLst>
+          </p:cNvPr>
+          <p:cNvSpPr txBox="1"/>
+          <p:nvPr/>
+        </p:nvSpPr>
+        <p:spPr>
+          <a:xfrm>
+            <a:off x="691123" y="1400527"/>
+            <a:ext cx="9655592" cy="5116465"/>
+          </a:xfrm>
+          <a:prstGeom prst="rect">
+            <a:avLst/>
+          </a:prstGeom>
+          <a:noFill/>
+        </p:spPr>
+        <p:txBody>
+          <a:bodyPr wrap="none" rtlCol="0">
+            <a:spAutoFit/>
+          </a:bodyPr>
+          <a:lstStyle/>
+          <a:p>
+            <a:pPr>
+              <a:lnSpc>
+                <a:spcPct val="150000"/>
+              </a:lnSpc>
+              <a:defRPr/>
+            </a:pPr>
+            <a:r>
+              <a:rPr kumimoji="0" lang="en-US" altLang="ko-KR" sz="2000" i="0" u="none" strike="noStrike" kern="1200" cap="none" spc="0" normalizeH="0" baseline="0" noProof="0">
+                <a:ln>
+                  <a:noFill/>
+                </a:ln>
+                <a:solidFill>
+                  <a:srgbClr val="43474A"/>
+                </a:solidFill>
+                <a:effectLst/>
+                <a:uLnTx/>
+                <a:uFillTx/>
+                <a:latin typeface="Noto Sans KR" panose="020B0500000000000000" pitchFamily="34" charset="-127"/>
+                <a:ea typeface="Noto Sans KR" panose="020B0500000000000000" pitchFamily="34" charset="-127"/>
+              </a:rPr>
+              <a:t>④ ‘s</a:t>
+            </a:r>
+            <a:r>
+              <a:rPr lang="en-US" altLang="ko-KR" sz="2000">
+                <a:solidFill>
+                  <a:srgbClr val="43474A"/>
+                </a:solidFill>
+                <a:latin typeface="Noto Sans KR" panose="020B0500000000000000" pitchFamily="34" charset="-127"/>
+                <a:ea typeface="Noto Sans KR" panose="020B0500000000000000" pitchFamily="34" charset="-127"/>
+              </a:rPr>
+              <a:t>amsung’ </a:t>
+            </a:r>
+            <a:r>
+              <a:rPr lang="ko-KR" altLang="en-US" sz="2000">
+                <a:solidFill>
+                  <a:srgbClr val="43474A"/>
+                </a:solidFill>
+                <a:latin typeface="Noto Sans KR" panose="020B0500000000000000" pitchFamily="34" charset="-127"/>
+                <a:ea typeface="Noto Sans KR" panose="020B0500000000000000" pitchFamily="34" charset="-127"/>
+              </a:rPr>
+              <a:t>제조사가 쿠팡을 통해 벌어들인 총 수익 중 최대치를 경신한 아이템 보여주기</a:t>
+            </a:r>
+            <a:endParaRPr kumimoji="0" lang="en-US" altLang="ko-KR" sz="2000" i="0" u="none" strike="noStrike" kern="1200" cap="none" spc="0" normalizeH="0" baseline="0" noProof="0">
+              <a:ln>
+                <a:noFill/>
+              </a:ln>
+              <a:solidFill>
+                <a:srgbClr val="43474A"/>
+              </a:solidFill>
+              <a:effectLst/>
+              <a:uLnTx/>
+              <a:uFillTx/>
+              <a:latin typeface="Noto Sans KR" panose="020B0500000000000000" pitchFamily="34" charset="-127"/>
+              <a:ea typeface="Noto Sans KR" panose="020B0500000000000000" pitchFamily="34" charset="-127"/>
+            </a:endParaRPr>
+          </a:p>
+          <a:p>
+            <a:pPr marL="0" marR="0" lvl="0" indent="0" algn="l" defTabSz="914400" rtl="0" eaLnBrk="1" fontAlgn="auto" latinLnBrk="1" hangingPunct="1">
+              <a:lnSpc>
+                <a:spcPct val="150000"/>
+              </a:lnSpc>
+              <a:spcBef>
+                <a:spcPts val="0"/>
+              </a:spcBef>
+              <a:spcAft>
+                <a:spcPts val="0"/>
+              </a:spcAft>
+              <a:buClrTx/>
+              <a:buSzTx/>
+              <a:buFontTx/>
+              <a:buNone/>
+              <a:tabLst/>
+              <a:defRPr/>
+            </a:pPr>
+            <a:endParaRPr kumimoji="0" lang="en-US" altLang="ko-KR" sz="2000" b="0" i="0" u="none" strike="noStrike" kern="1200" cap="none" spc="0" normalizeH="0" baseline="0" noProof="0">
+              <a:ln>
+                <a:noFill/>
+              </a:ln>
+              <a:solidFill>
+                <a:srgbClr val="43474A"/>
+              </a:solidFill>
+              <a:effectLst/>
+              <a:uLnTx/>
+              <a:uFillTx/>
+              <a:latin typeface="Noto Sans KR" panose="020B0500000000000000" pitchFamily="34" charset="-127"/>
+              <a:ea typeface="Noto Sans KR" panose="020B0500000000000000" pitchFamily="34" charset="-127"/>
+              <a:cs typeface="+mn-cs"/>
+            </a:endParaRPr>
+          </a:p>
+          <a:p>
+            <a:pPr marL="0" marR="0" lvl="0" indent="0" algn="l" defTabSz="914400" rtl="0" eaLnBrk="1" fontAlgn="auto" latinLnBrk="1" hangingPunct="1">
+              <a:lnSpc>
+                <a:spcPct val="150000"/>
+              </a:lnSpc>
+              <a:spcBef>
+                <a:spcPts val="0"/>
+              </a:spcBef>
+              <a:spcAft>
+                <a:spcPts val="0"/>
+              </a:spcAft>
+              <a:buClrTx/>
+              <a:buSzTx/>
+              <a:buFontTx/>
+              <a:buNone/>
+              <a:tabLst/>
+              <a:defRPr/>
+            </a:pPr>
+            <a:r>
+              <a:rPr lang="en-US" altLang="ko-KR" sz="2000">
+                <a:solidFill>
+                  <a:srgbClr val="43474A"/>
+                </a:solidFill>
+                <a:latin typeface="Noto Sans KR" panose="020B0500000000000000" pitchFamily="34" charset="-127"/>
+                <a:ea typeface="Noto Sans KR" panose="020B0500000000000000" pitchFamily="34" charset="-127"/>
+              </a:rPr>
+              <a:t>SELECT order.order_id</a:t>
+            </a:r>
+          </a:p>
+          <a:p>
+            <a:pPr marL="0" marR="0" lvl="0" indent="0" algn="l" defTabSz="914400" rtl="0" eaLnBrk="1" fontAlgn="auto" latinLnBrk="1" hangingPunct="1">
+              <a:lnSpc>
+                <a:spcPct val="150000"/>
+              </a:lnSpc>
+              <a:spcBef>
+                <a:spcPts val="0"/>
+              </a:spcBef>
+              <a:spcAft>
+                <a:spcPts val="0"/>
+              </a:spcAft>
+              <a:buClrTx/>
+              <a:buSzTx/>
+              <a:buFontTx/>
+              <a:buNone/>
+              <a:tabLst/>
+              <a:defRPr/>
+            </a:pPr>
+            <a:r>
+              <a:rPr kumimoji="0" lang="en-US" altLang="ko-KR" sz="2000" b="0" i="0" u="none" strike="noStrike" kern="1200" cap="none" spc="0" normalizeH="0" baseline="0" noProof="0">
+                <a:ln>
+                  <a:noFill/>
+                </a:ln>
+                <a:solidFill>
+                  <a:srgbClr val="43474A"/>
+                </a:solidFill>
+                <a:effectLst/>
+                <a:uLnTx/>
+                <a:uFillTx/>
+                <a:latin typeface="Noto Sans KR" panose="020B0500000000000000" pitchFamily="34" charset="-127"/>
+                <a:ea typeface="Noto Sans KR" panose="020B0500000000000000" pitchFamily="34" charset="-127"/>
+                <a:cs typeface="+mn-cs"/>
+              </a:rPr>
+              <a:t>FROM order, item</a:t>
+            </a:r>
+          </a:p>
+          <a:p>
+            <a:pPr marL="0" marR="0" lvl="0" indent="0" algn="l" defTabSz="914400" rtl="0" eaLnBrk="1" fontAlgn="auto" latinLnBrk="1" hangingPunct="1">
+              <a:lnSpc>
+                <a:spcPct val="150000"/>
+              </a:lnSpc>
+              <a:spcBef>
+                <a:spcPts val="0"/>
+              </a:spcBef>
+              <a:spcAft>
+                <a:spcPts val="0"/>
+              </a:spcAft>
+              <a:buClrTx/>
+              <a:buSzTx/>
+              <a:buFontTx/>
+              <a:buNone/>
+              <a:tabLst/>
+              <a:defRPr/>
+            </a:pPr>
+            <a:r>
+              <a:rPr lang="en-US" altLang="ko-KR" sz="2000">
+                <a:solidFill>
+                  <a:srgbClr val="43474A"/>
+                </a:solidFill>
+                <a:latin typeface="Noto Sans KR" panose="020B0500000000000000" pitchFamily="34" charset="-127"/>
+                <a:ea typeface="Noto Sans KR" panose="020B0500000000000000" pitchFamily="34" charset="-127"/>
+              </a:rPr>
+              <a:t>WHERE item.manufacturer_id IN (</a:t>
+            </a:r>
+          </a:p>
+          <a:p>
+            <a:pPr marL="0" marR="0" lvl="0" indent="0" algn="l" defTabSz="914400" rtl="0" eaLnBrk="1" fontAlgn="auto" latinLnBrk="1" hangingPunct="1">
+              <a:lnSpc>
+                <a:spcPct val="150000"/>
+              </a:lnSpc>
+              <a:spcBef>
+                <a:spcPts val="0"/>
+              </a:spcBef>
+              <a:spcAft>
+                <a:spcPts val="0"/>
+              </a:spcAft>
+              <a:buClrTx/>
+              <a:buSzTx/>
+              <a:buFontTx/>
+              <a:buNone/>
+              <a:tabLst/>
+              <a:defRPr/>
+            </a:pPr>
+            <a:r>
+              <a:rPr lang="en-US" altLang="ko-KR" sz="2000">
+                <a:solidFill>
+                  <a:srgbClr val="43474A"/>
+                </a:solidFill>
+                <a:latin typeface="Noto Sans KR" panose="020B0500000000000000" pitchFamily="34" charset="-127"/>
+                <a:ea typeface="Noto Sans KR" panose="020B0500000000000000" pitchFamily="34" charset="-127"/>
+              </a:rPr>
+              <a:t>	SELECT manufacturer.manufacturer_id</a:t>
+            </a:r>
+          </a:p>
+          <a:p>
+            <a:pPr marL="0" marR="0" lvl="0" indent="0" algn="l" defTabSz="914400" rtl="0" eaLnBrk="1" fontAlgn="auto" latinLnBrk="1" hangingPunct="1">
+              <a:lnSpc>
+                <a:spcPct val="150000"/>
+              </a:lnSpc>
+              <a:spcBef>
+                <a:spcPts val="0"/>
+              </a:spcBef>
+              <a:spcAft>
+                <a:spcPts val="0"/>
+              </a:spcAft>
+              <a:buClrTx/>
+              <a:buSzTx/>
+              <a:buFontTx/>
+              <a:buNone/>
+              <a:tabLst/>
+              <a:defRPr/>
+            </a:pPr>
+            <a:r>
+              <a:rPr lang="en-US" altLang="ko-KR" sz="2000">
+                <a:solidFill>
+                  <a:srgbClr val="43474A"/>
+                </a:solidFill>
+                <a:latin typeface="Noto Sans KR" panose="020B0500000000000000" pitchFamily="34" charset="-127"/>
+                <a:ea typeface="Noto Sans KR" panose="020B0500000000000000" pitchFamily="34" charset="-127"/>
+              </a:rPr>
+              <a:t>	FROM manufacturer</a:t>
+            </a:r>
+          </a:p>
+          <a:p>
+            <a:pPr marL="0" marR="0" lvl="0" indent="0" algn="l" defTabSz="914400" rtl="0" eaLnBrk="1" fontAlgn="auto" latinLnBrk="1" hangingPunct="1">
+              <a:lnSpc>
+                <a:spcPct val="150000"/>
+              </a:lnSpc>
+              <a:spcBef>
+                <a:spcPts val="0"/>
+              </a:spcBef>
+              <a:spcAft>
+                <a:spcPts val="0"/>
+              </a:spcAft>
+              <a:buClrTx/>
+              <a:buSzTx/>
+              <a:buFontTx/>
+              <a:buNone/>
+              <a:tabLst/>
+              <a:defRPr/>
+            </a:pPr>
+            <a:r>
+              <a:rPr lang="en-US" altLang="ko-KR" sz="2000">
+                <a:solidFill>
+                  <a:srgbClr val="43474A"/>
+                </a:solidFill>
+                <a:latin typeface="Noto Sans KR" panose="020B0500000000000000" pitchFamily="34" charset="-127"/>
+                <a:ea typeface="Noto Sans KR" panose="020B0500000000000000" pitchFamily="34" charset="-127"/>
+              </a:rPr>
+              <a:t>	WHERE manufacturer.manufacturer_name = ‘Samsung’</a:t>
+            </a:r>
+          </a:p>
+          <a:p>
+            <a:pPr marL="0" marR="0" lvl="0" indent="0" algn="l" defTabSz="914400" rtl="0" eaLnBrk="1" fontAlgn="auto" latinLnBrk="1" hangingPunct="1">
+              <a:lnSpc>
+                <a:spcPct val="150000"/>
+              </a:lnSpc>
+              <a:spcBef>
+                <a:spcPts val="0"/>
+              </a:spcBef>
+              <a:spcAft>
+                <a:spcPts val="0"/>
+              </a:spcAft>
+              <a:buClrTx/>
+              <a:buSzTx/>
+              <a:buFontTx/>
+              <a:buNone/>
+              <a:tabLst/>
+              <a:defRPr/>
+            </a:pPr>
+            <a:r>
+              <a:rPr lang="en-US" altLang="ko-KR" sz="2000">
+                <a:solidFill>
+                  <a:srgbClr val="43474A"/>
+                </a:solidFill>
+                <a:latin typeface="Noto Sans KR" panose="020B0500000000000000" pitchFamily="34" charset="-127"/>
+                <a:ea typeface="Noto Sans KR" panose="020B0500000000000000" pitchFamily="34" charset="-127"/>
+              </a:rPr>
+              <a:t>)</a:t>
+            </a:r>
+          </a:p>
+          <a:p>
+            <a:pPr marL="0" marR="0" lvl="0" indent="0" algn="l" defTabSz="914400" rtl="0" eaLnBrk="1" fontAlgn="auto" latinLnBrk="1" hangingPunct="1">
+              <a:lnSpc>
+                <a:spcPct val="150000"/>
+              </a:lnSpc>
+              <a:spcBef>
+                <a:spcPts val="0"/>
+              </a:spcBef>
+              <a:spcAft>
+                <a:spcPts val="0"/>
+              </a:spcAft>
+              <a:buClrTx/>
+              <a:buSzTx/>
+              <a:buFontTx/>
+              <a:buNone/>
+              <a:tabLst/>
+              <a:defRPr/>
+            </a:pPr>
+            <a:r>
+              <a:rPr lang="en-US" altLang="ko-KR" sz="2000">
+                <a:solidFill>
+                  <a:srgbClr val="43474A"/>
+                </a:solidFill>
+                <a:latin typeface="Noto Sans KR" panose="020B0500000000000000" pitchFamily="34" charset="-127"/>
+                <a:ea typeface="Noto Sans KR" panose="020B0500000000000000" pitchFamily="34" charset="-127"/>
+              </a:rPr>
+              <a:t>GROUP</a:t>
+            </a:r>
+            <a:r>
+              <a:rPr lang="ko-KR" altLang="en-US" sz="2000">
+                <a:solidFill>
+                  <a:srgbClr val="43474A"/>
+                </a:solidFill>
+                <a:latin typeface="Noto Sans KR" panose="020B0500000000000000" pitchFamily="34" charset="-127"/>
+                <a:ea typeface="Noto Sans KR" panose="020B0500000000000000" pitchFamily="34" charset="-127"/>
+              </a:rPr>
+              <a:t> </a:t>
+            </a:r>
+            <a:r>
+              <a:rPr lang="en-US" altLang="ko-KR" sz="2000">
+                <a:solidFill>
+                  <a:srgbClr val="43474A"/>
+                </a:solidFill>
+                <a:latin typeface="Noto Sans KR" panose="020B0500000000000000" pitchFamily="34" charset="-127"/>
+                <a:ea typeface="Noto Sans KR" panose="020B0500000000000000" pitchFamily="34" charset="-127"/>
+              </a:rPr>
+              <a:t>BY</a:t>
+            </a:r>
+            <a:r>
+              <a:rPr lang="ko-KR" altLang="en-US" sz="2000">
+                <a:solidFill>
+                  <a:srgbClr val="43474A"/>
+                </a:solidFill>
+                <a:latin typeface="Noto Sans KR" panose="020B0500000000000000" pitchFamily="34" charset="-127"/>
+                <a:ea typeface="Noto Sans KR" panose="020B0500000000000000" pitchFamily="34" charset="-127"/>
+              </a:rPr>
+              <a:t> </a:t>
+            </a:r>
+            <a:r>
+              <a:rPr lang="en-US" altLang="ko-KR" sz="2000">
+                <a:solidFill>
+                  <a:srgbClr val="43474A"/>
+                </a:solidFill>
+                <a:latin typeface="Noto Sans KR" panose="020B0500000000000000" pitchFamily="34" charset="-127"/>
+                <a:ea typeface="Noto Sans KR" panose="020B0500000000000000" pitchFamily="34" charset="-127"/>
+              </a:rPr>
+              <a:t>order.item_id</a:t>
+            </a:r>
+          </a:p>
+          <a:p>
+            <a:pPr marL="0" marR="0" lvl="0" indent="0" algn="l" defTabSz="914400" rtl="0" eaLnBrk="1" fontAlgn="auto" latinLnBrk="1" hangingPunct="1">
+              <a:lnSpc>
+                <a:spcPct val="150000"/>
+              </a:lnSpc>
+              <a:spcBef>
+                <a:spcPts val="0"/>
+              </a:spcBef>
+              <a:spcAft>
+                <a:spcPts val="0"/>
+              </a:spcAft>
+              <a:buClrTx/>
+              <a:buSzTx/>
+              <a:buFontTx/>
+              <a:buNone/>
+              <a:tabLst/>
+              <a:defRPr/>
+            </a:pPr>
+            <a:r>
+              <a:rPr lang="en-US" altLang="ko-KR" sz="2000">
+                <a:solidFill>
+                  <a:srgbClr val="43474A"/>
+                </a:solidFill>
+                <a:latin typeface="Noto Sans KR" panose="020B0500000000000000" pitchFamily="34" charset="-127"/>
+                <a:ea typeface="Noto Sans KR" panose="020B0500000000000000" pitchFamily="34" charset="-127"/>
+              </a:rPr>
+              <a:t>HAVING SUM(order.total_price) = MAX(SUM(order.total_price)) ;</a:t>
+            </a:r>
+          </a:p>
+        </p:txBody>
+      </p:sp>
+    </p:spTree>
+    <p:extLst>
+      <p:ext uri="{BB962C8B-B14F-4D97-AF65-F5344CB8AC3E}">
+        <p14:creationId xmlns:p14="http://schemas.microsoft.com/office/powerpoint/2010/main" val="4170807196"/>
+      </p:ext>
+    </p:extLst>
+  </p:cSld>
+  <p:clrMapOvr>
+    <a:masterClrMapping/>
+  </p:clrMapOvr>
+</p:sld>
+</file>
+
+<file path=ppt/slides/slide17.xml><?xml version="1.0" encoding="utf-8"?>
+<p:sld xmlns:a="http://schemas.openxmlformats.org/drawingml/2006/main" xmlns:r="http://schemas.openxmlformats.org/officeDocument/2006/relationships" xmlns:p="http://schemas.openxmlformats.org/presentationml/2006/main">
+  <p:cSld>
+    <p:bg>
+      <p:bgPr>
+        <a:solidFill>
+          <a:srgbClr val="F0F0F0"/>
+        </a:solidFill>
+        <a:effectLst/>
+      </p:bgPr>
+    </p:bg>
+    <p:spTree>
+      <p:nvGrpSpPr>
+        <p:cNvPr id="1" name=""/>
+        <p:cNvGrpSpPr/>
+        <p:nvPr/>
+      </p:nvGrpSpPr>
+      <p:grpSpPr>
+        <a:xfrm>
+          <a:off x="0" y="0"/>
+          <a:ext cx="0" cy="0"/>
+          <a:chOff x="0" y="0"/>
+          <a:chExt cx="0" cy="0"/>
+        </a:xfrm>
+      </p:grpSpPr>
+      <p:sp>
+        <p:nvSpPr>
+          <p:cNvPr id="12" name="TextBox 11">
+            <a:extLst>
+              <a:ext uri="{FF2B5EF4-FFF2-40B4-BE49-F238E27FC236}">
+                <a16:creationId xmlns:a16="http://schemas.microsoft.com/office/drawing/2014/main" id="{BCF126B8-5634-47FB-B8A4-465D640D394B}"/>
+              </a:ext>
+            </a:extLst>
+          </p:cNvPr>
+          <p:cNvSpPr txBox="1"/>
+          <p:nvPr/>
+        </p:nvSpPr>
+        <p:spPr>
+          <a:xfrm>
+            <a:off x="593355" y="647448"/>
+            <a:ext cx="5168403" cy="523220"/>
+          </a:xfrm>
+          <a:prstGeom prst="rect">
+            <a:avLst/>
+          </a:prstGeom>
+          <a:noFill/>
+        </p:spPr>
+        <p:txBody>
+          <a:bodyPr wrap="none" rtlCol="0">
+            <a:spAutoFit/>
+          </a:bodyPr>
+          <a:lstStyle/>
+          <a:p>
+            <a:pPr marL="0" marR="0" lvl="0" indent="0" algn="l" defTabSz="914400" rtl="0" eaLnBrk="1" fontAlgn="auto" latinLnBrk="1" hangingPunct="1">
+              <a:lnSpc>
+                <a:spcPct val="100000"/>
+              </a:lnSpc>
+              <a:spcBef>
+                <a:spcPts val="0"/>
+              </a:spcBef>
+              <a:spcAft>
+                <a:spcPts val="0"/>
+              </a:spcAft>
+              <a:buClrTx/>
+              <a:buSzTx/>
+              <a:buFontTx/>
+              <a:buNone/>
+              <a:tabLst/>
+              <a:defRPr/>
+            </a:pPr>
+            <a:r>
+              <a:rPr kumimoji="0" lang="en-US" altLang="ko-KR" sz="2800" b="1" i="0" u="none" strike="noStrike" kern="1200" cap="none" spc="0" normalizeH="0" baseline="0" noProof="0">
+                <a:ln>
+                  <a:noFill/>
+                </a:ln>
+                <a:solidFill>
+                  <a:srgbClr val="43474A"/>
+                </a:solidFill>
+                <a:effectLst/>
+                <a:uLnTx/>
+                <a:uFillTx/>
+                <a:latin typeface="Noto Sans KR" panose="020B0500000000000000" pitchFamily="34" charset="-127"/>
+                <a:ea typeface="Noto Sans KR" panose="020B0500000000000000" pitchFamily="34" charset="-127"/>
+                <a:cs typeface="+mn-cs"/>
+              </a:rPr>
+              <a:t>(4) </a:t>
+            </a:r>
+            <a:r>
+              <a:rPr kumimoji="0" lang="ko-KR" altLang="en-US" sz="2800" b="1" i="0" u="none" strike="noStrike" kern="1200" cap="none" spc="0" normalizeH="0" baseline="0" noProof="0">
+                <a:ln>
+                  <a:noFill/>
+                </a:ln>
+                <a:solidFill>
+                  <a:srgbClr val="43474A"/>
+                </a:solidFill>
+                <a:effectLst/>
+                <a:uLnTx/>
+                <a:uFillTx/>
+                <a:latin typeface="Noto Sans KR" panose="020B0500000000000000" pitchFamily="34" charset="-127"/>
+                <a:ea typeface="Noto Sans KR" panose="020B0500000000000000" pitchFamily="34" charset="-127"/>
+                <a:cs typeface="+mn-cs"/>
+              </a:rPr>
+              <a:t>자연어 질의 리스트 및 </a:t>
+            </a:r>
+            <a:r>
+              <a:rPr kumimoji="0" lang="en-US" altLang="ko-KR" sz="2800" b="1" i="0" u="none" strike="noStrike" kern="1200" cap="none" spc="0" normalizeH="0" baseline="0" noProof="0">
+                <a:ln>
+                  <a:noFill/>
+                </a:ln>
+                <a:solidFill>
+                  <a:srgbClr val="43474A"/>
+                </a:solidFill>
+                <a:effectLst/>
+                <a:uLnTx/>
+                <a:uFillTx/>
+                <a:latin typeface="Noto Sans KR" panose="020B0500000000000000" pitchFamily="34" charset="-127"/>
+                <a:ea typeface="Noto Sans KR" panose="020B0500000000000000" pitchFamily="34" charset="-127"/>
+                <a:cs typeface="+mn-cs"/>
+              </a:rPr>
+              <a:t>SQL </a:t>
+            </a:r>
+            <a:r>
+              <a:rPr kumimoji="0" lang="ko-KR" altLang="en-US" sz="2800" b="1" i="0" u="none" strike="noStrike" kern="1200" cap="none" spc="0" normalizeH="0" baseline="0" noProof="0">
+                <a:ln>
+                  <a:noFill/>
+                </a:ln>
+                <a:solidFill>
+                  <a:srgbClr val="43474A"/>
+                </a:solidFill>
+                <a:effectLst/>
+                <a:uLnTx/>
+                <a:uFillTx/>
+                <a:latin typeface="Noto Sans KR" panose="020B0500000000000000" pitchFamily="34" charset="-127"/>
+                <a:ea typeface="Noto Sans KR" panose="020B0500000000000000" pitchFamily="34" charset="-127"/>
+                <a:cs typeface="+mn-cs"/>
+              </a:rPr>
+              <a:t>문</a:t>
+            </a:r>
+          </a:p>
+        </p:txBody>
+      </p:sp>
+      <p:sp>
+        <p:nvSpPr>
+          <p:cNvPr id="2" name="TextBox 1">
+            <a:extLst>
+              <a:ext uri="{FF2B5EF4-FFF2-40B4-BE49-F238E27FC236}">
+                <a16:creationId xmlns:a16="http://schemas.microsoft.com/office/drawing/2014/main" id="{2D787434-F8F4-130F-8A3E-6A89993E1166}"/>
+              </a:ext>
+            </a:extLst>
+          </p:cNvPr>
+          <p:cNvSpPr txBox="1"/>
+          <p:nvPr/>
+        </p:nvSpPr>
+        <p:spPr>
+          <a:xfrm>
+            <a:off x="691123" y="2040607"/>
+            <a:ext cx="7415813" cy="2346476"/>
+          </a:xfrm>
+          <a:prstGeom prst="rect">
+            <a:avLst/>
+          </a:prstGeom>
+          <a:noFill/>
+        </p:spPr>
+        <p:txBody>
+          <a:bodyPr wrap="none" rtlCol="0">
+            <a:spAutoFit/>
+          </a:bodyPr>
+          <a:lstStyle/>
+          <a:p>
+            <a:pPr>
+              <a:lnSpc>
+                <a:spcPct val="150000"/>
+              </a:lnSpc>
+              <a:defRPr/>
+            </a:pPr>
+            <a:r>
+              <a:rPr kumimoji="0" lang="en-US" altLang="ko-KR" sz="2000" i="0" u="none" strike="noStrike" kern="1200" cap="none" spc="0" normalizeH="0" baseline="0" noProof="0">
+                <a:ln>
+                  <a:noFill/>
+                </a:ln>
+                <a:solidFill>
+                  <a:srgbClr val="43474A"/>
+                </a:solidFill>
+                <a:effectLst/>
+                <a:uLnTx/>
+                <a:uFillTx/>
+                <a:latin typeface="Noto Sans KR" panose="020B0500000000000000" pitchFamily="34" charset="-127"/>
+                <a:ea typeface="Noto Sans KR" panose="020B0500000000000000" pitchFamily="34" charset="-127"/>
+              </a:rPr>
+              <a:t>⑤ </a:t>
+            </a:r>
+            <a:r>
+              <a:rPr kumimoji="0" lang="ko-KR" altLang="en-US" sz="2000" i="0" u="none" strike="noStrike" kern="1200" cap="none" spc="0" normalizeH="0" baseline="0" noProof="0">
+                <a:ln>
+                  <a:noFill/>
+                </a:ln>
+                <a:solidFill>
+                  <a:srgbClr val="43474A"/>
+                </a:solidFill>
+                <a:effectLst/>
+                <a:uLnTx/>
+                <a:uFillTx/>
+                <a:latin typeface="Noto Sans KR" panose="020B0500000000000000" pitchFamily="34" charset="-127"/>
+                <a:ea typeface="Noto Sans KR" panose="020B0500000000000000" pitchFamily="34" charset="-127"/>
+              </a:rPr>
+              <a:t>특정 날짜에 공급받은 아이템과 수량 보여주기 </a:t>
+            </a:r>
+            <a:r>
+              <a:rPr kumimoji="0" lang="en-US" altLang="ko-KR" sz="2000" i="0" u="none" strike="noStrike" kern="1200" cap="none" spc="0" normalizeH="0" baseline="0" noProof="0">
+                <a:ln>
+                  <a:noFill/>
+                </a:ln>
+                <a:solidFill>
+                  <a:srgbClr val="43474A"/>
+                </a:solidFill>
+                <a:effectLst/>
+                <a:uLnTx/>
+                <a:uFillTx/>
+                <a:latin typeface="Noto Sans KR" panose="020B0500000000000000" pitchFamily="34" charset="-127"/>
+                <a:ea typeface="Noto Sans KR" panose="020B0500000000000000" pitchFamily="34" charset="-127"/>
+              </a:rPr>
+              <a:t>(</a:t>
+            </a:r>
+            <a:r>
+              <a:rPr kumimoji="0" lang="ko-KR" altLang="en-US" sz="2000" i="0" u="none" strike="noStrike" kern="1200" cap="none" spc="0" normalizeH="0" baseline="0" noProof="0">
+                <a:ln>
+                  <a:noFill/>
+                </a:ln>
+                <a:solidFill>
+                  <a:srgbClr val="43474A"/>
+                </a:solidFill>
+                <a:effectLst/>
+                <a:uLnTx/>
+                <a:uFillTx/>
+                <a:latin typeface="Noto Sans KR" panose="020B0500000000000000" pitchFamily="34" charset="-127"/>
+                <a:ea typeface="Noto Sans KR" panose="020B0500000000000000" pitchFamily="34" charset="-127"/>
+              </a:rPr>
+              <a:t>예시</a:t>
+            </a:r>
+            <a:r>
+              <a:rPr kumimoji="0" lang="en-US" altLang="ko-KR" sz="2000" i="0" u="none" strike="noStrike" kern="1200" cap="none" spc="0" normalizeH="0" baseline="0" noProof="0">
+                <a:ln>
+                  <a:noFill/>
+                </a:ln>
+                <a:solidFill>
+                  <a:srgbClr val="43474A"/>
+                </a:solidFill>
+                <a:effectLst/>
+                <a:uLnTx/>
+                <a:uFillTx/>
+                <a:latin typeface="Noto Sans KR" panose="020B0500000000000000" pitchFamily="34" charset="-127"/>
+                <a:ea typeface="Noto Sans KR" panose="020B0500000000000000" pitchFamily="34" charset="-127"/>
+              </a:rPr>
+              <a:t>: 2022-12-01)</a:t>
+            </a:r>
+          </a:p>
+          <a:p>
+            <a:pPr marL="0" marR="0" lvl="0" indent="0" algn="l" defTabSz="914400" rtl="0" eaLnBrk="1" fontAlgn="auto" latinLnBrk="1" hangingPunct="1">
+              <a:lnSpc>
+                <a:spcPct val="150000"/>
+              </a:lnSpc>
+              <a:spcBef>
+                <a:spcPts val="0"/>
+              </a:spcBef>
+              <a:spcAft>
+                <a:spcPts val="0"/>
+              </a:spcAft>
+              <a:buClrTx/>
+              <a:buSzTx/>
+              <a:buFontTx/>
+              <a:buNone/>
+              <a:tabLst/>
+              <a:defRPr/>
+            </a:pPr>
+            <a:endParaRPr kumimoji="0" lang="en-US" altLang="ko-KR" sz="2000" b="0" i="0" u="none" strike="noStrike" kern="1200" cap="none" spc="0" normalizeH="0" baseline="0" noProof="0">
+              <a:ln>
+                <a:noFill/>
+              </a:ln>
+              <a:solidFill>
+                <a:srgbClr val="43474A"/>
+              </a:solidFill>
+              <a:effectLst/>
+              <a:uLnTx/>
+              <a:uFillTx/>
+              <a:latin typeface="Noto Sans KR" panose="020B0500000000000000" pitchFamily="34" charset="-127"/>
+              <a:ea typeface="Noto Sans KR" panose="020B0500000000000000" pitchFamily="34" charset="-127"/>
+              <a:cs typeface="+mn-cs"/>
+            </a:endParaRPr>
+          </a:p>
+          <a:p>
+            <a:pPr marL="0" marR="0" lvl="0" indent="0" algn="l" defTabSz="914400" rtl="0" eaLnBrk="1" fontAlgn="auto" latinLnBrk="1" hangingPunct="1">
+              <a:lnSpc>
+                <a:spcPct val="150000"/>
+              </a:lnSpc>
+              <a:spcBef>
+                <a:spcPts val="0"/>
+              </a:spcBef>
+              <a:spcAft>
+                <a:spcPts val="0"/>
+              </a:spcAft>
+              <a:buClrTx/>
+              <a:buSzTx/>
+              <a:buFontTx/>
+              <a:buNone/>
+              <a:tabLst/>
+              <a:defRPr/>
+            </a:pPr>
+            <a:r>
+              <a:rPr lang="en-US" altLang="ko-KR" sz="2000">
+                <a:solidFill>
+                  <a:srgbClr val="43474A"/>
+                </a:solidFill>
+                <a:latin typeface="Noto Sans KR" panose="020B0500000000000000" pitchFamily="34" charset="-127"/>
+                <a:ea typeface="Noto Sans KR" panose="020B0500000000000000" pitchFamily="34" charset="-127"/>
+              </a:rPr>
+              <a:t>SELECT item.item_name, supply.quantity</a:t>
+            </a:r>
+          </a:p>
+          <a:p>
+            <a:pPr marL="0" marR="0" lvl="0" indent="0" algn="l" defTabSz="914400" rtl="0" eaLnBrk="1" fontAlgn="auto" latinLnBrk="1" hangingPunct="1">
+              <a:lnSpc>
+                <a:spcPct val="150000"/>
+              </a:lnSpc>
+              <a:spcBef>
+                <a:spcPts val="0"/>
+              </a:spcBef>
+              <a:spcAft>
+                <a:spcPts val="0"/>
+              </a:spcAft>
+              <a:buClrTx/>
+              <a:buSzTx/>
+              <a:buFontTx/>
+              <a:buNone/>
+              <a:tabLst/>
+              <a:defRPr/>
+            </a:pPr>
+            <a:r>
+              <a:rPr kumimoji="0" lang="en-US" altLang="ko-KR" sz="2000" b="0" i="0" u="none" strike="noStrike" kern="1200" cap="none" spc="0" normalizeH="0" baseline="0" noProof="0">
+                <a:ln>
+                  <a:noFill/>
+                </a:ln>
+                <a:solidFill>
+                  <a:srgbClr val="43474A"/>
+                </a:solidFill>
+                <a:effectLst/>
+                <a:uLnTx/>
+                <a:uFillTx/>
+                <a:latin typeface="Noto Sans KR" panose="020B0500000000000000" pitchFamily="34" charset="-127"/>
+                <a:ea typeface="Noto Sans KR" panose="020B0500000000000000" pitchFamily="34" charset="-127"/>
+                <a:cs typeface="+mn-cs"/>
+              </a:rPr>
+              <a:t>FROM supply, item</a:t>
+            </a:r>
+          </a:p>
+          <a:p>
+            <a:pPr marL="0" marR="0" lvl="0" indent="0" algn="l" defTabSz="914400" rtl="0" eaLnBrk="1" fontAlgn="auto" latinLnBrk="1" hangingPunct="1">
+              <a:lnSpc>
+                <a:spcPct val="150000"/>
+              </a:lnSpc>
+              <a:spcBef>
+                <a:spcPts val="0"/>
+              </a:spcBef>
+              <a:spcAft>
+                <a:spcPts val="0"/>
+              </a:spcAft>
+              <a:buClrTx/>
+              <a:buSzTx/>
+              <a:buFontTx/>
+              <a:buNone/>
+              <a:tabLst/>
+              <a:defRPr/>
+            </a:pPr>
+            <a:r>
+              <a:rPr lang="en-US" altLang="ko-KR" sz="2000">
+                <a:solidFill>
+                  <a:srgbClr val="43474A"/>
+                </a:solidFill>
+                <a:latin typeface="Noto Sans KR" panose="020B0500000000000000" pitchFamily="34" charset="-127"/>
+                <a:ea typeface="Noto Sans KR" panose="020B0500000000000000" pitchFamily="34" charset="-127"/>
+              </a:rPr>
+              <a:t>WHERE</a:t>
+            </a:r>
+            <a:r>
+              <a:rPr lang="ko-KR" altLang="en-US" sz="2000">
+                <a:solidFill>
+                  <a:srgbClr val="43474A"/>
+                </a:solidFill>
+                <a:latin typeface="Noto Sans KR" panose="020B0500000000000000" pitchFamily="34" charset="-127"/>
+                <a:ea typeface="Noto Sans KR" panose="020B0500000000000000" pitchFamily="34" charset="-127"/>
+              </a:rPr>
+              <a:t> </a:t>
+            </a:r>
+            <a:r>
+              <a:rPr lang="en-US" altLang="ko-KR" sz="2000">
+                <a:solidFill>
+                  <a:srgbClr val="43474A"/>
+                </a:solidFill>
+                <a:latin typeface="Noto Sans KR" panose="020B0500000000000000" pitchFamily="34" charset="-127"/>
+                <a:ea typeface="Noto Sans KR" panose="020B0500000000000000" pitchFamily="34" charset="-127"/>
+              </a:rPr>
+              <a:t>supply.supply_date</a:t>
+            </a:r>
+            <a:r>
+              <a:rPr lang="ko-KR" altLang="en-US" sz="2000">
+                <a:solidFill>
+                  <a:srgbClr val="43474A"/>
+                </a:solidFill>
+                <a:latin typeface="Noto Sans KR" panose="020B0500000000000000" pitchFamily="34" charset="-127"/>
+                <a:ea typeface="Noto Sans KR" panose="020B0500000000000000" pitchFamily="34" charset="-127"/>
+              </a:rPr>
+              <a:t> </a:t>
+            </a:r>
+            <a:r>
+              <a:rPr lang="en-US" altLang="ko-KR" sz="2000">
+                <a:solidFill>
+                  <a:srgbClr val="43474A"/>
+                </a:solidFill>
+                <a:latin typeface="Noto Sans KR" panose="020B0500000000000000" pitchFamily="34" charset="-127"/>
+                <a:ea typeface="Noto Sans KR" panose="020B0500000000000000" pitchFamily="34" charset="-127"/>
+              </a:rPr>
+              <a:t>=</a:t>
+            </a:r>
+            <a:r>
+              <a:rPr lang="ko-KR" altLang="en-US" sz="2000">
+                <a:solidFill>
+                  <a:srgbClr val="43474A"/>
+                </a:solidFill>
+                <a:latin typeface="Noto Sans KR" panose="020B0500000000000000" pitchFamily="34" charset="-127"/>
+                <a:ea typeface="Noto Sans KR" panose="020B0500000000000000" pitchFamily="34" charset="-127"/>
+              </a:rPr>
+              <a:t> </a:t>
+            </a:r>
+            <a:r>
+              <a:rPr lang="en-US" altLang="ko-KR" sz="2000">
+                <a:solidFill>
+                  <a:srgbClr val="43474A"/>
+                </a:solidFill>
+                <a:latin typeface="Noto Sans KR" panose="020B0500000000000000" pitchFamily="34" charset="-127"/>
+                <a:ea typeface="Noto Sans KR" panose="020B0500000000000000" pitchFamily="34" charset="-127"/>
+              </a:rPr>
+              <a:t>date(2022-12-01)</a:t>
+            </a:r>
+            <a:endParaRPr kumimoji="0" lang="en-US" altLang="ko-KR" sz="2000" b="0" i="0" u="none" strike="noStrike" kern="1200" cap="none" spc="0" normalizeH="0" baseline="0" noProof="0">
+              <a:ln>
+                <a:noFill/>
+              </a:ln>
+              <a:solidFill>
+                <a:srgbClr val="43474A"/>
+              </a:solidFill>
+              <a:effectLst/>
+              <a:uLnTx/>
+              <a:uFillTx/>
+              <a:latin typeface="Noto Sans KR" panose="020B0500000000000000" pitchFamily="34" charset="-127"/>
+              <a:ea typeface="Noto Sans KR" panose="020B0500000000000000" pitchFamily="34" charset="-127"/>
+              <a:cs typeface="+mn-cs"/>
+            </a:endParaRPr>
+          </a:p>
+        </p:txBody>
+      </p:sp>
+    </p:spTree>
+    <p:extLst>
+      <p:ext uri="{BB962C8B-B14F-4D97-AF65-F5344CB8AC3E}">
+        <p14:creationId xmlns:p14="http://schemas.microsoft.com/office/powerpoint/2010/main" val="2032902221"/>
+      </p:ext>
+    </p:extLst>
+  </p:cSld>
+  <p:clrMapOvr>
+    <a:masterClrMapping/>
+  </p:clrMapOvr>
+</p:sld>
+</file>
+
+<file path=ppt/slides/slide18.xml><?xml version="1.0" encoding="utf-8"?>
+<p:sld xmlns:a="http://schemas.openxmlformats.org/drawingml/2006/main" xmlns:r="http://schemas.openxmlformats.org/officeDocument/2006/relationships" xmlns:p="http://schemas.openxmlformats.org/presentationml/2006/main">
+  <p:cSld>
+    <p:bg>
+      <p:bgPr>
+        <a:solidFill>
+          <a:srgbClr val="F0F0F0"/>
+        </a:solidFill>
+        <a:effectLst/>
+      </p:bgPr>
+    </p:bg>
+    <p:spTree>
+      <p:nvGrpSpPr>
+        <p:cNvPr id="1" name=""/>
+        <p:cNvGrpSpPr/>
+        <p:nvPr/>
+      </p:nvGrpSpPr>
+      <p:grpSpPr>
+        <a:xfrm>
+          <a:off x="0" y="0"/>
+          <a:ext cx="0" cy="0"/>
+          <a:chOff x="0" y="0"/>
+          <a:chExt cx="0" cy="0"/>
+        </a:xfrm>
+      </p:grpSpPr>
+      <p:sp>
+        <p:nvSpPr>
+          <p:cNvPr id="12" name="TextBox 11">
+            <a:extLst>
+              <a:ext uri="{FF2B5EF4-FFF2-40B4-BE49-F238E27FC236}">
+                <a16:creationId xmlns:a16="http://schemas.microsoft.com/office/drawing/2014/main" id="{BCF126B8-5634-47FB-B8A4-465D640D394B}"/>
+              </a:ext>
+            </a:extLst>
+          </p:cNvPr>
+          <p:cNvSpPr txBox="1"/>
+          <p:nvPr/>
+        </p:nvSpPr>
+        <p:spPr>
+          <a:xfrm>
+            <a:off x="593355" y="647448"/>
+            <a:ext cx="8305479" cy="523220"/>
+          </a:xfrm>
+          <a:prstGeom prst="rect">
+            <a:avLst/>
+          </a:prstGeom>
+          <a:noFill/>
+        </p:spPr>
+        <p:txBody>
+          <a:bodyPr wrap="none" rtlCol="0">
+            <a:spAutoFit/>
+          </a:bodyPr>
+          <a:lstStyle/>
+          <a:p>
+            <a:pPr marL="0" marR="0" lvl="0" indent="0" algn="l" defTabSz="914400" rtl="0" eaLnBrk="1" fontAlgn="auto" latinLnBrk="1" hangingPunct="1">
+              <a:lnSpc>
+                <a:spcPct val="100000"/>
+              </a:lnSpc>
+              <a:spcBef>
+                <a:spcPts val="0"/>
+              </a:spcBef>
+              <a:spcAft>
+                <a:spcPts val="0"/>
+              </a:spcAft>
+              <a:buClrTx/>
+              <a:buSzTx/>
+              <a:buFontTx/>
+              <a:buNone/>
+              <a:tabLst/>
+              <a:defRPr/>
+            </a:pPr>
+            <a:r>
+              <a:rPr kumimoji="0" lang="en-US" altLang="ko-KR" sz="2800" b="1" i="0" u="none" strike="noStrike" kern="1200" cap="none" spc="0" normalizeH="0" baseline="0" noProof="0">
+                <a:ln>
+                  <a:noFill/>
+                </a:ln>
+                <a:solidFill>
+                  <a:srgbClr val="43474A"/>
+                </a:solidFill>
+                <a:effectLst/>
+                <a:uLnTx/>
+                <a:uFillTx/>
+                <a:latin typeface="Noto Sans KR" panose="020B0500000000000000" pitchFamily="34" charset="-127"/>
+                <a:ea typeface="Noto Sans KR" panose="020B0500000000000000" pitchFamily="34" charset="-127"/>
+                <a:cs typeface="+mn-cs"/>
+              </a:rPr>
+              <a:t>(5) </a:t>
+            </a:r>
+            <a:r>
+              <a:rPr kumimoji="0" lang="ko-KR" altLang="en-US" sz="2800" b="1" i="0" u="none" strike="noStrike" kern="1200" cap="none" spc="0" normalizeH="0" baseline="0" noProof="0">
+                <a:ln>
+                  <a:noFill/>
+                </a:ln>
+                <a:solidFill>
+                  <a:srgbClr val="43474A"/>
+                </a:solidFill>
+                <a:effectLst/>
+                <a:uLnTx/>
+                <a:uFillTx/>
+                <a:latin typeface="Noto Sans KR" panose="020B0500000000000000" pitchFamily="34" charset="-127"/>
+                <a:ea typeface="Noto Sans KR" panose="020B0500000000000000" pitchFamily="34" charset="-127"/>
+                <a:cs typeface="+mn-cs"/>
+              </a:rPr>
+              <a:t>대화식 </a:t>
+            </a:r>
+            <a:r>
+              <a:rPr kumimoji="0" lang="en-US" altLang="ko-KR" sz="2800" b="1" i="0" u="none" strike="noStrike" kern="1200" cap="none" spc="0" normalizeH="0" baseline="0" noProof="0">
+                <a:ln>
+                  <a:noFill/>
+                </a:ln>
+                <a:solidFill>
+                  <a:srgbClr val="43474A"/>
+                </a:solidFill>
+                <a:effectLst/>
+                <a:uLnTx/>
+                <a:uFillTx/>
+                <a:latin typeface="Noto Sans KR" panose="020B0500000000000000" pitchFamily="34" charset="-127"/>
+                <a:ea typeface="Noto Sans KR" panose="020B0500000000000000" pitchFamily="34" charset="-127"/>
+                <a:cs typeface="+mn-cs"/>
+              </a:rPr>
+              <a:t>SQL  </a:t>
+            </a:r>
+            <a:r>
+              <a:rPr kumimoji="0" lang="ko-KR" altLang="en-US" sz="2800" b="1" i="0" u="none" strike="noStrike" kern="1200" cap="none" spc="0" normalizeH="0" baseline="0" noProof="0">
+                <a:ln>
+                  <a:noFill/>
+                </a:ln>
+                <a:solidFill>
+                  <a:srgbClr val="43474A"/>
+                </a:solidFill>
+                <a:effectLst/>
+                <a:uLnTx/>
+                <a:uFillTx/>
+                <a:latin typeface="Noto Sans KR" panose="020B0500000000000000" pitchFamily="34" charset="-127"/>
+                <a:ea typeface="Noto Sans KR" panose="020B0500000000000000" pitchFamily="34" charset="-127"/>
+                <a:cs typeface="+mn-cs"/>
+              </a:rPr>
+              <a:t>도구로 </a:t>
+            </a:r>
+            <a:r>
+              <a:rPr kumimoji="0" lang="en-US" altLang="ko-KR" sz="2800" b="1" i="0" u="none" strike="noStrike" kern="1200" cap="none" spc="0" normalizeH="0" baseline="0" noProof="0">
+                <a:ln>
+                  <a:noFill/>
+                </a:ln>
+                <a:solidFill>
+                  <a:srgbClr val="43474A"/>
+                </a:solidFill>
+                <a:effectLst/>
+                <a:uLnTx/>
+                <a:uFillTx/>
+                <a:latin typeface="Noto Sans KR" panose="020B0500000000000000" pitchFamily="34" charset="-127"/>
+                <a:ea typeface="Noto Sans KR" panose="020B0500000000000000" pitchFamily="34" charset="-127"/>
+                <a:cs typeface="+mn-cs"/>
+              </a:rPr>
+              <a:t>DB </a:t>
+            </a:r>
+            <a:r>
+              <a:rPr kumimoji="0" lang="ko-KR" altLang="en-US" sz="2800" b="1" i="0" u="none" strike="noStrike" kern="1200" cap="none" spc="0" normalizeH="0" baseline="0" noProof="0">
+                <a:ln>
+                  <a:noFill/>
+                </a:ln>
+                <a:solidFill>
+                  <a:srgbClr val="43474A"/>
+                </a:solidFill>
+                <a:effectLst/>
+                <a:uLnTx/>
+                <a:uFillTx/>
+                <a:latin typeface="Noto Sans KR" panose="020B0500000000000000" pitchFamily="34" charset="-127"/>
+                <a:ea typeface="Noto Sans KR" panose="020B0500000000000000" pitchFamily="34" charset="-127"/>
+                <a:cs typeface="+mn-cs"/>
+              </a:rPr>
+              <a:t>생성 및 데이터 적재 </a:t>
+            </a:r>
+            <a:r>
+              <a:rPr kumimoji="0" lang="en-US" altLang="ko-KR" sz="2800" b="1" i="0" u="none" strike="noStrike" kern="1200" cap="none" spc="0" normalizeH="0" baseline="0" noProof="0">
+                <a:ln>
+                  <a:noFill/>
+                </a:ln>
+                <a:solidFill>
+                  <a:srgbClr val="43474A"/>
+                </a:solidFill>
+                <a:effectLst/>
+                <a:uLnTx/>
+                <a:uFillTx/>
+                <a:latin typeface="Noto Sans KR" panose="020B0500000000000000" pitchFamily="34" charset="-127"/>
+                <a:ea typeface="Noto Sans KR" panose="020B0500000000000000" pitchFamily="34" charset="-127"/>
+                <a:cs typeface="+mn-cs"/>
+              </a:rPr>
+              <a:t>- user</a:t>
+            </a:r>
+            <a:endParaRPr kumimoji="0" lang="ko-KR" altLang="en-US" sz="2800" b="1" i="0" u="none" strike="noStrike" kern="1200" cap="none" spc="0" normalizeH="0" baseline="0" noProof="0">
+              <a:ln>
+                <a:noFill/>
+              </a:ln>
+              <a:solidFill>
+                <a:srgbClr val="43474A"/>
+              </a:solidFill>
+              <a:effectLst/>
+              <a:uLnTx/>
+              <a:uFillTx/>
+              <a:latin typeface="Noto Sans KR" panose="020B0500000000000000" pitchFamily="34" charset="-127"/>
+              <a:ea typeface="Noto Sans KR" panose="020B0500000000000000" pitchFamily="34" charset="-127"/>
+              <a:cs typeface="+mn-cs"/>
+            </a:endParaRPr>
+          </a:p>
+        </p:txBody>
+      </p:sp>
+      <p:pic>
+        <p:nvPicPr>
+          <p:cNvPr id="3" name="그림 2">
+            <a:extLst>
+              <a:ext uri="{FF2B5EF4-FFF2-40B4-BE49-F238E27FC236}">
+                <a16:creationId xmlns:a16="http://schemas.microsoft.com/office/drawing/2014/main" id="{704A28CD-C568-319E-2F5D-8D399AD59436}"/>
+              </a:ext>
+            </a:extLst>
+          </p:cNvPr>
+          <p:cNvPicPr>
+            <a:picLocks noChangeAspect="1"/>
+          </p:cNvPicPr>
+          <p:nvPr/>
+        </p:nvPicPr>
+        <p:blipFill>
+          <a:blip r:embed="rId2"/>
+          <a:stretch>
+            <a:fillRect/>
+          </a:stretch>
+        </p:blipFill>
+        <p:spPr>
+          <a:xfrm>
+            <a:off x="3559347" y="1783103"/>
+            <a:ext cx="5075360" cy="975445"/>
+          </a:xfrm>
+          <a:prstGeom prst="rect">
+            <a:avLst/>
+          </a:prstGeom>
+        </p:spPr>
+      </p:pic>
+      <p:pic>
+        <p:nvPicPr>
+          <p:cNvPr id="4" name="그림 3">
+            <a:extLst>
+              <a:ext uri="{FF2B5EF4-FFF2-40B4-BE49-F238E27FC236}">
+                <a16:creationId xmlns:a16="http://schemas.microsoft.com/office/drawing/2014/main" id="{424F837A-3345-BC5A-C1FE-A0833D8BF577}"/>
+              </a:ext>
+            </a:extLst>
+          </p:cNvPr>
+          <p:cNvPicPr>
+            <a:picLocks noChangeAspect="1"/>
+          </p:cNvPicPr>
+          <p:nvPr/>
+        </p:nvPicPr>
+        <p:blipFill>
+          <a:blip r:embed="rId3"/>
+          <a:stretch>
+            <a:fillRect/>
+          </a:stretch>
+        </p:blipFill>
+        <p:spPr>
+          <a:xfrm>
+            <a:off x="3559347" y="2953784"/>
+            <a:ext cx="5073305" cy="3158156"/>
+          </a:xfrm>
+          <a:prstGeom prst="rect">
+            <a:avLst/>
+          </a:prstGeom>
+        </p:spPr>
+      </p:pic>
+    </p:spTree>
+    <p:extLst>
+      <p:ext uri="{BB962C8B-B14F-4D97-AF65-F5344CB8AC3E}">
+        <p14:creationId xmlns:p14="http://schemas.microsoft.com/office/powerpoint/2010/main" val="275796680"/>
+      </p:ext>
+    </p:extLst>
+  </p:cSld>
+  <p:clrMapOvr>
+    <a:masterClrMapping/>
+  </p:clrMapOvr>
+</p:sld>
+</file>
+
+<file path=ppt/slides/slide19.xml><?xml version="1.0" encoding="utf-8"?>
+<p:sld xmlns:a="http://schemas.openxmlformats.org/drawingml/2006/main" xmlns:r="http://schemas.openxmlformats.org/officeDocument/2006/relationships" xmlns:p="http://schemas.openxmlformats.org/presentationml/2006/main">
+  <p:cSld>
+    <p:bg>
+      <p:bgPr>
+        <a:solidFill>
+          <a:srgbClr val="F0F0F0"/>
+        </a:solidFill>
+        <a:effectLst/>
+      </p:bgPr>
+    </p:bg>
+    <p:spTree>
+      <p:nvGrpSpPr>
+        <p:cNvPr id="1" name=""/>
+        <p:cNvGrpSpPr/>
+        <p:nvPr/>
+      </p:nvGrpSpPr>
+      <p:grpSpPr>
+        <a:xfrm>
+          <a:off x="0" y="0"/>
+          <a:ext cx="0" cy="0"/>
+          <a:chOff x="0" y="0"/>
+          <a:chExt cx="0" cy="0"/>
+        </a:xfrm>
+      </p:grpSpPr>
+      <p:sp>
+        <p:nvSpPr>
+          <p:cNvPr id="12" name="TextBox 11">
+            <a:extLst>
+              <a:ext uri="{FF2B5EF4-FFF2-40B4-BE49-F238E27FC236}">
+                <a16:creationId xmlns:a16="http://schemas.microsoft.com/office/drawing/2014/main" id="{BCF126B8-5634-47FB-B8A4-465D640D394B}"/>
+              </a:ext>
+            </a:extLst>
+          </p:cNvPr>
+          <p:cNvSpPr txBox="1"/>
+          <p:nvPr/>
+        </p:nvSpPr>
+        <p:spPr>
+          <a:xfrm>
+            <a:off x="593355" y="647448"/>
+            <a:ext cx="8340360" cy="523220"/>
+          </a:xfrm>
+          <a:prstGeom prst="rect">
+            <a:avLst/>
+          </a:prstGeom>
+          <a:noFill/>
+        </p:spPr>
+        <p:txBody>
+          <a:bodyPr wrap="none" rtlCol="0">
+            <a:spAutoFit/>
+          </a:bodyPr>
+          <a:lstStyle/>
+          <a:p>
+            <a:pPr marL="0" marR="0" lvl="0" indent="0" algn="l" defTabSz="914400" rtl="0" eaLnBrk="1" fontAlgn="auto" latinLnBrk="1" hangingPunct="1">
+              <a:lnSpc>
+                <a:spcPct val="100000"/>
+              </a:lnSpc>
+              <a:spcBef>
+                <a:spcPts val="0"/>
+              </a:spcBef>
+              <a:spcAft>
+                <a:spcPts val="0"/>
+              </a:spcAft>
+              <a:buClrTx/>
+              <a:buSzTx/>
+              <a:buFontTx/>
+              <a:buNone/>
+              <a:tabLst/>
+              <a:defRPr/>
+            </a:pPr>
+            <a:r>
+              <a:rPr kumimoji="0" lang="en-US" altLang="ko-KR" sz="2800" b="1" i="0" u="none" strike="noStrike" kern="1200" cap="none" spc="0" normalizeH="0" baseline="0" noProof="0">
+                <a:ln>
+                  <a:noFill/>
+                </a:ln>
+                <a:solidFill>
+                  <a:srgbClr val="43474A"/>
+                </a:solidFill>
+                <a:effectLst/>
+                <a:uLnTx/>
+                <a:uFillTx/>
+                <a:latin typeface="Noto Sans KR" panose="020B0500000000000000" pitchFamily="34" charset="-127"/>
+                <a:ea typeface="Noto Sans KR" panose="020B0500000000000000" pitchFamily="34" charset="-127"/>
+                <a:cs typeface="+mn-cs"/>
+              </a:rPr>
+              <a:t>(5) </a:t>
+            </a:r>
+            <a:r>
+              <a:rPr kumimoji="0" lang="ko-KR" altLang="en-US" sz="2800" b="1" i="0" u="none" strike="noStrike" kern="1200" cap="none" spc="0" normalizeH="0" baseline="0" noProof="0">
+                <a:ln>
+                  <a:noFill/>
+                </a:ln>
+                <a:solidFill>
+                  <a:srgbClr val="43474A"/>
+                </a:solidFill>
+                <a:effectLst/>
+                <a:uLnTx/>
+                <a:uFillTx/>
+                <a:latin typeface="Noto Sans KR" panose="020B0500000000000000" pitchFamily="34" charset="-127"/>
+                <a:ea typeface="Noto Sans KR" panose="020B0500000000000000" pitchFamily="34" charset="-127"/>
+                <a:cs typeface="+mn-cs"/>
+              </a:rPr>
+              <a:t>대화식 </a:t>
+            </a:r>
+            <a:r>
+              <a:rPr kumimoji="0" lang="en-US" altLang="ko-KR" sz="2800" b="1" i="0" u="none" strike="noStrike" kern="1200" cap="none" spc="0" normalizeH="0" baseline="0" noProof="0">
+                <a:ln>
+                  <a:noFill/>
+                </a:ln>
+                <a:solidFill>
+                  <a:srgbClr val="43474A"/>
+                </a:solidFill>
+                <a:effectLst/>
+                <a:uLnTx/>
+                <a:uFillTx/>
+                <a:latin typeface="Noto Sans KR" panose="020B0500000000000000" pitchFamily="34" charset="-127"/>
+                <a:ea typeface="Noto Sans KR" panose="020B0500000000000000" pitchFamily="34" charset="-127"/>
+                <a:cs typeface="+mn-cs"/>
+              </a:rPr>
+              <a:t>SQL  </a:t>
+            </a:r>
+            <a:r>
+              <a:rPr kumimoji="0" lang="ko-KR" altLang="en-US" sz="2800" b="1" i="0" u="none" strike="noStrike" kern="1200" cap="none" spc="0" normalizeH="0" baseline="0" noProof="0">
+                <a:ln>
+                  <a:noFill/>
+                </a:ln>
+                <a:solidFill>
+                  <a:srgbClr val="43474A"/>
+                </a:solidFill>
+                <a:effectLst/>
+                <a:uLnTx/>
+                <a:uFillTx/>
+                <a:latin typeface="Noto Sans KR" panose="020B0500000000000000" pitchFamily="34" charset="-127"/>
+                <a:ea typeface="Noto Sans KR" panose="020B0500000000000000" pitchFamily="34" charset="-127"/>
+                <a:cs typeface="+mn-cs"/>
+              </a:rPr>
+              <a:t>도구로 </a:t>
+            </a:r>
+            <a:r>
+              <a:rPr kumimoji="0" lang="en-US" altLang="ko-KR" sz="2800" b="1" i="0" u="none" strike="noStrike" kern="1200" cap="none" spc="0" normalizeH="0" baseline="0" noProof="0">
+                <a:ln>
+                  <a:noFill/>
+                </a:ln>
+                <a:solidFill>
+                  <a:srgbClr val="43474A"/>
+                </a:solidFill>
+                <a:effectLst/>
+                <a:uLnTx/>
+                <a:uFillTx/>
+                <a:latin typeface="Noto Sans KR" panose="020B0500000000000000" pitchFamily="34" charset="-127"/>
+                <a:ea typeface="Noto Sans KR" panose="020B0500000000000000" pitchFamily="34" charset="-127"/>
+                <a:cs typeface="+mn-cs"/>
+              </a:rPr>
+              <a:t>DB </a:t>
+            </a:r>
+            <a:r>
+              <a:rPr kumimoji="0" lang="ko-KR" altLang="en-US" sz="2800" b="1" i="0" u="none" strike="noStrike" kern="1200" cap="none" spc="0" normalizeH="0" baseline="0" noProof="0">
+                <a:ln>
+                  <a:noFill/>
+                </a:ln>
+                <a:solidFill>
+                  <a:srgbClr val="43474A"/>
+                </a:solidFill>
+                <a:effectLst/>
+                <a:uLnTx/>
+                <a:uFillTx/>
+                <a:latin typeface="Noto Sans KR" panose="020B0500000000000000" pitchFamily="34" charset="-127"/>
+                <a:ea typeface="Noto Sans KR" panose="020B0500000000000000" pitchFamily="34" charset="-127"/>
+                <a:cs typeface="+mn-cs"/>
+              </a:rPr>
+              <a:t>생성 및 데이터 적재 </a:t>
+            </a:r>
+            <a:r>
+              <a:rPr kumimoji="0" lang="en-US" altLang="ko-KR" sz="2800" b="1" i="0" u="none" strike="noStrike" kern="1200" cap="none" spc="0" normalizeH="0" baseline="0" noProof="0">
+                <a:ln>
+                  <a:noFill/>
+                </a:ln>
+                <a:solidFill>
+                  <a:srgbClr val="43474A"/>
+                </a:solidFill>
+                <a:effectLst/>
+                <a:uLnTx/>
+                <a:uFillTx/>
+                <a:latin typeface="Noto Sans KR" panose="020B0500000000000000" pitchFamily="34" charset="-127"/>
+                <a:ea typeface="Noto Sans KR" panose="020B0500000000000000" pitchFamily="34" charset="-127"/>
+                <a:cs typeface="+mn-cs"/>
+              </a:rPr>
+              <a:t>- </a:t>
+            </a:r>
+            <a:r>
+              <a:rPr lang="en-US" altLang="ko-KR" sz="2800" b="1">
+                <a:solidFill>
+                  <a:srgbClr val="43474A"/>
+                </a:solidFill>
+                <a:latin typeface="Noto Sans KR" panose="020B0500000000000000" pitchFamily="34" charset="-127"/>
+                <a:ea typeface="Noto Sans KR" panose="020B0500000000000000" pitchFamily="34" charset="-127"/>
+              </a:rPr>
+              <a:t>item</a:t>
+            </a:r>
+            <a:endParaRPr kumimoji="0" lang="ko-KR" altLang="en-US" sz="2800" b="1" i="0" u="none" strike="noStrike" kern="1200" cap="none" spc="0" normalizeH="0" baseline="0" noProof="0">
+              <a:ln>
+                <a:noFill/>
+              </a:ln>
+              <a:solidFill>
+                <a:srgbClr val="43474A"/>
+              </a:solidFill>
+              <a:effectLst/>
+              <a:uLnTx/>
+              <a:uFillTx/>
+              <a:latin typeface="Noto Sans KR" panose="020B0500000000000000" pitchFamily="34" charset="-127"/>
+              <a:ea typeface="Noto Sans KR" panose="020B0500000000000000" pitchFamily="34" charset="-127"/>
+              <a:cs typeface="+mn-cs"/>
+            </a:endParaRPr>
+          </a:p>
+        </p:txBody>
+      </p:sp>
+      <p:grpSp>
+        <p:nvGrpSpPr>
+          <p:cNvPr id="23" name="그룹 22">
+            <a:extLst>
+              <a:ext uri="{FF2B5EF4-FFF2-40B4-BE49-F238E27FC236}">
+                <a16:creationId xmlns:a16="http://schemas.microsoft.com/office/drawing/2014/main" id="{0DD321AE-D37A-CC27-AE53-43C6DA42B313}"/>
+              </a:ext>
+            </a:extLst>
+          </p:cNvPr>
+          <p:cNvGrpSpPr/>
+          <p:nvPr/>
+        </p:nvGrpSpPr>
+        <p:grpSpPr>
+          <a:xfrm>
+            <a:off x="3554509" y="2042506"/>
+            <a:ext cx="5082982" cy="3769720"/>
+            <a:chOff x="3739964" y="1908036"/>
+            <a:chExt cx="5082982" cy="3769720"/>
+          </a:xfrm>
+        </p:grpSpPr>
+        <p:pic>
+          <p:nvPicPr>
+            <p:cNvPr id="9" name="그림 8">
+              <a:extLst>
+                <a:ext uri="{FF2B5EF4-FFF2-40B4-BE49-F238E27FC236}">
+                  <a16:creationId xmlns:a16="http://schemas.microsoft.com/office/drawing/2014/main" id="{328972AA-0A75-B5D4-2F77-D1859C81E80E}"/>
+                </a:ext>
+              </a:extLst>
+            </p:cNvPr>
+            <p:cNvPicPr>
+              <a:picLocks noChangeAspect="1"/>
+            </p:cNvPicPr>
+            <p:nvPr/>
+          </p:nvPicPr>
+          <p:blipFill>
+            <a:blip r:embed="rId2"/>
+            <a:stretch>
+              <a:fillRect/>
+            </a:stretch>
+          </p:blipFill>
+          <p:spPr>
+            <a:xfrm>
+              <a:off x="3739966" y="1908036"/>
+              <a:ext cx="5082980" cy="952583"/>
+            </a:xfrm>
+            <a:prstGeom prst="rect">
+              <a:avLst/>
+            </a:prstGeom>
+          </p:spPr>
+        </p:pic>
+        <p:pic>
+          <p:nvPicPr>
+            <p:cNvPr id="22" name="그림 21">
+              <a:extLst>
+                <a:ext uri="{FF2B5EF4-FFF2-40B4-BE49-F238E27FC236}">
+                  <a16:creationId xmlns:a16="http://schemas.microsoft.com/office/drawing/2014/main" id="{8401373E-2B30-D7EF-746A-5F1143B971F9}"/>
+                </a:ext>
+              </a:extLst>
+            </p:cNvPr>
+            <p:cNvPicPr>
+              <a:picLocks noChangeAspect="1"/>
+            </p:cNvPicPr>
+            <p:nvPr/>
+          </p:nvPicPr>
+          <p:blipFill>
+            <a:blip r:embed="rId3"/>
+            <a:stretch>
+              <a:fillRect/>
+            </a:stretch>
+          </p:blipFill>
+          <p:spPr>
+            <a:xfrm>
+              <a:off x="3739964" y="2984011"/>
+              <a:ext cx="5082979" cy="2693745"/>
+            </a:xfrm>
+            <a:prstGeom prst="rect">
+              <a:avLst/>
+            </a:prstGeom>
+          </p:spPr>
+        </p:pic>
+      </p:grpSp>
+    </p:spTree>
+    <p:extLst>
+      <p:ext uri="{BB962C8B-B14F-4D97-AF65-F5344CB8AC3E}">
+        <p14:creationId xmlns:p14="http://schemas.microsoft.com/office/powerpoint/2010/main" val="2840276121"/>
       </p:ext>
     </p:extLst>
   </p:cSld>
@@ -4111,6 +9134,1718 @@
     <p:extLst>
       <p:ext uri="{BB962C8B-B14F-4D97-AF65-F5344CB8AC3E}">
         <p14:creationId xmlns:p14="http://schemas.microsoft.com/office/powerpoint/2010/main" val="3538155362"/>
+      </p:ext>
+    </p:extLst>
+  </p:cSld>
+  <p:clrMapOvr>
+    <a:masterClrMapping/>
+  </p:clrMapOvr>
+</p:sld>
+</file>
+
+<file path=ppt/slides/slide20.xml><?xml version="1.0" encoding="utf-8"?>
+<p:sld xmlns:a="http://schemas.openxmlformats.org/drawingml/2006/main" xmlns:r="http://schemas.openxmlformats.org/officeDocument/2006/relationships" xmlns:p="http://schemas.openxmlformats.org/presentationml/2006/main">
+  <p:cSld>
+    <p:bg>
+      <p:bgPr>
+        <a:solidFill>
+          <a:srgbClr val="F0F0F0"/>
+        </a:solidFill>
+        <a:effectLst/>
+      </p:bgPr>
+    </p:bg>
+    <p:spTree>
+      <p:nvGrpSpPr>
+        <p:cNvPr id="1" name=""/>
+        <p:cNvGrpSpPr/>
+        <p:nvPr/>
+      </p:nvGrpSpPr>
+      <p:grpSpPr>
+        <a:xfrm>
+          <a:off x="0" y="0"/>
+          <a:ext cx="0" cy="0"/>
+          <a:chOff x="0" y="0"/>
+          <a:chExt cx="0" cy="0"/>
+        </a:xfrm>
+      </p:grpSpPr>
+      <p:sp>
+        <p:nvSpPr>
+          <p:cNvPr id="12" name="TextBox 11">
+            <a:extLst>
+              <a:ext uri="{FF2B5EF4-FFF2-40B4-BE49-F238E27FC236}">
+                <a16:creationId xmlns:a16="http://schemas.microsoft.com/office/drawing/2014/main" id="{BCF126B8-5634-47FB-B8A4-465D640D394B}"/>
+              </a:ext>
+            </a:extLst>
+          </p:cNvPr>
+          <p:cNvSpPr txBox="1"/>
+          <p:nvPr/>
+        </p:nvSpPr>
+        <p:spPr>
+          <a:xfrm>
+            <a:off x="593355" y="647448"/>
+            <a:ext cx="8796447" cy="523220"/>
+          </a:xfrm>
+          <a:prstGeom prst="rect">
+            <a:avLst/>
+          </a:prstGeom>
+          <a:noFill/>
+        </p:spPr>
+        <p:txBody>
+          <a:bodyPr wrap="none" rtlCol="0">
+            <a:spAutoFit/>
+          </a:bodyPr>
+          <a:lstStyle/>
+          <a:p>
+            <a:pPr marL="0" marR="0" lvl="0" indent="0" algn="l" defTabSz="914400" rtl="0" eaLnBrk="1" fontAlgn="auto" latinLnBrk="1" hangingPunct="1">
+              <a:lnSpc>
+                <a:spcPct val="100000"/>
+              </a:lnSpc>
+              <a:spcBef>
+                <a:spcPts val="0"/>
+              </a:spcBef>
+              <a:spcAft>
+                <a:spcPts val="0"/>
+              </a:spcAft>
+              <a:buClrTx/>
+              <a:buSzTx/>
+              <a:buFontTx/>
+              <a:buNone/>
+              <a:tabLst/>
+              <a:defRPr/>
+            </a:pPr>
+            <a:r>
+              <a:rPr kumimoji="0" lang="en-US" altLang="ko-KR" sz="2800" b="1" i="0" u="none" strike="noStrike" kern="1200" cap="none" spc="0" normalizeH="0" baseline="0" noProof="0">
+                <a:ln>
+                  <a:noFill/>
+                </a:ln>
+                <a:solidFill>
+                  <a:srgbClr val="43474A"/>
+                </a:solidFill>
+                <a:effectLst/>
+                <a:uLnTx/>
+                <a:uFillTx/>
+                <a:latin typeface="Noto Sans KR" panose="020B0500000000000000" pitchFamily="34" charset="-127"/>
+                <a:ea typeface="Noto Sans KR" panose="020B0500000000000000" pitchFamily="34" charset="-127"/>
+                <a:cs typeface="+mn-cs"/>
+              </a:rPr>
+              <a:t>(5) </a:t>
+            </a:r>
+            <a:r>
+              <a:rPr kumimoji="0" lang="ko-KR" altLang="en-US" sz="2800" b="1" i="0" u="none" strike="noStrike" kern="1200" cap="none" spc="0" normalizeH="0" baseline="0" noProof="0">
+                <a:ln>
+                  <a:noFill/>
+                </a:ln>
+                <a:solidFill>
+                  <a:srgbClr val="43474A"/>
+                </a:solidFill>
+                <a:effectLst/>
+                <a:uLnTx/>
+                <a:uFillTx/>
+                <a:latin typeface="Noto Sans KR" panose="020B0500000000000000" pitchFamily="34" charset="-127"/>
+                <a:ea typeface="Noto Sans KR" panose="020B0500000000000000" pitchFamily="34" charset="-127"/>
+                <a:cs typeface="+mn-cs"/>
+              </a:rPr>
+              <a:t>대화식 </a:t>
+            </a:r>
+            <a:r>
+              <a:rPr kumimoji="0" lang="en-US" altLang="ko-KR" sz="2800" b="1" i="0" u="none" strike="noStrike" kern="1200" cap="none" spc="0" normalizeH="0" baseline="0" noProof="0">
+                <a:ln>
+                  <a:noFill/>
+                </a:ln>
+                <a:solidFill>
+                  <a:srgbClr val="43474A"/>
+                </a:solidFill>
+                <a:effectLst/>
+                <a:uLnTx/>
+                <a:uFillTx/>
+                <a:latin typeface="Noto Sans KR" panose="020B0500000000000000" pitchFamily="34" charset="-127"/>
+                <a:ea typeface="Noto Sans KR" panose="020B0500000000000000" pitchFamily="34" charset="-127"/>
+                <a:cs typeface="+mn-cs"/>
+              </a:rPr>
+              <a:t>SQL  </a:t>
+            </a:r>
+            <a:r>
+              <a:rPr kumimoji="0" lang="ko-KR" altLang="en-US" sz="2800" b="1" i="0" u="none" strike="noStrike" kern="1200" cap="none" spc="0" normalizeH="0" baseline="0" noProof="0">
+                <a:ln>
+                  <a:noFill/>
+                </a:ln>
+                <a:solidFill>
+                  <a:srgbClr val="43474A"/>
+                </a:solidFill>
+                <a:effectLst/>
+                <a:uLnTx/>
+                <a:uFillTx/>
+                <a:latin typeface="Noto Sans KR" panose="020B0500000000000000" pitchFamily="34" charset="-127"/>
+                <a:ea typeface="Noto Sans KR" panose="020B0500000000000000" pitchFamily="34" charset="-127"/>
+                <a:cs typeface="+mn-cs"/>
+              </a:rPr>
+              <a:t>도구로 </a:t>
+            </a:r>
+            <a:r>
+              <a:rPr kumimoji="0" lang="en-US" altLang="ko-KR" sz="2800" b="1" i="0" u="none" strike="noStrike" kern="1200" cap="none" spc="0" normalizeH="0" baseline="0" noProof="0">
+                <a:ln>
+                  <a:noFill/>
+                </a:ln>
+                <a:solidFill>
+                  <a:srgbClr val="43474A"/>
+                </a:solidFill>
+                <a:effectLst/>
+                <a:uLnTx/>
+                <a:uFillTx/>
+                <a:latin typeface="Noto Sans KR" panose="020B0500000000000000" pitchFamily="34" charset="-127"/>
+                <a:ea typeface="Noto Sans KR" panose="020B0500000000000000" pitchFamily="34" charset="-127"/>
+                <a:cs typeface="+mn-cs"/>
+              </a:rPr>
+              <a:t>DB </a:t>
+            </a:r>
+            <a:r>
+              <a:rPr kumimoji="0" lang="ko-KR" altLang="en-US" sz="2800" b="1" i="0" u="none" strike="noStrike" kern="1200" cap="none" spc="0" normalizeH="0" baseline="0" noProof="0">
+                <a:ln>
+                  <a:noFill/>
+                </a:ln>
+                <a:solidFill>
+                  <a:srgbClr val="43474A"/>
+                </a:solidFill>
+                <a:effectLst/>
+                <a:uLnTx/>
+                <a:uFillTx/>
+                <a:latin typeface="Noto Sans KR" panose="020B0500000000000000" pitchFamily="34" charset="-127"/>
+                <a:ea typeface="Noto Sans KR" panose="020B0500000000000000" pitchFamily="34" charset="-127"/>
+                <a:cs typeface="+mn-cs"/>
+              </a:rPr>
+              <a:t>생성 및 데이터 적재 </a:t>
+            </a:r>
+            <a:r>
+              <a:rPr kumimoji="0" lang="en-US" altLang="ko-KR" sz="2800" b="1" i="0" u="none" strike="noStrike" kern="1200" cap="none" spc="0" normalizeH="0" baseline="0" noProof="0">
+                <a:ln>
+                  <a:noFill/>
+                </a:ln>
+                <a:solidFill>
+                  <a:srgbClr val="43474A"/>
+                </a:solidFill>
+                <a:effectLst/>
+                <a:uLnTx/>
+                <a:uFillTx/>
+                <a:latin typeface="Noto Sans KR" panose="020B0500000000000000" pitchFamily="34" charset="-127"/>
+                <a:ea typeface="Noto Sans KR" panose="020B0500000000000000" pitchFamily="34" charset="-127"/>
+                <a:cs typeface="+mn-cs"/>
+              </a:rPr>
+              <a:t>- courier</a:t>
+            </a:r>
+            <a:endParaRPr kumimoji="0" lang="ko-KR" altLang="en-US" sz="2800" b="1" i="0" u="none" strike="noStrike" kern="1200" cap="none" spc="0" normalizeH="0" baseline="0" noProof="0">
+              <a:ln>
+                <a:noFill/>
+              </a:ln>
+              <a:solidFill>
+                <a:srgbClr val="43474A"/>
+              </a:solidFill>
+              <a:effectLst/>
+              <a:uLnTx/>
+              <a:uFillTx/>
+              <a:latin typeface="Noto Sans KR" panose="020B0500000000000000" pitchFamily="34" charset="-127"/>
+              <a:ea typeface="Noto Sans KR" panose="020B0500000000000000" pitchFamily="34" charset="-127"/>
+              <a:cs typeface="+mn-cs"/>
+            </a:endParaRPr>
+          </a:p>
+        </p:txBody>
+      </p:sp>
+      <p:grpSp>
+        <p:nvGrpSpPr>
+          <p:cNvPr id="20" name="그룹 19">
+            <a:extLst>
+              <a:ext uri="{FF2B5EF4-FFF2-40B4-BE49-F238E27FC236}">
+                <a16:creationId xmlns:a16="http://schemas.microsoft.com/office/drawing/2014/main" id="{45586EC3-256B-65F9-96B1-9940D5AC9D8B}"/>
+              </a:ext>
+            </a:extLst>
+          </p:cNvPr>
+          <p:cNvGrpSpPr/>
+          <p:nvPr/>
+        </p:nvGrpSpPr>
+        <p:grpSpPr>
+          <a:xfrm>
+            <a:off x="3581182" y="2394774"/>
+            <a:ext cx="5029636" cy="2521915"/>
+            <a:chOff x="702389" y="2089974"/>
+            <a:chExt cx="5029636" cy="2521915"/>
+          </a:xfrm>
+        </p:grpSpPr>
+        <p:pic>
+          <p:nvPicPr>
+            <p:cNvPr id="17" name="그림 16">
+              <a:extLst>
+                <a:ext uri="{FF2B5EF4-FFF2-40B4-BE49-F238E27FC236}">
+                  <a16:creationId xmlns:a16="http://schemas.microsoft.com/office/drawing/2014/main" id="{A6C3508A-5823-2E6C-6603-12C8A8D83BCB}"/>
+                </a:ext>
+              </a:extLst>
+            </p:cNvPr>
+            <p:cNvPicPr>
+              <a:picLocks noChangeAspect="1"/>
+            </p:cNvPicPr>
+            <p:nvPr/>
+          </p:nvPicPr>
+          <p:blipFill>
+            <a:blip r:embed="rId2"/>
+            <a:stretch>
+              <a:fillRect/>
+            </a:stretch>
+          </p:blipFill>
+          <p:spPr>
+            <a:xfrm>
+              <a:off x="702389" y="2089974"/>
+              <a:ext cx="5029636" cy="594412"/>
+            </a:xfrm>
+            <a:prstGeom prst="rect">
+              <a:avLst/>
+            </a:prstGeom>
+          </p:spPr>
+        </p:pic>
+        <p:pic>
+          <p:nvPicPr>
+            <p:cNvPr id="19" name="그림 18">
+              <a:extLst>
+                <a:ext uri="{FF2B5EF4-FFF2-40B4-BE49-F238E27FC236}">
+                  <a16:creationId xmlns:a16="http://schemas.microsoft.com/office/drawing/2014/main" id="{87208139-BC24-632E-B5CE-DCEBD07007FC}"/>
+                </a:ext>
+              </a:extLst>
+            </p:cNvPr>
+            <p:cNvPicPr>
+              <a:picLocks noChangeAspect="1"/>
+            </p:cNvPicPr>
+            <p:nvPr/>
+          </p:nvPicPr>
+          <p:blipFill>
+            <a:blip r:embed="rId3"/>
+            <a:stretch>
+              <a:fillRect/>
+            </a:stretch>
+          </p:blipFill>
+          <p:spPr>
+            <a:xfrm>
+              <a:off x="702389" y="2908562"/>
+              <a:ext cx="5029636" cy="1703327"/>
+            </a:xfrm>
+            <a:prstGeom prst="rect">
+              <a:avLst/>
+            </a:prstGeom>
+          </p:spPr>
+        </p:pic>
+      </p:grpSp>
+    </p:spTree>
+    <p:extLst>
+      <p:ext uri="{BB962C8B-B14F-4D97-AF65-F5344CB8AC3E}">
+        <p14:creationId xmlns:p14="http://schemas.microsoft.com/office/powerpoint/2010/main" val="2701055861"/>
+      </p:ext>
+    </p:extLst>
+  </p:cSld>
+  <p:clrMapOvr>
+    <a:masterClrMapping/>
+  </p:clrMapOvr>
+</p:sld>
+</file>
+
+<file path=ppt/slides/slide21.xml><?xml version="1.0" encoding="utf-8"?>
+<p:sld xmlns:a="http://schemas.openxmlformats.org/drawingml/2006/main" xmlns:r="http://schemas.openxmlformats.org/officeDocument/2006/relationships" xmlns:p="http://schemas.openxmlformats.org/presentationml/2006/main">
+  <p:cSld>
+    <p:bg>
+      <p:bgPr>
+        <a:solidFill>
+          <a:srgbClr val="F0F0F0"/>
+        </a:solidFill>
+        <a:effectLst/>
+      </p:bgPr>
+    </p:bg>
+    <p:spTree>
+      <p:nvGrpSpPr>
+        <p:cNvPr id="1" name=""/>
+        <p:cNvGrpSpPr/>
+        <p:nvPr/>
+      </p:nvGrpSpPr>
+      <p:grpSpPr>
+        <a:xfrm>
+          <a:off x="0" y="0"/>
+          <a:ext cx="0" cy="0"/>
+          <a:chOff x="0" y="0"/>
+          <a:chExt cx="0" cy="0"/>
+        </a:xfrm>
+      </p:grpSpPr>
+      <p:sp>
+        <p:nvSpPr>
+          <p:cNvPr id="12" name="TextBox 11">
+            <a:extLst>
+              <a:ext uri="{FF2B5EF4-FFF2-40B4-BE49-F238E27FC236}">
+                <a16:creationId xmlns:a16="http://schemas.microsoft.com/office/drawing/2014/main" id="{BCF126B8-5634-47FB-B8A4-465D640D394B}"/>
+              </a:ext>
+            </a:extLst>
+          </p:cNvPr>
+          <p:cNvSpPr txBox="1"/>
+          <p:nvPr/>
+        </p:nvSpPr>
+        <p:spPr>
+          <a:xfrm>
+            <a:off x="593355" y="647448"/>
+            <a:ext cx="8506368" cy="523220"/>
+          </a:xfrm>
+          <a:prstGeom prst="rect">
+            <a:avLst/>
+          </a:prstGeom>
+          <a:noFill/>
+        </p:spPr>
+        <p:txBody>
+          <a:bodyPr wrap="none" rtlCol="0">
+            <a:spAutoFit/>
+          </a:bodyPr>
+          <a:lstStyle/>
+          <a:p>
+            <a:pPr marL="0" marR="0" lvl="0" indent="0" algn="l" defTabSz="914400" rtl="0" eaLnBrk="1" fontAlgn="auto" latinLnBrk="1" hangingPunct="1">
+              <a:lnSpc>
+                <a:spcPct val="100000"/>
+              </a:lnSpc>
+              <a:spcBef>
+                <a:spcPts val="0"/>
+              </a:spcBef>
+              <a:spcAft>
+                <a:spcPts val="0"/>
+              </a:spcAft>
+              <a:buClrTx/>
+              <a:buSzTx/>
+              <a:buFontTx/>
+              <a:buNone/>
+              <a:tabLst/>
+              <a:defRPr/>
+            </a:pPr>
+            <a:r>
+              <a:rPr kumimoji="0" lang="en-US" altLang="ko-KR" sz="2800" b="1" i="0" u="none" strike="noStrike" kern="1200" cap="none" spc="0" normalizeH="0" baseline="0" noProof="0">
+                <a:ln>
+                  <a:noFill/>
+                </a:ln>
+                <a:solidFill>
+                  <a:srgbClr val="43474A"/>
+                </a:solidFill>
+                <a:effectLst/>
+                <a:uLnTx/>
+                <a:uFillTx/>
+                <a:latin typeface="Noto Sans KR" panose="020B0500000000000000" pitchFamily="34" charset="-127"/>
+                <a:ea typeface="Noto Sans KR" panose="020B0500000000000000" pitchFamily="34" charset="-127"/>
+                <a:cs typeface="+mn-cs"/>
+              </a:rPr>
+              <a:t>(5) </a:t>
+            </a:r>
+            <a:r>
+              <a:rPr kumimoji="0" lang="ko-KR" altLang="en-US" sz="2800" b="1" i="0" u="none" strike="noStrike" kern="1200" cap="none" spc="0" normalizeH="0" baseline="0" noProof="0">
+                <a:ln>
+                  <a:noFill/>
+                </a:ln>
+                <a:solidFill>
+                  <a:srgbClr val="43474A"/>
+                </a:solidFill>
+                <a:effectLst/>
+                <a:uLnTx/>
+                <a:uFillTx/>
+                <a:latin typeface="Noto Sans KR" panose="020B0500000000000000" pitchFamily="34" charset="-127"/>
+                <a:ea typeface="Noto Sans KR" panose="020B0500000000000000" pitchFamily="34" charset="-127"/>
+                <a:cs typeface="+mn-cs"/>
+              </a:rPr>
+              <a:t>대화식 </a:t>
+            </a:r>
+            <a:r>
+              <a:rPr kumimoji="0" lang="en-US" altLang="ko-KR" sz="2800" b="1" i="0" u="none" strike="noStrike" kern="1200" cap="none" spc="0" normalizeH="0" baseline="0" noProof="0">
+                <a:ln>
+                  <a:noFill/>
+                </a:ln>
+                <a:solidFill>
+                  <a:srgbClr val="43474A"/>
+                </a:solidFill>
+                <a:effectLst/>
+                <a:uLnTx/>
+                <a:uFillTx/>
+                <a:latin typeface="Noto Sans KR" panose="020B0500000000000000" pitchFamily="34" charset="-127"/>
+                <a:ea typeface="Noto Sans KR" panose="020B0500000000000000" pitchFamily="34" charset="-127"/>
+                <a:cs typeface="+mn-cs"/>
+              </a:rPr>
+              <a:t>SQL  </a:t>
+            </a:r>
+            <a:r>
+              <a:rPr kumimoji="0" lang="ko-KR" altLang="en-US" sz="2800" b="1" i="0" u="none" strike="noStrike" kern="1200" cap="none" spc="0" normalizeH="0" baseline="0" noProof="0">
+                <a:ln>
+                  <a:noFill/>
+                </a:ln>
+                <a:solidFill>
+                  <a:srgbClr val="43474A"/>
+                </a:solidFill>
+                <a:effectLst/>
+                <a:uLnTx/>
+                <a:uFillTx/>
+                <a:latin typeface="Noto Sans KR" panose="020B0500000000000000" pitchFamily="34" charset="-127"/>
+                <a:ea typeface="Noto Sans KR" panose="020B0500000000000000" pitchFamily="34" charset="-127"/>
+                <a:cs typeface="+mn-cs"/>
+              </a:rPr>
+              <a:t>도구로 </a:t>
+            </a:r>
+            <a:r>
+              <a:rPr kumimoji="0" lang="en-US" altLang="ko-KR" sz="2800" b="1" i="0" u="none" strike="noStrike" kern="1200" cap="none" spc="0" normalizeH="0" baseline="0" noProof="0">
+                <a:ln>
+                  <a:noFill/>
+                </a:ln>
+                <a:solidFill>
+                  <a:srgbClr val="43474A"/>
+                </a:solidFill>
+                <a:effectLst/>
+                <a:uLnTx/>
+                <a:uFillTx/>
+                <a:latin typeface="Noto Sans KR" panose="020B0500000000000000" pitchFamily="34" charset="-127"/>
+                <a:ea typeface="Noto Sans KR" panose="020B0500000000000000" pitchFamily="34" charset="-127"/>
+                <a:cs typeface="+mn-cs"/>
+              </a:rPr>
+              <a:t>DB </a:t>
+            </a:r>
+            <a:r>
+              <a:rPr kumimoji="0" lang="ko-KR" altLang="en-US" sz="2800" b="1" i="0" u="none" strike="noStrike" kern="1200" cap="none" spc="0" normalizeH="0" baseline="0" noProof="0">
+                <a:ln>
+                  <a:noFill/>
+                </a:ln>
+                <a:solidFill>
+                  <a:srgbClr val="43474A"/>
+                </a:solidFill>
+                <a:effectLst/>
+                <a:uLnTx/>
+                <a:uFillTx/>
+                <a:latin typeface="Noto Sans KR" panose="020B0500000000000000" pitchFamily="34" charset="-127"/>
+                <a:ea typeface="Noto Sans KR" panose="020B0500000000000000" pitchFamily="34" charset="-127"/>
+                <a:cs typeface="+mn-cs"/>
+              </a:rPr>
+              <a:t>생성 및 데이터 적재 </a:t>
+            </a:r>
+            <a:r>
+              <a:rPr kumimoji="0" lang="en-US" altLang="ko-KR" sz="2800" b="1" i="0" u="none" strike="noStrike" kern="1200" cap="none" spc="0" normalizeH="0" baseline="0" noProof="0">
+                <a:ln>
+                  <a:noFill/>
+                </a:ln>
+                <a:solidFill>
+                  <a:srgbClr val="43474A"/>
+                </a:solidFill>
+                <a:effectLst/>
+                <a:uLnTx/>
+                <a:uFillTx/>
+                <a:latin typeface="Noto Sans KR" panose="020B0500000000000000" pitchFamily="34" charset="-127"/>
+                <a:ea typeface="Noto Sans KR" panose="020B0500000000000000" pitchFamily="34" charset="-127"/>
+                <a:cs typeface="+mn-cs"/>
+              </a:rPr>
+              <a:t>- order</a:t>
+            </a:r>
+            <a:endParaRPr kumimoji="0" lang="ko-KR" altLang="en-US" sz="2800" b="1" i="0" u="none" strike="noStrike" kern="1200" cap="none" spc="0" normalizeH="0" baseline="0" noProof="0">
+              <a:ln>
+                <a:noFill/>
+              </a:ln>
+              <a:solidFill>
+                <a:srgbClr val="43474A"/>
+              </a:solidFill>
+              <a:effectLst/>
+              <a:uLnTx/>
+              <a:uFillTx/>
+              <a:latin typeface="Noto Sans KR" panose="020B0500000000000000" pitchFamily="34" charset="-127"/>
+              <a:ea typeface="Noto Sans KR" panose="020B0500000000000000" pitchFamily="34" charset="-127"/>
+              <a:cs typeface="+mn-cs"/>
+            </a:endParaRPr>
+          </a:p>
+        </p:txBody>
+      </p:sp>
+      <p:grpSp>
+        <p:nvGrpSpPr>
+          <p:cNvPr id="10" name="그룹 9">
+            <a:extLst>
+              <a:ext uri="{FF2B5EF4-FFF2-40B4-BE49-F238E27FC236}">
+                <a16:creationId xmlns:a16="http://schemas.microsoft.com/office/drawing/2014/main" id="{87A07579-7CBF-35C5-DA2B-F136670CF61A}"/>
+              </a:ext>
+            </a:extLst>
+          </p:cNvPr>
+          <p:cNvGrpSpPr/>
+          <p:nvPr/>
+        </p:nvGrpSpPr>
+        <p:grpSpPr>
+          <a:xfrm>
+            <a:off x="3565941" y="1746493"/>
+            <a:ext cx="5060118" cy="4603695"/>
+            <a:chOff x="736790" y="1952681"/>
+            <a:chExt cx="5060118" cy="4603695"/>
+          </a:xfrm>
+        </p:grpSpPr>
+        <p:pic>
+          <p:nvPicPr>
+            <p:cNvPr id="7" name="그림 6">
+              <a:extLst>
+                <a:ext uri="{FF2B5EF4-FFF2-40B4-BE49-F238E27FC236}">
+                  <a16:creationId xmlns:a16="http://schemas.microsoft.com/office/drawing/2014/main" id="{77A5D152-A567-0FD4-981A-CEB76647D7B5}"/>
+                </a:ext>
+              </a:extLst>
+            </p:cNvPr>
+            <p:cNvPicPr>
+              <a:picLocks noChangeAspect="1"/>
+            </p:cNvPicPr>
+            <p:nvPr/>
+          </p:nvPicPr>
+          <p:blipFill>
+            <a:blip r:embed="rId2"/>
+            <a:stretch>
+              <a:fillRect/>
+            </a:stretch>
+          </p:blipFill>
+          <p:spPr>
+            <a:xfrm>
+              <a:off x="736790" y="1952681"/>
+              <a:ext cx="5060118" cy="967824"/>
+            </a:xfrm>
+            <a:prstGeom prst="rect">
+              <a:avLst/>
+            </a:prstGeom>
+          </p:spPr>
+        </p:pic>
+        <p:pic>
+          <p:nvPicPr>
+            <p:cNvPr id="8" name="그림 7">
+              <a:extLst>
+                <a:ext uri="{FF2B5EF4-FFF2-40B4-BE49-F238E27FC236}">
+                  <a16:creationId xmlns:a16="http://schemas.microsoft.com/office/drawing/2014/main" id="{C63B976D-3CE4-9EBF-AC53-8B31839FAE9C}"/>
+                </a:ext>
+              </a:extLst>
+            </p:cNvPr>
+            <p:cNvPicPr>
+              <a:picLocks noChangeAspect="1"/>
+            </p:cNvPicPr>
+            <p:nvPr/>
+          </p:nvPicPr>
+          <p:blipFill>
+            <a:blip r:embed="rId3"/>
+            <a:stretch>
+              <a:fillRect/>
+            </a:stretch>
+          </p:blipFill>
+          <p:spPr>
+            <a:xfrm>
+              <a:off x="736790" y="3101676"/>
+              <a:ext cx="5060118" cy="3454700"/>
+            </a:xfrm>
+            <a:prstGeom prst="rect">
+              <a:avLst/>
+            </a:prstGeom>
+          </p:spPr>
+        </p:pic>
+      </p:grpSp>
+    </p:spTree>
+    <p:extLst>
+      <p:ext uri="{BB962C8B-B14F-4D97-AF65-F5344CB8AC3E}">
+        <p14:creationId xmlns:p14="http://schemas.microsoft.com/office/powerpoint/2010/main" val="3346025661"/>
+      </p:ext>
+    </p:extLst>
+  </p:cSld>
+  <p:clrMapOvr>
+    <a:masterClrMapping/>
+  </p:clrMapOvr>
+</p:sld>
+</file>
+
+<file path=ppt/slides/slide22.xml><?xml version="1.0" encoding="utf-8"?>
+<p:sld xmlns:a="http://schemas.openxmlformats.org/drawingml/2006/main" xmlns:r="http://schemas.openxmlformats.org/officeDocument/2006/relationships" xmlns:p="http://schemas.openxmlformats.org/presentationml/2006/main">
+  <p:cSld>
+    <p:bg>
+      <p:bgPr>
+        <a:solidFill>
+          <a:srgbClr val="F0F0F0"/>
+        </a:solidFill>
+        <a:effectLst/>
+      </p:bgPr>
+    </p:bg>
+    <p:spTree>
+      <p:nvGrpSpPr>
+        <p:cNvPr id="1" name=""/>
+        <p:cNvGrpSpPr/>
+        <p:nvPr/>
+      </p:nvGrpSpPr>
+      <p:grpSpPr>
+        <a:xfrm>
+          <a:off x="0" y="0"/>
+          <a:ext cx="0" cy="0"/>
+          <a:chOff x="0" y="0"/>
+          <a:chExt cx="0" cy="0"/>
+        </a:xfrm>
+      </p:grpSpPr>
+      <p:sp>
+        <p:nvSpPr>
+          <p:cNvPr id="12" name="TextBox 11">
+            <a:extLst>
+              <a:ext uri="{FF2B5EF4-FFF2-40B4-BE49-F238E27FC236}">
+                <a16:creationId xmlns:a16="http://schemas.microsoft.com/office/drawing/2014/main" id="{BCF126B8-5634-47FB-B8A4-465D640D394B}"/>
+              </a:ext>
+            </a:extLst>
+          </p:cNvPr>
+          <p:cNvSpPr txBox="1"/>
+          <p:nvPr/>
+        </p:nvSpPr>
+        <p:spPr>
+          <a:xfrm>
+            <a:off x="593355" y="647448"/>
+            <a:ext cx="9970165" cy="523220"/>
+          </a:xfrm>
+          <a:prstGeom prst="rect">
+            <a:avLst/>
+          </a:prstGeom>
+          <a:noFill/>
+        </p:spPr>
+        <p:txBody>
+          <a:bodyPr wrap="none" rtlCol="0">
+            <a:spAutoFit/>
+          </a:bodyPr>
+          <a:lstStyle/>
+          <a:p>
+            <a:pPr marL="0" marR="0" lvl="0" indent="0" algn="l" defTabSz="914400" rtl="0" eaLnBrk="1" fontAlgn="auto" latinLnBrk="1" hangingPunct="1">
+              <a:lnSpc>
+                <a:spcPct val="100000"/>
+              </a:lnSpc>
+              <a:spcBef>
+                <a:spcPts val="0"/>
+              </a:spcBef>
+              <a:spcAft>
+                <a:spcPts val="0"/>
+              </a:spcAft>
+              <a:buClrTx/>
+              <a:buSzTx/>
+              <a:buFontTx/>
+              <a:buNone/>
+              <a:tabLst/>
+              <a:defRPr/>
+            </a:pPr>
+            <a:r>
+              <a:rPr kumimoji="0" lang="en-US" altLang="ko-KR" sz="2800" b="1" i="0" u="none" strike="noStrike" kern="1200" cap="none" spc="0" normalizeH="0" baseline="0" noProof="0">
+                <a:ln>
+                  <a:noFill/>
+                </a:ln>
+                <a:solidFill>
+                  <a:srgbClr val="43474A"/>
+                </a:solidFill>
+                <a:effectLst/>
+                <a:uLnTx/>
+                <a:uFillTx/>
+                <a:latin typeface="Noto Sans KR" panose="020B0500000000000000" pitchFamily="34" charset="-127"/>
+                <a:ea typeface="Noto Sans KR" panose="020B0500000000000000" pitchFamily="34" charset="-127"/>
+                <a:cs typeface="+mn-cs"/>
+              </a:rPr>
+              <a:t>(5) </a:t>
+            </a:r>
+            <a:r>
+              <a:rPr kumimoji="0" lang="ko-KR" altLang="en-US" sz="2800" b="1" i="0" u="none" strike="noStrike" kern="1200" cap="none" spc="0" normalizeH="0" baseline="0" noProof="0">
+                <a:ln>
+                  <a:noFill/>
+                </a:ln>
+                <a:solidFill>
+                  <a:srgbClr val="43474A"/>
+                </a:solidFill>
+                <a:effectLst/>
+                <a:uLnTx/>
+                <a:uFillTx/>
+                <a:latin typeface="Noto Sans KR" panose="020B0500000000000000" pitchFamily="34" charset="-127"/>
+                <a:ea typeface="Noto Sans KR" panose="020B0500000000000000" pitchFamily="34" charset="-127"/>
+                <a:cs typeface="+mn-cs"/>
+              </a:rPr>
+              <a:t>대화식 </a:t>
+            </a:r>
+            <a:r>
+              <a:rPr kumimoji="0" lang="en-US" altLang="ko-KR" sz="2800" b="1" i="0" u="none" strike="noStrike" kern="1200" cap="none" spc="0" normalizeH="0" baseline="0" noProof="0">
+                <a:ln>
+                  <a:noFill/>
+                </a:ln>
+                <a:solidFill>
+                  <a:srgbClr val="43474A"/>
+                </a:solidFill>
+                <a:effectLst/>
+                <a:uLnTx/>
+                <a:uFillTx/>
+                <a:latin typeface="Noto Sans KR" panose="020B0500000000000000" pitchFamily="34" charset="-127"/>
+                <a:ea typeface="Noto Sans KR" panose="020B0500000000000000" pitchFamily="34" charset="-127"/>
+                <a:cs typeface="+mn-cs"/>
+              </a:rPr>
+              <a:t>SQL  </a:t>
+            </a:r>
+            <a:r>
+              <a:rPr kumimoji="0" lang="ko-KR" altLang="en-US" sz="2800" b="1" i="0" u="none" strike="noStrike" kern="1200" cap="none" spc="0" normalizeH="0" baseline="0" noProof="0">
+                <a:ln>
+                  <a:noFill/>
+                </a:ln>
+                <a:solidFill>
+                  <a:srgbClr val="43474A"/>
+                </a:solidFill>
+                <a:effectLst/>
+                <a:uLnTx/>
+                <a:uFillTx/>
+                <a:latin typeface="Noto Sans KR" panose="020B0500000000000000" pitchFamily="34" charset="-127"/>
+                <a:ea typeface="Noto Sans KR" panose="020B0500000000000000" pitchFamily="34" charset="-127"/>
+                <a:cs typeface="+mn-cs"/>
+              </a:rPr>
+              <a:t>도구로 </a:t>
+            </a:r>
+            <a:r>
+              <a:rPr kumimoji="0" lang="en-US" altLang="ko-KR" sz="2800" b="1" i="0" u="none" strike="noStrike" kern="1200" cap="none" spc="0" normalizeH="0" baseline="0" noProof="0">
+                <a:ln>
+                  <a:noFill/>
+                </a:ln>
+                <a:solidFill>
+                  <a:srgbClr val="43474A"/>
+                </a:solidFill>
+                <a:effectLst/>
+                <a:uLnTx/>
+                <a:uFillTx/>
+                <a:latin typeface="Noto Sans KR" panose="020B0500000000000000" pitchFamily="34" charset="-127"/>
+                <a:ea typeface="Noto Sans KR" panose="020B0500000000000000" pitchFamily="34" charset="-127"/>
+                <a:cs typeface="+mn-cs"/>
+              </a:rPr>
+              <a:t>DB </a:t>
+            </a:r>
+            <a:r>
+              <a:rPr kumimoji="0" lang="ko-KR" altLang="en-US" sz="2800" b="1" i="0" u="none" strike="noStrike" kern="1200" cap="none" spc="0" normalizeH="0" baseline="0" noProof="0">
+                <a:ln>
+                  <a:noFill/>
+                </a:ln>
+                <a:solidFill>
+                  <a:srgbClr val="43474A"/>
+                </a:solidFill>
+                <a:effectLst/>
+                <a:uLnTx/>
+                <a:uFillTx/>
+                <a:latin typeface="Noto Sans KR" panose="020B0500000000000000" pitchFamily="34" charset="-127"/>
+                <a:ea typeface="Noto Sans KR" panose="020B0500000000000000" pitchFamily="34" charset="-127"/>
+                <a:cs typeface="+mn-cs"/>
+              </a:rPr>
+              <a:t>생성 및 데이터 적재 </a:t>
+            </a:r>
+            <a:r>
+              <a:rPr kumimoji="0" lang="en-US" altLang="ko-KR" sz="2800" b="1" i="0" u="none" strike="noStrike" kern="1200" cap="none" spc="0" normalizeH="0" baseline="0" noProof="0">
+                <a:ln>
+                  <a:noFill/>
+                </a:ln>
+                <a:solidFill>
+                  <a:srgbClr val="43474A"/>
+                </a:solidFill>
+                <a:effectLst/>
+                <a:uLnTx/>
+                <a:uFillTx/>
+                <a:latin typeface="Noto Sans KR" panose="020B0500000000000000" pitchFamily="34" charset="-127"/>
+                <a:ea typeface="Noto Sans KR" panose="020B0500000000000000" pitchFamily="34" charset="-127"/>
+                <a:cs typeface="+mn-cs"/>
+              </a:rPr>
+              <a:t>- manufacturer</a:t>
+            </a:r>
+            <a:endParaRPr kumimoji="0" lang="ko-KR" altLang="en-US" sz="2800" b="1" i="0" u="none" strike="noStrike" kern="1200" cap="none" spc="0" normalizeH="0" baseline="0" noProof="0">
+              <a:ln>
+                <a:noFill/>
+              </a:ln>
+              <a:solidFill>
+                <a:srgbClr val="43474A"/>
+              </a:solidFill>
+              <a:effectLst/>
+              <a:uLnTx/>
+              <a:uFillTx/>
+              <a:latin typeface="Noto Sans KR" panose="020B0500000000000000" pitchFamily="34" charset="-127"/>
+              <a:ea typeface="Noto Sans KR" panose="020B0500000000000000" pitchFamily="34" charset="-127"/>
+              <a:cs typeface="+mn-cs"/>
+            </a:endParaRPr>
+          </a:p>
+        </p:txBody>
+      </p:sp>
+      <p:grpSp>
+        <p:nvGrpSpPr>
+          <p:cNvPr id="6" name="그룹 5">
+            <a:extLst>
+              <a:ext uri="{FF2B5EF4-FFF2-40B4-BE49-F238E27FC236}">
+                <a16:creationId xmlns:a16="http://schemas.microsoft.com/office/drawing/2014/main" id="{D5316E63-7CA4-2CE1-015D-6C0981C5FAB4}"/>
+              </a:ext>
+            </a:extLst>
+          </p:cNvPr>
+          <p:cNvGrpSpPr/>
+          <p:nvPr/>
+        </p:nvGrpSpPr>
+        <p:grpSpPr>
+          <a:xfrm>
+            <a:off x="3569750" y="1377401"/>
+            <a:ext cx="5052499" cy="5012496"/>
+            <a:chOff x="593355" y="1458083"/>
+            <a:chExt cx="5052499" cy="5012496"/>
+          </a:xfrm>
+        </p:grpSpPr>
+        <p:pic>
+          <p:nvPicPr>
+            <p:cNvPr id="11" name="그림 10">
+              <a:extLst>
+                <a:ext uri="{FF2B5EF4-FFF2-40B4-BE49-F238E27FC236}">
+                  <a16:creationId xmlns:a16="http://schemas.microsoft.com/office/drawing/2014/main" id="{010DE894-F635-C12E-EE77-C30615E57660}"/>
+                </a:ext>
+              </a:extLst>
+            </p:cNvPr>
+            <p:cNvPicPr>
+              <a:picLocks noChangeAspect="1"/>
+            </p:cNvPicPr>
+            <p:nvPr/>
+          </p:nvPicPr>
+          <p:blipFill>
+            <a:blip r:embed="rId2"/>
+            <a:stretch>
+              <a:fillRect/>
+            </a:stretch>
+          </p:blipFill>
+          <p:spPr>
+            <a:xfrm>
+              <a:off x="593356" y="1458083"/>
+              <a:ext cx="5052498" cy="624894"/>
+            </a:xfrm>
+            <a:prstGeom prst="rect">
+              <a:avLst/>
+            </a:prstGeom>
+          </p:spPr>
+        </p:pic>
+        <p:pic>
+          <p:nvPicPr>
+            <p:cNvPr id="4" name="그림 3">
+              <a:extLst>
+                <a:ext uri="{FF2B5EF4-FFF2-40B4-BE49-F238E27FC236}">
+                  <a16:creationId xmlns:a16="http://schemas.microsoft.com/office/drawing/2014/main" id="{274A764E-8EFF-9A9B-B200-C3C9F418DE77}"/>
+                </a:ext>
+              </a:extLst>
+            </p:cNvPr>
+            <p:cNvPicPr>
+              <a:picLocks noChangeAspect="1"/>
+            </p:cNvPicPr>
+            <p:nvPr/>
+          </p:nvPicPr>
+          <p:blipFill>
+            <a:blip r:embed="rId3"/>
+            <a:stretch>
+              <a:fillRect/>
+            </a:stretch>
+          </p:blipFill>
+          <p:spPr>
+            <a:xfrm>
+              <a:off x="593355" y="2202934"/>
+              <a:ext cx="5052498" cy="4267645"/>
+            </a:xfrm>
+            <a:prstGeom prst="rect">
+              <a:avLst/>
+            </a:prstGeom>
+          </p:spPr>
+        </p:pic>
+      </p:grpSp>
+    </p:spTree>
+    <p:extLst>
+      <p:ext uri="{BB962C8B-B14F-4D97-AF65-F5344CB8AC3E}">
+        <p14:creationId xmlns:p14="http://schemas.microsoft.com/office/powerpoint/2010/main" val="3237861704"/>
+      </p:ext>
+    </p:extLst>
+  </p:cSld>
+  <p:clrMapOvr>
+    <a:masterClrMapping/>
+  </p:clrMapOvr>
+</p:sld>
+</file>
+
+<file path=ppt/slides/slide23.xml><?xml version="1.0" encoding="utf-8"?>
+<p:sld xmlns:a="http://schemas.openxmlformats.org/drawingml/2006/main" xmlns:r="http://schemas.openxmlformats.org/officeDocument/2006/relationships" xmlns:p="http://schemas.openxmlformats.org/presentationml/2006/main">
+  <p:cSld>
+    <p:bg>
+      <p:bgPr>
+        <a:solidFill>
+          <a:srgbClr val="F0F0F0"/>
+        </a:solidFill>
+        <a:effectLst/>
+      </p:bgPr>
+    </p:bg>
+    <p:spTree>
+      <p:nvGrpSpPr>
+        <p:cNvPr id="1" name=""/>
+        <p:cNvGrpSpPr/>
+        <p:nvPr/>
+      </p:nvGrpSpPr>
+      <p:grpSpPr>
+        <a:xfrm>
+          <a:off x="0" y="0"/>
+          <a:ext cx="0" cy="0"/>
+          <a:chOff x="0" y="0"/>
+          <a:chExt cx="0" cy="0"/>
+        </a:xfrm>
+      </p:grpSpPr>
+      <p:sp>
+        <p:nvSpPr>
+          <p:cNvPr id="12" name="TextBox 11">
+            <a:extLst>
+              <a:ext uri="{FF2B5EF4-FFF2-40B4-BE49-F238E27FC236}">
+                <a16:creationId xmlns:a16="http://schemas.microsoft.com/office/drawing/2014/main" id="{BCF126B8-5634-47FB-B8A4-465D640D394B}"/>
+              </a:ext>
+            </a:extLst>
+          </p:cNvPr>
+          <p:cNvSpPr txBox="1"/>
+          <p:nvPr/>
+        </p:nvSpPr>
+        <p:spPr>
+          <a:xfrm>
+            <a:off x="593355" y="647448"/>
+            <a:ext cx="8872942" cy="523220"/>
+          </a:xfrm>
+          <a:prstGeom prst="rect">
+            <a:avLst/>
+          </a:prstGeom>
+          <a:noFill/>
+        </p:spPr>
+        <p:txBody>
+          <a:bodyPr wrap="none" rtlCol="0">
+            <a:spAutoFit/>
+          </a:bodyPr>
+          <a:lstStyle/>
+          <a:p>
+            <a:pPr marL="0" marR="0" lvl="0" indent="0" algn="l" defTabSz="914400" rtl="0" eaLnBrk="1" fontAlgn="auto" latinLnBrk="1" hangingPunct="1">
+              <a:lnSpc>
+                <a:spcPct val="100000"/>
+              </a:lnSpc>
+              <a:spcBef>
+                <a:spcPts val="0"/>
+              </a:spcBef>
+              <a:spcAft>
+                <a:spcPts val="0"/>
+              </a:spcAft>
+              <a:buClrTx/>
+              <a:buSzTx/>
+              <a:buFontTx/>
+              <a:buNone/>
+              <a:tabLst/>
+              <a:defRPr/>
+            </a:pPr>
+            <a:r>
+              <a:rPr kumimoji="0" lang="en-US" altLang="ko-KR" sz="2800" b="1" i="0" u="none" strike="noStrike" kern="1200" cap="none" spc="0" normalizeH="0" baseline="0" noProof="0">
+                <a:ln>
+                  <a:noFill/>
+                </a:ln>
+                <a:solidFill>
+                  <a:srgbClr val="43474A"/>
+                </a:solidFill>
+                <a:effectLst/>
+                <a:uLnTx/>
+                <a:uFillTx/>
+                <a:latin typeface="Noto Sans KR" panose="020B0500000000000000" pitchFamily="34" charset="-127"/>
+                <a:ea typeface="Noto Sans KR" panose="020B0500000000000000" pitchFamily="34" charset="-127"/>
+                <a:cs typeface="+mn-cs"/>
+              </a:rPr>
+              <a:t>(5) </a:t>
+            </a:r>
+            <a:r>
+              <a:rPr kumimoji="0" lang="ko-KR" altLang="en-US" sz="2800" b="1" i="0" u="none" strike="noStrike" kern="1200" cap="none" spc="0" normalizeH="0" baseline="0" noProof="0">
+                <a:ln>
+                  <a:noFill/>
+                </a:ln>
+                <a:solidFill>
+                  <a:srgbClr val="43474A"/>
+                </a:solidFill>
+                <a:effectLst/>
+                <a:uLnTx/>
+                <a:uFillTx/>
+                <a:latin typeface="Noto Sans KR" panose="020B0500000000000000" pitchFamily="34" charset="-127"/>
+                <a:ea typeface="Noto Sans KR" panose="020B0500000000000000" pitchFamily="34" charset="-127"/>
+                <a:cs typeface="+mn-cs"/>
+              </a:rPr>
+              <a:t>대화식 </a:t>
+            </a:r>
+            <a:r>
+              <a:rPr kumimoji="0" lang="en-US" altLang="ko-KR" sz="2800" b="1" i="0" u="none" strike="noStrike" kern="1200" cap="none" spc="0" normalizeH="0" baseline="0" noProof="0">
+                <a:ln>
+                  <a:noFill/>
+                </a:ln>
+                <a:solidFill>
+                  <a:srgbClr val="43474A"/>
+                </a:solidFill>
+                <a:effectLst/>
+                <a:uLnTx/>
+                <a:uFillTx/>
+                <a:latin typeface="Noto Sans KR" panose="020B0500000000000000" pitchFamily="34" charset="-127"/>
+                <a:ea typeface="Noto Sans KR" panose="020B0500000000000000" pitchFamily="34" charset="-127"/>
+                <a:cs typeface="+mn-cs"/>
+              </a:rPr>
+              <a:t>SQL  </a:t>
+            </a:r>
+            <a:r>
+              <a:rPr kumimoji="0" lang="ko-KR" altLang="en-US" sz="2800" b="1" i="0" u="none" strike="noStrike" kern="1200" cap="none" spc="0" normalizeH="0" baseline="0" noProof="0">
+                <a:ln>
+                  <a:noFill/>
+                </a:ln>
+                <a:solidFill>
+                  <a:srgbClr val="43474A"/>
+                </a:solidFill>
+                <a:effectLst/>
+                <a:uLnTx/>
+                <a:uFillTx/>
+                <a:latin typeface="Noto Sans KR" panose="020B0500000000000000" pitchFamily="34" charset="-127"/>
+                <a:ea typeface="Noto Sans KR" panose="020B0500000000000000" pitchFamily="34" charset="-127"/>
+                <a:cs typeface="+mn-cs"/>
+              </a:rPr>
+              <a:t>도구로 </a:t>
+            </a:r>
+            <a:r>
+              <a:rPr kumimoji="0" lang="en-US" altLang="ko-KR" sz="2800" b="1" i="0" u="none" strike="noStrike" kern="1200" cap="none" spc="0" normalizeH="0" baseline="0" noProof="0">
+                <a:ln>
+                  <a:noFill/>
+                </a:ln>
+                <a:solidFill>
+                  <a:srgbClr val="43474A"/>
+                </a:solidFill>
+                <a:effectLst/>
+                <a:uLnTx/>
+                <a:uFillTx/>
+                <a:latin typeface="Noto Sans KR" panose="020B0500000000000000" pitchFamily="34" charset="-127"/>
+                <a:ea typeface="Noto Sans KR" panose="020B0500000000000000" pitchFamily="34" charset="-127"/>
+                <a:cs typeface="+mn-cs"/>
+              </a:rPr>
+              <a:t>DB </a:t>
+            </a:r>
+            <a:r>
+              <a:rPr kumimoji="0" lang="ko-KR" altLang="en-US" sz="2800" b="1" i="0" u="none" strike="noStrike" kern="1200" cap="none" spc="0" normalizeH="0" baseline="0" noProof="0">
+                <a:ln>
+                  <a:noFill/>
+                </a:ln>
+                <a:solidFill>
+                  <a:srgbClr val="43474A"/>
+                </a:solidFill>
+                <a:effectLst/>
+                <a:uLnTx/>
+                <a:uFillTx/>
+                <a:latin typeface="Noto Sans KR" panose="020B0500000000000000" pitchFamily="34" charset="-127"/>
+                <a:ea typeface="Noto Sans KR" panose="020B0500000000000000" pitchFamily="34" charset="-127"/>
+                <a:cs typeface="+mn-cs"/>
+              </a:rPr>
+              <a:t>생성 및 데이터 적재 </a:t>
+            </a:r>
+            <a:r>
+              <a:rPr kumimoji="0" lang="en-US" altLang="ko-KR" sz="2800" b="1" i="0" u="none" strike="noStrike" kern="1200" cap="none" spc="0" normalizeH="0" baseline="0" noProof="0">
+                <a:ln>
+                  <a:noFill/>
+                </a:ln>
+                <a:solidFill>
+                  <a:srgbClr val="43474A"/>
+                </a:solidFill>
+                <a:effectLst/>
+                <a:uLnTx/>
+                <a:uFillTx/>
+                <a:latin typeface="Noto Sans KR" panose="020B0500000000000000" pitchFamily="34" charset="-127"/>
+                <a:ea typeface="Noto Sans KR" panose="020B0500000000000000" pitchFamily="34" charset="-127"/>
+                <a:cs typeface="+mn-cs"/>
+              </a:rPr>
+              <a:t>- supply</a:t>
+            </a:r>
+            <a:endParaRPr kumimoji="0" lang="ko-KR" altLang="en-US" sz="2800" b="1" i="0" u="none" strike="noStrike" kern="1200" cap="none" spc="0" normalizeH="0" baseline="0" noProof="0">
+              <a:ln>
+                <a:noFill/>
+              </a:ln>
+              <a:solidFill>
+                <a:srgbClr val="43474A"/>
+              </a:solidFill>
+              <a:effectLst/>
+              <a:uLnTx/>
+              <a:uFillTx/>
+              <a:latin typeface="Noto Sans KR" panose="020B0500000000000000" pitchFamily="34" charset="-127"/>
+              <a:ea typeface="Noto Sans KR" panose="020B0500000000000000" pitchFamily="34" charset="-127"/>
+              <a:cs typeface="+mn-cs"/>
+            </a:endParaRPr>
+          </a:p>
+        </p:txBody>
+      </p:sp>
+      <p:grpSp>
+        <p:nvGrpSpPr>
+          <p:cNvPr id="13" name="그룹 12">
+            <a:extLst>
+              <a:ext uri="{FF2B5EF4-FFF2-40B4-BE49-F238E27FC236}">
+                <a16:creationId xmlns:a16="http://schemas.microsoft.com/office/drawing/2014/main" id="{7F7A065C-3C27-FD3C-9942-BA2201DBC880}"/>
+              </a:ext>
+            </a:extLst>
+          </p:cNvPr>
+          <p:cNvGrpSpPr/>
+          <p:nvPr/>
+        </p:nvGrpSpPr>
+        <p:grpSpPr>
+          <a:xfrm>
+            <a:off x="3569751" y="2040758"/>
+            <a:ext cx="5052498" cy="2776484"/>
+            <a:chOff x="3569751" y="1409435"/>
+            <a:chExt cx="5052498" cy="2776484"/>
+          </a:xfrm>
+        </p:grpSpPr>
+        <p:pic>
+          <p:nvPicPr>
+            <p:cNvPr id="14" name="그림 13">
+              <a:extLst>
+                <a:ext uri="{FF2B5EF4-FFF2-40B4-BE49-F238E27FC236}">
+                  <a16:creationId xmlns:a16="http://schemas.microsoft.com/office/drawing/2014/main" id="{96899F7E-634C-DCE3-539E-B3DBF970CF38}"/>
+                </a:ext>
+              </a:extLst>
+            </p:cNvPr>
+            <p:cNvPicPr>
+              <a:picLocks noChangeAspect="1"/>
+            </p:cNvPicPr>
+            <p:nvPr/>
+          </p:nvPicPr>
+          <p:blipFill>
+            <a:blip r:embed="rId2"/>
+            <a:stretch>
+              <a:fillRect/>
+            </a:stretch>
+          </p:blipFill>
+          <p:spPr>
+            <a:xfrm>
+              <a:off x="3569751" y="1409435"/>
+              <a:ext cx="5052498" cy="937341"/>
+            </a:xfrm>
+            <a:prstGeom prst="rect">
+              <a:avLst/>
+            </a:prstGeom>
+          </p:spPr>
+        </p:pic>
+        <p:pic>
+          <p:nvPicPr>
+            <p:cNvPr id="10" name="그림 9">
+              <a:extLst>
+                <a:ext uri="{FF2B5EF4-FFF2-40B4-BE49-F238E27FC236}">
+                  <a16:creationId xmlns:a16="http://schemas.microsoft.com/office/drawing/2014/main" id="{B83ECEA0-B342-6851-6D14-8E91346D68CD}"/>
+                </a:ext>
+              </a:extLst>
+            </p:cNvPr>
+            <p:cNvPicPr>
+              <a:picLocks noChangeAspect="1"/>
+            </p:cNvPicPr>
+            <p:nvPr/>
+          </p:nvPicPr>
+          <p:blipFill>
+            <a:blip r:embed="rId3"/>
+            <a:stretch>
+              <a:fillRect/>
+            </a:stretch>
+          </p:blipFill>
+          <p:spPr>
+            <a:xfrm>
+              <a:off x="3569751" y="2590622"/>
+              <a:ext cx="5050012" cy="1595297"/>
+            </a:xfrm>
+            <a:prstGeom prst="rect">
+              <a:avLst/>
+            </a:prstGeom>
+          </p:spPr>
+        </p:pic>
+      </p:grpSp>
+    </p:spTree>
+    <p:extLst>
+      <p:ext uri="{BB962C8B-B14F-4D97-AF65-F5344CB8AC3E}">
+        <p14:creationId xmlns:p14="http://schemas.microsoft.com/office/powerpoint/2010/main" val="2570165121"/>
+      </p:ext>
+    </p:extLst>
+  </p:cSld>
+  <p:clrMapOvr>
+    <a:masterClrMapping/>
+  </p:clrMapOvr>
+</p:sld>
+</file>
+
+<file path=ppt/slides/slide24.xml><?xml version="1.0" encoding="utf-8"?>
+<p:sld xmlns:a="http://schemas.openxmlformats.org/drawingml/2006/main" xmlns:r="http://schemas.openxmlformats.org/officeDocument/2006/relationships" xmlns:p="http://schemas.openxmlformats.org/presentationml/2006/main">
+  <p:cSld>
+    <p:bg>
+      <p:bgPr>
+        <a:solidFill>
+          <a:srgbClr val="F0F0F0"/>
+        </a:solidFill>
+        <a:effectLst/>
+      </p:bgPr>
+    </p:bg>
+    <p:spTree>
+      <p:nvGrpSpPr>
+        <p:cNvPr id="1" name=""/>
+        <p:cNvGrpSpPr/>
+        <p:nvPr/>
+      </p:nvGrpSpPr>
+      <p:grpSpPr>
+        <a:xfrm>
+          <a:off x="0" y="0"/>
+          <a:ext cx="0" cy="0"/>
+          <a:chOff x="0" y="0"/>
+          <a:chExt cx="0" cy="0"/>
+        </a:xfrm>
+      </p:grpSpPr>
+      <p:sp>
+        <p:nvSpPr>
+          <p:cNvPr id="12" name="TextBox 11">
+            <a:extLst>
+              <a:ext uri="{FF2B5EF4-FFF2-40B4-BE49-F238E27FC236}">
+                <a16:creationId xmlns:a16="http://schemas.microsoft.com/office/drawing/2014/main" id="{BCF126B8-5634-47FB-B8A4-465D640D394B}"/>
+              </a:ext>
+            </a:extLst>
+          </p:cNvPr>
+          <p:cNvSpPr txBox="1"/>
+          <p:nvPr/>
+        </p:nvSpPr>
+        <p:spPr>
+          <a:xfrm>
+            <a:off x="593355" y="647448"/>
+            <a:ext cx="4453463" cy="523220"/>
+          </a:xfrm>
+          <a:prstGeom prst="rect">
+            <a:avLst/>
+          </a:prstGeom>
+          <a:noFill/>
+        </p:spPr>
+        <p:txBody>
+          <a:bodyPr wrap="none" rtlCol="0">
+            <a:spAutoFit/>
+          </a:bodyPr>
+          <a:lstStyle/>
+          <a:p>
+            <a:pPr marL="0" marR="0" lvl="0" indent="0" algn="l" defTabSz="914400" rtl="0" eaLnBrk="1" fontAlgn="auto" latinLnBrk="1" hangingPunct="1">
+              <a:lnSpc>
+                <a:spcPct val="100000"/>
+              </a:lnSpc>
+              <a:spcBef>
+                <a:spcPts val="0"/>
+              </a:spcBef>
+              <a:spcAft>
+                <a:spcPts val="0"/>
+              </a:spcAft>
+              <a:buClrTx/>
+              <a:buSzTx/>
+              <a:buFontTx/>
+              <a:buNone/>
+              <a:tabLst/>
+              <a:defRPr/>
+            </a:pPr>
+            <a:r>
+              <a:rPr kumimoji="0" lang="en-US" altLang="ko-KR" sz="2800" b="1" i="0" u="none" strike="noStrike" kern="1200" cap="none" spc="0" normalizeH="0" baseline="0" noProof="0">
+                <a:ln>
+                  <a:noFill/>
+                </a:ln>
+                <a:solidFill>
+                  <a:srgbClr val="43474A"/>
+                </a:solidFill>
+                <a:effectLst/>
+                <a:uLnTx/>
+                <a:uFillTx/>
+                <a:latin typeface="Noto Sans KR" panose="020B0500000000000000" pitchFamily="34" charset="-127"/>
+                <a:ea typeface="Noto Sans KR" panose="020B0500000000000000" pitchFamily="34" charset="-127"/>
+                <a:cs typeface="+mn-cs"/>
+              </a:rPr>
+              <a:t>(6) JDBC/MySQL </a:t>
+            </a:r>
+            <a:r>
+              <a:rPr kumimoji="0" lang="ko-KR" altLang="en-US" sz="2800" b="1" i="0" u="none" strike="noStrike" kern="1200" cap="none" spc="0" normalizeH="0" baseline="0" noProof="0">
+                <a:ln>
+                  <a:noFill/>
+                </a:ln>
+                <a:solidFill>
+                  <a:srgbClr val="43474A"/>
+                </a:solidFill>
+                <a:effectLst/>
+                <a:uLnTx/>
+                <a:uFillTx/>
+                <a:latin typeface="Noto Sans KR" panose="020B0500000000000000" pitchFamily="34" charset="-127"/>
+                <a:ea typeface="Noto Sans KR" panose="020B0500000000000000" pitchFamily="34" charset="-127"/>
+                <a:cs typeface="+mn-cs"/>
+              </a:rPr>
+              <a:t>프로그램</a:t>
+            </a:r>
+          </a:p>
+        </p:txBody>
+      </p:sp>
+      <p:sp>
+        <p:nvSpPr>
+          <p:cNvPr id="2" name="TextBox 1">
+            <a:extLst>
+              <a:ext uri="{FF2B5EF4-FFF2-40B4-BE49-F238E27FC236}">
+                <a16:creationId xmlns:a16="http://schemas.microsoft.com/office/drawing/2014/main" id="{A7EE017C-D576-FACC-A131-6F3BCBC34203}"/>
+              </a:ext>
+            </a:extLst>
+          </p:cNvPr>
+          <p:cNvSpPr txBox="1"/>
+          <p:nvPr/>
+        </p:nvSpPr>
+        <p:spPr>
+          <a:xfrm>
+            <a:off x="593355" y="2717426"/>
+            <a:ext cx="3908442" cy="1423147"/>
+          </a:xfrm>
+          <a:prstGeom prst="rect">
+            <a:avLst/>
+          </a:prstGeom>
+          <a:noFill/>
+        </p:spPr>
+        <p:txBody>
+          <a:bodyPr wrap="none" rtlCol="0">
+            <a:spAutoFit/>
+          </a:bodyPr>
+          <a:lstStyle/>
+          <a:p>
+            <a:pPr>
+              <a:lnSpc>
+                <a:spcPct val="150000"/>
+              </a:lnSpc>
+              <a:defRPr/>
+            </a:pPr>
+            <a:r>
+              <a:rPr kumimoji="0" lang="en-US" altLang="ko-KR" sz="2000" i="0" u="none" strike="noStrike" kern="1200" cap="none" spc="0" normalizeH="0" baseline="0" noProof="0">
+                <a:ln>
+                  <a:noFill/>
+                </a:ln>
+                <a:solidFill>
+                  <a:srgbClr val="43474A"/>
+                </a:solidFill>
+                <a:effectLst/>
+                <a:uLnTx/>
+                <a:uFillTx/>
+                <a:latin typeface="Noto Sans KR" panose="020B0500000000000000" pitchFamily="34" charset="-127"/>
+                <a:ea typeface="Noto Sans KR" panose="020B0500000000000000" pitchFamily="34" charset="-127"/>
+              </a:rPr>
+              <a:t>① </a:t>
+            </a:r>
+            <a:r>
+              <a:rPr kumimoji="0" lang="ko-KR" altLang="en-US" sz="2000" i="0" u="none" strike="noStrike" kern="1200" cap="none" spc="0" normalizeH="0" baseline="0" noProof="0">
+                <a:ln>
+                  <a:noFill/>
+                </a:ln>
+                <a:solidFill>
+                  <a:srgbClr val="43474A"/>
+                </a:solidFill>
+                <a:effectLst/>
+                <a:uLnTx/>
+                <a:uFillTx/>
+                <a:latin typeface="Noto Sans KR" panose="020B0500000000000000" pitchFamily="34" charset="-127"/>
+                <a:ea typeface="Noto Sans KR" panose="020B0500000000000000" pitchFamily="34" charset="-127"/>
+              </a:rPr>
+              <a:t>카테고리별로 아이템 검색하기</a:t>
+            </a:r>
+            <a:endParaRPr kumimoji="0" lang="en-US" altLang="ko-KR" sz="2000" i="0" u="none" strike="noStrike" kern="1200" cap="none" spc="0" normalizeH="0" baseline="0" noProof="0">
+              <a:ln>
+                <a:noFill/>
+              </a:ln>
+              <a:solidFill>
+                <a:srgbClr val="43474A"/>
+              </a:solidFill>
+              <a:effectLst/>
+              <a:uLnTx/>
+              <a:uFillTx/>
+              <a:latin typeface="Noto Sans KR" panose="020B0500000000000000" pitchFamily="34" charset="-127"/>
+              <a:ea typeface="Noto Sans KR" panose="020B0500000000000000" pitchFamily="34" charset="-127"/>
+            </a:endParaRPr>
+          </a:p>
+          <a:p>
+            <a:pPr>
+              <a:lnSpc>
+                <a:spcPct val="150000"/>
+              </a:lnSpc>
+              <a:defRPr/>
+            </a:pPr>
+            <a:r>
+              <a:rPr kumimoji="0" lang="en-US" altLang="ko-KR" sz="2000" i="0" u="none" strike="noStrike" kern="1200" cap="none" spc="0" normalizeH="0" baseline="0" noProof="0">
+                <a:ln>
+                  <a:noFill/>
+                </a:ln>
+                <a:solidFill>
+                  <a:srgbClr val="43474A"/>
+                </a:solidFill>
+                <a:effectLst/>
+                <a:uLnTx/>
+                <a:uFillTx/>
+                <a:latin typeface="Noto Sans KR" panose="020B0500000000000000" pitchFamily="34" charset="-127"/>
+                <a:ea typeface="Noto Sans KR" panose="020B0500000000000000" pitchFamily="34" charset="-127"/>
+              </a:rPr>
+              <a:t>② </a:t>
+            </a:r>
+            <a:r>
+              <a:rPr kumimoji="0" lang="ko-KR" altLang="en-US" sz="2000" i="0" u="none" strike="noStrike" kern="1200" cap="none" spc="0" normalizeH="0" baseline="0" noProof="0">
+                <a:ln>
+                  <a:noFill/>
+                </a:ln>
+                <a:solidFill>
+                  <a:srgbClr val="43474A"/>
+                </a:solidFill>
+                <a:effectLst/>
+                <a:uLnTx/>
+                <a:uFillTx/>
+                <a:latin typeface="Noto Sans KR" panose="020B0500000000000000" pitchFamily="34" charset="-127"/>
+                <a:ea typeface="Noto Sans KR" panose="020B0500000000000000" pitchFamily="34" charset="-127"/>
+              </a:rPr>
+              <a:t>사용자 </a:t>
+            </a:r>
+            <a:r>
+              <a:rPr kumimoji="0" lang="en-US" altLang="ko-KR" sz="2000" i="0" u="none" strike="noStrike" kern="1200" cap="none" spc="0" normalizeH="0" baseline="0" noProof="0">
+                <a:ln>
+                  <a:noFill/>
+                </a:ln>
+                <a:solidFill>
+                  <a:srgbClr val="43474A"/>
+                </a:solidFill>
+                <a:effectLst/>
+                <a:uLnTx/>
+                <a:uFillTx/>
+                <a:latin typeface="Noto Sans KR" panose="020B0500000000000000" pitchFamily="34" charset="-127"/>
+                <a:ea typeface="Noto Sans KR" panose="020B0500000000000000" pitchFamily="34" charset="-127"/>
+              </a:rPr>
+              <a:t>id, </a:t>
+            </a:r>
+            <a:r>
+              <a:rPr kumimoji="0" lang="ko-KR" altLang="en-US" sz="2000" i="0" u="none" strike="noStrike" kern="1200" cap="none" spc="0" normalizeH="0" baseline="0" noProof="0">
+                <a:ln>
+                  <a:noFill/>
+                </a:ln>
+                <a:solidFill>
+                  <a:srgbClr val="43474A"/>
+                </a:solidFill>
+                <a:effectLst/>
+                <a:uLnTx/>
+                <a:uFillTx/>
+                <a:latin typeface="Noto Sans KR" panose="020B0500000000000000" pitchFamily="34" charset="-127"/>
+                <a:ea typeface="Noto Sans KR" panose="020B0500000000000000" pitchFamily="34" charset="-127"/>
+              </a:rPr>
+              <a:t>아이템 </a:t>
+            </a:r>
+            <a:r>
+              <a:rPr kumimoji="0" lang="en-US" altLang="ko-KR" sz="2000" i="0" u="none" strike="noStrike" kern="1200" cap="none" spc="0" normalizeH="0" baseline="0" noProof="0">
+                <a:ln>
+                  <a:noFill/>
+                </a:ln>
+                <a:solidFill>
+                  <a:srgbClr val="43474A"/>
+                </a:solidFill>
+                <a:effectLst/>
+                <a:uLnTx/>
+                <a:uFillTx/>
+                <a:latin typeface="Noto Sans KR" panose="020B0500000000000000" pitchFamily="34" charset="-127"/>
+                <a:ea typeface="Noto Sans KR" panose="020B0500000000000000" pitchFamily="34" charset="-127"/>
+              </a:rPr>
+              <a:t>id</a:t>
+            </a:r>
+            <a:r>
+              <a:rPr kumimoji="0" lang="ko-KR" altLang="en-US" sz="2000" i="0" u="none" strike="noStrike" kern="1200" cap="none" spc="0" normalizeH="0" baseline="0" noProof="0">
+                <a:ln>
+                  <a:noFill/>
+                </a:ln>
+                <a:solidFill>
+                  <a:srgbClr val="43474A"/>
+                </a:solidFill>
+                <a:effectLst/>
+                <a:uLnTx/>
+                <a:uFillTx/>
+                <a:latin typeface="Noto Sans KR" panose="020B0500000000000000" pitchFamily="34" charset="-127"/>
+                <a:ea typeface="Noto Sans KR" panose="020B0500000000000000" pitchFamily="34" charset="-127"/>
+              </a:rPr>
+              <a:t>로 주문 넣기</a:t>
+            </a:r>
+            <a:endParaRPr kumimoji="0" lang="en-US" altLang="ko-KR" sz="2000" i="0" u="none" strike="noStrike" kern="1200" cap="none" spc="0" normalizeH="0" baseline="0" noProof="0">
+              <a:ln>
+                <a:noFill/>
+              </a:ln>
+              <a:solidFill>
+                <a:srgbClr val="43474A"/>
+              </a:solidFill>
+              <a:effectLst/>
+              <a:uLnTx/>
+              <a:uFillTx/>
+              <a:latin typeface="Noto Sans KR" panose="020B0500000000000000" pitchFamily="34" charset="-127"/>
+              <a:ea typeface="Noto Sans KR" panose="020B0500000000000000" pitchFamily="34" charset="-127"/>
+            </a:endParaRPr>
+          </a:p>
+          <a:p>
+            <a:pPr>
+              <a:lnSpc>
+                <a:spcPct val="150000"/>
+              </a:lnSpc>
+              <a:defRPr/>
+            </a:pPr>
+            <a:r>
+              <a:rPr kumimoji="0" lang="en-US" altLang="ko-KR" sz="2000" i="0" u="none" strike="noStrike" kern="1200" cap="none" spc="0" normalizeH="0" baseline="0" noProof="0">
+                <a:ln>
+                  <a:noFill/>
+                </a:ln>
+                <a:solidFill>
+                  <a:srgbClr val="43474A"/>
+                </a:solidFill>
+                <a:effectLst/>
+                <a:uLnTx/>
+                <a:uFillTx/>
+                <a:latin typeface="Noto Sans KR" panose="020B0500000000000000" pitchFamily="34" charset="-127"/>
+                <a:ea typeface="Noto Sans KR" panose="020B0500000000000000" pitchFamily="34" charset="-127"/>
+              </a:rPr>
+              <a:t>③</a:t>
+            </a:r>
+            <a:r>
+              <a:rPr lang="en-US" altLang="ko-KR" sz="2000">
+                <a:solidFill>
+                  <a:srgbClr val="43474A"/>
+                </a:solidFill>
+                <a:latin typeface="Noto Sans KR" panose="020B0500000000000000" pitchFamily="34" charset="-127"/>
+                <a:ea typeface="Noto Sans KR" panose="020B0500000000000000" pitchFamily="34" charset="-127"/>
+              </a:rPr>
+              <a:t> </a:t>
+            </a:r>
+            <a:r>
+              <a:rPr lang="ko-KR" altLang="en-US" sz="2000">
+                <a:solidFill>
+                  <a:srgbClr val="43474A"/>
+                </a:solidFill>
+                <a:latin typeface="Noto Sans KR" panose="020B0500000000000000" pitchFamily="34" charset="-127"/>
+                <a:ea typeface="Noto Sans KR" panose="020B0500000000000000" pitchFamily="34" charset="-127"/>
+              </a:rPr>
+              <a:t>종료</a:t>
+            </a:r>
+            <a:r>
+              <a:rPr kumimoji="0" lang="ko-KR" altLang="en-US" sz="2000" i="0" u="none" strike="noStrike" kern="1200" cap="none" spc="0" normalizeH="0" baseline="0" noProof="0">
+                <a:ln>
+                  <a:noFill/>
+                </a:ln>
+                <a:solidFill>
+                  <a:srgbClr val="43474A"/>
+                </a:solidFill>
+                <a:effectLst/>
+                <a:uLnTx/>
+                <a:uFillTx/>
+                <a:latin typeface="Noto Sans KR" panose="020B0500000000000000" pitchFamily="34" charset="-127"/>
+                <a:ea typeface="Noto Sans KR" panose="020B0500000000000000" pitchFamily="34" charset="-127"/>
+              </a:rPr>
+              <a:t> </a:t>
+            </a:r>
+            <a:endParaRPr kumimoji="0" lang="en-US" altLang="ko-KR" sz="2000" i="0" u="none" strike="noStrike" kern="1200" cap="none" spc="0" normalizeH="0" baseline="0" noProof="0">
+              <a:ln>
+                <a:noFill/>
+              </a:ln>
+              <a:solidFill>
+                <a:srgbClr val="43474A"/>
+              </a:solidFill>
+              <a:effectLst/>
+              <a:uLnTx/>
+              <a:uFillTx/>
+              <a:latin typeface="Noto Sans KR" panose="020B0500000000000000" pitchFamily="34" charset="-127"/>
+              <a:ea typeface="Noto Sans KR" panose="020B0500000000000000" pitchFamily="34" charset="-127"/>
+            </a:endParaRPr>
+          </a:p>
+        </p:txBody>
+      </p:sp>
+    </p:spTree>
+    <p:extLst>
+      <p:ext uri="{BB962C8B-B14F-4D97-AF65-F5344CB8AC3E}">
+        <p14:creationId xmlns:p14="http://schemas.microsoft.com/office/powerpoint/2010/main" val="609709821"/>
+      </p:ext>
+    </p:extLst>
+  </p:cSld>
+  <p:clrMapOvr>
+    <a:masterClrMapping/>
+  </p:clrMapOvr>
+</p:sld>
+</file>
+
+<file path=ppt/slides/slide25.xml><?xml version="1.0" encoding="utf-8"?>
+<p:sld xmlns:a="http://schemas.openxmlformats.org/drawingml/2006/main" xmlns:r="http://schemas.openxmlformats.org/officeDocument/2006/relationships" xmlns:p="http://schemas.openxmlformats.org/presentationml/2006/main">
+  <p:cSld>
+    <p:bg>
+      <p:bgPr>
+        <a:solidFill>
+          <a:srgbClr val="F0F0F0"/>
+        </a:solidFill>
+        <a:effectLst/>
+      </p:bgPr>
+    </p:bg>
+    <p:spTree>
+      <p:nvGrpSpPr>
+        <p:cNvPr id="1" name=""/>
+        <p:cNvGrpSpPr/>
+        <p:nvPr/>
+      </p:nvGrpSpPr>
+      <p:grpSpPr>
+        <a:xfrm>
+          <a:off x="0" y="0"/>
+          <a:ext cx="0" cy="0"/>
+          <a:chOff x="0" y="0"/>
+          <a:chExt cx="0" cy="0"/>
+        </a:xfrm>
+      </p:grpSpPr>
+      <p:sp>
+        <p:nvSpPr>
+          <p:cNvPr id="12" name="TextBox 11">
+            <a:extLst>
+              <a:ext uri="{FF2B5EF4-FFF2-40B4-BE49-F238E27FC236}">
+                <a16:creationId xmlns:a16="http://schemas.microsoft.com/office/drawing/2014/main" id="{BCF126B8-5634-47FB-B8A4-465D640D394B}"/>
+              </a:ext>
+            </a:extLst>
+          </p:cNvPr>
+          <p:cNvSpPr txBox="1"/>
+          <p:nvPr/>
+        </p:nvSpPr>
+        <p:spPr>
+          <a:xfrm>
+            <a:off x="593355" y="647448"/>
+            <a:ext cx="5009705" cy="523220"/>
+          </a:xfrm>
+          <a:prstGeom prst="rect">
+            <a:avLst/>
+          </a:prstGeom>
+          <a:noFill/>
+        </p:spPr>
+        <p:txBody>
+          <a:bodyPr wrap="none" rtlCol="0">
+            <a:spAutoFit/>
+          </a:bodyPr>
+          <a:lstStyle/>
+          <a:p>
+            <a:pPr marL="0" marR="0" lvl="0" indent="0" algn="l" defTabSz="914400" rtl="0" eaLnBrk="1" fontAlgn="auto" latinLnBrk="1" hangingPunct="1">
+              <a:lnSpc>
+                <a:spcPct val="100000"/>
+              </a:lnSpc>
+              <a:spcBef>
+                <a:spcPts val="0"/>
+              </a:spcBef>
+              <a:spcAft>
+                <a:spcPts val="0"/>
+              </a:spcAft>
+              <a:buClrTx/>
+              <a:buSzTx/>
+              <a:buFontTx/>
+              <a:buNone/>
+              <a:tabLst/>
+              <a:defRPr/>
+            </a:pPr>
+            <a:r>
+              <a:rPr kumimoji="0" lang="en-US" altLang="ko-KR" sz="2800" b="1" i="0" u="none" strike="noStrike" kern="1200" cap="none" spc="0" normalizeH="0" baseline="0" noProof="0">
+                <a:ln>
+                  <a:noFill/>
+                </a:ln>
+                <a:solidFill>
+                  <a:srgbClr val="43474A"/>
+                </a:solidFill>
+                <a:effectLst/>
+                <a:uLnTx/>
+                <a:uFillTx/>
+                <a:latin typeface="Noto Sans KR" panose="020B0500000000000000" pitchFamily="34" charset="-127"/>
+                <a:ea typeface="Noto Sans KR" panose="020B0500000000000000" pitchFamily="34" charset="-127"/>
+                <a:cs typeface="+mn-cs"/>
+              </a:rPr>
+              <a:t>(7) BCNF </a:t>
+            </a:r>
+            <a:r>
+              <a:rPr kumimoji="0" lang="ko-KR" altLang="en-US" sz="2800" b="1" i="0" u="none" strike="noStrike" kern="1200" cap="none" spc="0" normalizeH="0" baseline="0" noProof="0">
+                <a:ln>
+                  <a:noFill/>
+                </a:ln>
+                <a:solidFill>
+                  <a:srgbClr val="43474A"/>
+                </a:solidFill>
+                <a:effectLst/>
+                <a:uLnTx/>
+                <a:uFillTx/>
+                <a:latin typeface="Noto Sans KR" panose="020B0500000000000000" pitchFamily="34" charset="-127"/>
+                <a:ea typeface="Noto Sans KR" panose="020B0500000000000000" pitchFamily="34" charset="-127"/>
+                <a:cs typeface="+mn-cs"/>
+              </a:rPr>
+              <a:t>정규화 및 스키마 정제</a:t>
+            </a:r>
+          </a:p>
+        </p:txBody>
+      </p:sp>
+    </p:spTree>
+    <p:extLst>
+      <p:ext uri="{BB962C8B-B14F-4D97-AF65-F5344CB8AC3E}">
+        <p14:creationId xmlns:p14="http://schemas.microsoft.com/office/powerpoint/2010/main" val="1565931988"/>
       </p:ext>
     </p:extLst>
   </p:cSld>
@@ -5947,7 +12682,7 @@
         </p:nvSpPr>
         <p:spPr>
           <a:xfrm>
-            <a:off x="6445041" y="3340884"/>
+            <a:off x="6445041" y="3410603"/>
             <a:ext cx="2069547" cy="818444"/>
           </a:xfrm>
           <a:prstGeom prst="diamond">
@@ -6823,26 +13558,6 @@
                 <a:t>courier_tel</a:t>
               </a:r>
             </a:p>
-            <a:p>
-              <a:pPr algn="just"/>
-              <a:r>
-                <a:rPr lang="en-US" altLang="ko-KR" sz="1600">
-                  <a:solidFill>
-                    <a:srgbClr val="43474A"/>
-                  </a:solidFill>
-                  <a:latin typeface="Noto Sans KR" panose="020B0500000000000000" pitchFamily="34" charset="-127"/>
-                  <a:ea typeface="Noto Sans KR" panose="020B0500000000000000" pitchFamily="34" charset="-127"/>
-                </a:rPr>
-                <a:t>delivery_id</a:t>
-              </a:r>
-              <a:endParaRPr lang="ko-KR" altLang="en-US" sz="1600">
-                <a:solidFill>
-                  <a:srgbClr val="43474A"/>
-                </a:solidFill>
-                <a:latin typeface="Noto Sans KR" panose="020B0500000000000000" pitchFamily="34" charset="-127"/>
-                <a:ea typeface="Noto Sans KR" panose="020B0500000000000000" pitchFamily="34" charset="-127"/>
-              </a:endParaRPr>
-            </a:p>
           </p:txBody>
         </p:sp>
       </p:grpSp>
@@ -6999,32 +13714,6 @@
                   <a:ea typeface="Noto Sans KR" panose="020B0500000000000000" pitchFamily="34" charset="-127"/>
                 </a:rPr>
                 <a:t>order_id</a:t>
-              </a:r>
-            </a:p>
-            <a:p>
-              <a:pPr algn="just"/>
-              <a:r>
-                <a:rPr lang="en-US" altLang="ko-KR" sz="1600">
-                  <a:solidFill>
-                    <a:srgbClr val="43474A"/>
-                  </a:solidFill>
-                  <a:latin typeface="Noto Sans KR" panose="020B0500000000000000" pitchFamily="34" charset="-127"/>
-                  <a:ea typeface="Noto Sans KR" panose="020B0500000000000000" pitchFamily="34" charset="-127"/>
-                </a:rPr>
-                <a:t>user_id</a:t>
-              </a:r>
-            </a:p>
-            <a:p>
-              <a:pPr algn="just"/>
-              <a:r>
-                <a:rPr lang="en-US" altLang="ko-KR" sz="1600">
-                  <a:solidFill>
-                    <a:srgbClr val="43474A"/>
-                  </a:solidFill>
-                  <a:latin typeface="Noto Sans KR" panose="020B0500000000000000" pitchFamily="34" charset="-127"/>
-                  <a:ea typeface="Noto Sans KR" panose="020B0500000000000000" pitchFamily="34" charset="-127"/>
-                </a:rPr>
-                <a:t>item_id</a:t>
               </a:r>
             </a:p>
             <a:p>
@@ -7329,7 +14018,7 @@
         <p:spPr>
           <a:xfrm flipH="1" flipV="1">
             <a:off x="7465291" y="2728850"/>
-            <a:ext cx="14524" cy="612034"/>
+            <a:ext cx="14524" cy="681753"/>
           </a:xfrm>
           <a:prstGeom prst="line">
             <a:avLst/>
@@ -7515,8 +14204,8 @@
         </p:nvCxnSpPr>
         <p:spPr>
           <a:xfrm>
-            <a:off x="7479815" y="4159328"/>
-            <a:ext cx="1" cy="730328"/>
+            <a:off x="7479815" y="4229047"/>
+            <a:ext cx="1" cy="660609"/>
           </a:xfrm>
           <a:prstGeom prst="straightConnector1">
             <a:avLst/>
@@ -7627,7 +14316,7 @@
                 <a:latin typeface="Noto Sans KR" panose="020B0500000000000000" pitchFamily="34" charset="-127"/>
                 <a:ea typeface="Noto Sans KR" panose="020B0500000000000000" pitchFamily="34" charset="-127"/>
               </a:rPr>
-              <a:t>n</a:t>
+              <a:t>1</a:t>
             </a:r>
             <a:endParaRPr lang="ko-KR" altLang="en-US" b="1">
               <a:solidFill>
@@ -7892,7 +14581,7 @@
         <p:spPr>
           <a:xfrm>
             <a:off x="593355" y="647448"/>
-            <a:ext cx="3490186" cy="1803314"/>
+            <a:ext cx="2709396" cy="662810"/>
           </a:xfrm>
           <a:prstGeom prst="rect">
             <a:avLst/>
@@ -7962,191 +14651,6 @@
               </a:solidFill>
               <a:latin typeface="Noto Sans KR" panose="020B0500000000000000" pitchFamily="34" charset="-127"/>
               <a:ea typeface="Noto Sans KR" panose="020B0500000000000000" pitchFamily="34" charset="-127"/>
-            </a:endParaRPr>
-          </a:p>
-          <a:p>
-            <a:pPr marL="0" marR="0" lvl="0" indent="0" algn="l" defTabSz="914400" rtl="0" eaLnBrk="1" fontAlgn="auto" latinLnBrk="1" hangingPunct="1">
-              <a:lnSpc>
-                <a:spcPct val="150000"/>
-              </a:lnSpc>
-              <a:spcBef>
-                <a:spcPts val="0"/>
-              </a:spcBef>
-              <a:spcAft>
-                <a:spcPts val="0"/>
-              </a:spcAft>
-              <a:buClrTx/>
-              <a:buSzTx/>
-              <a:buFontTx/>
-              <a:buNone/>
-              <a:tabLst/>
-              <a:defRPr/>
-            </a:pPr>
-            <a:r>
-              <a:rPr kumimoji="0" lang="ko-KR" altLang="en-US" sz="1600" i="0" u="none" strike="noStrike" kern="1200" cap="none" spc="0" normalizeH="0" baseline="0" noProof="0">
-                <a:ln>
-                  <a:noFill/>
-                </a:ln>
-                <a:solidFill>
-                  <a:srgbClr val="43474A"/>
-                </a:solidFill>
-                <a:effectLst/>
-                <a:uLnTx/>
-                <a:uFillTx/>
-                <a:latin typeface="Noto Sans KR" panose="020B0500000000000000" pitchFamily="34" charset="-127"/>
-                <a:ea typeface="Noto Sans KR" panose="020B0500000000000000" pitchFamily="34" charset="-127"/>
-                <a:cs typeface="+mn-cs"/>
-              </a:rPr>
-              <a:t>효율적으로 설명하고자 </a:t>
-            </a:r>
-            <a:r>
-              <a:rPr lang="en-US" altLang="ko-KR" sz="1600">
-                <a:solidFill>
-                  <a:srgbClr val="43474A"/>
-                </a:solidFill>
-                <a:latin typeface="Noto Sans KR" panose="020B0500000000000000" pitchFamily="34" charset="-127"/>
-                <a:ea typeface="Noto Sans KR" panose="020B0500000000000000" pitchFamily="34" charset="-127"/>
-              </a:rPr>
-              <a:t>item</a:t>
-            </a:r>
-            <a:r>
-              <a:rPr lang="ko-KR" altLang="en-US" sz="1600">
-                <a:solidFill>
-                  <a:srgbClr val="43474A"/>
-                </a:solidFill>
-                <a:latin typeface="Noto Sans KR" panose="020B0500000000000000" pitchFamily="34" charset="-127"/>
-                <a:ea typeface="Noto Sans KR" panose="020B0500000000000000" pitchFamily="34" charset="-127"/>
-              </a:rPr>
-              <a:t>과 </a:t>
-            </a:r>
-            <a:r>
-              <a:rPr lang="en-US" altLang="ko-KR" sz="1600">
-                <a:solidFill>
-                  <a:srgbClr val="43474A"/>
-                </a:solidFill>
-                <a:latin typeface="Noto Sans KR" panose="020B0500000000000000" pitchFamily="34" charset="-127"/>
-                <a:ea typeface="Noto Sans KR" panose="020B0500000000000000" pitchFamily="34" charset="-127"/>
-              </a:rPr>
-              <a:t>user</a:t>
-            </a:r>
-            <a:r>
-              <a:rPr lang="ko-KR" altLang="en-US" sz="1600">
-                <a:solidFill>
-                  <a:srgbClr val="43474A"/>
-                </a:solidFill>
-                <a:latin typeface="Noto Sans KR" panose="020B0500000000000000" pitchFamily="34" charset="-127"/>
-                <a:ea typeface="Noto Sans KR" panose="020B0500000000000000" pitchFamily="34" charset="-127"/>
-              </a:rPr>
-              <a:t>는 </a:t>
-            </a:r>
-            <a:endParaRPr lang="en-US" altLang="ko-KR" sz="1600">
-              <a:solidFill>
-                <a:srgbClr val="43474A"/>
-              </a:solidFill>
-              <a:latin typeface="Noto Sans KR" panose="020B0500000000000000" pitchFamily="34" charset="-127"/>
-              <a:ea typeface="Noto Sans KR" panose="020B0500000000000000" pitchFamily="34" charset="-127"/>
-            </a:endParaRPr>
-          </a:p>
-          <a:p>
-            <a:pPr marL="0" marR="0" lvl="0" indent="0" algn="l" defTabSz="914400" rtl="0" eaLnBrk="1" fontAlgn="auto" latinLnBrk="1" hangingPunct="1">
-              <a:lnSpc>
-                <a:spcPct val="150000"/>
-              </a:lnSpc>
-              <a:spcBef>
-                <a:spcPts val="0"/>
-              </a:spcBef>
-              <a:spcAft>
-                <a:spcPts val="0"/>
-              </a:spcAft>
-              <a:buClrTx/>
-              <a:buSzTx/>
-              <a:buFontTx/>
-              <a:buNone/>
-              <a:tabLst/>
-              <a:defRPr/>
-            </a:pPr>
-            <a:r>
-              <a:rPr lang="ko-KR" altLang="en-US" sz="1600">
-                <a:solidFill>
-                  <a:srgbClr val="43474A"/>
-                </a:solidFill>
-                <a:latin typeface="Noto Sans KR" panose="020B0500000000000000" pitchFamily="34" charset="-127"/>
-                <a:ea typeface="Noto Sans KR" panose="020B0500000000000000" pitchFamily="34" charset="-127"/>
-              </a:rPr>
-              <a:t>다대다 관계 적용</a:t>
-            </a:r>
-            <a:r>
-              <a:rPr lang="en-US" altLang="ko-KR" sz="1600">
-                <a:solidFill>
-                  <a:srgbClr val="43474A"/>
-                </a:solidFill>
-                <a:latin typeface="Noto Sans KR" panose="020B0500000000000000" pitchFamily="34" charset="-127"/>
-                <a:ea typeface="Noto Sans KR" panose="020B0500000000000000" pitchFamily="34" charset="-127"/>
-              </a:rPr>
-              <a:t>, </a:t>
-            </a:r>
-          </a:p>
-          <a:p>
-            <a:pPr marL="0" marR="0" lvl="0" indent="0" algn="l" defTabSz="914400" rtl="0" eaLnBrk="1" fontAlgn="auto" latinLnBrk="1" hangingPunct="1">
-              <a:lnSpc>
-                <a:spcPct val="150000"/>
-              </a:lnSpc>
-              <a:spcBef>
-                <a:spcPts val="0"/>
-              </a:spcBef>
-              <a:spcAft>
-                <a:spcPts val="0"/>
-              </a:spcAft>
-              <a:buClrTx/>
-              <a:buSzTx/>
-              <a:buFontTx/>
-              <a:buNone/>
-              <a:tabLst/>
-              <a:defRPr/>
-            </a:pPr>
-            <a:r>
-              <a:rPr lang="ko-KR" altLang="en-US" sz="1600">
-                <a:solidFill>
-                  <a:srgbClr val="43474A"/>
-                </a:solidFill>
-                <a:latin typeface="Noto Sans KR" panose="020B0500000000000000" pitchFamily="34" charset="-127"/>
-                <a:ea typeface="Noto Sans KR" panose="020B0500000000000000" pitchFamily="34" charset="-127"/>
-              </a:rPr>
-              <a:t>미리 </a:t>
-            </a:r>
-            <a:r>
-              <a:rPr lang="en-US" altLang="ko-KR" sz="1600">
-                <a:solidFill>
-                  <a:srgbClr val="43474A"/>
-                </a:solidFill>
-                <a:latin typeface="Noto Sans KR" panose="020B0500000000000000" pitchFamily="34" charset="-127"/>
-                <a:ea typeface="Noto Sans KR" panose="020B0500000000000000" pitchFamily="34" charset="-127"/>
-              </a:rPr>
-              <a:t>order </a:t>
-            </a:r>
-            <a:r>
-              <a:rPr lang="ko-KR" altLang="en-US" sz="1600">
-                <a:solidFill>
-                  <a:srgbClr val="43474A"/>
-                </a:solidFill>
-                <a:latin typeface="Noto Sans KR" panose="020B0500000000000000" pitchFamily="34" charset="-127"/>
-                <a:ea typeface="Noto Sans KR" panose="020B0500000000000000" pitchFamily="34" charset="-127"/>
-              </a:rPr>
-              <a:t>릴레이션 생성</a:t>
-            </a:r>
-            <a:endParaRPr kumimoji="0" lang="ko-KR" altLang="en-US" sz="1600" i="0" u="none" strike="noStrike" kern="1200" cap="none" spc="0" normalizeH="0" baseline="0" noProof="0">
-              <a:ln>
-                <a:noFill/>
-              </a:ln>
-              <a:solidFill>
-                <a:srgbClr val="43474A"/>
-              </a:solidFill>
-              <a:effectLst/>
-              <a:uLnTx/>
-              <a:uFillTx/>
-              <a:latin typeface="Noto Sans KR" panose="020B0500000000000000" pitchFamily="34" charset="-127"/>
-              <a:ea typeface="Noto Sans KR" panose="020B0500000000000000" pitchFamily="34" charset="-127"/>
-              <a:cs typeface="+mn-cs"/>
             </a:endParaRPr>
           </a:p>
         </p:txBody>
@@ -8316,7 +14820,7 @@
         <p:spPr>
           <a:xfrm>
             <a:off x="715168" y="1666159"/>
-            <a:ext cx="10809754" cy="2346476"/>
+            <a:ext cx="10536026" cy="2346476"/>
           </a:xfrm>
           <a:prstGeom prst="rect">
             <a:avLst/>
@@ -8349,8 +14853,8 @@
                 <a:solidFill>
                   <a:srgbClr val="43474A"/>
                 </a:solidFill>
-                <a:latin typeface="Noto Sans KR Medium" panose="020B0600000000000000" pitchFamily="34" charset="-127"/>
-                <a:ea typeface="Noto Sans KR Medium" panose="020B0600000000000000" pitchFamily="34" charset="-127"/>
+                <a:latin typeface="Noto Sans KR" panose="020B0500000000000000" pitchFamily="34" charset="-127"/>
+                <a:ea typeface="Noto Sans KR" panose="020B0500000000000000" pitchFamily="34" charset="-127"/>
               </a:rPr>
               <a:t>user(</a:t>
             </a:r>
@@ -8359,8 +14863,8 @@
                 <a:solidFill>
                   <a:srgbClr val="43474A"/>
                 </a:solidFill>
-                <a:latin typeface="Noto Sans KR Medium" panose="020B0600000000000000" pitchFamily="34" charset="-127"/>
-                <a:ea typeface="Noto Sans KR Medium" panose="020B0600000000000000" pitchFamily="34" charset="-127"/>
+                <a:latin typeface="Noto Sans KR" panose="020B0500000000000000" pitchFamily="34" charset="-127"/>
+                <a:ea typeface="Noto Sans KR" panose="020B0500000000000000" pitchFamily="34" charset="-127"/>
               </a:rPr>
               <a:t>user_id</a:t>
             </a:r>
@@ -8369,8 +14873,8 @@
                 <a:solidFill>
                   <a:srgbClr val="43474A"/>
                 </a:solidFill>
-                <a:latin typeface="Noto Sans KR Medium" panose="020B0600000000000000" pitchFamily="34" charset="-127"/>
-                <a:ea typeface="Noto Sans KR Medium" panose="020B0600000000000000" pitchFamily="34" charset="-127"/>
+                <a:latin typeface="Noto Sans KR" panose="020B0500000000000000" pitchFamily="34" charset="-127"/>
+                <a:ea typeface="Noto Sans KR" panose="020B0500000000000000" pitchFamily="34" charset="-127"/>
               </a:rPr>
               <a:t>, user_name, user_sex, user_age, user_address, user_tel)</a:t>
             </a:r>
@@ -8396,8 +14900,8 @@
                 <a:solidFill>
                   <a:srgbClr val="43474A"/>
                 </a:solidFill>
-                <a:latin typeface="Noto Sans KR Medium" panose="020B0600000000000000" pitchFamily="34" charset="-127"/>
-                <a:ea typeface="Noto Sans KR Medium" panose="020B0600000000000000" pitchFamily="34" charset="-127"/>
+                <a:latin typeface="Noto Sans KR" panose="020B0500000000000000" pitchFamily="34" charset="-127"/>
+                <a:ea typeface="Noto Sans KR" panose="020B0500000000000000" pitchFamily="34" charset="-127"/>
               </a:rPr>
               <a:t>item(</a:t>
             </a:r>
@@ -8406,8 +14910,8 @@
                 <a:solidFill>
                   <a:srgbClr val="43474A"/>
                 </a:solidFill>
-                <a:latin typeface="Noto Sans KR Medium" panose="020B0600000000000000" pitchFamily="34" charset="-127"/>
-                <a:ea typeface="Noto Sans KR Medium" panose="020B0600000000000000" pitchFamily="34" charset="-127"/>
+                <a:latin typeface="Noto Sans KR" panose="020B0500000000000000" pitchFamily="34" charset="-127"/>
+                <a:ea typeface="Noto Sans KR" panose="020B0500000000000000" pitchFamily="34" charset="-127"/>
               </a:rPr>
               <a:t>item_id</a:t>
             </a:r>
@@ -8416,8 +14920,8 @@
                 <a:solidFill>
                   <a:srgbClr val="43474A"/>
                 </a:solidFill>
-                <a:latin typeface="Noto Sans KR Medium" panose="020B0600000000000000" pitchFamily="34" charset="-127"/>
-                <a:ea typeface="Noto Sans KR Medium" panose="020B0600000000000000" pitchFamily="34" charset="-127"/>
+                <a:latin typeface="Noto Sans KR" panose="020B0500000000000000" pitchFamily="34" charset="-127"/>
+                <a:ea typeface="Noto Sans KR" panose="020B0500000000000000" pitchFamily="34" charset="-127"/>
               </a:rPr>
               <a:t>, item_name, category, unit_price, discount_rate, stock, manufacturer_id)</a:t>
             </a:r>
@@ -8443,8 +14947,8 @@
                 <a:solidFill>
                   <a:srgbClr val="43474A"/>
                 </a:solidFill>
-                <a:latin typeface="Noto Sans KR Medium" panose="020B0600000000000000" pitchFamily="34" charset="-127"/>
-                <a:ea typeface="Noto Sans KR Medium" panose="020B0600000000000000" pitchFamily="34" charset="-127"/>
+                <a:latin typeface="Noto Sans KR" panose="020B0500000000000000" pitchFamily="34" charset="-127"/>
+                <a:ea typeface="Noto Sans KR" panose="020B0500000000000000" pitchFamily="34" charset="-127"/>
               </a:rPr>
               <a:t>courier(</a:t>
             </a:r>
@@ -8453,8 +14957,8 @@
                 <a:solidFill>
                   <a:srgbClr val="43474A"/>
                 </a:solidFill>
-                <a:latin typeface="Noto Sans KR Medium" panose="020B0600000000000000" pitchFamily="34" charset="-127"/>
-                <a:ea typeface="Noto Sans KR Medium" panose="020B0600000000000000" pitchFamily="34" charset="-127"/>
+                <a:latin typeface="Noto Sans KR" panose="020B0500000000000000" pitchFamily="34" charset="-127"/>
+                <a:ea typeface="Noto Sans KR" panose="020B0500000000000000" pitchFamily="34" charset="-127"/>
               </a:rPr>
               <a:t>courier_id</a:t>
             </a:r>
@@ -8463,8 +14967,8 @@
                 <a:solidFill>
                   <a:srgbClr val="43474A"/>
                 </a:solidFill>
-                <a:latin typeface="Noto Sans KR Medium" panose="020B0600000000000000" pitchFamily="34" charset="-127"/>
-                <a:ea typeface="Noto Sans KR Medium" panose="020B0600000000000000" pitchFamily="34" charset="-127"/>
+                <a:latin typeface="Noto Sans KR" panose="020B0500000000000000" pitchFamily="34" charset="-127"/>
+                <a:ea typeface="Noto Sans KR" panose="020B0500000000000000" pitchFamily="34" charset="-127"/>
               </a:rPr>
               <a:t>, courier_tel, delivery_id)</a:t>
             </a:r>
@@ -8490,8 +14994,8 @@
                 <a:solidFill>
                   <a:srgbClr val="43474A"/>
                 </a:solidFill>
-                <a:latin typeface="Noto Sans KR Medium" panose="020B0600000000000000" pitchFamily="34" charset="-127"/>
-                <a:ea typeface="Noto Sans KR Medium" panose="020B0600000000000000" pitchFamily="34" charset="-127"/>
+                <a:latin typeface="Noto Sans KR" panose="020B0500000000000000" pitchFamily="34" charset="-127"/>
+                <a:ea typeface="Noto Sans KR" panose="020B0500000000000000" pitchFamily="34" charset="-127"/>
               </a:rPr>
               <a:t>manufacturer(</a:t>
             </a:r>
@@ -8500,8 +15004,8 @@
                 <a:solidFill>
                   <a:srgbClr val="43474A"/>
                 </a:solidFill>
-                <a:latin typeface="Noto Sans KR Medium" panose="020B0600000000000000" pitchFamily="34" charset="-127"/>
-                <a:ea typeface="Noto Sans KR Medium" panose="020B0600000000000000" pitchFamily="34" charset="-127"/>
+                <a:latin typeface="Noto Sans KR" panose="020B0500000000000000" pitchFamily="34" charset="-127"/>
+                <a:ea typeface="Noto Sans KR" panose="020B0500000000000000" pitchFamily="34" charset="-127"/>
               </a:rPr>
               <a:t>manufacturer_id</a:t>
             </a:r>
@@ -8510,35 +15014,25 @@
                 <a:solidFill>
                   <a:srgbClr val="43474A"/>
                 </a:solidFill>
-                <a:latin typeface="Noto Sans KR Medium" panose="020B0600000000000000" pitchFamily="34" charset="-127"/>
-                <a:ea typeface="Noto Sans KR Medium" panose="020B0600000000000000" pitchFamily="34" charset="-127"/>
+                <a:latin typeface="Noto Sans KR" panose="020B0500000000000000" pitchFamily="34" charset="-127"/>
+                <a:ea typeface="Noto Sans KR" panose="020B0500000000000000" pitchFamily="34" charset="-127"/>
               </a:rPr>
               <a:t>, manufacturer_name, manufacturer_tel)</a:t>
             </a:r>
           </a:p>
           <a:p>
-            <a:pPr marR="0" lvl="0" algn="l" defTabSz="914400" rtl="0" eaLnBrk="1" fontAlgn="auto" latinLnBrk="1" hangingPunct="1">
+            <a:pPr algn="just">
               <a:lnSpc>
                 <a:spcPct val="150000"/>
               </a:lnSpc>
-              <a:spcBef>
-                <a:spcPts val="0"/>
-              </a:spcBef>
-              <a:spcAft>
-                <a:spcPts val="0"/>
-              </a:spcAft>
-              <a:buClrTx/>
-              <a:buSzTx/>
-              <a:tabLst/>
-              <a:defRPr/>
             </a:pPr>
             <a:r>
               <a:rPr lang="en-US" altLang="ko-KR" sz="2000">
                 <a:solidFill>
                   <a:srgbClr val="43474A"/>
                 </a:solidFill>
-                <a:latin typeface="Noto Sans KR Medium" panose="020B0600000000000000" pitchFamily="34" charset="-127"/>
-                <a:ea typeface="Noto Sans KR Medium" panose="020B0600000000000000" pitchFamily="34" charset="-127"/>
+                <a:latin typeface="Noto Sans KR" panose="020B0500000000000000" pitchFamily="34" charset="-127"/>
+                <a:ea typeface="Noto Sans KR" panose="020B0500000000000000" pitchFamily="34" charset="-127"/>
               </a:rPr>
               <a:t>order(</a:t>
             </a:r>
@@ -8547,8 +15041,8 @@
                 <a:solidFill>
                   <a:srgbClr val="43474A"/>
                 </a:solidFill>
-                <a:latin typeface="Noto Sans KR Medium" panose="020B0600000000000000" pitchFamily="34" charset="-127"/>
-                <a:ea typeface="Noto Sans KR Medium" panose="020B0600000000000000" pitchFamily="34" charset="-127"/>
+                <a:latin typeface="Noto Sans KR" panose="020B0500000000000000" pitchFamily="34" charset="-127"/>
+                <a:ea typeface="Noto Sans KR" panose="020B0500000000000000" pitchFamily="34" charset="-127"/>
               </a:rPr>
               <a:t>order_id</a:t>
             </a:r>
@@ -8557,8 +15051,8 @@
                 <a:solidFill>
                   <a:srgbClr val="43474A"/>
                 </a:solidFill>
-                <a:latin typeface="Noto Sans KR Medium" panose="020B0600000000000000" pitchFamily="34" charset="-127"/>
-                <a:ea typeface="Noto Sans KR Medium" panose="020B0600000000000000" pitchFamily="34" charset="-127"/>
+                <a:latin typeface="Noto Sans KR" panose="020B0500000000000000" pitchFamily="34" charset="-127"/>
+                <a:ea typeface="Noto Sans KR" panose="020B0500000000000000" pitchFamily="34" charset="-127"/>
               </a:rPr>
               <a:t>, order_date, num_of_item, total_price)</a:t>
             </a:r>
@@ -8765,7 +15259,7 @@
         <p:spPr>
           <a:xfrm>
             <a:off x="1144933" y="4768995"/>
-            <a:ext cx="9902134" cy="961482"/>
+            <a:ext cx="8718733" cy="1423147"/>
           </a:xfrm>
           <a:prstGeom prst="rect">
             <a:avLst/>
@@ -8796,90 +15290,39 @@
               <a:defRPr/>
             </a:pPr>
             <a:r>
-              <a:rPr kumimoji="0" lang="en-US" altLang="ko-KR" sz="2000" b="0" i="0" u="none" strike="noStrike" kern="1200" cap="none" spc="0" normalizeH="0" baseline="0" noProof="0">
-                <a:ln>
-                  <a:noFill/>
-                </a:ln>
-                <a:solidFill>
-                  <a:srgbClr val="43474A"/>
-                </a:solidFill>
-                <a:effectLst/>
-                <a:uLnTx/>
-                <a:uFillTx/>
+              <a:rPr lang="en-US" altLang="ko-KR" sz="2000">
+                <a:solidFill>
+                  <a:srgbClr val="43474A"/>
+                </a:solidFill>
                 <a:latin typeface="Noto Sans KR Medium" panose="020B0600000000000000" pitchFamily="34" charset="-127"/>
                 <a:ea typeface="Noto Sans KR Medium" panose="020B0600000000000000" pitchFamily="34" charset="-127"/>
-                <a:cs typeface="+mn-cs"/>
-              </a:rPr>
-              <a:t>user(</a:t>
-            </a:r>
-            <a:r>
-              <a:rPr kumimoji="0" lang="en-US" altLang="ko-KR" sz="2000" b="1" i="0" u="sng" strike="noStrike" kern="1200" cap="none" spc="0" normalizeH="0" baseline="0" noProof="0">
-                <a:ln>
-                  <a:noFill/>
-                </a:ln>
-                <a:solidFill>
-                  <a:srgbClr val="43474A"/>
-                </a:solidFill>
-                <a:effectLst/>
-                <a:uLnTx/>
-                <a:uFillTx/>
+              </a:rPr>
+              <a:t>order </a:t>
+            </a:r>
+            <a:r>
+              <a:rPr lang="ko-KR" altLang="en-US" sz="2000">
+                <a:solidFill>
+                  <a:srgbClr val="43474A"/>
+                </a:solidFill>
                 <a:latin typeface="Noto Sans KR Medium" panose="020B0600000000000000" pitchFamily="34" charset="-127"/>
                 <a:ea typeface="Noto Sans KR Medium" panose="020B0600000000000000" pitchFamily="34" charset="-127"/>
-                <a:cs typeface="+mn-cs"/>
-              </a:rPr>
-              <a:t>user_id</a:t>
-            </a:r>
-            <a:r>
-              <a:rPr kumimoji="0" lang="en-US" altLang="ko-KR" sz="2000" b="0" i="0" u="none" strike="noStrike" kern="1200" cap="none" spc="0" normalizeH="0" baseline="0" noProof="0">
-                <a:ln>
-                  <a:noFill/>
-                </a:ln>
-                <a:solidFill>
-                  <a:srgbClr val="43474A"/>
-                </a:solidFill>
-                <a:effectLst/>
-                <a:uLnTx/>
-                <a:uFillTx/>
-                <a:latin typeface="Noto Sans KR Medium" panose="020B0600000000000000" pitchFamily="34" charset="-127"/>
-                <a:ea typeface="Noto Sans KR Medium" panose="020B0600000000000000" pitchFamily="34" charset="-127"/>
-                <a:cs typeface="+mn-cs"/>
-              </a:rPr>
-              <a:t>, user_name, user_sex, user_age, user_address, user_tel, </a:t>
-            </a:r>
-            <a:r>
-              <a:rPr kumimoji="0" lang="en-US" altLang="ko-KR" sz="2000" b="0" i="0" u="none" strike="noStrike" kern="1200" cap="none" spc="0" normalizeH="0" baseline="0" noProof="0">
-                <a:ln>
-                  <a:noFill/>
-                </a:ln>
-                <a:solidFill>
-                  <a:srgbClr val="FF0000"/>
-                </a:solidFill>
-                <a:effectLst/>
-                <a:uLnTx/>
-                <a:uFillTx/>
-                <a:latin typeface="Noto Sans KR Medium" panose="020B0600000000000000" pitchFamily="34" charset="-127"/>
-                <a:ea typeface="Noto Sans KR Medium" panose="020B0600000000000000" pitchFamily="34" charset="-127"/>
-                <a:cs typeface="+mn-cs"/>
-              </a:rPr>
-              <a:t>order_id</a:t>
-            </a:r>
-            <a:r>
-              <a:rPr kumimoji="0" lang="en-US" altLang="ko-KR" sz="2000" b="0" i="0" u="none" strike="noStrike" kern="1200" cap="none" spc="0" normalizeH="0" baseline="0" noProof="0">
-                <a:ln>
-                  <a:noFill/>
-                </a:ln>
-                <a:solidFill>
-                  <a:srgbClr val="43474A"/>
-                </a:solidFill>
-                <a:effectLst/>
-                <a:uLnTx/>
-                <a:uFillTx/>
-                <a:latin typeface="Noto Sans KR Medium" panose="020B0600000000000000" pitchFamily="34" charset="-127"/>
-                <a:ea typeface="Noto Sans KR Medium" panose="020B0600000000000000" pitchFamily="34" charset="-127"/>
-                <a:cs typeface="+mn-cs"/>
-              </a:rPr>
-              <a:t>)</a:t>
-            </a:r>
+              </a:rPr>
+              <a:t>테이블 변환</a:t>
+            </a:r>
+            <a:endParaRPr kumimoji="0" lang="en-US" altLang="ko-KR" sz="2000" b="0" i="0" u="none" strike="noStrike" kern="1200" cap="none" spc="0" normalizeH="0" baseline="0" noProof="0">
+              <a:ln>
+                <a:noFill/>
+              </a:ln>
+              <a:solidFill>
+                <a:srgbClr val="43474A"/>
+              </a:solidFill>
+              <a:effectLst/>
+              <a:uLnTx/>
+              <a:uFillTx/>
+              <a:latin typeface="Noto Sans KR Medium" panose="020B0600000000000000" pitchFamily="34" charset="-127"/>
+              <a:ea typeface="Noto Sans KR Medium" panose="020B0600000000000000" pitchFamily="34" charset="-127"/>
+              <a:cs typeface="+mn-cs"/>
+            </a:endParaRPr>
           </a:p>
           <a:p>
             <a:pPr marL="0" marR="0" lvl="0" indent="0" algn="l" defTabSz="914400" rtl="0" eaLnBrk="1" fontAlgn="auto" latinLnBrk="1" hangingPunct="1">
@@ -8914,7 +15357,7 @@
                 <a:ea typeface="Noto Sans KR Medium" panose="020B0600000000000000" pitchFamily="34" charset="-127"/>
                 <a:cs typeface="+mn-cs"/>
               </a:rPr>
-              <a:t>order(</a:t>
+              <a:t>user(</a:t>
             </a:r>
             <a:r>
               <a:rPr kumimoji="0" lang="en-US" altLang="ko-KR" sz="2000" b="1" i="0" u="sng" strike="noStrike" kern="1200" cap="none" spc="0" normalizeH="0" baseline="0" noProof="0">
@@ -8931,7 +15374,7 @@
                 <a:ea typeface="Noto Sans KR Medium" panose="020B0600000000000000" pitchFamily="34" charset="-127"/>
                 <a:cs typeface="+mn-cs"/>
               </a:rPr>
-              <a:t>order_id</a:t>
+              <a:t>user_id</a:t>
             </a:r>
             <a:r>
               <a:rPr kumimoji="0" lang="en-US" altLang="ko-KR" sz="2000" b="0" i="0" u="none" strike="noStrike" kern="1200" cap="none" spc="0" normalizeH="0" baseline="0" noProof="0">
@@ -8948,7 +15391,111 @@
                 <a:ea typeface="Noto Sans KR Medium" panose="020B0600000000000000" pitchFamily="34" charset="-127"/>
                 <a:cs typeface="+mn-cs"/>
               </a:rPr>
-              <a:t>, user_id, item_id, order_date, num_of_item, total_price)</a:t>
+              <a:t>, user_name, user_sex, user_age, user_address, user_tel)</a:t>
+            </a:r>
+          </a:p>
+          <a:p>
+            <a:pPr marL="0" marR="0" lvl="0" indent="0" algn="l" defTabSz="914400" rtl="0" eaLnBrk="1" fontAlgn="auto" latinLnBrk="1" hangingPunct="1">
+              <a:lnSpc>
+                <a:spcPct val="150000"/>
+              </a:lnSpc>
+              <a:spcBef>
+                <a:spcPts val="0"/>
+              </a:spcBef>
+              <a:spcAft>
+                <a:spcPts val="0"/>
+              </a:spcAft>
+              <a:buClrTx/>
+              <a:buSzTx/>
+              <a:buFontTx/>
+              <a:buNone/>
+              <a:tabLst/>
+              <a:defRPr/>
+            </a:pPr>
+            <a:r>
+              <a:rPr kumimoji="0" lang="en-US" altLang="ko-KR" sz="2000" b="0" i="0" u="none" strike="noStrike" kern="1200" cap="none" spc="0" normalizeH="0" baseline="0" noProof="0">
+                <a:ln>
+                  <a:noFill/>
+                </a:ln>
+                <a:solidFill>
+                  <a:srgbClr val="43474A"/>
+                </a:solidFill>
+                <a:effectLst/>
+                <a:uLnTx/>
+                <a:uFillTx/>
+                <a:latin typeface="Noto Sans KR Medium" panose="020B0600000000000000" pitchFamily="34" charset="-127"/>
+                <a:ea typeface="Noto Sans KR Medium" panose="020B0600000000000000" pitchFamily="34" charset="-127"/>
+                <a:cs typeface="+mn-cs"/>
+              </a:rPr>
+              <a:t>order(</a:t>
+            </a:r>
+            <a:r>
+              <a:rPr kumimoji="0" lang="en-US" altLang="ko-KR" sz="2000" b="1" i="0" u="sng" strike="noStrike" kern="1200" cap="none" spc="0" normalizeH="0" baseline="0" noProof="0">
+                <a:ln>
+                  <a:noFill/>
+                </a:ln>
+                <a:solidFill>
+                  <a:srgbClr val="43474A"/>
+                </a:solidFill>
+                <a:effectLst/>
+                <a:uLnTx/>
+                <a:uFillTx/>
+                <a:latin typeface="Noto Sans KR Medium" panose="020B0600000000000000" pitchFamily="34" charset="-127"/>
+                <a:ea typeface="Noto Sans KR Medium" panose="020B0600000000000000" pitchFamily="34" charset="-127"/>
+                <a:cs typeface="+mn-cs"/>
+              </a:rPr>
+              <a:t>order_id</a:t>
+            </a:r>
+            <a:r>
+              <a:rPr kumimoji="0" lang="en-US" altLang="ko-KR" sz="2000" b="0" i="0" u="none" strike="noStrike" kern="1200" cap="none" spc="0" normalizeH="0" baseline="0" noProof="0">
+                <a:ln>
+                  <a:noFill/>
+                </a:ln>
+                <a:solidFill>
+                  <a:srgbClr val="43474A"/>
+                </a:solidFill>
+                <a:effectLst/>
+                <a:uLnTx/>
+                <a:uFillTx/>
+                <a:latin typeface="Noto Sans KR Medium" panose="020B0600000000000000" pitchFamily="34" charset="-127"/>
+                <a:ea typeface="Noto Sans KR Medium" panose="020B0600000000000000" pitchFamily="34" charset="-127"/>
+                <a:cs typeface="+mn-cs"/>
+              </a:rPr>
+              <a:t>, </a:t>
+            </a:r>
+            <a:r>
+              <a:rPr kumimoji="0" lang="en-US" altLang="ko-KR" sz="2000" b="1" i="0" u="none" strike="noStrike" kern="1200" cap="none" spc="0" normalizeH="0" baseline="0" noProof="0">
+                <a:ln>
+                  <a:noFill/>
+                </a:ln>
+                <a:solidFill>
+                  <a:schemeClr val="accent1"/>
+                </a:solidFill>
+                <a:effectLst/>
+                <a:uLnTx/>
+                <a:uFillTx/>
+                <a:latin typeface="Noto Sans KR Medium" panose="020B0600000000000000" pitchFamily="34" charset="-127"/>
+                <a:ea typeface="Noto Sans KR Medium" panose="020B0600000000000000" pitchFamily="34" charset="-127"/>
+                <a:cs typeface="+mn-cs"/>
+              </a:rPr>
+              <a:t>user_id</a:t>
+            </a:r>
+            <a:r>
+              <a:rPr kumimoji="0" lang="en-US" altLang="ko-KR" sz="2000" b="0" i="0" u="none" strike="noStrike" kern="1200" cap="none" spc="0" normalizeH="0" baseline="0" noProof="0">
+                <a:ln>
+                  <a:noFill/>
+                </a:ln>
+                <a:solidFill>
+                  <a:srgbClr val="43474A"/>
+                </a:solidFill>
+                <a:effectLst/>
+                <a:uLnTx/>
+                <a:uFillTx/>
+                <a:latin typeface="Noto Sans KR Medium" panose="020B0600000000000000" pitchFamily="34" charset="-127"/>
+                <a:ea typeface="Noto Sans KR Medium" panose="020B0600000000000000" pitchFamily="34" charset="-127"/>
+                <a:cs typeface="+mn-cs"/>
+              </a:rPr>
+              <a:t>, order_date, num_of_item, total_price)</a:t>
             </a:r>
           </a:p>
         </p:txBody>
@@ -9600,32 +16147,6 @@
                   <a:latin typeface="Noto Sans KR" panose="020B0500000000000000" pitchFamily="34" charset="-127"/>
                   <a:ea typeface="Noto Sans KR" panose="020B0500000000000000" pitchFamily="34" charset="-127"/>
                 </a:rPr>
-                <a:t>user_id</a:t>
-              </a:r>
-            </a:p>
-            <a:p>
-              <a:pPr algn="just"/>
-              <a:r>
-                <a:rPr lang="en-US" altLang="ko-KR" sz="1600">
-                  <a:solidFill>
-                    <a:srgbClr val="43474A"/>
-                  </a:solidFill>
-                  <a:latin typeface="Noto Sans KR" panose="020B0500000000000000" pitchFamily="34" charset="-127"/>
-                  <a:ea typeface="Noto Sans KR" panose="020B0500000000000000" pitchFamily="34" charset="-127"/>
-                </a:rPr>
-                <a:t>item_id</a:t>
-              </a:r>
-            </a:p>
-            <a:p>
-              <a:pPr algn="just"/>
-              <a:r>
-                <a:rPr lang="en-US" altLang="ko-KR" sz="1600">
-                  <a:solidFill>
-                    <a:srgbClr val="43474A"/>
-                  </a:solidFill>
-                  <a:latin typeface="Noto Sans KR" panose="020B0500000000000000" pitchFamily="34" charset="-127"/>
-                  <a:ea typeface="Noto Sans KR" panose="020B0500000000000000" pitchFamily="34" charset="-127"/>
-                </a:rPr>
                 <a:t>order_date</a:t>
               </a:r>
             </a:p>
@@ -9865,7 +16386,7 @@
         <p:spPr>
           <a:xfrm>
             <a:off x="797693" y="4884742"/>
-            <a:ext cx="10809754" cy="961482"/>
+            <a:ext cx="11045396" cy="1423147"/>
           </a:xfrm>
           <a:prstGeom prst="rect">
             <a:avLst/>
@@ -9901,12 +16422,56 @@
                 <a:latin typeface="Noto Sans KR Medium" panose="020B0600000000000000" pitchFamily="34" charset="-127"/>
                 <a:ea typeface="Noto Sans KR Medium" panose="020B0600000000000000" pitchFamily="34" charset="-127"/>
               </a:rPr>
+              <a:t>order </a:t>
+            </a:r>
+            <a:r>
+              <a:rPr lang="ko-KR" altLang="en-US" sz="2000">
+                <a:solidFill>
+                  <a:srgbClr val="43474A"/>
+                </a:solidFill>
+                <a:latin typeface="Noto Sans KR Medium" panose="020B0600000000000000" pitchFamily="34" charset="-127"/>
+                <a:ea typeface="Noto Sans KR Medium" panose="020B0600000000000000" pitchFamily="34" charset="-127"/>
+              </a:rPr>
+              <a:t>테이블 변환</a:t>
+            </a:r>
+            <a:endParaRPr lang="en-US" altLang="ko-KR" sz="2000">
+              <a:solidFill>
+                <a:srgbClr val="43474A"/>
+              </a:solidFill>
+              <a:latin typeface="Noto Sans KR Medium" panose="020B0600000000000000" pitchFamily="34" charset="-127"/>
+              <a:ea typeface="Noto Sans KR Medium" panose="020B0600000000000000" pitchFamily="34" charset="-127"/>
+            </a:endParaRPr>
+          </a:p>
+          <a:p>
+            <a:pPr marR="0" lvl="0" algn="l" defTabSz="914400" rtl="0" eaLnBrk="1" fontAlgn="auto" latinLnBrk="1" hangingPunct="1">
+              <a:lnSpc>
+                <a:spcPct val="150000"/>
+              </a:lnSpc>
+              <a:spcBef>
+                <a:spcPts val="0"/>
+              </a:spcBef>
+              <a:spcAft>
+                <a:spcPts val="0"/>
+              </a:spcAft>
+              <a:buClrTx/>
+              <a:buSzTx/>
+              <a:tabLst/>
+              <a:defRPr/>
+            </a:pPr>
+            <a:r>
+              <a:rPr lang="en-US" altLang="ko-KR" sz="2000">
+                <a:solidFill>
+                  <a:srgbClr val="43474A"/>
+                </a:solidFill>
+                <a:latin typeface="Noto Sans KR Medium" panose="020B0600000000000000" pitchFamily="34" charset="-127"/>
+                <a:ea typeface="Noto Sans KR Medium" panose="020B0600000000000000" pitchFamily="34" charset="-127"/>
+              </a:rPr>
               <a:t>item(</a:t>
             </a:r>
             <a:r>
               <a:rPr lang="en-US" altLang="ko-KR" sz="2000" b="1" u="sng">
                 <a:solidFill>
-                  <a:srgbClr val="43474A"/>
+                  <a:srgbClr val="FF0000"/>
                 </a:solidFill>
                 <a:latin typeface="Noto Sans KR Medium" panose="020B0600000000000000" pitchFamily="34" charset="-127"/>
                 <a:ea typeface="Noto Sans KR Medium" panose="020B0600000000000000" pitchFamily="34" charset="-127"/>
@@ -9965,7 +16530,7 @@
                   <a:noFill/>
                 </a:ln>
                 <a:solidFill>
-                  <a:srgbClr val="FF0000"/>
+                  <a:srgbClr val="43474A"/>
                 </a:solidFill>
                 <a:effectLst/>
                 <a:uLnTx/>
@@ -9991,7 +16556,41 @@
                 <a:ea typeface="Noto Sans KR Medium" panose="020B0600000000000000" pitchFamily="34" charset="-127"/>
                 <a:cs typeface="+mn-cs"/>
               </a:rPr>
-              <a:t>, user_id, item_id, order_date, num_of_item, total_price)</a:t>
+              <a:t>, user_id, </a:t>
+            </a:r>
+            <a:r>
+              <a:rPr kumimoji="0" lang="en-US" altLang="ko-KR" sz="2000" b="1" i="0" u="none" strike="noStrike" kern="1200" cap="none" spc="0" normalizeH="0" baseline="0" noProof="0">
+                <a:ln>
+                  <a:noFill/>
+                </a:ln>
+                <a:solidFill>
+                  <a:schemeClr val="accent1"/>
+                </a:solidFill>
+                <a:effectLst/>
+                <a:uLnTx/>
+                <a:uFillTx/>
+                <a:latin typeface="Noto Sans KR Medium" panose="020B0600000000000000" pitchFamily="34" charset="-127"/>
+                <a:ea typeface="Noto Sans KR Medium" panose="020B0600000000000000" pitchFamily="34" charset="-127"/>
+                <a:cs typeface="+mn-cs"/>
+              </a:rPr>
+              <a:t>item_id</a:t>
+            </a:r>
+            <a:r>
+              <a:rPr kumimoji="0" lang="en-US" altLang="ko-KR" sz="2000" b="0" i="0" u="none" strike="noStrike" kern="1200" cap="none" spc="0" normalizeH="0" baseline="0" noProof="0">
+                <a:ln>
+                  <a:noFill/>
+                </a:ln>
+                <a:solidFill>
+                  <a:srgbClr val="43474A"/>
+                </a:solidFill>
+                <a:effectLst/>
+                <a:uLnTx/>
+                <a:uFillTx/>
+                <a:latin typeface="Noto Sans KR Medium" panose="020B0600000000000000" pitchFamily="34" charset="-127"/>
+                <a:ea typeface="Noto Sans KR Medium" panose="020B0600000000000000" pitchFamily="34" charset="-127"/>
+                <a:cs typeface="+mn-cs"/>
+              </a:rPr>
+              <a:t>, order_date, num_of_item, total_price)</a:t>
             </a:r>
           </a:p>
         </p:txBody>
@@ -10741,32 +17340,6 @@
                   <a:latin typeface="Noto Sans KR" panose="020B0500000000000000" pitchFamily="34" charset="-127"/>
                   <a:ea typeface="Noto Sans KR" panose="020B0500000000000000" pitchFamily="34" charset="-127"/>
                 </a:rPr>
-                <a:t>user_id</a:t>
-              </a:r>
-            </a:p>
-            <a:p>
-              <a:pPr algn="just"/>
-              <a:r>
-                <a:rPr lang="en-US" altLang="ko-KR" sz="1600">
-                  <a:solidFill>
-                    <a:srgbClr val="43474A"/>
-                  </a:solidFill>
-                  <a:latin typeface="Noto Sans KR" panose="020B0500000000000000" pitchFamily="34" charset="-127"/>
-                  <a:ea typeface="Noto Sans KR" panose="020B0500000000000000" pitchFamily="34" charset="-127"/>
-                </a:rPr>
-                <a:t>item_id</a:t>
-              </a:r>
-            </a:p>
-            <a:p>
-              <a:pPr algn="just"/>
-              <a:r>
-                <a:rPr lang="en-US" altLang="ko-KR" sz="1600">
-                  <a:solidFill>
-                    <a:srgbClr val="43474A"/>
-                  </a:solidFill>
-                  <a:latin typeface="Noto Sans KR" panose="020B0500000000000000" pitchFamily="34" charset="-127"/>
-                  <a:ea typeface="Noto Sans KR" panose="020B0500000000000000" pitchFamily="34" charset="-127"/>
-                </a:rPr>
                 <a:t>order_date</a:t>
               </a:r>
             </a:p>
@@ -10859,7 +17432,7 @@
         <p:spPr>
           <a:xfrm>
             <a:off x="593355" y="647448"/>
-            <a:ext cx="5168403" cy="523220"/>
+            <a:ext cx="4975657" cy="523220"/>
           </a:xfrm>
           <a:prstGeom prst="rect">
             <a:avLst/>
@@ -10890,44 +17463,89 @@
               <a:defRPr/>
             </a:pPr>
             <a:r>
-              <a:rPr lang="en-US" altLang="ko-KR" sz="2800" b="1">
-                <a:solidFill>
-                  <a:srgbClr val="43474A"/>
-                </a:solidFill>
-                <a:latin typeface="Noto Sans KR" panose="020B0500000000000000" pitchFamily="34" charset="-127"/>
-                <a:ea typeface="Noto Sans KR" panose="020B0500000000000000" pitchFamily="34" charset="-127"/>
-              </a:rPr>
-              <a:t>(4) </a:t>
-            </a:r>
-            <a:r>
-              <a:rPr lang="ko-KR" altLang="en-US" sz="2800" b="1">
-                <a:solidFill>
-                  <a:srgbClr val="43474A"/>
-                </a:solidFill>
-                <a:latin typeface="Noto Sans KR" panose="020B0500000000000000" pitchFamily="34" charset="-127"/>
-                <a:ea typeface="Noto Sans KR" panose="020B0500000000000000" pitchFamily="34" charset="-127"/>
-              </a:rPr>
-              <a:t>자연어 질의 리스트 및 </a:t>
-            </a:r>
-            <a:r>
-              <a:rPr lang="en-US" altLang="ko-KR" sz="2800" b="1">
-                <a:solidFill>
-                  <a:srgbClr val="43474A"/>
-                </a:solidFill>
-                <a:latin typeface="Noto Sans KR" panose="020B0500000000000000" pitchFamily="34" charset="-127"/>
-                <a:ea typeface="Noto Sans KR" panose="020B0500000000000000" pitchFamily="34" charset="-127"/>
-              </a:rPr>
-              <a:t>SQL </a:t>
-            </a:r>
-            <a:r>
-              <a:rPr lang="ko-KR" altLang="en-US" sz="2800" b="1">
-                <a:solidFill>
-                  <a:srgbClr val="43474A"/>
-                </a:solidFill>
-                <a:latin typeface="Noto Sans KR" panose="020B0500000000000000" pitchFamily="34" charset="-127"/>
-                <a:ea typeface="Noto Sans KR" panose="020B0500000000000000" pitchFamily="34" charset="-127"/>
-              </a:rPr>
-              <a:t>문</a:t>
+              <a:rPr kumimoji="0" lang="en-US" altLang="ko-KR" sz="2800" b="1" i="0" u="none" strike="noStrike" kern="1200" cap="none" spc="0" normalizeH="0" baseline="0" noProof="0">
+                <a:ln>
+                  <a:noFill/>
+                </a:ln>
+                <a:solidFill>
+                  <a:srgbClr val="43474A"/>
+                </a:solidFill>
+                <a:effectLst/>
+                <a:uLnTx/>
+                <a:uFillTx/>
+                <a:latin typeface="Noto Sans KR" panose="020B0500000000000000" pitchFamily="34" charset="-127"/>
+                <a:ea typeface="Noto Sans KR" panose="020B0500000000000000" pitchFamily="34" charset="-127"/>
+                <a:cs typeface="+mn-cs"/>
+              </a:rPr>
+              <a:t>(3) RDB</a:t>
+            </a:r>
+            <a:r>
+              <a:rPr kumimoji="0" lang="ko-KR" altLang="en-US" sz="2800" b="1" i="0" u="none" strike="noStrike" kern="1200" cap="none" spc="0" normalizeH="0" baseline="0" noProof="0">
+                <a:ln>
+                  <a:noFill/>
+                </a:ln>
+                <a:solidFill>
+                  <a:srgbClr val="43474A"/>
+                </a:solidFill>
+                <a:effectLst/>
+                <a:uLnTx/>
+                <a:uFillTx/>
+                <a:latin typeface="Noto Sans KR" panose="020B0500000000000000" pitchFamily="34" charset="-127"/>
+                <a:ea typeface="Noto Sans KR" panose="020B0500000000000000" pitchFamily="34" charset="-127"/>
+                <a:cs typeface="+mn-cs"/>
+              </a:rPr>
+              <a:t> 테이블</a:t>
+            </a:r>
+            <a:r>
+              <a:rPr kumimoji="0" lang="en-US" altLang="ko-KR" sz="2800" b="1" i="0" u="none" strike="noStrike" kern="1200" cap="none" spc="0" normalizeH="0" baseline="0" noProof="0">
+                <a:ln>
+                  <a:noFill/>
+                </a:ln>
+                <a:solidFill>
+                  <a:srgbClr val="43474A"/>
+                </a:solidFill>
+                <a:effectLst/>
+                <a:uLnTx/>
+                <a:uFillTx/>
+                <a:latin typeface="Noto Sans KR" panose="020B0500000000000000" pitchFamily="34" charset="-127"/>
+                <a:ea typeface="Noto Sans KR" panose="020B0500000000000000" pitchFamily="34" charset="-127"/>
+                <a:cs typeface="+mn-cs"/>
+              </a:rPr>
+              <a:t> </a:t>
+            </a:r>
+            <a:r>
+              <a:rPr kumimoji="0" lang="ko-KR" altLang="en-US" sz="2800" b="1" i="0" u="none" strike="noStrike" kern="1200" cap="none" spc="0" normalizeH="0" baseline="0" noProof="0">
+                <a:ln>
+                  <a:noFill/>
+                </a:ln>
+                <a:solidFill>
+                  <a:srgbClr val="43474A"/>
+                </a:solidFill>
+                <a:effectLst/>
+                <a:uLnTx/>
+                <a:uFillTx/>
+                <a:latin typeface="Noto Sans KR" panose="020B0500000000000000" pitchFamily="34" charset="-127"/>
+                <a:ea typeface="Noto Sans KR" panose="020B0500000000000000" pitchFamily="34" charset="-127"/>
+                <a:cs typeface="+mn-cs"/>
+              </a:rPr>
+              <a:t>스키마 </a:t>
+            </a:r>
+            <a:r>
+              <a:rPr kumimoji="0" lang="en-US" altLang="ko-KR" sz="2800" b="1" i="0" u="none" strike="noStrike" kern="1200" cap="none" spc="0" normalizeH="0" baseline="0" noProof="0">
+                <a:ln>
+                  <a:noFill/>
+                </a:ln>
+                <a:solidFill>
+                  <a:srgbClr val="43474A"/>
+                </a:solidFill>
+                <a:effectLst/>
+                <a:uLnTx/>
+                <a:uFillTx/>
+                <a:latin typeface="Noto Sans KR" panose="020B0500000000000000" pitchFamily="34" charset="-127"/>
+                <a:ea typeface="Noto Sans KR" panose="020B0500000000000000" pitchFamily="34" charset="-127"/>
+                <a:cs typeface="+mn-cs"/>
+              </a:rPr>
+              <a:t>– n to 1</a:t>
             </a:r>
             <a:endParaRPr kumimoji="0" lang="ko-KR" altLang="en-US" sz="2800" b="1" i="0" u="none" strike="noStrike" kern="1200" cap="none" spc="0" normalizeH="0" baseline="0" noProof="0">
               <a:ln>
@@ -10946,10 +17564,1169 @@
           </a:p>
         </p:txBody>
       </p:sp>
+      <p:sp>
+        <p:nvSpPr>
+          <p:cNvPr id="2" name="TextBox 1">
+            <a:extLst>
+              <a:ext uri="{FF2B5EF4-FFF2-40B4-BE49-F238E27FC236}">
+                <a16:creationId xmlns:a16="http://schemas.microsoft.com/office/drawing/2014/main" id="{1BEC9D21-F82A-641B-FE11-B1998F2BD2D8}"/>
+              </a:ext>
+            </a:extLst>
+          </p:cNvPr>
+          <p:cNvSpPr txBox="1"/>
+          <p:nvPr/>
+        </p:nvSpPr>
+        <p:spPr>
+          <a:xfrm>
+            <a:off x="797693" y="4884742"/>
+            <a:ext cx="8994706" cy="1423147"/>
+          </a:xfrm>
+          <a:prstGeom prst="rect">
+            <a:avLst/>
+          </a:prstGeom>
+          <a:noFill/>
+        </p:spPr>
+        <p:txBody>
+          <a:bodyPr wrap="none" rtlCol="0">
+            <a:spAutoFit/>
+          </a:bodyPr>
+          <a:lstStyle/>
+          <a:p>
+            <a:pPr marL="0" marR="0" lvl="0" indent="0" algn="l" defTabSz="914400" rtl="0" eaLnBrk="1" fontAlgn="auto" latinLnBrk="1" hangingPunct="1">
+              <a:lnSpc>
+                <a:spcPct val="150000"/>
+              </a:lnSpc>
+              <a:spcBef>
+                <a:spcPts val="0"/>
+              </a:spcBef>
+              <a:spcAft>
+                <a:spcPts val="0"/>
+              </a:spcAft>
+              <a:buClrTx/>
+              <a:buSzTx/>
+              <a:buFontTx/>
+              <a:buNone/>
+              <a:tabLst/>
+              <a:defRPr/>
+            </a:pPr>
+            <a:r>
+              <a:rPr kumimoji="0" lang="en-US" altLang="ko-KR" sz="2000" b="0" i="0" u="none" strike="noStrike" kern="1200" cap="none" spc="0" normalizeH="0" baseline="0" noProof="0">
+                <a:ln>
+                  <a:noFill/>
+                </a:ln>
+                <a:solidFill>
+                  <a:srgbClr val="43474A"/>
+                </a:solidFill>
+                <a:effectLst/>
+                <a:uLnTx/>
+                <a:uFillTx/>
+                <a:latin typeface="Noto Sans KR Medium" panose="020B0600000000000000" pitchFamily="34" charset="-127"/>
+                <a:ea typeface="Noto Sans KR Medium" panose="020B0600000000000000" pitchFamily="34" charset="-127"/>
+                <a:cs typeface="+mn-cs"/>
+              </a:rPr>
+              <a:t>courier </a:t>
+            </a:r>
+            <a:r>
+              <a:rPr kumimoji="0" lang="ko-KR" altLang="en-US" sz="2000" b="0" i="0" u="none" strike="noStrike" kern="1200" cap="none" spc="0" normalizeH="0" baseline="0" noProof="0">
+                <a:ln>
+                  <a:noFill/>
+                </a:ln>
+                <a:solidFill>
+                  <a:srgbClr val="43474A"/>
+                </a:solidFill>
+                <a:effectLst/>
+                <a:uLnTx/>
+                <a:uFillTx/>
+                <a:latin typeface="Noto Sans KR Medium" panose="020B0600000000000000" pitchFamily="34" charset="-127"/>
+                <a:ea typeface="Noto Sans KR Medium" panose="020B0600000000000000" pitchFamily="34" charset="-127"/>
+                <a:cs typeface="+mn-cs"/>
+              </a:rPr>
+              <a:t>테이블 변환</a:t>
+            </a:r>
+            <a:endParaRPr kumimoji="0" lang="en-US" altLang="ko-KR" sz="2000" b="0" i="0" u="none" strike="noStrike" kern="1200" cap="none" spc="0" normalizeH="0" baseline="0" noProof="0">
+              <a:ln>
+                <a:noFill/>
+              </a:ln>
+              <a:solidFill>
+                <a:srgbClr val="43474A"/>
+              </a:solidFill>
+              <a:effectLst/>
+              <a:uLnTx/>
+              <a:uFillTx/>
+              <a:latin typeface="Noto Sans KR Medium" panose="020B0600000000000000" pitchFamily="34" charset="-127"/>
+              <a:ea typeface="Noto Sans KR Medium" panose="020B0600000000000000" pitchFamily="34" charset="-127"/>
+              <a:cs typeface="+mn-cs"/>
+            </a:endParaRPr>
+          </a:p>
+          <a:p>
+            <a:pPr marL="0" marR="0" lvl="0" indent="0" algn="l" defTabSz="914400" rtl="0" eaLnBrk="1" fontAlgn="auto" latinLnBrk="1" hangingPunct="1">
+              <a:lnSpc>
+                <a:spcPct val="150000"/>
+              </a:lnSpc>
+              <a:spcBef>
+                <a:spcPts val="0"/>
+              </a:spcBef>
+              <a:spcAft>
+                <a:spcPts val="0"/>
+              </a:spcAft>
+              <a:buClrTx/>
+              <a:buSzTx/>
+              <a:buFontTx/>
+              <a:buNone/>
+              <a:tabLst/>
+              <a:defRPr/>
+            </a:pPr>
+            <a:r>
+              <a:rPr kumimoji="0" lang="en-US" altLang="ko-KR" sz="2000" b="0" i="0" u="none" strike="noStrike" kern="1200" cap="none" spc="0" normalizeH="0" baseline="0" noProof="0">
+                <a:ln>
+                  <a:noFill/>
+                </a:ln>
+                <a:solidFill>
+                  <a:srgbClr val="43474A"/>
+                </a:solidFill>
+                <a:effectLst/>
+                <a:uLnTx/>
+                <a:uFillTx/>
+                <a:latin typeface="Noto Sans KR Medium" panose="020B0600000000000000" pitchFamily="34" charset="-127"/>
+                <a:ea typeface="Noto Sans KR Medium" panose="020B0600000000000000" pitchFamily="34" charset="-127"/>
+                <a:cs typeface="+mn-cs"/>
+              </a:rPr>
+              <a:t>courier(</a:t>
+            </a:r>
+            <a:r>
+              <a:rPr kumimoji="0" lang="en-US" altLang="ko-KR" sz="2000" b="1" i="0" u="sng" strike="noStrike" kern="1200" cap="none" spc="0" normalizeH="0" baseline="0" noProof="0">
+                <a:ln>
+                  <a:noFill/>
+                </a:ln>
+                <a:solidFill>
+                  <a:srgbClr val="43474A"/>
+                </a:solidFill>
+                <a:effectLst/>
+                <a:uLnTx/>
+                <a:uFillTx/>
+                <a:latin typeface="Noto Sans KR Medium" panose="020B0600000000000000" pitchFamily="34" charset="-127"/>
+                <a:ea typeface="Noto Sans KR Medium" panose="020B0600000000000000" pitchFamily="34" charset="-127"/>
+                <a:cs typeface="+mn-cs"/>
+              </a:rPr>
+              <a:t>courier_id</a:t>
+            </a:r>
+            <a:r>
+              <a:rPr kumimoji="0" lang="en-US" altLang="ko-KR" sz="2000" i="0" strike="noStrike" kern="1200" cap="none" spc="0" normalizeH="0" baseline="0" noProof="0">
+                <a:ln>
+                  <a:noFill/>
+                </a:ln>
+                <a:solidFill>
+                  <a:srgbClr val="43474A"/>
+                </a:solidFill>
+                <a:effectLst/>
+                <a:uLnTx/>
+                <a:uFillTx/>
+                <a:latin typeface="Noto Sans KR Medium" panose="020B0600000000000000" pitchFamily="34" charset="-127"/>
+                <a:ea typeface="Noto Sans KR Medium" panose="020B0600000000000000" pitchFamily="34" charset="-127"/>
+                <a:cs typeface="+mn-cs"/>
+              </a:rPr>
+              <a:t>, courier_tel, </a:t>
+            </a:r>
+            <a:r>
+              <a:rPr kumimoji="0" lang="en-US" altLang="ko-KR" sz="2000" i="0" strike="noStrike" kern="1200" cap="none" spc="0" normalizeH="0" baseline="0" noProof="0">
+                <a:ln>
+                  <a:noFill/>
+                </a:ln>
+                <a:solidFill>
+                  <a:schemeClr val="accent1"/>
+                </a:solidFill>
+                <a:effectLst/>
+                <a:uLnTx/>
+                <a:uFillTx/>
+                <a:latin typeface="Noto Sans KR Medium" panose="020B0600000000000000" pitchFamily="34" charset="-127"/>
+                <a:ea typeface="Noto Sans KR Medium" panose="020B0600000000000000" pitchFamily="34" charset="-127"/>
+                <a:cs typeface="+mn-cs"/>
+              </a:rPr>
+              <a:t>order_id</a:t>
+            </a:r>
+            <a:r>
+              <a:rPr kumimoji="0" lang="en-US" altLang="ko-KR" sz="2000" b="0" i="0" u="none" strike="noStrike" kern="1200" cap="none" spc="0" normalizeH="0" baseline="0" noProof="0">
+                <a:ln>
+                  <a:noFill/>
+                </a:ln>
+                <a:solidFill>
+                  <a:srgbClr val="43474A"/>
+                </a:solidFill>
+                <a:effectLst/>
+                <a:uLnTx/>
+                <a:uFillTx/>
+                <a:latin typeface="Noto Sans KR Medium" panose="020B0600000000000000" pitchFamily="34" charset="-127"/>
+                <a:ea typeface="Noto Sans KR Medium" panose="020B0600000000000000" pitchFamily="34" charset="-127"/>
+                <a:cs typeface="+mn-cs"/>
+              </a:rPr>
+              <a:t>)</a:t>
+            </a:r>
+          </a:p>
+          <a:p>
+            <a:pPr marL="0" marR="0" lvl="0" indent="0" algn="l" defTabSz="914400" rtl="0" eaLnBrk="1" fontAlgn="auto" latinLnBrk="1" hangingPunct="1">
+              <a:lnSpc>
+                <a:spcPct val="150000"/>
+              </a:lnSpc>
+              <a:spcBef>
+                <a:spcPts val="0"/>
+              </a:spcBef>
+              <a:spcAft>
+                <a:spcPts val="0"/>
+              </a:spcAft>
+              <a:buClrTx/>
+              <a:buSzTx/>
+              <a:buFontTx/>
+              <a:buNone/>
+              <a:tabLst/>
+              <a:defRPr/>
+            </a:pPr>
+            <a:r>
+              <a:rPr kumimoji="0" lang="en-US" altLang="ko-KR" sz="2000" b="0" i="0" u="none" strike="noStrike" kern="1200" cap="none" spc="0" normalizeH="0" baseline="0" noProof="0">
+                <a:ln>
+                  <a:noFill/>
+                </a:ln>
+                <a:solidFill>
+                  <a:srgbClr val="43474A"/>
+                </a:solidFill>
+                <a:effectLst/>
+                <a:uLnTx/>
+                <a:uFillTx/>
+                <a:latin typeface="Noto Sans KR Medium" panose="020B0600000000000000" pitchFamily="34" charset="-127"/>
+                <a:ea typeface="Noto Sans KR Medium" panose="020B0600000000000000" pitchFamily="34" charset="-127"/>
+                <a:cs typeface="+mn-cs"/>
+              </a:rPr>
+              <a:t>order(</a:t>
+            </a:r>
+            <a:r>
+              <a:rPr kumimoji="0" lang="en-US" altLang="ko-KR" sz="2000" b="1" i="0" u="sng" strike="noStrike" kern="1200" cap="none" spc="0" normalizeH="0" baseline="0" noProof="0">
+                <a:ln>
+                  <a:noFill/>
+                </a:ln>
+                <a:solidFill>
+                  <a:srgbClr val="FF0000"/>
+                </a:solidFill>
+                <a:effectLst/>
+                <a:uLnTx/>
+                <a:uFillTx/>
+                <a:latin typeface="Noto Sans KR Medium" panose="020B0600000000000000" pitchFamily="34" charset="-127"/>
+                <a:ea typeface="Noto Sans KR Medium" panose="020B0600000000000000" pitchFamily="34" charset="-127"/>
+                <a:cs typeface="+mn-cs"/>
+              </a:rPr>
+              <a:t>order_id</a:t>
+            </a:r>
+            <a:r>
+              <a:rPr kumimoji="0" lang="en-US" altLang="ko-KR" sz="2000" b="0" i="0" u="none" strike="noStrike" kern="1200" cap="none" spc="0" normalizeH="0" baseline="0" noProof="0">
+                <a:ln>
+                  <a:noFill/>
+                </a:ln>
+                <a:solidFill>
+                  <a:srgbClr val="43474A"/>
+                </a:solidFill>
+                <a:effectLst/>
+                <a:uLnTx/>
+                <a:uFillTx/>
+                <a:latin typeface="Noto Sans KR Medium" panose="020B0600000000000000" pitchFamily="34" charset="-127"/>
+                <a:ea typeface="Noto Sans KR Medium" panose="020B0600000000000000" pitchFamily="34" charset="-127"/>
+                <a:cs typeface="+mn-cs"/>
+              </a:rPr>
+              <a:t>, user_id, </a:t>
+            </a:r>
+            <a:r>
+              <a:rPr kumimoji="0" lang="en-US" altLang="ko-KR" sz="2000" i="0" u="none" strike="noStrike" kern="1200" cap="none" spc="0" normalizeH="0" baseline="0" noProof="0">
+                <a:ln>
+                  <a:noFill/>
+                </a:ln>
+                <a:solidFill>
+                  <a:srgbClr val="43474A"/>
+                </a:solidFill>
+                <a:effectLst/>
+                <a:uLnTx/>
+                <a:uFillTx/>
+                <a:latin typeface="Noto Sans KR Medium" panose="020B0600000000000000" pitchFamily="34" charset="-127"/>
+                <a:ea typeface="Noto Sans KR Medium" panose="020B0600000000000000" pitchFamily="34" charset="-127"/>
+                <a:cs typeface="+mn-cs"/>
+              </a:rPr>
+              <a:t>item_id, </a:t>
+            </a:r>
+            <a:r>
+              <a:rPr kumimoji="0" lang="en-US" altLang="ko-KR" sz="2000" b="0" i="0" u="none" strike="noStrike" kern="1200" cap="none" spc="0" normalizeH="0" baseline="0" noProof="0">
+                <a:ln>
+                  <a:noFill/>
+                </a:ln>
+                <a:solidFill>
+                  <a:srgbClr val="43474A"/>
+                </a:solidFill>
+                <a:effectLst/>
+                <a:uLnTx/>
+                <a:uFillTx/>
+                <a:latin typeface="Noto Sans KR Medium" panose="020B0600000000000000" pitchFamily="34" charset="-127"/>
+                <a:ea typeface="Noto Sans KR Medium" panose="020B0600000000000000" pitchFamily="34" charset="-127"/>
+                <a:cs typeface="+mn-cs"/>
+              </a:rPr>
+              <a:t>order_date, num_of_item, total_price)</a:t>
+            </a:r>
+          </a:p>
+        </p:txBody>
+      </p:sp>
+      <p:sp>
+        <p:nvSpPr>
+          <p:cNvPr id="9" name="다이아몬드 8">
+            <a:extLst>
+              <a:ext uri="{FF2B5EF4-FFF2-40B4-BE49-F238E27FC236}">
+                <a16:creationId xmlns:a16="http://schemas.microsoft.com/office/drawing/2014/main" id="{A5A26B9F-E316-7943-0BFF-51DF539206A8}"/>
+              </a:ext>
+            </a:extLst>
+          </p:cNvPr>
+          <p:cNvSpPr/>
+          <p:nvPr/>
+        </p:nvSpPr>
+        <p:spPr>
+          <a:xfrm>
+            <a:off x="4709162" y="1919278"/>
+            <a:ext cx="2773676" cy="818444"/>
+          </a:xfrm>
+          <a:prstGeom prst="diamond">
+            <a:avLst/>
+          </a:prstGeom>
+          <a:solidFill>
+            <a:schemeClr val="bg1">
+              <a:lumMod val="95000"/>
+            </a:schemeClr>
+          </a:solidFill>
+          <a:ln w="19050">
+            <a:solidFill>
+              <a:srgbClr val="43474A"/>
+            </a:solidFill>
+          </a:ln>
+        </p:spPr>
+        <p:style>
+          <a:lnRef idx="2">
+            <a:schemeClr val="accent1">
+              <a:shade val="50000"/>
+            </a:schemeClr>
+          </a:lnRef>
+          <a:fillRef idx="1">
+            <a:schemeClr val="accent1"/>
+          </a:fillRef>
+          <a:effectRef idx="0">
+            <a:schemeClr val="accent1"/>
+          </a:effectRef>
+          <a:fontRef idx="minor">
+            <a:schemeClr val="lt1"/>
+          </a:fontRef>
+        </p:style>
+        <p:txBody>
+          <a:bodyPr rtlCol="0" anchor="ctr"/>
+          <a:lstStyle/>
+          <a:p>
+            <a:pPr marL="0" marR="0" lvl="0" indent="0" algn="ctr" defTabSz="914400" rtl="0" eaLnBrk="1" fontAlgn="auto" latinLnBrk="1" hangingPunct="1">
+              <a:lnSpc>
+                <a:spcPct val="100000"/>
+              </a:lnSpc>
+              <a:spcBef>
+                <a:spcPts val="0"/>
+              </a:spcBef>
+              <a:spcAft>
+                <a:spcPts val="0"/>
+              </a:spcAft>
+              <a:buClrTx/>
+              <a:buSzTx/>
+              <a:buFontTx/>
+              <a:buNone/>
+              <a:tabLst/>
+              <a:defRPr/>
+            </a:pPr>
+            <a:r>
+              <a:rPr kumimoji="0" lang="en-US" altLang="ko-KR" sz="1600" b="1" i="0" u="none" strike="noStrike" kern="1200" cap="none" spc="0" normalizeH="0" baseline="0" noProof="0">
+                <a:ln>
+                  <a:noFill/>
+                </a:ln>
+                <a:solidFill>
+                  <a:srgbClr val="43474A"/>
+                </a:solidFill>
+                <a:effectLst/>
+                <a:uLnTx/>
+                <a:uFillTx/>
+                <a:latin typeface="Noto Sans KR" panose="020B0500000000000000" pitchFamily="34" charset="-127"/>
+                <a:ea typeface="Noto Sans KR" panose="020B0500000000000000" pitchFamily="34" charset="-127"/>
+                <a:cs typeface="+mn-cs"/>
+              </a:rPr>
+              <a:t>delivery</a:t>
+            </a:r>
+            <a:endParaRPr kumimoji="0" lang="ko-KR" altLang="en-US" sz="1600" b="1" i="0" u="none" strike="noStrike" kern="1200" cap="none" spc="0" normalizeH="0" baseline="0" noProof="0">
+              <a:ln>
+                <a:noFill/>
+              </a:ln>
+              <a:solidFill>
+                <a:srgbClr val="43474A"/>
+              </a:solidFill>
+              <a:effectLst/>
+              <a:uLnTx/>
+              <a:uFillTx/>
+              <a:latin typeface="Noto Sans KR" panose="020B0500000000000000" pitchFamily="34" charset="-127"/>
+              <a:ea typeface="Noto Sans KR" panose="020B0500000000000000" pitchFamily="34" charset="-127"/>
+              <a:cs typeface="+mn-cs"/>
+            </a:endParaRPr>
+          </a:p>
+        </p:txBody>
+      </p:sp>
+      <p:cxnSp>
+        <p:nvCxnSpPr>
+          <p:cNvPr id="10" name="직선 연결선 9">
+            <a:extLst>
+              <a:ext uri="{FF2B5EF4-FFF2-40B4-BE49-F238E27FC236}">
+                <a16:creationId xmlns:a16="http://schemas.microsoft.com/office/drawing/2014/main" id="{4315B88E-9A5F-6364-5D5E-F8BCBFB42BE5}"/>
+              </a:ext>
+            </a:extLst>
+          </p:cNvPr>
+          <p:cNvCxnSpPr>
+            <a:cxnSpLocks/>
+            <a:stCxn id="9" idx="1"/>
+            <a:endCxn id="21" idx="3"/>
+          </p:cNvCxnSpPr>
+          <p:nvPr/>
+        </p:nvCxnSpPr>
+        <p:spPr>
+          <a:xfrm flipH="1">
+            <a:off x="3081183" y="2328500"/>
+            <a:ext cx="1627979" cy="0"/>
+          </a:xfrm>
+          <a:prstGeom prst="line">
+            <a:avLst/>
+          </a:prstGeom>
+          <a:ln w="19050">
+            <a:solidFill>
+              <a:srgbClr val="43474A"/>
+            </a:solidFill>
+          </a:ln>
+        </p:spPr>
+        <p:style>
+          <a:lnRef idx="1">
+            <a:schemeClr val="accent1"/>
+          </a:lnRef>
+          <a:fillRef idx="0">
+            <a:schemeClr val="accent1"/>
+          </a:fillRef>
+          <a:effectRef idx="0">
+            <a:schemeClr val="accent1"/>
+          </a:effectRef>
+          <a:fontRef idx="minor">
+            <a:schemeClr val="tx1"/>
+          </a:fontRef>
+        </p:style>
+      </p:cxnSp>
+      <p:cxnSp>
+        <p:nvCxnSpPr>
+          <p:cNvPr id="11" name="직선 화살표 연결선 10">
+            <a:extLst>
+              <a:ext uri="{FF2B5EF4-FFF2-40B4-BE49-F238E27FC236}">
+                <a16:creationId xmlns:a16="http://schemas.microsoft.com/office/drawing/2014/main" id="{B981842B-A890-3619-377F-0800E12A5B99}"/>
+              </a:ext>
+            </a:extLst>
+          </p:cNvPr>
+          <p:cNvCxnSpPr>
+            <a:cxnSpLocks/>
+            <a:stCxn id="9" idx="3"/>
+            <a:endCxn id="4" idx="1"/>
+          </p:cNvCxnSpPr>
+          <p:nvPr/>
+        </p:nvCxnSpPr>
+        <p:spPr>
+          <a:xfrm>
+            <a:off x="7482838" y="2328500"/>
+            <a:ext cx="1386840" cy="10147"/>
+          </a:xfrm>
+          <a:prstGeom prst="straightConnector1">
+            <a:avLst/>
+          </a:prstGeom>
+          <a:ln w="19050">
+            <a:solidFill>
+              <a:srgbClr val="43474A"/>
+            </a:solidFill>
+            <a:tailEnd type="triangle"/>
+          </a:ln>
+        </p:spPr>
+        <p:style>
+          <a:lnRef idx="1">
+            <a:schemeClr val="accent1"/>
+          </a:lnRef>
+          <a:fillRef idx="0">
+            <a:schemeClr val="accent1"/>
+          </a:fillRef>
+          <a:effectRef idx="0">
+            <a:schemeClr val="accent1"/>
+          </a:effectRef>
+          <a:fontRef idx="minor">
+            <a:schemeClr val="tx1"/>
+          </a:fontRef>
+        </p:style>
+      </p:cxnSp>
+      <p:sp>
+        <p:nvSpPr>
+          <p:cNvPr id="13" name="TextBox 12">
+            <a:extLst>
+              <a:ext uri="{FF2B5EF4-FFF2-40B4-BE49-F238E27FC236}">
+                <a16:creationId xmlns:a16="http://schemas.microsoft.com/office/drawing/2014/main" id="{A0E3AB8A-7D7C-A9DD-FB67-7648930F6BF5}"/>
+              </a:ext>
+            </a:extLst>
+          </p:cNvPr>
+          <p:cNvSpPr txBox="1"/>
+          <p:nvPr/>
+        </p:nvSpPr>
+        <p:spPr>
+          <a:xfrm>
+            <a:off x="3906965" y="1889924"/>
+            <a:ext cx="332142" cy="369332"/>
+          </a:xfrm>
+          <a:prstGeom prst="rect">
+            <a:avLst/>
+          </a:prstGeom>
+          <a:noFill/>
+        </p:spPr>
+        <p:txBody>
+          <a:bodyPr wrap="none" rtlCol="0">
+            <a:spAutoFit/>
+          </a:bodyPr>
+          <a:lstStyle/>
+          <a:p>
+            <a:pPr marL="0" marR="0" lvl="0" indent="0" algn="l" defTabSz="914400" rtl="0" eaLnBrk="1" fontAlgn="auto" latinLnBrk="1" hangingPunct="1">
+              <a:lnSpc>
+                <a:spcPct val="100000"/>
+              </a:lnSpc>
+              <a:spcBef>
+                <a:spcPts val="0"/>
+              </a:spcBef>
+              <a:spcAft>
+                <a:spcPts val="0"/>
+              </a:spcAft>
+              <a:buClrTx/>
+              <a:buSzTx/>
+              <a:buFontTx/>
+              <a:buNone/>
+              <a:tabLst/>
+              <a:defRPr/>
+            </a:pPr>
+            <a:r>
+              <a:rPr kumimoji="0" lang="en-US" altLang="ko-KR" sz="1800" b="1" i="0" u="none" strike="noStrike" kern="1200" cap="none" spc="0" normalizeH="0" baseline="0" noProof="0">
+                <a:ln>
+                  <a:noFill/>
+                </a:ln>
+                <a:solidFill>
+                  <a:srgbClr val="43474A"/>
+                </a:solidFill>
+                <a:effectLst/>
+                <a:uLnTx/>
+                <a:uFillTx/>
+                <a:latin typeface="Noto Sans KR" panose="020B0500000000000000" pitchFamily="34" charset="-127"/>
+                <a:ea typeface="Noto Sans KR" panose="020B0500000000000000" pitchFamily="34" charset="-127"/>
+                <a:cs typeface="+mn-cs"/>
+              </a:rPr>
+              <a:t>n</a:t>
+            </a:r>
+            <a:endParaRPr kumimoji="0" lang="ko-KR" altLang="en-US" sz="1800" b="1" i="0" u="none" strike="noStrike" kern="1200" cap="none" spc="0" normalizeH="0" baseline="0" noProof="0">
+              <a:ln>
+                <a:noFill/>
+              </a:ln>
+              <a:solidFill>
+                <a:srgbClr val="43474A"/>
+              </a:solidFill>
+              <a:effectLst/>
+              <a:uLnTx/>
+              <a:uFillTx/>
+              <a:latin typeface="Noto Sans KR" panose="020B0500000000000000" pitchFamily="34" charset="-127"/>
+              <a:ea typeface="Noto Sans KR" panose="020B0500000000000000" pitchFamily="34" charset="-127"/>
+              <a:cs typeface="+mn-cs"/>
+            </a:endParaRPr>
+          </a:p>
+        </p:txBody>
+      </p:sp>
+      <p:sp>
+        <p:nvSpPr>
+          <p:cNvPr id="14" name="TextBox 13">
+            <a:extLst>
+              <a:ext uri="{FF2B5EF4-FFF2-40B4-BE49-F238E27FC236}">
+                <a16:creationId xmlns:a16="http://schemas.microsoft.com/office/drawing/2014/main" id="{7736D7CC-27F2-CC48-E008-42ACC2B0BC4E}"/>
+              </a:ext>
+            </a:extLst>
+          </p:cNvPr>
+          <p:cNvSpPr txBox="1"/>
+          <p:nvPr/>
+        </p:nvSpPr>
+        <p:spPr>
+          <a:xfrm>
+            <a:off x="7929566" y="1907692"/>
+            <a:ext cx="332142" cy="369332"/>
+          </a:xfrm>
+          <a:prstGeom prst="rect">
+            <a:avLst/>
+          </a:prstGeom>
+          <a:noFill/>
+        </p:spPr>
+        <p:txBody>
+          <a:bodyPr wrap="square" rtlCol="0">
+            <a:spAutoFit/>
+          </a:bodyPr>
+          <a:lstStyle/>
+          <a:p>
+            <a:pPr marL="0" marR="0" lvl="0" indent="0" algn="l" defTabSz="914400" rtl="0" eaLnBrk="1" fontAlgn="auto" latinLnBrk="1" hangingPunct="1">
+              <a:lnSpc>
+                <a:spcPct val="100000"/>
+              </a:lnSpc>
+              <a:spcBef>
+                <a:spcPts val="0"/>
+              </a:spcBef>
+              <a:spcAft>
+                <a:spcPts val="0"/>
+              </a:spcAft>
+              <a:buClrTx/>
+              <a:buSzTx/>
+              <a:buFontTx/>
+              <a:buNone/>
+              <a:tabLst/>
+              <a:defRPr/>
+            </a:pPr>
+            <a:r>
+              <a:rPr kumimoji="0" lang="en-US" altLang="ko-KR" sz="1800" b="1" i="0" u="none" strike="noStrike" kern="1200" cap="none" spc="0" normalizeH="0" baseline="0" noProof="0">
+                <a:ln>
+                  <a:noFill/>
+                </a:ln>
+                <a:solidFill>
+                  <a:srgbClr val="43474A"/>
+                </a:solidFill>
+                <a:effectLst/>
+                <a:uLnTx/>
+                <a:uFillTx/>
+                <a:latin typeface="Noto Sans KR" panose="020B0500000000000000" pitchFamily="34" charset="-127"/>
+                <a:ea typeface="Noto Sans KR" panose="020B0500000000000000" pitchFamily="34" charset="-127"/>
+                <a:cs typeface="+mn-cs"/>
+              </a:rPr>
+              <a:t>1</a:t>
+            </a:r>
+            <a:endParaRPr kumimoji="0" lang="ko-KR" altLang="en-US" sz="1800" b="1" i="0" u="none" strike="noStrike" kern="1200" cap="none" spc="0" normalizeH="0" baseline="0" noProof="0">
+              <a:ln>
+                <a:noFill/>
+              </a:ln>
+              <a:solidFill>
+                <a:srgbClr val="43474A"/>
+              </a:solidFill>
+              <a:effectLst/>
+              <a:uLnTx/>
+              <a:uFillTx/>
+              <a:latin typeface="Noto Sans KR" panose="020B0500000000000000" pitchFamily="34" charset="-127"/>
+              <a:ea typeface="Noto Sans KR" panose="020B0500000000000000" pitchFamily="34" charset="-127"/>
+              <a:cs typeface="+mn-cs"/>
+            </a:endParaRPr>
+          </a:p>
+        </p:txBody>
+      </p:sp>
+      <p:grpSp>
+        <p:nvGrpSpPr>
+          <p:cNvPr id="20" name="그룹 19">
+            <a:extLst>
+              <a:ext uri="{FF2B5EF4-FFF2-40B4-BE49-F238E27FC236}">
+                <a16:creationId xmlns:a16="http://schemas.microsoft.com/office/drawing/2014/main" id="{B720F2B5-9811-2F2B-E8AC-CA07CBB91ED3}"/>
+              </a:ext>
+            </a:extLst>
+          </p:cNvPr>
+          <p:cNvGrpSpPr/>
+          <p:nvPr/>
+        </p:nvGrpSpPr>
+        <p:grpSpPr>
+          <a:xfrm>
+            <a:off x="1324356" y="2066925"/>
+            <a:ext cx="1756827" cy="2054774"/>
+            <a:chOff x="7839003" y="2742079"/>
+            <a:chExt cx="1401525" cy="2054774"/>
+          </a:xfrm>
+        </p:grpSpPr>
+        <p:sp>
+          <p:nvSpPr>
+            <p:cNvPr id="21" name="직사각형 20">
+              <a:extLst>
+                <a:ext uri="{FF2B5EF4-FFF2-40B4-BE49-F238E27FC236}">
+                  <a16:creationId xmlns:a16="http://schemas.microsoft.com/office/drawing/2014/main" id="{1117AAD7-BB07-0B12-63AD-B222673DA304}"/>
+                </a:ext>
+              </a:extLst>
+            </p:cNvPr>
+            <p:cNvSpPr/>
+            <p:nvPr/>
+          </p:nvSpPr>
+          <p:spPr>
+            <a:xfrm>
+              <a:off x="7839003" y="2742079"/>
+              <a:ext cx="1401525" cy="523150"/>
+            </a:xfrm>
+            <a:prstGeom prst="rect">
+              <a:avLst/>
+            </a:prstGeom>
+            <a:solidFill>
+              <a:schemeClr val="bg1">
+                <a:lumMod val="95000"/>
+              </a:schemeClr>
+            </a:solidFill>
+            <a:ln w="19050">
+              <a:solidFill>
+                <a:srgbClr val="43474A"/>
+              </a:solidFill>
+            </a:ln>
+          </p:spPr>
+          <p:style>
+            <a:lnRef idx="2">
+              <a:schemeClr val="accent1">
+                <a:shade val="50000"/>
+              </a:schemeClr>
+            </a:lnRef>
+            <a:fillRef idx="1">
+              <a:schemeClr val="accent1"/>
+            </a:fillRef>
+            <a:effectRef idx="0">
+              <a:schemeClr val="accent1"/>
+            </a:effectRef>
+            <a:fontRef idx="minor">
+              <a:schemeClr val="lt1"/>
+            </a:fontRef>
+          </p:style>
+          <p:txBody>
+            <a:bodyPr rtlCol="0" anchor="ctr"/>
+            <a:lstStyle/>
+            <a:p>
+              <a:pPr marL="0" marR="0" lvl="0" indent="0" algn="ctr" defTabSz="914400" rtl="0" eaLnBrk="1" fontAlgn="auto" latinLnBrk="1" hangingPunct="1">
+                <a:lnSpc>
+                  <a:spcPct val="100000"/>
+                </a:lnSpc>
+                <a:spcBef>
+                  <a:spcPts val="0"/>
+                </a:spcBef>
+                <a:spcAft>
+                  <a:spcPts val="0"/>
+                </a:spcAft>
+                <a:buClrTx/>
+                <a:buSzTx/>
+                <a:buFontTx/>
+                <a:buNone/>
+                <a:tabLst/>
+                <a:defRPr/>
+              </a:pPr>
+              <a:r>
+                <a:rPr kumimoji="0" lang="en-US" altLang="ko-KR" sz="1600" b="1" i="0" u="none" strike="noStrike" kern="1200" cap="none" spc="0" normalizeH="0" baseline="0" noProof="0">
+                  <a:ln>
+                    <a:noFill/>
+                  </a:ln>
+                  <a:solidFill>
+                    <a:srgbClr val="43474A"/>
+                  </a:solidFill>
+                  <a:effectLst/>
+                  <a:uLnTx/>
+                  <a:uFillTx/>
+                  <a:latin typeface="Noto Sans KR" panose="020B0500000000000000" pitchFamily="34" charset="-127"/>
+                  <a:ea typeface="Noto Sans KR" panose="020B0500000000000000" pitchFamily="34" charset="-127"/>
+                  <a:cs typeface="+mn-cs"/>
+                </a:rPr>
+                <a:t>order</a:t>
+              </a:r>
+              <a:endParaRPr kumimoji="0" lang="ko-KR" altLang="en-US" sz="1600" b="1" i="0" u="none" strike="noStrike" kern="1200" cap="none" spc="0" normalizeH="0" baseline="0" noProof="0">
+                <a:ln>
+                  <a:noFill/>
+                </a:ln>
+                <a:solidFill>
+                  <a:srgbClr val="43474A"/>
+                </a:solidFill>
+                <a:effectLst/>
+                <a:uLnTx/>
+                <a:uFillTx/>
+                <a:latin typeface="Noto Sans KR" panose="020B0500000000000000" pitchFamily="34" charset="-127"/>
+                <a:ea typeface="Noto Sans KR" panose="020B0500000000000000" pitchFamily="34" charset="-127"/>
+                <a:cs typeface="+mn-cs"/>
+              </a:endParaRPr>
+            </a:p>
+          </p:txBody>
+        </p:sp>
+        <p:sp>
+          <p:nvSpPr>
+            <p:cNvPr id="22" name="직사각형 21">
+              <a:extLst>
+                <a:ext uri="{FF2B5EF4-FFF2-40B4-BE49-F238E27FC236}">
+                  <a16:creationId xmlns:a16="http://schemas.microsoft.com/office/drawing/2014/main" id="{86609797-1F52-7631-412F-A3922E2EBA2F}"/>
+                </a:ext>
+              </a:extLst>
+            </p:cNvPr>
+            <p:cNvSpPr/>
+            <p:nvPr/>
+          </p:nvSpPr>
+          <p:spPr>
+            <a:xfrm>
+              <a:off x="7839003" y="3257564"/>
+              <a:ext cx="1401525" cy="1539289"/>
+            </a:xfrm>
+            <a:prstGeom prst="rect">
+              <a:avLst/>
+            </a:prstGeom>
+            <a:solidFill>
+              <a:schemeClr val="bg1">
+                <a:lumMod val="95000"/>
+              </a:schemeClr>
+            </a:solidFill>
+            <a:ln w="19050">
+              <a:solidFill>
+                <a:srgbClr val="43474A"/>
+              </a:solidFill>
+            </a:ln>
+          </p:spPr>
+          <p:style>
+            <a:lnRef idx="2">
+              <a:schemeClr val="accent1">
+                <a:shade val="50000"/>
+              </a:schemeClr>
+            </a:lnRef>
+            <a:fillRef idx="1">
+              <a:schemeClr val="accent1"/>
+            </a:fillRef>
+            <a:effectRef idx="0">
+              <a:schemeClr val="accent1"/>
+            </a:effectRef>
+            <a:fontRef idx="minor">
+              <a:schemeClr val="lt1"/>
+            </a:fontRef>
+          </p:style>
+          <p:txBody>
+            <a:bodyPr rtlCol="0" anchor="ctr"/>
+            <a:lstStyle/>
+            <a:p>
+              <a:pPr marL="0" marR="0" lvl="0" indent="0" algn="just" defTabSz="914400" rtl="0" eaLnBrk="1" fontAlgn="auto" latinLnBrk="1" hangingPunct="1">
+                <a:lnSpc>
+                  <a:spcPct val="100000"/>
+                </a:lnSpc>
+                <a:spcBef>
+                  <a:spcPts val="0"/>
+                </a:spcBef>
+                <a:spcAft>
+                  <a:spcPts val="0"/>
+                </a:spcAft>
+                <a:buClrTx/>
+                <a:buSzTx/>
+                <a:buFontTx/>
+                <a:buNone/>
+                <a:tabLst/>
+                <a:defRPr/>
+              </a:pPr>
+              <a:r>
+                <a:rPr kumimoji="0" lang="en-US" altLang="ko-KR" sz="1600" b="0" i="0" u="none" strike="noStrike" kern="1200" cap="none" spc="0" normalizeH="0" baseline="0" noProof="0">
+                  <a:ln>
+                    <a:noFill/>
+                  </a:ln>
+                  <a:solidFill>
+                    <a:srgbClr val="43474A"/>
+                  </a:solidFill>
+                  <a:effectLst/>
+                  <a:uLnTx/>
+                  <a:uFillTx/>
+                  <a:latin typeface="Noto Sans KR" panose="020B0500000000000000" pitchFamily="34" charset="-127"/>
+                  <a:ea typeface="Noto Sans KR" panose="020B0500000000000000" pitchFamily="34" charset="-127"/>
+                  <a:cs typeface="+mn-cs"/>
+                </a:rPr>
+                <a:t>order_id</a:t>
+              </a:r>
+            </a:p>
+            <a:p>
+              <a:pPr marL="0" marR="0" lvl="0" indent="0" algn="just" defTabSz="914400" rtl="0" eaLnBrk="1" fontAlgn="auto" latinLnBrk="1" hangingPunct="1">
+                <a:lnSpc>
+                  <a:spcPct val="100000"/>
+                </a:lnSpc>
+                <a:spcBef>
+                  <a:spcPts val="0"/>
+                </a:spcBef>
+                <a:spcAft>
+                  <a:spcPts val="0"/>
+                </a:spcAft>
+                <a:buClrTx/>
+                <a:buSzTx/>
+                <a:buFontTx/>
+                <a:buNone/>
+                <a:tabLst/>
+                <a:defRPr/>
+              </a:pPr>
+              <a:r>
+                <a:rPr kumimoji="0" lang="en-US" altLang="ko-KR" sz="1600" b="0" i="0" u="none" strike="noStrike" kern="1200" cap="none" spc="0" normalizeH="0" baseline="0" noProof="0">
+                  <a:ln>
+                    <a:noFill/>
+                  </a:ln>
+                  <a:solidFill>
+                    <a:srgbClr val="43474A"/>
+                  </a:solidFill>
+                  <a:effectLst/>
+                  <a:uLnTx/>
+                  <a:uFillTx/>
+                  <a:latin typeface="Noto Sans KR" panose="020B0500000000000000" pitchFamily="34" charset="-127"/>
+                  <a:ea typeface="Noto Sans KR" panose="020B0500000000000000" pitchFamily="34" charset="-127"/>
+                  <a:cs typeface="+mn-cs"/>
+                </a:rPr>
+                <a:t>order_date</a:t>
+              </a:r>
+            </a:p>
+            <a:p>
+              <a:pPr marL="0" marR="0" lvl="0" indent="0" algn="just" defTabSz="914400" rtl="0" eaLnBrk="1" fontAlgn="auto" latinLnBrk="1" hangingPunct="1">
+                <a:lnSpc>
+                  <a:spcPct val="100000"/>
+                </a:lnSpc>
+                <a:spcBef>
+                  <a:spcPts val="0"/>
+                </a:spcBef>
+                <a:spcAft>
+                  <a:spcPts val="0"/>
+                </a:spcAft>
+                <a:buClrTx/>
+                <a:buSzTx/>
+                <a:buFontTx/>
+                <a:buNone/>
+                <a:tabLst/>
+                <a:defRPr/>
+              </a:pPr>
+              <a:r>
+                <a:rPr kumimoji="0" lang="en-US" altLang="ko-KR" sz="1600" b="0" i="0" u="none" strike="noStrike" kern="1200" cap="none" spc="0" normalizeH="0" baseline="0" noProof="0">
+                  <a:ln>
+                    <a:noFill/>
+                  </a:ln>
+                  <a:solidFill>
+                    <a:srgbClr val="43474A"/>
+                  </a:solidFill>
+                  <a:effectLst/>
+                  <a:uLnTx/>
+                  <a:uFillTx/>
+                  <a:latin typeface="Noto Sans KR" panose="020B0500000000000000" pitchFamily="34" charset="-127"/>
+                  <a:ea typeface="Noto Sans KR" panose="020B0500000000000000" pitchFamily="34" charset="-127"/>
+                  <a:cs typeface="+mn-cs"/>
+                </a:rPr>
+                <a:t>num_of_item</a:t>
+              </a:r>
+            </a:p>
+            <a:p>
+              <a:pPr marL="0" marR="0" lvl="0" indent="0" algn="just" defTabSz="914400" rtl="0" eaLnBrk="1" fontAlgn="auto" latinLnBrk="1" hangingPunct="1">
+                <a:lnSpc>
+                  <a:spcPct val="100000"/>
+                </a:lnSpc>
+                <a:spcBef>
+                  <a:spcPts val="0"/>
+                </a:spcBef>
+                <a:spcAft>
+                  <a:spcPts val="0"/>
+                </a:spcAft>
+                <a:buClrTx/>
+                <a:buSzTx/>
+                <a:buFontTx/>
+                <a:buNone/>
+                <a:tabLst/>
+                <a:defRPr/>
+              </a:pPr>
+              <a:r>
+                <a:rPr kumimoji="0" lang="en-US" altLang="ko-KR" sz="1600" b="0" i="0" u="none" strike="noStrike" kern="1200" cap="none" spc="0" normalizeH="0" baseline="0" noProof="0">
+                  <a:ln>
+                    <a:noFill/>
+                  </a:ln>
+                  <a:solidFill>
+                    <a:srgbClr val="43474A"/>
+                  </a:solidFill>
+                  <a:effectLst/>
+                  <a:uLnTx/>
+                  <a:uFillTx/>
+                  <a:latin typeface="Noto Sans KR" panose="020B0500000000000000" pitchFamily="34" charset="-127"/>
+                  <a:ea typeface="Noto Sans KR" panose="020B0500000000000000" pitchFamily="34" charset="-127"/>
+                  <a:cs typeface="+mn-cs"/>
+                </a:rPr>
+                <a:t>total_price</a:t>
+              </a:r>
+              <a:endParaRPr kumimoji="0" lang="ko-KR" altLang="en-US" sz="1600" b="0" i="0" u="none" strike="noStrike" kern="1200" cap="none" spc="0" normalizeH="0" baseline="0" noProof="0">
+                <a:ln>
+                  <a:noFill/>
+                </a:ln>
+                <a:solidFill>
+                  <a:srgbClr val="43474A"/>
+                </a:solidFill>
+                <a:effectLst/>
+                <a:uLnTx/>
+                <a:uFillTx/>
+                <a:latin typeface="Noto Sans KR" panose="020B0500000000000000" pitchFamily="34" charset="-127"/>
+                <a:ea typeface="Noto Sans KR" panose="020B0500000000000000" pitchFamily="34" charset="-127"/>
+                <a:cs typeface="+mn-cs"/>
+              </a:endParaRPr>
+            </a:p>
+          </p:txBody>
+        </p:sp>
+      </p:grpSp>
+      <p:grpSp>
+        <p:nvGrpSpPr>
+          <p:cNvPr id="3" name="그룹 2">
+            <a:extLst>
+              <a:ext uri="{FF2B5EF4-FFF2-40B4-BE49-F238E27FC236}">
+                <a16:creationId xmlns:a16="http://schemas.microsoft.com/office/drawing/2014/main" id="{439CBA30-DAA5-61E9-B426-BF1FC09A2A75}"/>
+              </a:ext>
+            </a:extLst>
+          </p:cNvPr>
+          <p:cNvGrpSpPr/>
+          <p:nvPr/>
+        </p:nvGrpSpPr>
+        <p:grpSpPr>
+          <a:xfrm>
+            <a:off x="8869678" y="2077072"/>
+            <a:ext cx="1756827" cy="1529550"/>
+            <a:chOff x="7839003" y="2742079"/>
+            <a:chExt cx="1401525" cy="1529550"/>
+          </a:xfrm>
+        </p:grpSpPr>
+        <p:sp>
+          <p:nvSpPr>
+            <p:cNvPr id="4" name="직사각형 3">
+              <a:extLst>
+                <a:ext uri="{FF2B5EF4-FFF2-40B4-BE49-F238E27FC236}">
+                  <a16:creationId xmlns:a16="http://schemas.microsoft.com/office/drawing/2014/main" id="{265EB601-EA52-A195-2993-A7CE2C603C39}"/>
+                </a:ext>
+              </a:extLst>
+            </p:cNvPr>
+            <p:cNvSpPr/>
+            <p:nvPr/>
+          </p:nvSpPr>
+          <p:spPr>
+            <a:xfrm>
+              <a:off x="7839003" y="2742079"/>
+              <a:ext cx="1401525" cy="523150"/>
+            </a:xfrm>
+            <a:prstGeom prst="rect">
+              <a:avLst/>
+            </a:prstGeom>
+            <a:solidFill>
+              <a:schemeClr val="bg1">
+                <a:lumMod val="95000"/>
+              </a:schemeClr>
+            </a:solidFill>
+            <a:ln w="19050">
+              <a:solidFill>
+                <a:srgbClr val="43474A"/>
+              </a:solidFill>
+            </a:ln>
+          </p:spPr>
+          <p:style>
+            <a:lnRef idx="2">
+              <a:schemeClr val="accent1">
+                <a:shade val="50000"/>
+              </a:schemeClr>
+            </a:lnRef>
+            <a:fillRef idx="1">
+              <a:schemeClr val="accent1"/>
+            </a:fillRef>
+            <a:effectRef idx="0">
+              <a:schemeClr val="accent1"/>
+            </a:effectRef>
+            <a:fontRef idx="minor">
+              <a:schemeClr val="lt1"/>
+            </a:fontRef>
+          </p:style>
+          <p:txBody>
+            <a:bodyPr rtlCol="0" anchor="ctr"/>
+            <a:lstStyle/>
+            <a:p>
+              <a:pPr algn="ctr"/>
+              <a:r>
+                <a:rPr lang="en-US" altLang="ko-KR" sz="1600" b="1">
+                  <a:solidFill>
+                    <a:srgbClr val="43474A"/>
+                  </a:solidFill>
+                  <a:latin typeface="Noto Sans KR" panose="020B0500000000000000" pitchFamily="34" charset="-127"/>
+                  <a:ea typeface="Noto Sans KR" panose="020B0500000000000000" pitchFamily="34" charset="-127"/>
+                </a:rPr>
+                <a:t>courier</a:t>
+              </a:r>
+              <a:endParaRPr lang="ko-KR" altLang="en-US" b="1">
+                <a:solidFill>
+                  <a:srgbClr val="43474A"/>
+                </a:solidFill>
+                <a:latin typeface="Noto Sans KR" panose="020B0500000000000000" pitchFamily="34" charset="-127"/>
+                <a:ea typeface="Noto Sans KR" panose="020B0500000000000000" pitchFamily="34" charset="-127"/>
+              </a:endParaRPr>
+            </a:p>
+          </p:txBody>
+        </p:sp>
+        <p:sp>
+          <p:nvSpPr>
+            <p:cNvPr id="5" name="직사각형 4">
+              <a:extLst>
+                <a:ext uri="{FF2B5EF4-FFF2-40B4-BE49-F238E27FC236}">
+                  <a16:creationId xmlns:a16="http://schemas.microsoft.com/office/drawing/2014/main" id="{9093CAB8-1C25-3630-0AA0-903ADFBC7458}"/>
+                </a:ext>
+              </a:extLst>
+            </p:cNvPr>
+            <p:cNvSpPr/>
+            <p:nvPr/>
+          </p:nvSpPr>
+          <p:spPr>
+            <a:xfrm>
+              <a:off x="7839003" y="3257564"/>
+              <a:ext cx="1401525" cy="1014065"/>
+            </a:xfrm>
+            <a:prstGeom prst="rect">
+              <a:avLst/>
+            </a:prstGeom>
+            <a:solidFill>
+              <a:schemeClr val="bg1">
+                <a:lumMod val="95000"/>
+              </a:schemeClr>
+            </a:solidFill>
+            <a:ln w="19050">
+              <a:solidFill>
+                <a:srgbClr val="43474A"/>
+              </a:solidFill>
+            </a:ln>
+          </p:spPr>
+          <p:style>
+            <a:lnRef idx="2">
+              <a:schemeClr val="accent1">
+                <a:shade val="50000"/>
+              </a:schemeClr>
+            </a:lnRef>
+            <a:fillRef idx="1">
+              <a:schemeClr val="accent1"/>
+            </a:fillRef>
+            <a:effectRef idx="0">
+              <a:schemeClr val="accent1"/>
+            </a:effectRef>
+            <a:fontRef idx="minor">
+              <a:schemeClr val="lt1"/>
+            </a:fontRef>
+          </p:style>
+          <p:txBody>
+            <a:bodyPr rtlCol="0" anchor="ctr"/>
+            <a:lstStyle/>
+            <a:p>
+              <a:pPr algn="just"/>
+              <a:r>
+                <a:rPr lang="en-US" altLang="ko-KR" sz="1600">
+                  <a:solidFill>
+                    <a:srgbClr val="43474A"/>
+                  </a:solidFill>
+                  <a:latin typeface="Noto Sans KR" panose="020B0500000000000000" pitchFamily="34" charset="-127"/>
+                  <a:ea typeface="Noto Sans KR" panose="020B0500000000000000" pitchFamily="34" charset="-127"/>
+                </a:rPr>
+                <a:t>courier_id</a:t>
+              </a:r>
+            </a:p>
+            <a:p>
+              <a:pPr algn="just"/>
+              <a:r>
+                <a:rPr lang="en-US" altLang="ko-KR" sz="1600">
+                  <a:solidFill>
+                    <a:srgbClr val="43474A"/>
+                  </a:solidFill>
+                  <a:latin typeface="Noto Sans KR" panose="020B0500000000000000" pitchFamily="34" charset="-127"/>
+                  <a:ea typeface="Noto Sans KR" panose="020B0500000000000000" pitchFamily="34" charset="-127"/>
+                </a:rPr>
+                <a:t>courier_tel</a:t>
+              </a:r>
+            </a:p>
+          </p:txBody>
+        </p:sp>
+      </p:grpSp>
     </p:spTree>
     <p:extLst>
       <p:ext uri="{BB962C8B-B14F-4D97-AF65-F5344CB8AC3E}">
-        <p14:creationId xmlns:p14="http://schemas.microsoft.com/office/powerpoint/2010/main" val="596292026"/>
+        <p14:creationId xmlns:p14="http://schemas.microsoft.com/office/powerpoint/2010/main" val="2730194531"/>
       </p:ext>
     </p:extLst>
   </p:cSld>

--- a/데이터베이스설계 과제 4.pptx
+++ b/데이터베이스설계 과제 4.pptx
@@ -23145,7 +23145,7 @@
                   <a:noFill/>
                 </a:ln>
                 <a:solidFill>
-                  <a:srgbClr val="43474A"/>
+                  <a:schemeClr val="accent1"/>
                 </a:solidFill>
                 <a:effectLst/>
                 <a:uLnTx/>
